--- a/Documents/Produktpraesentation_Bierweiler.pptx
+++ b/Documents/Produktpraesentation_Bierweiler.pptx
@@ -135,7 +135,7 @@
 <file path=ppt/revisionInfo.xml><?xml version="1.0" encoding="utf-8"?>
 <p1510:revInfo xmlns:a="http://schemas.openxmlformats.org/drawingml/2006/main" xmlns:r="http://schemas.openxmlformats.org/officeDocument/2006/relationships" xmlns:p1510="http://schemas.microsoft.com/office/powerpoint/2015/10/main">
   <p1510:revLst>
-    <p1510:client id="{73F7B65B-6451-4549-8C5D-CF0E4DFC531E}" v="53" dt="2022-07-02T10:24:20.080"/>
+    <p1510:client id="{73F7B65B-6451-4549-8C5D-CF0E4DFC531E}" v="57" dt="2022-07-03T15:47:26.256"/>
   </p1510:revLst>
 </p1510:revInfo>
 </file>
@@ -145,7 +145,7 @@
   <pc:docChgLst>
     <pc:chgData name="Sebastian Birkenmeier" userId="65018236be50b083" providerId="LiveId" clId="{73F7B65B-6451-4549-8C5D-CF0E4DFC531E}"/>
     <pc:docChg chg="undo custSel modSld">
-      <pc:chgData name="Sebastian Birkenmeier" userId="65018236be50b083" providerId="LiveId" clId="{73F7B65B-6451-4549-8C5D-CF0E4DFC531E}" dt="2022-07-02T10:24:41.230" v="118" actId="478"/>
+      <pc:chgData name="Sebastian Birkenmeier" userId="65018236be50b083" providerId="LiveId" clId="{73F7B65B-6451-4549-8C5D-CF0E4DFC531E}" dt="2022-07-03T15:47:26.256" v="124"/>
       <pc:docMkLst>
         <pc:docMk/>
       </pc:docMkLst>
@@ -165,11 +165,27 @@
         </pc:spChg>
       </pc:sldChg>
       <pc:sldChg chg="addSp delSp modSp mod modAnim">
-        <pc:chgData name="Sebastian Birkenmeier" userId="65018236be50b083" providerId="LiveId" clId="{73F7B65B-6451-4549-8C5D-CF0E4DFC531E}" dt="2022-07-02T10:24:41.230" v="118" actId="478"/>
+        <pc:chgData name="Sebastian Birkenmeier" userId="65018236be50b083" providerId="LiveId" clId="{73F7B65B-6451-4549-8C5D-CF0E4DFC531E}" dt="2022-07-03T15:47:26.256" v="124"/>
         <pc:sldMkLst>
           <pc:docMk/>
           <pc:sldMk cId="577859110" sldId="257"/>
         </pc:sldMkLst>
+        <pc:spChg chg="add del">
+          <ac:chgData name="Sebastian Birkenmeier" userId="65018236be50b083" providerId="LiveId" clId="{73F7B65B-6451-4549-8C5D-CF0E4DFC531E}" dt="2022-07-03T15:47:20.939" v="123" actId="22"/>
+          <ac:spMkLst>
+            <pc:docMk/>
+            <pc:sldMk cId="577859110" sldId="257"/>
+            <ac:spMk id="6" creationId="{0C58EED3-E7B9-3A34-4FD2-91A148A78469}"/>
+          </ac:spMkLst>
+        </pc:spChg>
+        <pc:spChg chg="add mod">
+          <ac:chgData name="Sebastian Birkenmeier" userId="65018236be50b083" providerId="LiveId" clId="{73F7B65B-6451-4549-8C5D-CF0E4DFC531E}" dt="2022-07-03T15:47:26.256" v="124"/>
+          <ac:spMkLst>
+            <pc:docMk/>
+            <pc:sldMk cId="577859110" sldId="257"/>
+            <ac:spMk id="7" creationId="{AD6E233A-4514-19B4-DE7D-EA9E6B89272B}"/>
+          </ac:spMkLst>
+        </pc:spChg>
         <pc:picChg chg="add del mod">
           <ac:chgData name="Sebastian Birkenmeier" userId="65018236be50b083" providerId="LiveId" clId="{73F7B65B-6451-4549-8C5D-CF0E4DFC531E}" dt="2022-07-02T10:24:41.230" v="118" actId="478"/>
           <ac:picMkLst>
@@ -259,7 +275,7 @@
         </pc:graphicFrameChg>
       </pc:sldChg>
       <pc:sldChg chg="modAnim">
-        <pc:chgData name="Sebastian Birkenmeier" userId="65018236be50b083" providerId="LiveId" clId="{73F7B65B-6451-4549-8C5D-CF0E4DFC531E}" dt="2022-07-02T10:21:50.902" v="112"/>
+        <pc:chgData name="Sebastian Birkenmeier" userId="65018236be50b083" providerId="LiveId" clId="{73F7B65B-6451-4549-8C5D-CF0E4DFC531E}" dt="2022-07-03T15:46:15.344" v="121"/>
         <pc:sldMkLst>
           <pc:docMk/>
           <pc:sldMk cId="2554844030" sldId="261"/>
@@ -397,7 +413,7 @@
           <a:p>
             <a:fld id="{764284CA-2FFE-42F8-B655-6B9C440A42C0}" type="datetimeFigureOut">
               <a:rPr lang="de-DE" smtClean="0"/>
-              <a:t>02.07.2022</a:t>
+              <a:t>03.07.2022</a:t>
             </a:fld>
             <a:endParaRPr lang="de-DE"/>
           </a:p>
@@ -826,7 +842,7 @@
           <a:p>
             <a:fld id="{7C1D7B5E-0C64-44F6-9E4E-08B6EB51C12E}" type="datetime1">
               <a:rPr lang="de-DE" smtClean="0"/>
-              <a:t>02.07.2022</a:t>
+              <a:t>03.07.2022</a:t>
             </a:fld>
             <a:endParaRPr lang="de-DE"/>
           </a:p>
@@ -1055,7 +1071,7 @@
           <a:p>
             <a:fld id="{AA216687-67D2-4799-83E7-848D0A3012AB}" type="datetime1">
               <a:rPr lang="de-DE" smtClean="0"/>
-              <a:t>02.07.2022</a:t>
+              <a:t>03.07.2022</a:t>
             </a:fld>
             <a:endParaRPr lang="de-DE"/>
           </a:p>
@@ -1263,7 +1279,7 @@
           <a:p>
             <a:fld id="{C9981B56-1CC0-446B-992A-C3319D92BE7F}" type="datetime1">
               <a:rPr lang="de-DE" smtClean="0"/>
-              <a:t>02.07.2022</a:t>
+              <a:t>03.07.2022</a:t>
             </a:fld>
             <a:endParaRPr lang="de-DE"/>
           </a:p>
@@ -1461,7 +1477,7 @@
           <a:p>
             <a:fld id="{DA0D6257-76B1-4D99-928B-8118749BCCE4}" type="datetime1">
               <a:rPr lang="de-DE" smtClean="0"/>
-              <a:t>02.07.2022</a:t>
+              <a:t>03.07.2022</a:t>
             </a:fld>
             <a:endParaRPr lang="de-DE"/>
           </a:p>
@@ -1736,7 +1752,7 @@
           <a:p>
             <a:fld id="{26E24262-B3BF-4B02-8D39-940B2DE5F8CB}" type="datetime1">
               <a:rPr lang="de-DE" smtClean="0"/>
-              <a:t>02.07.2022</a:t>
+              <a:t>03.07.2022</a:t>
             </a:fld>
             <a:endParaRPr lang="de-DE"/>
           </a:p>
@@ -2001,7 +2017,7 @@
           <a:p>
             <a:fld id="{F08DB7BF-EDE1-461B-953F-946DC4A14CE4}" type="datetime1">
               <a:rPr lang="de-DE" smtClean="0"/>
-              <a:t>02.07.2022</a:t>
+              <a:t>03.07.2022</a:t>
             </a:fld>
             <a:endParaRPr lang="de-DE"/>
           </a:p>
@@ -2413,7 +2429,7 @@
           <a:p>
             <a:fld id="{F6672DED-E9DC-4DB0-8B7D-C6668A7AD1BB}" type="datetime1">
               <a:rPr lang="de-DE" smtClean="0"/>
-              <a:t>02.07.2022</a:t>
+              <a:t>03.07.2022</a:t>
             </a:fld>
             <a:endParaRPr lang="de-DE"/>
           </a:p>
@@ -2554,7 +2570,7 @@
           <a:p>
             <a:fld id="{151529D1-9679-47C1-AB78-8399A20BA7A8}" type="datetime1">
               <a:rPr lang="de-DE" smtClean="0"/>
-              <a:t>02.07.2022</a:t>
+              <a:t>03.07.2022</a:t>
             </a:fld>
             <a:endParaRPr lang="de-DE"/>
           </a:p>
@@ -2667,7 +2683,7 @@
           <a:p>
             <a:fld id="{B0C8CB00-37F1-459E-B13E-53FD80F908E4}" type="datetime1">
               <a:rPr lang="de-DE" smtClean="0"/>
-              <a:t>02.07.2022</a:t>
+              <a:t>03.07.2022</a:t>
             </a:fld>
             <a:endParaRPr lang="de-DE"/>
           </a:p>
@@ -2978,7 +2994,7 @@
           <a:p>
             <a:fld id="{962656E5-2165-46AD-8872-F250B3890984}" type="datetime1">
               <a:rPr lang="de-DE" smtClean="0"/>
-              <a:t>02.07.2022</a:t>
+              <a:t>03.07.2022</a:t>
             </a:fld>
             <a:endParaRPr lang="de-DE"/>
           </a:p>
@@ -3266,7 +3282,7 @@
           <a:p>
             <a:fld id="{7F06984E-DD2E-4AE1-9495-8CCA503E945E}" type="datetime1">
               <a:rPr lang="de-DE" smtClean="0"/>
-              <a:t>02.07.2022</a:t>
+              <a:t>03.07.2022</a:t>
             </a:fld>
             <a:endParaRPr lang="de-DE"/>
           </a:p>
@@ -3508,7 +3524,7 @@
             <a:fld id="{F53A2B2D-7944-41FB-9249-083B5889C651}" type="datetime1">
               <a:rPr lang="de-DE" smtClean="0"/>
               <a:pPr/>
-              <a:t>02.07.2022</a:t>
+              <a:t>03.07.2022</a:t>
             </a:fld>
             <a:endParaRPr lang="de-DE"/>
           </a:p>
@@ -4018,6 +4034,61 @@
           </a:prstGeom>
         </p:spPr>
       </p:pic>
+      <p:sp>
+        <p:nvSpPr>
+          <p:cNvPr id="7" name="Textfeld 6">
+            <a:extLst>
+              <a:ext uri="{FF2B5EF4-FFF2-40B4-BE49-F238E27FC236}">
+                <a16:creationId xmlns:a16="http://schemas.microsoft.com/office/drawing/2014/main" id="{AD6E233A-4514-19B4-DE7D-EA9E6B89272B}"/>
+              </a:ext>
+            </a:extLst>
+          </p:cNvPr>
+          <p:cNvSpPr txBox="1"/>
+          <p:nvPr/>
+        </p:nvSpPr>
+        <p:spPr>
+          <a:xfrm>
+            <a:off x="2837762" y="6445536"/>
+            <a:ext cx="6516477" cy="369332"/>
+          </a:xfrm>
+          <a:prstGeom prst="rect">
+            <a:avLst/>
+          </a:prstGeom>
+          <a:noFill/>
+        </p:spPr>
+        <p:txBody>
+          <a:bodyPr wrap="square" rtlCol="0">
+            <a:spAutoFit/>
+          </a:bodyPr>
+          <a:lstStyle/>
+          <a:p>
+            <a:r>
+              <a:rPr lang="de-DE" dirty="0">
+                <a:solidFill>
+                  <a:srgbClr val="9091B6"/>
+                </a:solidFill>
+              </a:rPr>
+              <a:t>Alina Bickel | Yannick Kircher | Marc </a:t>
+            </a:r>
+            <a:r>
+              <a:rPr lang="de-DE" dirty="0" err="1">
+                <a:solidFill>
+                  <a:srgbClr val="9091B6"/>
+                </a:solidFill>
+              </a:rPr>
+              <a:t>Puikys</a:t>
+            </a:r>
+            <a:r>
+              <a:rPr lang="de-DE" dirty="0">
+                <a:solidFill>
+                  <a:srgbClr val="9091B6"/>
+                </a:solidFill>
+              </a:rPr>
+              <a:t> | Sebastian Birkenmeier</a:t>
+            </a:r>
+          </a:p>
+        </p:txBody>
+      </p:sp>
     </p:spTree>
     <p:custDataLst>
       <p:tags r:id="rId1"/>
@@ -4258,7 +4329,7 @@
           <a:p>
             <a:fld id="{12E52158-1BC2-4E16-ADAE-392D6956A53D}" type="datetime1">
               <a:rPr lang="de-DE" smtClean="0"/>
-              <a:t>02.07.2022</a:t>
+              <a:t>03.07.2022</a:t>
             </a:fld>
             <a:endParaRPr lang="de-DE"/>
           </a:p>
@@ -4694,7 +4765,7 @@
           <a:p>
             <a:fld id="{1BC6A623-6444-4DC1-9B9E-1E8B1093C97E}" type="datetime1">
               <a:rPr lang="de-DE" smtClean="0"/>
-              <a:t>02.07.2022</a:t>
+              <a:t>03.07.2022</a:t>
             </a:fld>
             <a:endParaRPr lang="de-DE"/>
           </a:p>
@@ -4874,7 +4945,7 @@
           <a:p>
             <a:fld id="{4BEA33E4-8E85-499A-BD28-A802FFFCDA60}" type="datetime1">
               <a:rPr lang="de-DE" smtClean="0"/>
-              <a:t>02.07.2022</a:t>
+              <a:t>03.07.2022</a:t>
             </a:fld>
             <a:endParaRPr lang="de-DE" dirty="0"/>
           </a:p>
@@ -5001,7 +5072,7 @@
           <a:p>
             <a:fld id="{12E52158-1BC2-4E16-ADAE-392D6956A53D}" type="datetime1">
               <a:rPr lang="de-DE" smtClean="0"/>
-              <a:t>02.07.2022</a:t>
+              <a:t>03.07.2022</a:t>
             </a:fld>
             <a:endParaRPr lang="de-DE"/>
           </a:p>
@@ -6502,7 +6573,7 @@
           <a:p>
             <a:fld id="{12E52158-1BC2-4E16-ADAE-392D6956A53D}" type="datetime1">
               <a:rPr lang="de-DE" smtClean="0"/>
-              <a:t>02.07.2022</a:t>
+              <a:t>03.07.2022</a:t>
             </a:fld>
             <a:endParaRPr lang="de-DE"/>
           </a:p>
@@ -8402,7 +8473,7 @@
           <a:p>
             <a:fld id="{12E52158-1BC2-4E16-ADAE-392D6956A53D}" type="datetime1">
               <a:rPr lang="de-DE" smtClean="0"/>
-              <a:t>02.07.2022</a:t>
+              <a:t>03.07.2022</a:t>
             </a:fld>
             <a:endParaRPr lang="de-DE"/>
           </a:p>
@@ -10214,7 +10285,7 @@
           <a:p>
             <a:fld id="{12E52158-1BC2-4E16-ADAE-392D6956A53D}" type="datetime1">
               <a:rPr lang="de-DE" smtClean="0"/>
-              <a:t>02.07.2022</a:t>
+              <a:t>03.07.2022</a:t>
             </a:fld>
             <a:endParaRPr lang="de-DE"/>
           </a:p>
@@ -13955,7 +14026,7 @@
           <a:p>
             <a:fld id="{B37BF634-7F31-4357-A4C8-625362F20494}" type="datetime1">
               <a:rPr lang="de-DE" smtClean="0"/>
-              <a:t>02.07.2022</a:t>
+              <a:t>03.07.2022</a:t>
             </a:fld>
             <a:endParaRPr lang="de-DE"/>
           </a:p>
@@ -14256,7 +14327,7 @@
           <a:p>
             <a:fld id="{4BEA33E4-8E85-499A-BD28-A802FFFCDA60}" type="datetime1">
               <a:rPr lang="de-DE" smtClean="0"/>
-              <a:t>02.07.2022</a:t>
+              <a:t>03.07.2022</a:t>
             </a:fld>
             <a:endParaRPr lang="de-DE" dirty="0"/>
           </a:p>
@@ -15161,7 +15232,7 @@
           <a:p>
             <a:fld id="{1C792087-D197-4E6A-8FEC-877B541704AD}" type="datetime1">
               <a:rPr lang="de-DE" smtClean="0"/>
-              <a:t>02.07.2022</a:t>
+              <a:t>03.07.2022</a:t>
             </a:fld>
             <a:endParaRPr lang="de-DE"/>
           </a:p>
@@ -17271,7 +17342,7 @@
           <a:p>
             <a:fld id="{4F0E9D1D-345F-4EE0-8A6C-79738B73EA47}" type="datetime1">
               <a:rPr lang="de-DE" smtClean="0"/>
-              <a:t>02.07.2022</a:t>
+              <a:t>03.07.2022</a:t>
             </a:fld>
             <a:endParaRPr lang="de-DE"/>
           </a:p>
@@ -17756,7 +17827,7 @@
           <a:p>
             <a:fld id="{4BEA33E4-8E85-499A-BD28-A802FFFCDA60}" type="datetime1">
               <a:rPr lang="de-DE" smtClean="0"/>
-              <a:t>02.07.2022</a:t>
+              <a:t>03.07.2022</a:t>
             </a:fld>
             <a:endParaRPr lang="de-DE" dirty="0"/>
           </a:p>
@@ -18116,7 +18187,7 @@
           <a:p>
             <a:fld id="{394B1463-2EC4-4D9F-9EC9-BA4E146364C5}" type="datetime1">
               <a:rPr lang="de-DE" smtClean="0"/>
-              <a:t>02.07.2022</a:t>
+              <a:t>03.07.2022</a:t>
             </a:fld>
             <a:endParaRPr lang="de-DE"/>
           </a:p>
@@ -18598,7 +18669,7 @@
           <a:p>
             <a:fld id="{002FA19D-C9C7-4BBB-AD2A-E19D71AED798}" type="datetime1">
               <a:rPr lang="de-DE" smtClean="0"/>
-              <a:t>02.07.2022</a:t>
+              <a:t>03.07.2022</a:t>
             </a:fld>
             <a:endParaRPr lang="de-DE"/>
           </a:p>
@@ -19223,7 +19294,7 @@
           <a:p>
             <a:fld id="{09B59DFE-4DD8-4B8F-9BB6-E6C37C25BA74}" type="datetime1">
               <a:rPr lang="de-DE" smtClean="0"/>
-              <a:t>02.07.2022</a:t>
+              <a:t>03.07.2022</a:t>
             </a:fld>
             <a:endParaRPr lang="de-DE"/>
           </a:p>
@@ -19600,6 +19671,60 @@
                                   </p:childTnLst>
                                 </p:cTn>
                               </p:par>
+                              <p:par>
+                                <p:cTn id="27" presetID="1" presetClass="entr" presetSubtype="0" fill="hold" grpId="0" nodeType="withEffect">
+                                  <p:stCondLst>
+                                    <p:cond delay="0"/>
+                                  </p:stCondLst>
+                                  <p:childTnLst>
+                                    <p:set>
+                                      <p:cBhvr>
+                                        <p:cTn id="28" dur="1" fill="hold">
+                                          <p:stCondLst>
+                                            <p:cond delay="0"/>
+                                          </p:stCondLst>
+                                        </p:cTn>
+                                        <p:tgtEl>
+                                          <p:spTgt spid="3"/>
+                                        </p:tgtEl>
+                                        <p:attrNameLst>
+                                          <p:attrName>style.visibility</p:attrName>
+                                        </p:attrNameLst>
+                                      </p:cBhvr>
+                                      <p:to>
+                                        <p:strVal val="visible"/>
+                                      </p:to>
+                                    </p:set>
+                                  </p:childTnLst>
+                                </p:cTn>
+                              </p:par>
+                              <p:par>
+                                <p:cTn id="29" presetID="1" presetClass="entr" presetSubtype="0" fill="hold" grpId="0" nodeType="withEffect">
+                                  <p:stCondLst>
+                                    <p:cond delay="0"/>
+                                  </p:stCondLst>
+                                  <p:childTnLst>
+                                    <p:set>
+                                      <p:cBhvr>
+                                        <p:cTn id="30" dur="1" fill="hold">
+                                          <p:stCondLst>
+                                            <p:cond delay="0"/>
+                                          </p:stCondLst>
+                                        </p:cTn>
+                                        <p:tgtEl>
+                                          <p:spTgt spid="8"/>
+                                        </p:tgtEl>
+                                        <p:attrNameLst>
+                                          <p:attrName>style.visibility</p:attrName>
+                                        </p:attrNameLst>
+                                      </p:cBhvr>
+                                      <p:to>
+                                        <p:strVal val="visible"/>
+                                      </p:to>
+                                    </p:set>
+                                  </p:childTnLst>
+                                </p:cTn>
+                              </p:par>
                             </p:childTnLst>
                           </p:cTn>
                         </p:par>
@@ -19607,26 +19732,26 @@
                     </p:cTn>
                   </p:par>
                   <p:par>
-                    <p:cTn id="27" fill="hold">
+                    <p:cTn id="31" fill="hold">
                       <p:stCondLst>
                         <p:cond delay="indefinite"/>
                       </p:stCondLst>
                       <p:childTnLst>
                         <p:par>
-                          <p:cTn id="28" fill="hold">
+                          <p:cTn id="32" fill="hold">
                             <p:stCondLst>
                               <p:cond delay="0"/>
                             </p:stCondLst>
                             <p:childTnLst>
                               <p:par>
-                                <p:cTn id="29" presetID="1" presetClass="entr" presetSubtype="0" fill="hold" nodeType="clickEffect">
+                                <p:cTn id="33" presetID="1" presetClass="entr" presetSubtype="0" fill="hold" nodeType="clickEffect">
                                   <p:stCondLst>
                                     <p:cond delay="0"/>
                                   </p:stCondLst>
                                   <p:childTnLst>
                                     <p:set>
                                       <p:cBhvr>
-                                        <p:cTn id="30" dur="1" fill="hold">
+                                        <p:cTn id="34" dur="1" fill="hold">
                                           <p:stCondLst>
                                             <p:cond delay="0"/>
                                           </p:stCondLst>
@@ -19679,6 +19804,8 @@
     <p:bldLst>
       <p:bldP spid="2" grpId="0" animBg="1"/>
       <p:bldP spid="5" grpId="0" animBg="1"/>
+      <p:bldP spid="3" grpId="0"/>
+      <p:bldP spid="8" grpId="0"/>
       <p:bldP spid="11" grpId="0" animBg="1"/>
       <p:bldP spid="12" grpId="0" animBg="1"/>
     </p:bldLst>
@@ -19895,7 +20022,7 @@
           <a:p>
             <a:fld id="{91BAA01D-511A-4BD2-BC56-01E7F3B811B7}" type="datetime1">
               <a:rPr lang="de-DE" smtClean="0"/>
-              <a:t>02.07.2022</a:t>
+              <a:t>03.07.2022</a:t>
             </a:fld>
             <a:endParaRPr lang="de-DE"/>
           </a:p>

--- a/Documents/Produktpraesentation_Bierweiler.pptx
+++ b/Documents/Produktpraesentation_Bierweiler.pptx
@@ -571,7 +571,7 @@
           <a:p>
             <a:fld id="{A20A9311-5F6B-4CCE-8112-6B0C08440ACD}" type="slidenum">
               <a:rPr lang="de-DE" smtClean="0"/>
-              <a:t>‹Nr.›</a:t>
+              <a:t>‹#›</a:t>
             </a:fld>
             <a:endParaRPr lang="de-DE"/>
           </a:p>
@@ -702,7 +702,7 @@
           <p:cNvPr id="2" name="Titel 1">
             <a:extLst>
               <a:ext uri="{FF2B5EF4-FFF2-40B4-BE49-F238E27FC236}">
-                <a16:creationId xmlns:a16="http://schemas.microsoft.com/office/drawing/2014/main" id="{DCC9C744-82B2-42F8-A02B-CF92B2508543}"/>
+                <a16:creationId xmlns="" xmlns:a16="http://schemas.microsoft.com/office/drawing/2014/main" id="{DCC9C744-82B2-42F8-A02B-CF92B2508543}"/>
               </a:ext>
             </a:extLst>
           </p:cNvPr>
@@ -739,7 +739,7 @@
           <p:cNvPr id="3" name="Untertitel 2">
             <a:extLst>
               <a:ext uri="{FF2B5EF4-FFF2-40B4-BE49-F238E27FC236}">
-                <a16:creationId xmlns:a16="http://schemas.microsoft.com/office/drawing/2014/main" id="{9B4CC61D-133E-42AD-8357-049D6177B4A8}"/>
+                <a16:creationId xmlns="" xmlns:a16="http://schemas.microsoft.com/office/drawing/2014/main" id="{9B4CC61D-133E-42AD-8357-049D6177B4A8}"/>
               </a:ext>
             </a:extLst>
           </p:cNvPr>
@@ -809,7 +809,7 @@
           <p:cNvPr id="4" name="Datumsplatzhalter 3">
             <a:extLst>
               <a:ext uri="{FF2B5EF4-FFF2-40B4-BE49-F238E27FC236}">
-                <a16:creationId xmlns:a16="http://schemas.microsoft.com/office/drawing/2014/main" id="{7A7F5985-2CA3-4AC2-8021-B2367716BC8E}"/>
+                <a16:creationId xmlns="" xmlns:a16="http://schemas.microsoft.com/office/drawing/2014/main" id="{7A7F5985-2CA3-4AC2-8021-B2367716BC8E}"/>
               </a:ext>
             </a:extLst>
           </p:cNvPr>
@@ -853,7 +853,7 @@
           <p:cNvPr id="5" name="Fußzeilenplatzhalter 4">
             <a:extLst>
               <a:ext uri="{FF2B5EF4-FFF2-40B4-BE49-F238E27FC236}">
-                <a16:creationId xmlns:a16="http://schemas.microsoft.com/office/drawing/2014/main" id="{1D4C0ED9-7F16-4F3A-AD18-131E2CD4F7A0}"/>
+                <a16:creationId xmlns="" xmlns:a16="http://schemas.microsoft.com/office/drawing/2014/main" id="{1D4C0ED9-7F16-4F3A-AD18-131E2CD4F7A0}"/>
               </a:ext>
             </a:extLst>
           </p:cNvPr>
@@ -893,7 +893,7 @@
           <p:cNvPr id="6" name="Foliennummernplatzhalter 5">
             <a:extLst>
               <a:ext uri="{FF2B5EF4-FFF2-40B4-BE49-F238E27FC236}">
-                <a16:creationId xmlns:a16="http://schemas.microsoft.com/office/drawing/2014/main" id="{318CAAA8-E4D4-4D12-9568-212F6422E730}"/>
+                <a16:creationId xmlns="" xmlns:a16="http://schemas.microsoft.com/office/drawing/2014/main" id="{318CAAA8-E4D4-4D12-9568-212F6422E730}"/>
               </a:ext>
             </a:extLst>
           </p:cNvPr>
@@ -927,7 +927,7 @@
             <a:fld id="{DF58FA25-156B-428B-A75B-54B738B0BEF7}" type="slidenum">
               <a:rPr lang="de-DE" smtClean="0"/>
               <a:pPr/>
-              <a:t>‹Nr.›</a:t>
+              <a:t>‹#›</a:t>
             </a:fld>
             <a:endParaRPr lang="de-DE"/>
           </a:p>
@@ -968,7 +968,7 @@
           <p:cNvPr id="2" name="Titel 1">
             <a:extLst>
               <a:ext uri="{FF2B5EF4-FFF2-40B4-BE49-F238E27FC236}">
-                <a16:creationId xmlns:a16="http://schemas.microsoft.com/office/drawing/2014/main" id="{A2EA0F22-1D31-4AA9-BD75-EB28E830F2A9}"/>
+                <a16:creationId xmlns="" xmlns:a16="http://schemas.microsoft.com/office/drawing/2014/main" id="{A2EA0F22-1D31-4AA9-BD75-EB28E830F2A9}"/>
               </a:ext>
             </a:extLst>
           </p:cNvPr>
@@ -996,7 +996,7 @@
           <p:cNvPr id="3" name="Vertikaler Textplatzhalter 2">
             <a:extLst>
               <a:ext uri="{FF2B5EF4-FFF2-40B4-BE49-F238E27FC236}">
-                <a16:creationId xmlns:a16="http://schemas.microsoft.com/office/drawing/2014/main" id="{5136D1C1-DB65-4FFF-97F4-2D8E97140238}"/>
+                <a16:creationId xmlns="" xmlns:a16="http://schemas.microsoft.com/office/drawing/2014/main" id="{5136D1C1-DB65-4FFF-97F4-2D8E97140238}"/>
               </a:ext>
             </a:extLst>
           </p:cNvPr>
@@ -1053,7 +1053,7 @@
           <p:cNvPr id="4" name="Datumsplatzhalter 3">
             <a:extLst>
               <a:ext uri="{FF2B5EF4-FFF2-40B4-BE49-F238E27FC236}">
-                <a16:creationId xmlns:a16="http://schemas.microsoft.com/office/drawing/2014/main" id="{E78CC44B-ACE4-4D51-85E1-B0688BE6DCE6}"/>
+                <a16:creationId xmlns="" xmlns:a16="http://schemas.microsoft.com/office/drawing/2014/main" id="{E78CC44B-ACE4-4D51-85E1-B0688BE6DCE6}"/>
               </a:ext>
             </a:extLst>
           </p:cNvPr>
@@ -1082,7 +1082,7 @@
           <p:cNvPr id="5" name="Fußzeilenplatzhalter 4">
             <a:extLst>
               <a:ext uri="{FF2B5EF4-FFF2-40B4-BE49-F238E27FC236}">
-                <a16:creationId xmlns:a16="http://schemas.microsoft.com/office/drawing/2014/main" id="{BF3B2DA5-85FB-463C-8EE8-1C65BC73E2A4}"/>
+                <a16:creationId xmlns="" xmlns:a16="http://schemas.microsoft.com/office/drawing/2014/main" id="{BF3B2DA5-85FB-463C-8EE8-1C65BC73E2A4}"/>
               </a:ext>
             </a:extLst>
           </p:cNvPr>
@@ -1107,7 +1107,7 @@
           <p:cNvPr id="6" name="Foliennummernplatzhalter 5">
             <a:extLst>
               <a:ext uri="{FF2B5EF4-FFF2-40B4-BE49-F238E27FC236}">
-                <a16:creationId xmlns:a16="http://schemas.microsoft.com/office/drawing/2014/main" id="{F9F869DC-7A3E-42EE-B741-3426582D96BC}"/>
+                <a16:creationId xmlns="" xmlns:a16="http://schemas.microsoft.com/office/drawing/2014/main" id="{F9F869DC-7A3E-42EE-B741-3426582D96BC}"/>
               </a:ext>
             </a:extLst>
           </p:cNvPr>
@@ -1125,7 +1125,7 @@
           <a:p>
             <a:fld id="{DF58FA25-156B-428B-A75B-54B738B0BEF7}" type="slidenum">
               <a:rPr lang="de-DE" smtClean="0"/>
-              <a:t>‹Nr.›</a:t>
+              <a:t>‹#›</a:t>
             </a:fld>
             <a:endParaRPr lang="de-DE"/>
           </a:p>
@@ -1166,7 +1166,7 @@
           <p:cNvPr id="2" name="Vertikaler Titel 1">
             <a:extLst>
               <a:ext uri="{FF2B5EF4-FFF2-40B4-BE49-F238E27FC236}">
-                <a16:creationId xmlns:a16="http://schemas.microsoft.com/office/drawing/2014/main" id="{9515E025-27CA-43FD-AC27-E7A9DA4A216B}"/>
+                <a16:creationId xmlns="" xmlns:a16="http://schemas.microsoft.com/office/drawing/2014/main" id="{9515E025-27CA-43FD-AC27-E7A9DA4A216B}"/>
               </a:ext>
             </a:extLst>
           </p:cNvPr>
@@ -1199,7 +1199,7 @@
           <p:cNvPr id="3" name="Vertikaler Textplatzhalter 2">
             <a:extLst>
               <a:ext uri="{FF2B5EF4-FFF2-40B4-BE49-F238E27FC236}">
-                <a16:creationId xmlns:a16="http://schemas.microsoft.com/office/drawing/2014/main" id="{DBB4A698-5133-4C8C-AEE1-C10A187D7B7D}"/>
+                <a16:creationId xmlns="" xmlns:a16="http://schemas.microsoft.com/office/drawing/2014/main" id="{DBB4A698-5133-4C8C-AEE1-C10A187D7B7D}"/>
               </a:ext>
             </a:extLst>
           </p:cNvPr>
@@ -1261,7 +1261,7 @@
           <p:cNvPr id="4" name="Datumsplatzhalter 3">
             <a:extLst>
               <a:ext uri="{FF2B5EF4-FFF2-40B4-BE49-F238E27FC236}">
-                <a16:creationId xmlns:a16="http://schemas.microsoft.com/office/drawing/2014/main" id="{28EACA0A-6819-4C12-840E-422A50CDFF0D}"/>
+                <a16:creationId xmlns="" xmlns:a16="http://schemas.microsoft.com/office/drawing/2014/main" id="{28EACA0A-6819-4C12-840E-422A50CDFF0D}"/>
               </a:ext>
             </a:extLst>
           </p:cNvPr>
@@ -1290,7 +1290,7 @@
           <p:cNvPr id="5" name="Fußzeilenplatzhalter 4">
             <a:extLst>
               <a:ext uri="{FF2B5EF4-FFF2-40B4-BE49-F238E27FC236}">
-                <a16:creationId xmlns:a16="http://schemas.microsoft.com/office/drawing/2014/main" id="{B9EC4817-8859-44DB-BAF7-9F7625EBD8EB}"/>
+                <a16:creationId xmlns="" xmlns:a16="http://schemas.microsoft.com/office/drawing/2014/main" id="{B9EC4817-8859-44DB-BAF7-9F7625EBD8EB}"/>
               </a:ext>
             </a:extLst>
           </p:cNvPr>
@@ -1315,7 +1315,7 @@
           <p:cNvPr id="6" name="Foliennummernplatzhalter 5">
             <a:extLst>
               <a:ext uri="{FF2B5EF4-FFF2-40B4-BE49-F238E27FC236}">
-                <a16:creationId xmlns:a16="http://schemas.microsoft.com/office/drawing/2014/main" id="{1AF6ACDB-ECE6-470F-BD49-F9C1833C563A}"/>
+                <a16:creationId xmlns="" xmlns:a16="http://schemas.microsoft.com/office/drawing/2014/main" id="{1AF6ACDB-ECE6-470F-BD49-F9C1833C563A}"/>
               </a:ext>
             </a:extLst>
           </p:cNvPr>
@@ -1333,7 +1333,7 @@
           <a:p>
             <a:fld id="{DF58FA25-156B-428B-A75B-54B738B0BEF7}" type="slidenum">
               <a:rPr lang="de-DE" smtClean="0"/>
-              <a:t>‹Nr.›</a:t>
+              <a:t>‹#›</a:t>
             </a:fld>
             <a:endParaRPr lang="de-DE"/>
           </a:p>
@@ -1374,7 +1374,7 @@
           <p:cNvPr id="2" name="Titel 1">
             <a:extLst>
               <a:ext uri="{FF2B5EF4-FFF2-40B4-BE49-F238E27FC236}">
-                <a16:creationId xmlns:a16="http://schemas.microsoft.com/office/drawing/2014/main" id="{AAFCD4B1-86FE-47B2-A759-87BECC604986}"/>
+                <a16:creationId xmlns="" xmlns:a16="http://schemas.microsoft.com/office/drawing/2014/main" id="{AAFCD4B1-86FE-47B2-A759-87BECC604986}"/>
               </a:ext>
             </a:extLst>
           </p:cNvPr>
@@ -1402,7 +1402,7 @@
           <p:cNvPr id="3" name="Inhaltsplatzhalter 2">
             <a:extLst>
               <a:ext uri="{FF2B5EF4-FFF2-40B4-BE49-F238E27FC236}">
-                <a16:creationId xmlns:a16="http://schemas.microsoft.com/office/drawing/2014/main" id="{AB838476-875C-4AC6-A6CE-F3FC796AC692}"/>
+                <a16:creationId xmlns="" xmlns:a16="http://schemas.microsoft.com/office/drawing/2014/main" id="{AB838476-875C-4AC6-A6CE-F3FC796AC692}"/>
               </a:ext>
             </a:extLst>
           </p:cNvPr>
@@ -1459,7 +1459,7 @@
           <p:cNvPr id="4" name="Datumsplatzhalter 3">
             <a:extLst>
               <a:ext uri="{FF2B5EF4-FFF2-40B4-BE49-F238E27FC236}">
-                <a16:creationId xmlns:a16="http://schemas.microsoft.com/office/drawing/2014/main" id="{B1E774BC-E251-44C1-B5AD-39CA29F7609C}"/>
+                <a16:creationId xmlns="" xmlns:a16="http://schemas.microsoft.com/office/drawing/2014/main" id="{B1E774BC-E251-44C1-B5AD-39CA29F7609C}"/>
               </a:ext>
             </a:extLst>
           </p:cNvPr>
@@ -1488,7 +1488,7 @@
           <p:cNvPr id="5" name="Fußzeilenplatzhalter 4">
             <a:extLst>
               <a:ext uri="{FF2B5EF4-FFF2-40B4-BE49-F238E27FC236}">
-                <a16:creationId xmlns:a16="http://schemas.microsoft.com/office/drawing/2014/main" id="{15761258-9BE6-4449-BC61-F8830D04118E}"/>
+                <a16:creationId xmlns="" xmlns:a16="http://schemas.microsoft.com/office/drawing/2014/main" id="{15761258-9BE6-4449-BC61-F8830D04118E}"/>
               </a:ext>
             </a:extLst>
           </p:cNvPr>
@@ -1513,7 +1513,7 @@
           <p:cNvPr id="6" name="Foliennummernplatzhalter 5">
             <a:extLst>
               <a:ext uri="{FF2B5EF4-FFF2-40B4-BE49-F238E27FC236}">
-                <a16:creationId xmlns:a16="http://schemas.microsoft.com/office/drawing/2014/main" id="{031D3F51-9B2D-48E5-87C3-DCAB964C6E22}"/>
+                <a16:creationId xmlns="" xmlns:a16="http://schemas.microsoft.com/office/drawing/2014/main" id="{031D3F51-9B2D-48E5-87C3-DCAB964C6E22}"/>
               </a:ext>
             </a:extLst>
           </p:cNvPr>
@@ -1531,7 +1531,7 @@
           <a:p>
             <a:fld id="{DF58FA25-156B-428B-A75B-54B738B0BEF7}" type="slidenum">
               <a:rPr lang="de-DE" smtClean="0"/>
-              <a:t>‹Nr.›</a:t>
+              <a:t>‹#›</a:t>
             </a:fld>
             <a:endParaRPr lang="de-DE"/>
           </a:p>
@@ -1572,7 +1572,7 @@
           <p:cNvPr id="2" name="Titel 1">
             <a:extLst>
               <a:ext uri="{FF2B5EF4-FFF2-40B4-BE49-F238E27FC236}">
-                <a16:creationId xmlns:a16="http://schemas.microsoft.com/office/drawing/2014/main" id="{49E51F41-61B0-451E-960A-6C32E83F6C75}"/>
+                <a16:creationId xmlns="" xmlns:a16="http://schemas.microsoft.com/office/drawing/2014/main" id="{49E51F41-61B0-451E-960A-6C32E83F6C75}"/>
               </a:ext>
             </a:extLst>
           </p:cNvPr>
@@ -1609,7 +1609,7 @@
           <p:cNvPr id="3" name="Textplatzhalter 2">
             <a:extLst>
               <a:ext uri="{FF2B5EF4-FFF2-40B4-BE49-F238E27FC236}">
-                <a16:creationId xmlns:a16="http://schemas.microsoft.com/office/drawing/2014/main" id="{AFB83402-A7DA-42CA-AABA-970A5B2B1FDE}"/>
+                <a16:creationId xmlns="" xmlns:a16="http://schemas.microsoft.com/office/drawing/2014/main" id="{AFB83402-A7DA-42CA-AABA-970A5B2B1FDE}"/>
               </a:ext>
             </a:extLst>
           </p:cNvPr>
@@ -1734,7 +1734,7 @@
           <p:cNvPr id="4" name="Datumsplatzhalter 3">
             <a:extLst>
               <a:ext uri="{FF2B5EF4-FFF2-40B4-BE49-F238E27FC236}">
-                <a16:creationId xmlns:a16="http://schemas.microsoft.com/office/drawing/2014/main" id="{5643E0C1-AF3B-41F0-86E4-B43FD9DF46DE}"/>
+                <a16:creationId xmlns="" xmlns:a16="http://schemas.microsoft.com/office/drawing/2014/main" id="{5643E0C1-AF3B-41F0-86E4-B43FD9DF46DE}"/>
               </a:ext>
             </a:extLst>
           </p:cNvPr>
@@ -1763,7 +1763,7 @@
           <p:cNvPr id="5" name="Fußzeilenplatzhalter 4">
             <a:extLst>
               <a:ext uri="{FF2B5EF4-FFF2-40B4-BE49-F238E27FC236}">
-                <a16:creationId xmlns:a16="http://schemas.microsoft.com/office/drawing/2014/main" id="{D508BE33-C6D1-4B66-9653-ECCC2CB381BF}"/>
+                <a16:creationId xmlns="" xmlns:a16="http://schemas.microsoft.com/office/drawing/2014/main" id="{D508BE33-C6D1-4B66-9653-ECCC2CB381BF}"/>
               </a:ext>
             </a:extLst>
           </p:cNvPr>
@@ -1788,7 +1788,7 @@
           <p:cNvPr id="6" name="Foliennummernplatzhalter 5">
             <a:extLst>
               <a:ext uri="{FF2B5EF4-FFF2-40B4-BE49-F238E27FC236}">
-                <a16:creationId xmlns:a16="http://schemas.microsoft.com/office/drawing/2014/main" id="{4CE33A14-E48E-4992-BA7D-CB2773A3BE9F}"/>
+                <a16:creationId xmlns="" xmlns:a16="http://schemas.microsoft.com/office/drawing/2014/main" id="{4CE33A14-E48E-4992-BA7D-CB2773A3BE9F}"/>
               </a:ext>
             </a:extLst>
           </p:cNvPr>
@@ -1806,7 +1806,7 @@
           <a:p>
             <a:fld id="{DF58FA25-156B-428B-A75B-54B738B0BEF7}" type="slidenum">
               <a:rPr lang="de-DE" smtClean="0"/>
-              <a:t>‹Nr.›</a:t>
+              <a:t>‹#›</a:t>
             </a:fld>
             <a:endParaRPr lang="de-DE"/>
           </a:p>
@@ -1847,7 +1847,7 @@
           <p:cNvPr id="2" name="Titel 1">
             <a:extLst>
               <a:ext uri="{FF2B5EF4-FFF2-40B4-BE49-F238E27FC236}">
-                <a16:creationId xmlns:a16="http://schemas.microsoft.com/office/drawing/2014/main" id="{D7DBBDC9-42AA-474B-B6B3-3C890A6135E2}"/>
+                <a16:creationId xmlns="" xmlns:a16="http://schemas.microsoft.com/office/drawing/2014/main" id="{D7DBBDC9-42AA-474B-B6B3-3C890A6135E2}"/>
               </a:ext>
             </a:extLst>
           </p:cNvPr>
@@ -1875,7 +1875,7 @@
           <p:cNvPr id="3" name="Inhaltsplatzhalter 2">
             <a:extLst>
               <a:ext uri="{FF2B5EF4-FFF2-40B4-BE49-F238E27FC236}">
-                <a16:creationId xmlns:a16="http://schemas.microsoft.com/office/drawing/2014/main" id="{EF08E45F-643F-4A9C-88B1-3752D2C9603A}"/>
+                <a16:creationId xmlns="" xmlns:a16="http://schemas.microsoft.com/office/drawing/2014/main" id="{EF08E45F-643F-4A9C-88B1-3752D2C9603A}"/>
               </a:ext>
             </a:extLst>
           </p:cNvPr>
@@ -1937,7 +1937,7 @@
           <p:cNvPr id="4" name="Inhaltsplatzhalter 3">
             <a:extLst>
               <a:ext uri="{FF2B5EF4-FFF2-40B4-BE49-F238E27FC236}">
-                <a16:creationId xmlns:a16="http://schemas.microsoft.com/office/drawing/2014/main" id="{E6469A33-F7F7-49D2-B900-C0E14888DD8E}"/>
+                <a16:creationId xmlns="" xmlns:a16="http://schemas.microsoft.com/office/drawing/2014/main" id="{E6469A33-F7F7-49D2-B900-C0E14888DD8E}"/>
               </a:ext>
             </a:extLst>
           </p:cNvPr>
@@ -1999,7 +1999,7 @@
           <p:cNvPr id="5" name="Datumsplatzhalter 4">
             <a:extLst>
               <a:ext uri="{FF2B5EF4-FFF2-40B4-BE49-F238E27FC236}">
-                <a16:creationId xmlns:a16="http://schemas.microsoft.com/office/drawing/2014/main" id="{1748587A-73B9-470E-B66E-A0FCE3015F3F}"/>
+                <a16:creationId xmlns="" xmlns:a16="http://schemas.microsoft.com/office/drawing/2014/main" id="{1748587A-73B9-470E-B66E-A0FCE3015F3F}"/>
               </a:ext>
             </a:extLst>
           </p:cNvPr>
@@ -2028,7 +2028,7 @@
           <p:cNvPr id="6" name="Fußzeilenplatzhalter 5">
             <a:extLst>
               <a:ext uri="{FF2B5EF4-FFF2-40B4-BE49-F238E27FC236}">
-                <a16:creationId xmlns:a16="http://schemas.microsoft.com/office/drawing/2014/main" id="{E0E94689-19F0-4FA4-BA5A-85EBDEE1781C}"/>
+                <a16:creationId xmlns="" xmlns:a16="http://schemas.microsoft.com/office/drawing/2014/main" id="{E0E94689-19F0-4FA4-BA5A-85EBDEE1781C}"/>
               </a:ext>
             </a:extLst>
           </p:cNvPr>
@@ -2053,7 +2053,7 @@
           <p:cNvPr id="7" name="Foliennummernplatzhalter 6">
             <a:extLst>
               <a:ext uri="{FF2B5EF4-FFF2-40B4-BE49-F238E27FC236}">
-                <a16:creationId xmlns:a16="http://schemas.microsoft.com/office/drawing/2014/main" id="{641C32F0-AF46-4B77-B5CB-C27DC36CC5F9}"/>
+                <a16:creationId xmlns="" xmlns:a16="http://schemas.microsoft.com/office/drawing/2014/main" id="{641C32F0-AF46-4B77-B5CB-C27DC36CC5F9}"/>
               </a:ext>
             </a:extLst>
           </p:cNvPr>
@@ -2071,7 +2071,7 @@
           <a:p>
             <a:fld id="{DF58FA25-156B-428B-A75B-54B738B0BEF7}" type="slidenum">
               <a:rPr lang="de-DE" smtClean="0"/>
-              <a:t>‹Nr.›</a:t>
+              <a:t>‹#›</a:t>
             </a:fld>
             <a:endParaRPr lang="de-DE"/>
           </a:p>
@@ -2112,7 +2112,7 @@
           <p:cNvPr id="2" name="Titel 1">
             <a:extLst>
               <a:ext uri="{FF2B5EF4-FFF2-40B4-BE49-F238E27FC236}">
-                <a16:creationId xmlns:a16="http://schemas.microsoft.com/office/drawing/2014/main" id="{36F698C0-4DD3-4DA0-A09E-F4570D7CCB71}"/>
+                <a16:creationId xmlns="" xmlns:a16="http://schemas.microsoft.com/office/drawing/2014/main" id="{36F698C0-4DD3-4DA0-A09E-F4570D7CCB71}"/>
               </a:ext>
             </a:extLst>
           </p:cNvPr>
@@ -2145,7 +2145,7 @@
           <p:cNvPr id="3" name="Textplatzhalter 2">
             <a:extLst>
               <a:ext uri="{FF2B5EF4-FFF2-40B4-BE49-F238E27FC236}">
-                <a16:creationId xmlns:a16="http://schemas.microsoft.com/office/drawing/2014/main" id="{6B7B2AAD-95B1-469D-B743-AA699451CE0D}"/>
+                <a16:creationId xmlns="" xmlns:a16="http://schemas.microsoft.com/office/drawing/2014/main" id="{6B7B2AAD-95B1-469D-B743-AA699451CE0D}"/>
               </a:ext>
             </a:extLst>
           </p:cNvPr>
@@ -2216,7 +2216,7 @@
           <p:cNvPr id="4" name="Inhaltsplatzhalter 3">
             <a:extLst>
               <a:ext uri="{FF2B5EF4-FFF2-40B4-BE49-F238E27FC236}">
-                <a16:creationId xmlns:a16="http://schemas.microsoft.com/office/drawing/2014/main" id="{9F747742-71CB-4D7D-98A0-D773250A7C75}"/>
+                <a16:creationId xmlns="" xmlns:a16="http://schemas.microsoft.com/office/drawing/2014/main" id="{9F747742-71CB-4D7D-98A0-D773250A7C75}"/>
               </a:ext>
             </a:extLst>
           </p:cNvPr>
@@ -2278,7 +2278,7 @@
           <p:cNvPr id="5" name="Textplatzhalter 4">
             <a:extLst>
               <a:ext uri="{FF2B5EF4-FFF2-40B4-BE49-F238E27FC236}">
-                <a16:creationId xmlns:a16="http://schemas.microsoft.com/office/drawing/2014/main" id="{F467DBD8-BBDC-4991-9253-900ED8E5C68A}"/>
+                <a16:creationId xmlns="" xmlns:a16="http://schemas.microsoft.com/office/drawing/2014/main" id="{F467DBD8-BBDC-4991-9253-900ED8E5C68A}"/>
               </a:ext>
             </a:extLst>
           </p:cNvPr>
@@ -2349,7 +2349,7 @@
           <p:cNvPr id="6" name="Inhaltsplatzhalter 5">
             <a:extLst>
               <a:ext uri="{FF2B5EF4-FFF2-40B4-BE49-F238E27FC236}">
-                <a16:creationId xmlns:a16="http://schemas.microsoft.com/office/drawing/2014/main" id="{ECA8D78F-6AB1-47EA-921C-C4BB11427A0B}"/>
+                <a16:creationId xmlns="" xmlns:a16="http://schemas.microsoft.com/office/drawing/2014/main" id="{ECA8D78F-6AB1-47EA-921C-C4BB11427A0B}"/>
               </a:ext>
             </a:extLst>
           </p:cNvPr>
@@ -2411,7 +2411,7 @@
           <p:cNvPr id="7" name="Datumsplatzhalter 6">
             <a:extLst>
               <a:ext uri="{FF2B5EF4-FFF2-40B4-BE49-F238E27FC236}">
-                <a16:creationId xmlns:a16="http://schemas.microsoft.com/office/drawing/2014/main" id="{24BF8C95-FA9F-4F10-9505-77E26F4E45DD}"/>
+                <a16:creationId xmlns="" xmlns:a16="http://schemas.microsoft.com/office/drawing/2014/main" id="{24BF8C95-FA9F-4F10-9505-77E26F4E45DD}"/>
               </a:ext>
             </a:extLst>
           </p:cNvPr>
@@ -2440,7 +2440,7 @@
           <p:cNvPr id="8" name="Fußzeilenplatzhalter 7">
             <a:extLst>
               <a:ext uri="{FF2B5EF4-FFF2-40B4-BE49-F238E27FC236}">
-                <a16:creationId xmlns:a16="http://schemas.microsoft.com/office/drawing/2014/main" id="{D1613883-66DC-496D-A6AB-69332EA2384C}"/>
+                <a16:creationId xmlns="" xmlns:a16="http://schemas.microsoft.com/office/drawing/2014/main" id="{D1613883-66DC-496D-A6AB-69332EA2384C}"/>
               </a:ext>
             </a:extLst>
           </p:cNvPr>
@@ -2465,7 +2465,7 @@
           <p:cNvPr id="9" name="Foliennummernplatzhalter 8">
             <a:extLst>
               <a:ext uri="{FF2B5EF4-FFF2-40B4-BE49-F238E27FC236}">
-                <a16:creationId xmlns:a16="http://schemas.microsoft.com/office/drawing/2014/main" id="{4263F17A-12E9-4863-99B8-AD8698361FF0}"/>
+                <a16:creationId xmlns="" xmlns:a16="http://schemas.microsoft.com/office/drawing/2014/main" id="{4263F17A-12E9-4863-99B8-AD8698361FF0}"/>
               </a:ext>
             </a:extLst>
           </p:cNvPr>
@@ -2483,7 +2483,7 @@
           <a:p>
             <a:fld id="{DF58FA25-156B-428B-A75B-54B738B0BEF7}" type="slidenum">
               <a:rPr lang="de-DE" smtClean="0"/>
-              <a:t>‹Nr.›</a:t>
+              <a:t>‹#›</a:t>
             </a:fld>
             <a:endParaRPr lang="de-DE"/>
           </a:p>
@@ -2524,7 +2524,7 @@
           <p:cNvPr id="2" name="Titel 1">
             <a:extLst>
               <a:ext uri="{FF2B5EF4-FFF2-40B4-BE49-F238E27FC236}">
-                <a16:creationId xmlns:a16="http://schemas.microsoft.com/office/drawing/2014/main" id="{61037CA4-FD16-44CA-83E3-9F65E55005FD}"/>
+                <a16:creationId xmlns="" xmlns:a16="http://schemas.microsoft.com/office/drawing/2014/main" id="{61037CA4-FD16-44CA-83E3-9F65E55005FD}"/>
               </a:ext>
             </a:extLst>
           </p:cNvPr>
@@ -2552,7 +2552,7 @@
           <p:cNvPr id="3" name="Datumsplatzhalter 2">
             <a:extLst>
               <a:ext uri="{FF2B5EF4-FFF2-40B4-BE49-F238E27FC236}">
-                <a16:creationId xmlns:a16="http://schemas.microsoft.com/office/drawing/2014/main" id="{1E855BCA-26AF-4EB0-86F8-2EAE94C77307}"/>
+                <a16:creationId xmlns="" xmlns:a16="http://schemas.microsoft.com/office/drawing/2014/main" id="{1E855BCA-26AF-4EB0-86F8-2EAE94C77307}"/>
               </a:ext>
             </a:extLst>
           </p:cNvPr>
@@ -2581,7 +2581,7 @@
           <p:cNvPr id="4" name="Fußzeilenplatzhalter 3">
             <a:extLst>
               <a:ext uri="{FF2B5EF4-FFF2-40B4-BE49-F238E27FC236}">
-                <a16:creationId xmlns:a16="http://schemas.microsoft.com/office/drawing/2014/main" id="{E745CC5C-2A0B-4FCE-872A-460FACF081B2}"/>
+                <a16:creationId xmlns="" xmlns:a16="http://schemas.microsoft.com/office/drawing/2014/main" id="{E745CC5C-2A0B-4FCE-872A-460FACF081B2}"/>
               </a:ext>
             </a:extLst>
           </p:cNvPr>
@@ -2606,7 +2606,7 @@
           <p:cNvPr id="5" name="Foliennummernplatzhalter 4">
             <a:extLst>
               <a:ext uri="{FF2B5EF4-FFF2-40B4-BE49-F238E27FC236}">
-                <a16:creationId xmlns:a16="http://schemas.microsoft.com/office/drawing/2014/main" id="{4B6EC8E2-3787-4E12-8A21-EB50393F15B1}"/>
+                <a16:creationId xmlns="" xmlns:a16="http://schemas.microsoft.com/office/drawing/2014/main" id="{4B6EC8E2-3787-4E12-8A21-EB50393F15B1}"/>
               </a:ext>
             </a:extLst>
           </p:cNvPr>
@@ -2624,7 +2624,7 @@
           <a:p>
             <a:fld id="{DF58FA25-156B-428B-A75B-54B738B0BEF7}" type="slidenum">
               <a:rPr lang="de-DE" smtClean="0"/>
-              <a:t>‹Nr.›</a:t>
+              <a:t>‹#›</a:t>
             </a:fld>
             <a:endParaRPr lang="de-DE"/>
           </a:p>
@@ -2665,7 +2665,7 @@
           <p:cNvPr id="2" name="Datumsplatzhalter 1">
             <a:extLst>
               <a:ext uri="{FF2B5EF4-FFF2-40B4-BE49-F238E27FC236}">
-                <a16:creationId xmlns:a16="http://schemas.microsoft.com/office/drawing/2014/main" id="{472E1E55-5540-483A-938C-ECD6FE033A6B}"/>
+                <a16:creationId xmlns="" xmlns:a16="http://schemas.microsoft.com/office/drawing/2014/main" id="{472E1E55-5540-483A-938C-ECD6FE033A6B}"/>
               </a:ext>
             </a:extLst>
           </p:cNvPr>
@@ -2694,7 +2694,7 @@
           <p:cNvPr id="3" name="Fußzeilenplatzhalter 2">
             <a:extLst>
               <a:ext uri="{FF2B5EF4-FFF2-40B4-BE49-F238E27FC236}">
-                <a16:creationId xmlns:a16="http://schemas.microsoft.com/office/drawing/2014/main" id="{A2374A5B-5D91-4425-90EB-883AD09250A8}"/>
+                <a16:creationId xmlns="" xmlns:a16="http://schemas.microsoft.com/office/drawing/2014/main" id="{A2374A5B-5D91-4425-90EB-883AD09250A8}"/>
               </a:ext>
             </a:extLst>
           </p:cNvPr>
@@ -2719,7 +2719,7 @@
           <p:cNvPr id="4" name="Foliennummernplatzhalter 3">
             <a:extLst>
               <a:ext uri="{FF2B5EF4-FFF2-40B4-BE49-F238E27FC236}">
-                <a16:creationId xmlns:a16="http://schemas.microsoft.com/office/drawing/2014/main" id="{1813B27D-8AC3-4D1A-8989-DDA1070C5FA9}"/>
+                <a16:creationId xmlns="" xmlns:a16="http://schemas.microsoft.com/office/drawing/2014/main" id="{1813B27D-8AC3-4D1A-8989-DDA1070C5FA9}"/>
               </a:ext>
             </a:extLst>
           </p:cNvPr>
@@ -2737,7 +2737,7 @@
           <a:p>
             <a:fld id="{DF58FA25-156B-428B-A75B-54B738B0BEF7}" type="slidenum">
               <a:rPr lang="de-DE" smtClean="0"/>
-              <a:t>‹Nr.›</a:t>
+              <a:t>‹#›</a:t>
             </a:fld>
             <a:endParaRPr lang="de-DE"/>
           </a:p>
@@ -2778,7 +2778,7 @@
           <p:cNvPr id="2" name="Titel 1">
             <a:extLst>
               <a:ext uri="{FF2B5EF4-FFF2-40B4-BE49-F238E27FC236}">
-                <a16:creationId xmlns:a16="http://schemas.microsoft.com/office/drawing/2014/main" id="{BB6FE1C0-6DAA-4195-86AC-E81B73B39FD4}"/>
+                <a16:creationId xmlns="" xmlns:a16="http://schemas.microsoft.com/office/drawing/2014/main" id="{BB6FE1C0-6DAA-4195-86AC-E81B73B39FD4}"/>
               </a:ext>
             </a:extLst>
           </p:cNvPr>
@@ -2815,7 +2815,7 @@
           <p:cNvPr id="3" name="Inhaltsplatzhalter 2">
             <a:extLst>
               <a:ext uri="{FF2B5EF4-FFF2-40B4-BE49-F238E27FC236}">
-                <a16:creationId xmlns:a16="http://schemas.microsoft.com/office/drawing/2014/main" id="{D5901990-3BC2-4BFA-87A6-564A82D80A58}"/>
+                <a16:creationId xmlns="" xmlns:a16="http://schemas.microsoft.com/office/drawing/2014/main" id="{D5901990-3BC2-4BFA-87A6-564A82D80A58}"/>
               </a:ext>
             </a:extLst>
           </p:cNvPr>
@@ -2905,7 +2905,7 @@
           <p:cNvPr id="4" name="Textplatzhalter 3">
             <a:extLst>
               <a:ext uri="{FF2B5EF4-FFF2-40B4-BE49-F238E27FC236}">
-                <a16:creationId xmlns:a16="http://schemas.microsoft.com/office/drawing/2014/main" id="{3C854EBF-DE89-4702-A606-DF4841C7642F}"/>
+                <a16:creationId xmlns="" xmlns:a16="http://schemas.microsoft.com/office/drawing/2014/main" id="{3C854EBF-DE89-4702-A606-DF4841C7642F}"/>
               </a:ext>
             </a:extLst>
           </p:cNvPr>
@@ -2976,7 +2976,7 @@
           <p:cNvPr id="5" name="Datumsplatzhalter 4">
             <a:extLst>
               <a:ext uri="{FF2B5EF4-FFF2-40B4-BE49-F238E27FC236}">
-                <a16:creationId xmlns:a16="http://schemas.microsoft.com/office/drawing/2014/main" id="{7B85E189-8F72-4095-94F7-50B979C11103}"/>
+                <a16:creationId xmlns="" xmlns:a16="http://schemas.microsoft.com/office/drawing/2014/main" id="{7B85E189-8F72-4095-94F7-50B979C11103}"/>
               </a:ext>
             </a:extLst>
           </p:cNvPr>
@@ -3005,7 +3005,7 @@
           <p:cNvPr id="6" name="Fußzeilenplatzhalter 5">
             <a:extLst>
               <a:ext uri="{FF2B5EF4-FFF2-40B4-BE49-F238E27FC236}">
-                <a16:creationId xmlns:a16="http://schemas.microsoft.com/office/drawing/2014/main" id="{46DB5BFF-199A-4111-A41D-2FA661F084AF}"/>
+                <a16:creationId xmlns="" xmlns:a16="http://schemas.microsoft.com/office/drawing/2014/main" id="{46DB5BFF-199A-4111-A41D-2FA661F084AF}"/>
               </a:ext>
             </a:extLst>
           </p:cNvPr>
@@ -3030,7 +3030,7 @@
           <p:cNvPr id="7" name="Foliennummernplatzhalter 6">
             <a:extLst>
               <a:ext uri="{FF2B5EF4-FFF2-40B4-BE49-F238E27FC236}">
-                <a16:creationId xmlns:a16="http://schemas.microsoft.com/office/drawing/2014/main" id="{877741B2-26DB-4168-BDF3-ABBFC73DB850}"/>
+                <a16:creationId xmlns="" xmlns:a16="http://schemas.microsoft.com/office/drawing/2014/main" id="{877741B2-26DB-4168-BDF3-ABBFC73DB850}"/>
               </a:ext>
             </a:extLst>
           </p:cNvPr>
@@ -3048,7 +3048,7 @@
           <a:p>
             <a:fld id="{DF58FA25-156B-428B-A75B-54B738B0BEF7}" type="slidenum">
               <a:rPr lang="de-DE" smtClean="0"/>
-              <a:t>‹Nr.›</a:t>
+              <a:t>‹#›</a:t>
             </a:fld>
             <a:endParaRPr lang="de-DE"/>
           </a:p>
@@ -3089,7 +3089,7 @@
           <p:cNvPr id="2" name="Titel 1">
             <a:extLst>
               <a:ext uri="{FF2B5EF4-FFF2-40B4-BE49-F238E27FC236}">
-                <a16:creationId xmlns:a16="http://schemas.microsoft.com/office/drawing/2014/main" id="{73B18BB1-316D-4570-8A70-DD5CBCBC9B2B}"/>
+                <a16:creationId xmlns="" xmlns:a16="http://schemas.microsoft.com/office/drawing/2014/main" id="{73B18BB1-316D-4570-8A70-DD5CBCBC9B2B}"/>
               </a:ext>
             </a:extLst>
           </p:cNvPr>
@@ -3126,7 +3126,7 @@
           <p:cNvPr id="3" name="Bildplatzhalter 2">
             <a:extLst>
               <a:ext uri="{FF2B5EF4-FFF2-40B4-BE49-F238E27FC236}">
-                <a16:creationId xmlns:a16="http://schemas.microsoft.com/office/drawing/2014/main" id="{539063D0-9ACD-4E08-9218-F923BB042C8C}"/>
+                <a16:creationId xmlns="" xmlns:a16="http://schemas.microsoft.com/office/drawing/2014/main" id="{539063D0-9ACD-4E08-9218-F923BB042C8C}"/>
               </a:ext>
             </a:extLst>
           </p:cNvPr>
@@ -3193,7 +3193,7 @@
           <p:cNvPr id="4" name="Textplatzhalter 3">
             <a:extLst>
               <a:ext uri="{FF2B5EF4-FFF2-40B4-BE49-F238E27FC236}">
-                <a16:creationId xmlns:a16="http://schemas.microsoft.com/office/drawing/2014/main" id="{44BB36CC-7A6E-42B0-8177-3E0A40867205}"/>
+                <a16:creationId xmlns="" xmlns:a16="http://schemas.microsoft.com/office/drawing/2014/main" id="{44BB36CC-7A6E-42B0-8177-3E0A40867205}"/>
               </a:ext>
             </a:extLst>
           </p:cNvPr>
@@ -3264,7 +3264,7 @@
           <p:cNvPr id="5" name="Datumsplatzhalter 4">
             <a:extLst>
               <a:ext uri="{FF2B5EF4-FFF2-40B4-BE49-F238E27FC236}">
-                <a16:creationId xmlns:a16="http://schemas.microsoft.com/office/drawing/2014/main" id="{69BF362F-EBFB-4B35-AD09-B26DBEBF6EAD}"/>
+                <a16:creationId xmlns="" xmlns:a16="http://schemas.microsoft.com/office/drawing/2014/main" id="{69BF362F-EBFB-4B35-AD09-B26DBEBF6EAD}"/>
               </a:ext>
             </a:extLst>
           </p:cNvPr>
@@ -3293,7 +3293,7 @@
           <p:cNvPr id="6" name="Fußzeilenplatzhalter 5">
             <a:extLst>
               <a:ext uri="{FF2B5EF4-FFF2-40B4-BE49-F238E27FC236}">
-                <a16:creationId xmlns:a16="http://schemas.microsoft.com/office/drawing/2014/main" id="{2E219966-BC0F-4125-8697-1F877365151E}"/>
+                <a16:creationId xmlns="" xmlns:a16="http://schemas.microsoft.com/office/drawing/2014/main" id="{2E219966-BC0F-4125-8697-1F877365151E}"/>
               </a:ext>
             </a:extLst>
           </p:cNvPr>
@@ -3318,7 +3318,7 @@
           <p:cNvPr id="7" name="Foliennummernplatzhalter 6">
             <a:extLst>
               <a:ext uri="{FF2B5EF4-FFF2-40B4-BE49-F238E27FC236}">
-                <a16:creationId xmlns:a16="http://schemas.microsoft.com/office/drawing/2014/main" id="{533B2F53-265E-4BAB-A9C0-9C9FF9B2CD18}"/>
+                <a16:creationId xmlns="" xmlns:a16="http://schemas.microsoft.com/office/drawing/2014/main" id="{533B2F53-265E-4BAB-A9C0-9C9FF9B2CD18}"/>
               </a:ext>
             </a:extLst>
           </p:cNvPr>
@@ -3336,7 +3336,7 @@
           <a:p>
             <a:fld id="{DF58FA25-156B-428B-A75B-54B738B0BEF7}" type="slidenum">
               <a:rPr lang="de-DE" smtClean="0"/>
-              <a:t>‹Nr.›</a:t>
+              <a:t>‹#›</a:t>
             </a:fld>
             <a:endParaRPr lang="de-DE"/>
           </a:p>
@@ -3382,7 +3382,7 @@
           <p:cNvPr id="2" name="Titelplatzhalter 1">
             <a:extLst>
               <a:ext uri="{FF2B5EF4-FFF2-40B4-BE49-F238E27FC236}">
-                <a16:creationId xmlns:a16="http://schemas.microsoft.com/office/drawing/2014/main" id="{A3F29CDB-879D-41C3-8CF9-6B783AC27AE8}"/>
+                <a16:creationId xmlns="" xmlns:a16="http://schemas.microsoft.com/office/drawing/2014/main" id="{A3F29CDB-879D-41C3-8CF9-6B783AC27AE8}"/>
               </a:ext>
             </a:extLst>
           </p:cNvPr>
@@ -3420,7 +3420,7 @@
           <p:cNvPr id="3" name="Textplatzhalter 2">
             <a:extLst>
               <a:ext uri="{FF2B5EF4-FFF2-40B4-BE49-F238E27FC236}">
-                <a16:creationId xmlns:a16="http://schemas.microsoft.com/office/drawing/2014/main" id="{07C3F747-4553-441D-9A59-A179A6C8C72B}"/>
+                <a16:creationId xmlns="" xmlns:a16="http://schemas.microsoft.com/office/drawing/2014/main" id="{07C3F747-4553-441D-9A59-A179A6C8C72B}"/>
               </a:ext>
             </a:extLst>
           </p:cNvPr>
@@ -3487,7 +3487,7 @@
           <p:cNvPr id="4" name="Datumsplatzhalter 3">
             <a:extLst>
               <a:ext uri="{FF2B5EF4-FFF2-40B4-BE49-F238E27FC236}">
-                <a16:creationId xmlns:a16="http://schemas.microsoft.com/office/drawing/2014/main" id="{83470060-353B-434A-B7CC-33FBD49828AA}"/>
+                <a16:creationId xmlns="" xmlns:a16="http://schemas.microsoft.com/office/drawing/2014/main" id="{83470060-353B-434A-B7CC-33FBD49828AA}"/>
               </a:ext>
             </a:extLst>
           </p:cNvPr>
@@ -3535,7 +3535,7 @@
           <p:cNvPr id="5" name="Fußzeilenplatzhalter 4">
             <a:extLst>
               <a:ext uri="{FF2B5EF4-FFF2-40B4-BE49-F238E27FC236}">
-                <a16:creationId xmlns:a16="http://schemas.microsoft.com/office/drawing/2014/main" id="{793047DD-B4DA-48AE-9813-BA5BB26F6BD8}"/>
+                <a16:creationId xmlns="" xmlns:a16="http://schemas.microsoft.com/office/drawing/2014/main" id="{793047DD-B4DA-48AE-9813-BA5BB26F6BD8}"/>
               </a:ext>
             </a:extLst>
           </p:cNvPr>
@@ -3578,7 +3578,7 @@
           <p:cNvPr id="6" name="Foliennummernplatzhalter 5">
             <a:extLst>
               <a:ext uri="{FF2B5EF4-FFF2-40B4-BE49-F238E27FC236}">
-                <a16:creationId xmlns:a16="http://schemas.microsoft.com/office/drawing/2014/main" id="{1FB4E430-5754-4B82-BF95-E52C81F03426}"/>
+                <a16:creationId xmlns="" xmlns:a16="http://schemas.microsoft.com/office/drawing/2014/main" id="{1FB4E430-5754-4B82-BF95-E52C81F03426}"/>
               </a:ext>
             </a:extLst>
           </p:cNvPr>
@@ -3615,7 +3615,7 @@
             <a:fld id="{DF58FA25-156B-428B-A75B-54B738B0BEF7}" type="slidenum">
               <a:rPr lang="de-DE" smtClean="0"/>
               <a:pPr/>
-              <a:t>‹Nr.›</a:t>
+              <a:t>‹#›</a:t>
             </a:fld>
             <a:endParaRPr lang="de-DE"/>
           </a:p>
@@ -3948,7 +3948,7 @@
           <p:cNvPr id="4" name="Rechteck 3">
             <a:extLst>
               <a:ext uri="{FF2B5EF4-FFF2-40B4-BE49-F238E27FC236}">
-                <a16:creationId xmlns:a16="http://schemas.microsoft.com/office/drawing/2014/main" id="{25BC0F38-C5EA-4A88-B161-F0A7D0C230D8}"/>
+                <a16:creationId xmlns="" xmlns:a16="http://schemas.microsoft.com/office/drawing/2014/main" id="{25BC0F38-C5EA-4A88-B161-F0A7D0C230D8}"/>
               </a:ext>
             </a:extLst>
           </p:cNvPr>
@@ -4000,7 +4000,7 @@
           <p:cNvPr id="5" name="Grafik 4">
             <a:extLst>
               <a:ext uri="{FF2B5EF4-FFF2-40B4-BE49-F238E27FC236}">
-                <a16:creationId xmlns:a16="http://schemas.microsoft.com/office/drawing/2014/main" id="{773A27E1-0806-4EA0-BBF4-2C172635DF88}"/>
+                <a16:creationId xmlns="" xmlns:a16="http://schemas.microsoft.com/office/drawing/2014/main" id="{773A27E1-0806-4EA0-BBF4-2C172635DF88}"/>
               </a:ext>
             </a:extLst>
           </p:cNvPr>
@@ -4010,13 +4010,13 @@
           <p:nvPr/>
         </p:nvPicPr>
         <p:blipFill>
-          <a:blip r:embed="rId3">
+          <a:blip r:embed="rId3" cstate="print">
             <a:extLst>
               <a:ext uri="{28A0092B-C50C-407E-A947-70E740481C1C}">
                 <a14:useLocalDpi xmlns:a14="http://schemas.microsoft.com/office/drawing/2010/main" val="0"/>
               </a:ext>
               <a:ext uri="{96DAC541-7B7A-43D3-8B79-37D633B846F1}">
-                <asvg:svgBlip xmlns:asvg="http://schemas.microsoft.com/office/drawing/2016/SVG/main" r:embed="rId4"/>
+                <asvg:svgBlip xmlns="" xmlns:asvg="http://schemas.microsoft.com/office/drawing/2016/SVG/main" r:embed="rId4"/>
               </a:ext>
             </a:extLst>
           </a:blip>
@@ -4039,7 +4039,7 @@
           <p:cNvPr id="7" name="Textfeld 6">
             <a:extLst>
               <a:ext uri="{FF2B5EF4-FFF2-40B4-BE49-F238E27FC236}">
-                <a16:creationId xmlns:a16="http://schemas.microsoft.com/office/drawing/2014/main" id="{AD6E233A-4514-19B4-DE7D-EA9E6B89272B}"/>
+                <a16:creationId xmlns="" xmlns:a16="http://schemas.microsoft.com/office/drawing/2014/main" id="{AD6E233A-4514-19B4-DE7D-EA9E6B89272B}"/>
               </a:ext>
             </a:extLst>
           </p:cNvPr>
@@ -4110,6 +4110,13 @@
       <p:transition spd="slow" advTm="5595"/>
     </mc:Fallback>
   </mc:AlternateContent>
+  <p:timing>
+    <p:tnLst>
+      <p:par>
+        <p:cTn id="1" dur="indefinite" restart="never" nodeType="tmRoot"/>
+      </p:par>
+    </p:tnLst>
+  </p:timing>
 </p:sld>
 </file>
 
@@ -4135,7 +4142,7 @@
           <p:cNvPr id="9" name="Textfeld 8">
             <a:extLst>
               <a:ext uri="{FF2B5EF4-FFF2-40B4-BE49-F238E27FC236}">
-                <a16:creationId xmlns:a16="http://schemas.microsoft.com/office/drawing/2014/main" id="{99EF8AE6-2CAB-42B6-ADF7-989657C39A05}"/>
+                <a16:creationId xmlns="" xmlns:a16="http://schemas.microsoft.com/office/drawing/2014/main" id="{99EF8AE6-2CAB-42B6-ADF7-989657C39A05}"/>
               </a:ext>
             </a:extLst>
           </p:cNvPr>
@@ -4174,7 +4181,7 @@
           <p:cNvPr id="10" name="Textfeld 9">
             <a:extLst>
               <a:ext uri="{FF2B5EF4-FFF2-40B4-BE49-F238E27FC236}">
-                <a16:creationId xmlns:a16="http://schemas.microsoft.com/office/drawing/2014/main" id="{8FB7EB10-123C-4822-A7C3-B3A38E843864}"/>
+                <a16:creationId xmlns="" xmlns:a16="http://schemas.microsoft.com/office/drawing/2014/main" id="{8FB7EB10-123C-4822-A7C3-B3A38E843864}"/>
               </a:ext>
             </a:extLst>
           </p:cNvPr>
@@ -4311,7 +4318,7 @@
           <p:cNvPr id="4" name="Datumsplatzhalter 3">
             <a:extLst>
               <a:ext uri="{FF2B5EF4-FFF2-40B4-BE49-F238E27FC236}">
-                <a16:creationId xmlns:a16="http://schemas.microsoft.com/office/drawing/2014/main" id="{B03F4F0B-76CC-7036-CBDC-DE797B9E484B}"/>
+                <a16:creationId xmlns="" xmlns:a16="http://schemas.microsoft.com/office/drawing/2014/main" id="{B03F4F0B-76CC-7036-CBDC-DE797B9E484B}"/>
               </a:ext>
             </a:extLst>
           </p:cNvPr>
@@ -4340,7 +4347,7 @@
           <p:cNvPr id="5" name="Foliennummernplatzhalter 4">
             <a:extLst>
               <a:ext uri="{FF2B5EF4-FFF2-40B4-BE49-F238E27FC236}">
-                <a16:creationId xmlns:a16="http://schemas.microsoft.com/office/drawing/2014/main" id="{EC529953-6FF0-0D94-DED8-0798B56DEF05}"/>
+                <a16:creationId xmlns="" xmlns:a16="http://schemas.microsoft.com/office/drawing/2014/main" id="{EC529953-6FF0-0D94-DED8-0798B56DEF05}"/>
               </a:ext>
             </a:extLst>
           </p:cNvPr>
@@ -4651,7 +4658,7 @@
           <p:cNvPr id="9" name="Textfeld 8">
             <a:extLst>
               <a:ext uri="{FF2B5EF4-FFF2-40B4-BE49-F238E27FC236}">
-                <a16:creationId xmlns:a16="http://schemas.microsoft.com/office/drawing/2014/main" id="{99EF8AE6-2CAB-42B6-ADF7-989657C39A05}"/>
+                <a16:creationId xmlns="" xmlns:a16="http://schemas.microsoft.com/office/drawing/2014/main" id="{99EF8AE6-2CAB-42B6-ADF7-989657C39A05}"/>
               </a:ext>
             </a:extLst>
           </p:cNvPr>
@@ -4690,7 +4697,7 @@
           <p:cNvPr id="10" name="Textfeld 9">
             <a:extLst>
               <a:ext uri="{FF2B5EF4-FFF2-40B4-BE49-F238E27FC236}">
-                <a16:creationId xmlns:a16="http://schemas.microsoft.com/office/drawing/2014/main" id="{8FB7EB10-123C-4822-A7C3-B3A38E843864}"/>
+                <a16:creationId xmlns="" xmlns:a16="http://schemas.microsoft.com/office/drawing/2014/main" id="{8FB7EB10-123C-4822-A7C3-B3A38E843864}"/>
               </a:ext>
             </a:extLst>
           </p:cNvPr>
@@ -4747,7 +4754,7 @@
           <p:cNvPr id="4" name="Datumsplatzhalter 3">
             <a:extLst>
               <a:ext uri="{FF2B5EF4-FFF2-40B4-BE49-F238E27FC236}">
-                <a16:creationId xmlns:a16="http://schemas.microsoft.com/office/drawing/2014/main" id="{F14152DC-9020-42C9-D7AF-7FA1DE352A13}"/>
+                <a16:creationId xmlns="" xmlns:a16="http://schemas.microsoft.com/office/drawing/2014/main" id="{F14152DC-9020-42C9-D7AF-7FA1DE352A13}"/>
               </a:ext>
             </a:extLst>
           </p:cNvPr>
@@ -4776,7 +4783,7 @@
           <p:cNvPr id="5" name="Foliennummernplatzhalter 4">
             <a:extLst>
               <a:ext uri="{FF2B5EF4-FFF2-40B4-BE49-F238E27FC236}">
-                <a16:creationId xmlns:a16="http://schemas.microsoft.com/office/drawing/2014/main" id="{A27C3CD9-97EB-7652-4331-A495017D1D0F}"/>
+                <a16:creationId xmlns="" xmlns:a16="http://schemas.microsoft.com/office/drawing/2014/main" id="{A27C3CD9-97EB-7652-4331-A495017D1D0F}"/>
               </a:ext>
             </a:extLst>
           </p:cNvPr>
@@ -4810,6 +4817,13 @@
   <p:clrMapOvr>
     <a:masterClrMapping/>
   </p:clrMapOvr>
+  <p:timing>
+    <p:tnLst>
+      <p:par>
+        <p:cTn id="1" dur="indefinite" restart="never" nodeType="tmRoot"/>
+      </p:par>
+    </p:tnLst>
+  </p:timing>
 </p:sld>
 </file>
 
@@ -4835,7 +4849,7 @@
           <p:cNvPr id="4" name="Rechteck 3">
             <a:extLst>
               <a:ext uri="{FF2B5EF4-FFF2-40B4-BE49-F238E27FC236}">
-                <a16:creationId xmlns:a16="http://schemas.microsoft.com/office/drawing/2014/main" id="{25BC0F38-C5EA-4A88-B161-F0A7D0C230D8}"/>
+                <a16:creationId xmlns="" xmlns:a16="http://schemas.microsoft.com/office/drawing/2014/main" id="{25BC0F38-C5EA-4A88-B161-F0A7D0C230D8}"/>
               </a:ext>
             </a:extLst>
           </p:cNvPr>
@@ -4887,7 +4901,7 @@
           <p:cNvPr id="2" name="Textfeld 1">
             <a:extLst>
               <a:ext uri="{FF2B5EF4-FFF2-40B4-BE49-F238E27FC236}">
-                <a16:creationId xmlns:a16="http://schemas.microsoft.com/office/drawing/2014/main" id="{1017C281-9103-4001-B331-1945313A1AF6}"/>
+                <a16:creationId xmlns="" xmlns:a16="http://schemas.microsoft.com/office/drawing/2014/main" id="{1017C281-9103-4001-B331-1945313A1AF6}"/>
               </a:ext>
             </a:extLst>
           </p:cNvPr>
@@ -4927,7 +4941,7 @@
           <p:cNvPr id="6" name="Datumsplatzhalter 5">
             <a:extLst>
               <a:ext uri="{FF2B5EF4-FFF2-40B4-BE49-F238E27FC236}">
-                <a16:creationId xmlns:a16="http://schemas.microsoft.com/office/drawing/2014/main" id="{FDCCC8AF-1AAB-C0A1-31EF-8F84C928CCB9}"/>
+                <a16:creationId xmlns="" xmlns:a16="http://schemas.microsoft.com/office/drawing/2014/main" id="{FDCCC8AF-1AAB-C0A1-31EF-8F84C928CCB9}"/>
               </a:ext>
             </a:extLst>
           </p:cNvPr>
@@ -4956,7 +4970,7 @@
           <p:cNvPr id="7" name="Foliennummernplatzhalter 6">
             <a:extLst>
               <a:ext uri="{FF2B5EF4-FFF2-40B4-BE49-F238E27FC236}">
-                <a16:creationId xmlns:a16="http://schemas.microsoft.com/office/drawing/2014/main" id="{05E3FBCF-D950-F55D-4E1A-C539DFC85CCF}"/>
+                <a16:creationId xmlns="" xmlns:a16="http://schemas.microsoft.com/office/drawing/2014/main" id="{05E3FBCF-D950-F55D-4E1A-C539DFC85CCF}"/>
               </a:ext>
             </a:extLst>
           </p:cNvPr>
@@ -4990,6 +5004,13 @@
   <p:clrMapOvr>
     <a:masterClrMapping/>
   </p:clrMapOvr>
+  <p:timing>
+    <p:tnLst>
+      <p:par>
+        <p:cTn id="1" dur="indefinite" restart="never" nodeType="tmRoot"/>
+      </p:par>
+    </p:tnLst>
+  </p:timing>
 </p:sld>
 </file>
 
@@ -5015,7 +5036,7 @@
           <p:cNvPr id="9" name="Textfeld 8">
             <a:extLst>
               <a:ext uri="{FF2B5EF4-FFF2-40B4-BE49-F238E27FC236}">
-                <a16:creationId xmlns:a16="http://schemas.microsoft.com/office/drawing/2014/main" id="{99EF8AE6-2CAB-42B6-ADF7-989657C39A05}"/>
+                <a16:creationId xmlns="" xmlns:a16="http://schemas.microsoft.com/office/drawing/2014/main" id="{99EF8AE6-2CAB-42B6-ADF7-989657C39A05}"/>
               </a:ext>
             </a:extLst>
           </p:cNvPr>
@@ -5054,7 +5075,7 @@
           <p:cNvPr id="4" name="Datumsplatzhalter 3">
             <a:extLst>
               <a:ext uri="{FF2B5EF4-FFF2-40B4-BE49-F238E27FC236}">
-                <a16:creationId xmlns:a16="http://schemas.microsoft.com/office/drawing/2014/main" id="{B03F4F0B-76CC-7036-CBDC-DE797B9E484B}"/>
+                <a16:creationId xmlns="" xmlns:a16="http://schemas.microsoft.com/office/drawing/2014/main" id="{B03F4F0B-76CC-7036-CBDC-DE797B9E484B}"/>
               </a:ext>
             </a:extLst>
           </p:cNvPr>
@@ -5083,7 +5104,7 @@
           <p:cNvPr id="5" name="Foliennummernplatzhalter 4">
             <a:extLst>
               <a:ext uri="{FF2B5EF4-FFF2-40B4-BE49-F238E27FC236}">
-                <a16:creationId xmlns:a16="http://schemas.microsoft.com/office/drawing/2014/main" id="{EC529953-6FF0-0D94-DED8-0798B56DEF05}"/>
+                <a16:creationId xmlns="" xmlns:a16="http://schemas.microsoft.com/office/drawing/2014/main" id="{EC529953-6FF0-0D94-DED8-0798B56DEF05}"/>
               </a:ext>
             </a:extLst>
           </p:cNvPr>
@@ -5112,7 +5133,7 @@
           <p:cNvPr id="6" name="Tabelle 5">
             <a:extLst>
               <a:ext uri="{FF2B5EF4-FFF2-40B4-BE49-F238E27FC236}">
-                <a16:creationId xmlns:a16="http://schemas.microsoft.com/office/drawing/2014/main" id="{8DB72C67-E8D5-FDF2-60E3-A9C0733F643F}"/>
+                <a16:creationId xmlns="" xmlns:a16="http://schemas.microsoft.com/office/drawing/2014/main" id="{8DB72C67-E8D5-FDF2-60E3-A9C0733F643F}"/>
               </a:ext>
             </a:extLst>
           </p:cNvPr>
@@ -5141,14 +5162,14 @@
                 <a:gridCol w="1442146">
                   <a:extLst>
                     <a:ext uri="{9D8B030D-6E8A-4147-A177-3AD203B41FA5}">
-                      <a16:colId xmlns:a16="http://schemas.microsoft.com/office/drawing/2014/main" val="340557230"/>
+                      <a16:colId xmlns="" xmlns:a16="http://schemas.microsoft.com/office/drawing/2014/main" val="340557230"/>
                     </a:ext>
                   </a:extLst>
                 </a:gridCol>
                 <a:gridCol w="977298">
                   <a:extLst>
                     <a:ext uri="{9D8B030D-6E8A-4147-A177-3AD203B41FA5}">
-                      <a16:colId xmlns:a16="http://schemas.microsoft.com/office/drawing/2014/main" val="1167263557"/>
+                      <a16:colId xmlns="" xmlns:a16="http://schemas.microsoft.com/office/drawing/2014/main" val="1167263557"/>
                     </a:ext>
                   </a:extLst>
                 </a:gridCol>
@@ -5283,7 +5304,7 @@
                 </a:tc>
                 <a:extLst>
                   <a:ext uri="{0D108BD9-81ED-4DB2-BD59-A6C34878D82A}">
-                    <a16:rowId xmlns:a16="http://schemas.microsoft.com/office/drawing/2014/main" val="2529619409"/>
+                    <a16:rowId xmlns="" xmlns:a16="http://schemas.microsoft.com/office/drawing/2014/main" val="2529619409"/>
                   </a:ext>
                 </a:extLst>
               </a:tr>
@@ -5420,7 +5441,7 @@
                 </a:tc>
                 <a:extLst>
                   <a:ext uri="{0D108BD9-81ED-4DB2-BD59-A6C34878D82A}">
-                    <a16:rowId xmlns:a16="http://schemas.microsoft.com/office/drawing/2014/main" val="3291520734"/>
+                    <a16:rowId xmlns="" xmlns:a16="http://schemas.microsoft.com/office/drawing/2014/main" val="3291520734"/>
                   </a:ext>
                 </a:extLst>
               </a:tr>
@@ -5557,7 +5578,7 @@
                 </a:tc>
                 <a:extLst>
                   <a:ext uri="{0D108BD9-81ED-4DB2-BD59-A6C34878D82A}">
-                    <a16:rowId xmlns:a16="http://schemas.microsoft.com/office/drawing/2014/main" val="407616995"/>
+                    <a16:rowId xmlns="" xmlns:a16="http://schemas.microsoft.com/office/drawing/2014/main" val="407616995"/>
                   </a:ext>
                 </a:extLst>
               </a:tr>
@@ -5570,7 +5591,7 @@
           <p:cNvPr id="7" name="Tabelle 6">
             <a:extLst>
               <a:ext uri="{FF2B5EF4-FFF2-40B4-BE49-F238E27FC236}">
-                <a16:creationId xmlns:a16="http://schemas.microsoft.com/office/drawing/2014/main" id="{399EB00D-C509-2784-2141-958B10794E24}"/>
+                <a16:creationId xmlns="" xmlns:a16="http://schemas.microsoft.com/office/drawing/2014/main" id="{399EB00D-C509-2784-2141-958B10794E24}"/>
               </a:ext>
             </a:extLst>
           </p:cNvPr>
@@ -5599,14 +5620,14 @@
                 <a:gridCol w="1442146">
                   <a:extLst>
                     <a:ext uri="{9D8B030D-6E8A-4147-A177-3AD203B41FA5}">
-                      <a16:colId xmlns:a16="http://schemas.microsoft.com/office/drawing/2014/main" val="340557230"/>
+                      <a16:colId xmlns="" xmlns:a16="http://schemas.microsoft.com/office/drawing/2014/main" val="340557230"/>
                     </a:ext>
                   </a:extLst>
                 </a:gridCol>
                 <a:gridCol w="977298">
                   <a:extLst>
                     <a:ext uri="{9D8B030D-6E8A-4147-A177-3AD203B41FA5}">
-                      <a16:colId xmlns:a16="http://schemas.microsoft.com/office/drawing/2014/main" val="1167263557"/>
+                      <a16:colId xmlns="" xmlns:a16="http://schemas.microsoft.com/office/drawing/2014/main" val="1167263557"/>
                     </a:ext>
                   </a:extLst>
                 </a:gridCol>
@@ -5741,7 +5762,7 @@
                 </a:tc>
                 <a:extLst>
                   <a:ext uri="{0D108BD9-81ED-4DB2-BD59-A6C34878D82A}">
-                    <a16:rowId xmlns:a16="http://schemas.microsoft.com/office/drawing/2014/main" val="2529619409"/>
+                    <a16:rowId xmlns="" xmlns:a16="http://schemas.microsoft.com/office/drawing/2014/main" val="2529619409"/>
                   </a:ext>
                 </a:extLst>
               </a:tr>
@@ -5878,7 +5899,7 @@
                 </a:tc>
                 <a:extLst>
                   <a:ext uri="{0D108BD9-81ED-4DB2-BD59-A6C34878D82A}">
-                    <a16:rowId xmlns:a16="http://schemas.microsoft.com/office/drawing/2014/main" val="3291520734"/>
+                    <a16:rowId xmlns="" xmlns:a16="http://schemas.microsoft.com/office/drawing/2014/main" val="3291520734"/>
                   </a:ext>
                 </a:extLst>
               </a:tr>
@@ -6015,7 +6036,7 @@
                 </a:tc>
                 <a:extLst>
                   <a:ext uri="{0D108BD9-81ED-4DB2-BD59-A6C34878D82A}">
-                    <a16:rowId xmlns:a16="http://schemas.microsoft.com/office/drawing/2014/main" val="407616995"/>
+                    <a16:rowId xmlns="" xmlns:a16="http://schemas.microsoft.com/office/drawing/2014/main" val="407616995"/>
                   </a:ext>
                 </a:extLst>
               </a:tr>
@@ -6028,7 +6049,7 @@
           <p:cNvPr id="8" name="Tabelle 7">
             <a:extLst>
               <a:ext uri="{FF2B5EF4-FFF2-40B4-BE49-F238E27FC236}">
-                <a16:creationId xmlns:a16="http://schemas.microsoft.com/office/drawing/2014/main" id="{1D9887B5-EEB9-8773-ED06-F2BE5D060DCE}"/>
+                <a16:creationId xmlns="" xmlns:a16="http://schemas.microsoft.com/office/drawing/2014/main" id="{1D9887B5-EEB9-8773-ED06-F2BE5D060DCE}"/>
               </a:ext>
             </a:extLst>
           </p:cNvPr>
@@ -6057,14 +6078,14 @@
                 <a:gridCol w="1442146">
                   <a:extLst>
                     <a:ext uri="{9D8B030D-6E8A-4147-A177-3AD203B41FA5}">
-                      <a16:colId xmlns:a16="http://schemas.microsoft.com/office/drawing/2014/main" val="340557230"/>
+                      <a16:colId xmlns="" xmlns:a16="http://schemas.microsoft.com/office/drawing/2014/main" val="340557230"/>
                     </a:ext>
                   </a:extLst>
                 </a:gridCol>
                 <a:gridCol w="977298">
                   <a:extLst>
                     <a:ext uri="{9D8B030D-6E8A-4147-A177-3AD203B41FA5}">
-                      <a16:colId xmlns:a16="http://schemas.microsoft.com/office/drawing/2014/main" val="1167263557"/>
+                      <a16:colId xmlns="" xmlns:a16="http://schemas.microsoft.com/office/drawing/2014/main" val="1167263557"/>
                     </a:ext>
                   </a:extLst>
                 </a:gridCol>
@@ -6199,7 +6220,7 @@
                 </a:tc>
                 <a:extLst>
                   <a:ext uri="{0D108BD9-81ED-4DB2-BD59-A6C34878D82A}">
-                    <a16:rowId xmlns:a16="http://schemas.microsoft.com/office/drawing/2014/main" val="2529619409"/>
+                    <a16:rowId xmlns="" xmlns:a16="http://schemas.microsoft.com/office/drawing/2014/main" val="2529619409"/>
                   </a:ext>
                 </a:extLst>
               </a:tr>
@@ -6336,7 +6357,7 @@
                 </a:tc>
                 <a:extLst>
                   <a:ext uri="{0D108BD9-81ED-4DB2-BD59-A6C34878D82A}">
-                    <a16:rowId xmlns:a16="http://schemas.microsoft.com/office/drawing/2014/main" val="3291520734"/>
+                    <a16:rowId xmlns="" xmlns:a16="http://schemas.microsoft.com/office/drawing/2014/main" val="3291520734"/>
                   </a:ext>
                 </a:extLst>
               </a:tr>
@@ -6473,7 +6494,7 @@
                 </a:tc>
                 <a:extLst>
                   <a:ext uri="{0D108BD9-81ED-4DB2-BD59-A6C34878D82A}">
-                    <a16:rowId xmlns:a16="http://schemas.microsoft.com/office/drawing/2014/main" val="407616995"/>
+                    <a16:rowId xmlns="" xmlns:a16="http://schemas.microsoft.com/office/drawing/2014/main" val="407616995"/>
                   </a:ext>
                 </a:extLst>
               </a:tr>
@@ -6491,6 +6512,13 @@
   <p:clrMapOvr>
     <a:masterClrMapping/>
   </p:clrMapOvr>
+  <p:timing>
+    <p:tnLst>
+      <p:par>
+        <p:cTn id="1" dur="indefinite" restart="never" nodeType="tmRoot"/>
+      </p:par>
+    </p:tnLst>
+  </p:timing>
 </p:sld>
 </file>
 
@@ -6516,7 +6544,7 @@
           <p:cNvPr id="9" name="Textfeld 8">
             <a:extLst>
               <a:ext uri="{FF2B5EF4-FFF2-40B4-BE49-F238E27FC236}">
-                <a16:creationId xmlns:a16="http://schemas.microsoft.com/office/drawing/2014/main" id="{99EF8AE6-2CAB-42B6-ADF7-989657C39A05}"/>
+                <a16:creationId xmlns="" xmlns:a16="http://schemas.microsoft.com/office/drawing/2014/main" id="{99EF8AE6-2CAB-42B6-ADF7-989657C39A05}"/>
               </a:ext>
             </a:extLst>
           </p:cNvPr>
@@ -6555,7 +6583,7 @@
           <p:cNvPr id="4" name="Datumsplatzhalter 3">
             <a:extLst>
               <a:ext uri="{FF2B5EF4-FFF2-40B4-BE49-F238E27FC236}">
-                <a16:creationId xmlns:a16="http://schemas.microsoft.com/office/drawing/2014/main" id="{B03F4F0B-76CC-7036-CBDC-DE797B9E484B}"/>
+                <a16:creationId xmlns="" xmlns:a16="http://schemas.microsoft.com/office/drawing/2014/main" id="{B03F4F0B-76CC-7036-CBDC-DE797B9E484B}"/>
               </a:ext>
             </a:extLst>
           </p:cNvPr>
@@ -6584,7 +6612,7 @@
           <p:cNvPr id="5" name="Foliennummernplatzhalter 4">
             <a:extLst>
               <a:ext uri="{FF2B5EF4-FFF2-40B4-BE49-F238E27FC236}">
-                <a16:creationId xmlns:a16="http://schemas.microsoft.com/office/drawing/2014/main" id="{EC529953-6FF0-0D94-DED8-0798B56DEF05}"/>
+                <a16:creationId xmlns="" xmlns:a16="http://schemas.microsoft.com/office/drawing/2014/main" id="{EC529953-6FF0-0D94-DED8-0798B56DEF05}"/>
               </a:ext>
             </a:extLst>
           </p:cNvPr>
@@ -6613,7 +6641,7 @@
           <p:cNvPr id="6" name="Tabelle 5">
             <a:extLst>
               <a:ext uri="{FF2B5EF4-FFF2-40B4-BE49-F238E27FC236}">
-                <a16:creationId xmlns:a16="http://schemas.microsoft.com/office/drawing/2014/main" id="{8DB72C67-E8D5-FDF2-60E3-A9C0733F643F}"/>
+                <a16:creationId xmlns="" xmlns:a16="http://schemas.microsoft.com/office/drawing/2014/main" id="{8DB72C67-E8D5-FDF2-60E3-A9C0733F643F}"/>
               </a:ext>
             </a:extLst>
           </p:cNvPr>
@@ -6642,14 +6670,14 @@
                 <a:gridCol w="1442146">
                   <a:extLst>
                     <a:ext uri="{9D8B030D-6E8A-4147-A177-3AD203B41FA5}">
-                      <a16:colId xmlns:a16="http://schemas.microsoft.com/office/drawing/2014/main" val="340557230"/>
+                      <a16:colId xmlns="" xmlns:a16="http://schemas.microsoft.com/office/drawing/2014/main" val="340557230"/>
                     </a:ext>
                   </a:extLst>
                 </a:gridCol>
                 <a:gridCol w="977298">
                   <a:extLst>
                     <a:ext uri="{9D8B030D-6E8A-4147-A177-3AD203B41FA5}">
-                      <a16:colId xmlns:a16="http://schemas.microsoft.com/office/drawing/2014/main" val="1167263557"/>
+                      <a16:colId xmlns="" xmlns:a16="http://schemas.microsoft.com/office/drawing/2014/main" val="1167263557"/>
                     </a:ext>
                   </a:extLst>
                 </a:gridCol>
@@ -6794,7 +6822,7 @@
                 </a:tc>
                 <a:extLst>
                   <a:ext uri="{0D108BD9-81ED-4DB2-BD59-A6C34878D82A}">
-                    <a16:rowId xmlns:a16="http://schemas.microsoft.com/office/drawing/2014/main" val="2529619409"/>
+                    <a16:rowId xmlns="" xmlns:a16="http://schemas.microsoft.com/office/drawing/2014/main" val="2529619409"/>
                   </a:ext>
                 </a:extLst>
               </a:tr>
@@ -6951,7 +6979,7 @@
                 </a:tc>
                 <a:extLst>
                   <a:ext uri="{0D108BD9-81ED-4DB2-BD59-A6C34878D82A}">
-                    <a16:rowId xmlns:a16="http://schemas.microsoft.com/office/drawing/2014/main" val="3291520734"/>
+                    <a16:rowId xmlns="" xmlns:a16="http://schemas.microsoft.com/office/drawing/2014/main" val="3291520734"/>
                   </a:ext>
                 </a:extLst>
               </a:tr>
@@ -7108,7 +7136,7 @@
                 </a:tc>
                 <a:extLst>
                   <a:ext uri="{0D108BD9-81ED-4DB2-BD59-A6C34878D82A}">
-                    <a16:rowId xmlns:a16="http://schemas.microsoft.com/office/drawing/2014/main" val="407616995"/>
+                    <a16:rowId xmlns="" xmlns:a16="http://schemas.microsoft.com/office/drawing/2014/main" val="407616995"/>
                   </a:ext>
                 </a:extLst>
               </a:tr>
@@ -7121,7 +7149,7 @@
           <p:cNvPr id="7" name="Tabelle 6">
             <a:extLst>
               <a:ext uri="{FF2B5EF4-FFF2-40B4-BE49-F238E27FC236}">
-                <a16:creationId xmlns:a16="http://schemas.microsoft.com/office/drawing/2014/main" id="{399EB00D-C509-2784-2141-958B10794E24}"/>
+                <a16:creationId xmlns="" xmlns:a16="http://schemas.microsoft.com/office/drawing/2014/main" id="{399EB00D-C509-2784-2141-958B10794E24}"/>
               </a:ext>
             </a:extLst>
           </p:cNvPr>
@@ -7150,14 +7178,14 @@
                 <a:gridCol w="1442146">
                   <a:extLst>
                     <a:ext uri="{9D8B030D-6E8A-4147-A177-3AD203B41FA5}">
-                      <a16:colId xmlns:a16="http://schemas.microsoft.com/office/drawing/2014/main" val="340557230"/>
+                      <a16:colId xmlns="" xmlns:a16="http://schemas.microsoft.com/office/drawing/2014/main" val="340557230"/>
                     </a:ext>
                   </a:extLst>
                 </a:gridCol>
                 <a:gridCol w="977298">
                   <a:extLst>
                     <a:ext uri="{9D8B030D-6E8A-4147-A177-3AD203B41FA5}">
-                      <a16:colId xmlns:a16="http://schemas.microsoft.com/office/drawing/2014/main" val="1167263557"/>
+                      <a16:colId xmlns="" xmlns:a16="http://schemas.microsoft.com/office/drawing/2014/main" val="1167263557"/>
                     </a:ext>
                   </a:extLst>
                 </a:gridCol>
@@ -7302,7 +7330,7 @@
                 </a:tc>
                 <a:extLst>
                   <a:ext uri="{0D108BD9-81ED-4DB2-BD59-A6C34878D82A}">
-                    <a16:rowId xmlns:a16="http://schemas.microsoft.com/office/drawing/2014/main" val="2529619409"/>
+                    <a16:rowId xmlns="" xmlns:a16="http://schemas.microsoft.com/office/drawing/2014/main" val="2529619409"/>
                   </a:ext>
                 </a:extLst>
               </a:tr>
@@ -7459,7 +7487,7 @@
                 </a:tc>
                 <a:extLst>
                   <a:ext uri="{0D108BD9-81ED-4DB2-BD59-A6C34878D82A}">
-                    <a16:rowId xmlns:a16="http://schemas.microsoft.com/office/drawing/2014/main" val="3291520734"/>
+                    <a16:rowId xmlns="" xmlns:a16="http://schemas.microsoft.com/office/drawing/2014/main" val="3291520734"/>
                   </a:ext>
                 </a:extLst>
               </a:tr>
@@ -7616,7 +7644,7 @@
                 </a:tc>
                 <a:extLst>
                   <a:ext uri="{0D108BD9-81ED-4DB2-BD59-A6C34878D82A}">
-                    <a16:rowId xmlns:a16="http://schemas.microsoft.com/office/drawing/2014/main" val="407616995"/>
+                    <a16:rowId xmlns="" xmlns:a16="http://schemas.microsoft.com/office/drawing/2014/main" val="407616995"/>
                   </a:ext>
                 </a:extLst>
               </a:tr>
@@ -7629,7 +7657,7 @@
           <p:cNvPr id="8" name="Tabelle 7">
             <a:extLst>
               <a:ext uri="{FF2B5EF4-FFF2-40B4-BE49-F238E27FC236}">
-                <a16:creationId xmlns:a16="http://schemas.microsoft.com/office/drawing/2014/main" id="{1D9887B5-EEB9-8773-ED06-F2BE5D060DCE}"/>
+                <a16:creationId xmlns="" xmlns:a16="http://schemas.microsoft.com/office/drawing/2014/main" id="{1D9887B5-EEB9-8773-ED06-F2BE5D060DCE}"/>
               </a:ext>
             </a:extLst>
           </p:cNvPr>
@@ -7658,14 +7686,14 @@
                 <a:gridCol w="1442146">
                   <a:extLst>
                     <a:ext uri="{9D8B030D-6E8A-4147-A177-3AD203B41FA5}">
-                      <a16:colId xmlns:a16="http://schemas.microsoft.com/office/drawing/2014/main" val="340557230"/>
+                      <a16:colId xmlns="" xmlns:a16="http://schemas.microsoft.com/office/drawing/2014/main" val="340557230"/>
                     </a:ext>
                   </a:extLst>
                 </a:gridCol>
                 <a:gridCol w="977298">
                   <a:extLst>
                     <a:ext uri="{9D8B030D-6E8A-4147-A177-3AD203B41FA5}">
-                      <a16:colId xmlns:a16="http://schemas.microsoft.com/office/drawing/2014/main" val="1167263557"/>
+                      <a16:colId xmlns="" xmlns:a16="http://schemas.microsoft.com/office/drawing/2014/main" val="1167263557"/>
                     </a:ext>
                   </a:extLst>
                 </a:gridCol>
@@ -7800,7 +7828,7 @@
                 </a:tc>
                 <a:extLst>
                   <a:ext uri="{0D108BD9-81ED-4DB2-BD59-A6C34878D82A}">
-                    <a16:rowId xmlns:a16="http://schemas.microsoft.com/office/drawing/2014/main" val="2529619409"/>
+                    <a16:rowId xmlns="" xmlns:a16="http://schemas.microsoft.com/office/drawing/2014/main" val="2529619409"/>
                   </a:ext>
                 </a:extLst>
               </a:tr>
@@ -7937,7 +7965,7 @@
                 </a:tc>
                 <a:extLst>
                   <a:ext uri="{0D108BD9-81ED-4DB2-BD59-A6C34878D82A}">
-                    <a16:rowId xmlns:a16="http://schemas.microsoft.com/office/drawing/2014/main" val="3291520734"/>
+                    <a16:rowId xmlns="" xmlns:a16="http://schemas.microsoft.com/office/drawing/2014/main" val="3291520734"/>
                   </a:ext>
                 </a:extLst>
               </a:tr>
@@ -8074,7 +8102,7 @@
                 </a:tc>
                 <a:extLst>
                   <a:ext uri="{0D108BD9-81ED-4DB2-BD59-A6C34878D82A}">
-                    <a16:rowId xmlns:a16="http://schemas.microsoft.com/office/drawing/2014/main" val="407616995"/>
+                    <a16:rowId xmlns="" xmlns:a16="http://schemas.microsoft.com/office/drawing/2014/main" val="407616995"/>
                   </a:ext>
                 </a:extLst>
               </a:tr>
@@ -8087,7 +8115,7 @@
           <p:cNvPr id="10" name="Grafik 9">
             <a:extLst>
               <a:ext uri="{FF2B5EF4-FFF2-40B4-BE49-F238E27FC236}">
-                <a16:creationId xmlns:a16="http://schemas.microsoft.com/office/drawing/2014/main" id="{8C3C4D67-F4F2-1FCD-B5A4-B64D79F4C1BA}"/>
+                <a16:creationId xmlns="" xmlns:a16="http://schemas.microsoft.com/office/drawing/2014/main" id="{8C3C4D67-F4F2-1FCD-B5A4-B64D79F4C1BA}"/>
               </a:ext>
             </a:extLst>
           </p:cNvPr>
@@ -8122,7 +8150,7 @@
           <p:cNvPr id="11" name="Textfeld 10">
             <a:extLst>
               <a:ext uri="{FF2B5EF4-FFF2-40B4-BE49-F238E27FC236}">
-                <a16:creationId xmlns:a16="http://schemas.microsoft.com/office/drawing/2014/main" id="{6F9BDBAD-6C85-5622-48BB-FD46F650F22D}"/>
+                <a16:creationId xmlns="" xmlns:a16="http://schemas.microsoft.com/office/drawing/2014/main" id="{6F9BDBAD-6C85-5622-48BB-FD46F650F22D}"/>
               </a:ext>
             </a:extLst>
           </p:cNvPr>
@@ -8161,7 +8189,7 @@
           <p:cNvPr id="12" name="Ellipse 11">
             <a:extLst>
               <a:ext uri="{FF2B5EF4-FFF2-40B4-BE49-F238E27FC236}">
-                <a16:creationId xmlns:a16="http://schemas.microsoft.com/office/drawing/2014/main" id="{1876B5DE-7F28-FBF5-8E65-0FF41851605F}"/>
+                <a16:creationId xmlns="" xmlns:a16="http://schemas.microsoft.com/office/drawing/2014/main" id="{1876B5DE-7F28-FBF5-8E65-0FF41851605F}"/>
               </a:ext>
             </a:extLst>
           </p:cNvPr>
@@ -8217,7 +8245,7 @@
           <p:cNvPr id="13" name="Ellipse 12">
             <a:extLst>
               <a:ext uri="{FF2B5EF4-FFF2-40B4-BE49-F238E27FC236}">
-                <a16:creationId xmlns:a16="http://schemas.microsoft.com/office/drawing/2014/main" id="{B7722868-73F4-79ED-453D-9557014FFB78}"/>
+                <a16:creationId xmlns="" xmlns:a16="http://schemas.microsoft.com/office/drawing/2014/main" id="{B7722868-73F4-79ED-453D-9557014FFB78}"/>
               </a:ext>
             </a:extLst>
           </p:cNvPr>
@@ -8273,7 +8301,7 @@
           <p:cNvPr id="14" name="Textfeld 13">
             <a:extLst>
               <a:ext uri="{FF2B5EF4-FFF2-40B4-BE49-F238E27FC236}">
-                <a16:creationId xmlns:a16="http://schemas.microsoft.com/office/drawing/2014/main" id="{D4775388-F8D0-3E5B-23AE-EDFC765482EC}"/>
+                <a16:creationId xmlns="" xmlns:a16="http://schemas.microsoft.com/office/drawing/2014/main" id="{D4775388-F8D0-3E5B-23AE-EDFC765482EC}"/>
               </a:ext>
             </a:extLst>
           </p:cNvPr>
@@ -8312,7 +8340,7 @@
           <p:cNvPr id="15" name="Textfeld 14">
             <a:extLst>
               <a:ext uri="{FF2B5EF4-FFF2-40B4-BE49-F238E27FC236}">
-                <a16:creationId xmlns:a16="http://schemas.microsoft.com/office/drawing/2014/main" id="{FDA1CA0C-83E0-2150-BE27-7FDC3117C3FD}"/>
+                <a16:creationId xmlns="" xmlns:a16="http://schemas.microsoft.com/office/drawing/2014/main" id="{FDA1CA0C-83E0-2150-BE27-7FDC3117C3FD}"/>
               </a:ext>
             </a:extLst>
           </p:cNvPr>
@@ -8356,6 +8384,13 @@
   <p:clrMapOvr>
     <a:masterClrMapping/>
   </p:clrMapOvr>
+  <p:timing>
+    <p:tnLst>
+      <p:par>
+        <p:cTn id="1" dur="indefinite" restart="never" nodeType="tmRoot"/>
+      </p:par>
+    </p:tnLst>
+  </p:timing>
 </p:sld>
 </file>
 
@@ -8381,7 +8416,7 @@
           <p:cNvPr id="3" name="Grafik 2" descr="Ein Bild, das Tisch enthält.&#10;&#10;Automatisch generierte Beschreibung">
             <a:extLst>
               <a:ext uri="{FF2B5EF4-FFF2-40B4-BE49-F238E27FC236}">
-                <a16:creationId xmlns:a16="http://schemas.microsoft.com/office/drawing/2014/main" id="{CBC263AC-D3E8-3BB8-DCA2-AB77D2C05426}"/>
+                <a16:creationId xmlns="" xmlns:a16="http://schemas.microsoft.com/office/drawing/2014/main" id="{CBC263AC-D3E8-3BB8-DCA2-AB77D2C05426}"/>
               </a:ext>
             </a:extLst>
           </p:cNvPr>
@@ -8416,7 +8451,7 @@
           <p:cNvPr id="9" name="Textfeld 8">
             <a:extLst>
               <a:ext uri="{FF2B5EF4-FFF2-40B4-BE49-F238E27FC236}">
-                <a16:creationId xmlns:a16="http://schemas.microsoft.com/office/drawing/2014/main" id="{99EF8AE6-2CAB-42B6-ADF7-989657C39A05}"/>
+                <a16:creationId xmlns="" xmlns:a16="http://schemas.microsoft.com/office/drawing/2014/main" id="{99EF8AE6-2CAB-42B6-ADF7-989657C39A05}"/>
               </a:ext>
             </a:extLst>
           </p:cNvPr>
@@ -8455,7 +8490,7 @@
           <p:cNvPr id="4" name="Datumsplatzhalter 3">
             <a:extLst>
               <a:ext uri="{FF2B5EF4-FFF2-40B4-BE49-F238E27FC236}">
-                <a16:creationId xmlns:a16="http://schemas.microsoft.com/office/drawing/2014/main" id="{B03F4F0B-76CC-7036-CBDC-DE797B9E484B}"/>
+                <a16:creationId xmlns="" xmlns:a16="http://schemas.microsoft.com/office/drawing/2014/main" id="{B03F4F0B-76CC-7036-CBDC-DE797B9E484B}"/>
               </a:ext>
             </a:extLst>
           </p:cNvPr>
@@ -8484,7 +8519,7 @@
           <p:cNvPr id="5" name="Foliennummernplatzhalter 4">
             <a:extLst>
               <a:ext uri="{FF2B5EF4-FFF2-40B4-BE49-F238E27FC236}">
-                <a16:creationId xmlns:a16="http://schemas.microsoft.com/office/drawing/2014/main" id="{EC529953-6FF0-0D94-DED8-0798B56DEF05}"/>
+                <a16:creationId xmlns="" xmlns:a16="http://schemas.microsoft.com/office/drawing/2014/main" id="{EC529953-6FF0-0D94-DED8-0798B56DEF05}"/>
               </a:ext>
             </a:extLst>
           </p:cNvPr>
@@ -8513,7 +8548,7 @@
           <p:cNvPr id="6" name="Tabelle 5">
             <a:extLst>
               <a:ext uri="{FF2B5EF4-FFF2-40B4-BE49-F238E27FC236}">
-                <a16:creationId xmlns:a16="http://schemas.microsoft.com/office/drawing/2014/main" id="{8DB72C67-E8D5-FDF2-60E3-A9C0733F643F}"/>
+                <a16:creationId xmlns="" xmlns:a16="http://schemas.microsoft.com/office/drawing/2014/main" id="{8DB72C67-E8D5-FDF2-60E3-A9C0733F643F}"/>
               </a:ext>
             </a:extLst>
           </p:cNvPr>
@@ -8536,14 +8571,14 @@
                 <a:gridCol w="1442146">
                   <a:extLst>
                     <a:ext uri="{9D8B030D-6E8A-4147-A177-3AD203B41FA5}">
-                      <a16:colId xmlns:a16="http://schemas.microsoft.com/office/drawing/2014/main" val="340557230"/>
+                      <a16:colId xmlns="" xmlns:a16="http://schemas.microsoft.com/office/drawing/2014/main" val="340557230"/>
                     </a:ext>
                   </a:extLst>
                 </a:gridCol>
                 <a:gridCol w="977298">
                   <a:extLst>
                     <a:ext uri="{9D8B030D-6E8A-4147-A177-3AD203B41FA5}">
-                      <a16:colId xmlns:a16="http://schemas.microsoft.com/office/drawing/2014/main" val="1167263557"/>
+                      <a16:colId xmlns="" xmlns:a16="http://schemas.microsoft.com/office/drawing/2014/main" val="1167263557"/>
                     </a:ext>
                   </a:extLst>
                 </a:gridCol>
@@ -8688,7 +8723,7 @@
                 </a:tc>
                 <a:extLst>
                   <a:ext uri="{0D108BD9-81ED-4DB2-BD59-A6C34878D82A}">
-                    <a16:rowId xmlns:a16="http://schemas.microsoft.com/office/drawing/2014/main" val="2529619409"/>
+                    <a16:rowId xmlns="" xmlns:a16="http://schemas.microsoft.com/office/drawing/2014/main" val="2529619409"/>
                   </a:ext>
                 </a:extLst>
               </a:tr>
@@ -8845,7 +8880,7 @@
                 </a:tc>
                 <a:extLst>
                   <a:ext uri="{0D108BD9-81ED-4DB2-BD59-A6C34878D82A}">
-                    <a16:rowId xmlns:a16="http://schemas.microsoft.com/office/drawing/2014/main" val="3291520734"/>
+                    <a16:rowId xmlns="" xmlns:a16="http://schemas.microsoft.com/office/drawing/2014/main" val="3291520734"/>
                   </a:ext>
                 </a:extLst>
               </a:tr>
@@ -9002,7 +9037,7 @@
                 </a:tc>
                 <a:extLst>
                   <a:ext uri="{0D108BD9-81ED-4DB2-BD59-A6C34878D82A}">
-                    <a16:rowId xmlns:a16="http://schemas.microsoft.com/office/drawing/2014/main" val="407616995"/>
+                    <a16:rowId xmlns="" xmlns:a16="http://schemas.microsoft.com/office/drawing/2014/main" val="407616995"/>
                   </a:ext>
                 </a:extLst>
               </a:tr>
@@ -9015,7 +9050,7 @@
           <p:cNvPr id="7" name="Tabelle 6">
             <a:extLst>
               <a:ext uri="{FF2B5EF4-FFF2-40B4-BE49-F238E27FC236}">
-                <a16:creationId xmlns:a16="http://schemas.microsoft.com/office/drawing/2014/main" id="{399EB00D-C509-2784-2141-958B10794E24}"/>
+                <a16:creationId xmlns="" xmlns:a16="http://schemas.microsoft.com/office/drawing/2014/main" id="{399EB00D-C509-2784-2141-958B10794E24}"/>
               </a:ext>
             </a:extLst>
           </p:cNvPr>
@@ -9038,14 +9073,14 @@
                 <a:gridCol w="1442146">
                   <a:extLst>
                     <a:ext uri="{9D8B030D-6E8A-4147-A177-3AD203B41FA5}">
-                      <a16:colId xmlns:a16="http://schemas.microsoft.com/office/drawing/2014/main" val="340557230"/>
+                      <a16:colId xmlns="" xmlns:a16="http://schemas.microsoft.com/office/drawing/2014/main" val="340557230"/>
                     </a:ext>
                   </a:extLst>
                 </a:gridCol>
                 <a:gridCol w="977298">
                   <a:extLst>
                     <a:ext uri="{9D8B030D-6E8A-4147-A177-3AD203B41FA5}">
-                      <a16:colId xmlns:a16="http://schemas.microsoft.com/office/drawing/2014/main" val="1167263557"/>
+                      <a16:colId xmlns="" xmlns:a16="http://schemas.microsoft.com/office/drawing/2014/main" val="1167263557"/>
                     </a:ext>
                   </a:extLst>
                 </a:gridCol>
@@ -9190,7 +9225,7 @@
                 </a:tc>
                 <a:extLst>
                   <a:ext uri="{0D108BD9-81ED-4DB2-BD59-A6C34878D82A}">
-                    <a16:rowId xmlns:a16="http://schemas.microsoft.com/office/drawing/2014/main" val="2529619409"/>
+                    <a16:rowId xmlns="" xmlns:a16="http://schemas.microsoft.com/office/drawing/2014/main" val="2529619409"/>
                   </a:ext>
                 </a:extLst>
               </a:tr>
@@ -9347,7 +9382,7 @@
                 </a:tc>
                 <a:extLst>
                   <a:ext uri="{0D108BD9-81ED-4DB2-BD59-A6C34878D82A}">
-                    <a16:rowId xmlns:a16="http://schemas.microsoft.com/office/drawing/2014/main" val="3291520734"/>
+                    <a16:rowId xmlns="" xmlns:a16="http://schemas.microsoft.com/office/drawing/2014/main" val="3291520734"/>
                   </a:ext>
                 </a:extLst>
               </a:tr>
@@ -9504,7 +9539,7 @@
                 </a:tc>
                 <a:extLst>
                   <a:ext uri="{0D108BD9-81ED-4DB2-BD59-A6C34878D82A}">
-                    <a16:rowId xmlns:a16="http://schemas.microsoft.com/office/drawing/2014/main" val="407616995"/>
+                    <a16:rowId xmlns="" xmlns:a16="http://schemas.microsoft.com/office/drawing/2014/main" val="407616995"/>
                   </a:ext>
                 </a:extLst>
               </a:tr>
@@ -9517,7 +9552,7 @@
           <p:cNvPr id="8" name="Tabelle 7">
             <a:extLst>
               <a:ext uri="{FF2B5EF4-FFF2-40B4-BE49-F238E27FC236}">
-                <a16:creationId xmlns:a16="http://schemas.microsoft.com/office/drawing/2014/main" id="{1D9887B5-EEB9-8773-ED06-F2BE5D060DCE}"/>
+                <a16:creationId xmlns="" xmlns:a16="http://schemas.microsoft.com/office/drawing/2014/main" id="{1D9887B5-EEB9-8773-ED06-F2BE5D060DCE}"/>
               </a:ext>
             </a:extLst>
           </p:cNvPr>
@@ -9540,14 +9575,14 @@
                 <a:gridCol w="1442146">
                   <a:extLst>
                     <a:ext uri="{9D8B030D-6E8A-4147-A177-3AD203B41FA5}">
-                      <a16:colId xmlns:a16="http://schemas.microsoft.com/office/drawing/2014/main" val="340557230"/>
+                      <a16:colId xmlns="" xmlns:a16="http://schemas.microsoft.com/office/drawing/2014/main" val="340557230"/>
                     </a:ext>
                   </a:extLst>
                 </a:gridCol>
                 <a:gridCol w="977298">
                   <a:extLst>
                     <a:ext uri="{9D8B030D-6E8A-4147-A177-3AD203B41FA5}">
-                      <a16:colId xmlns:a16="http://schemas.microsoft.com/office/drawing/2014/main" val="1167263557"/>
+                      <a16:colId xmlns="" xmlns:a16="http://schemas.microsoft.com/office/drawing/2014/main" val="1167263557"/>
                     </a:ext>
                   </a:extLst>
                 </a:gridCol>
@@ -9682,7 +9717,7 @@
                 </a:tc>
                 <a:extLst>
                   <a:ext uri="{0D108BD9-81ED-4DB2-BD59-A6C34878D82A}">
-                    <a16:rowId xmlns:a16="http://schemas.microsoft.com/office/drawing/2014/main" val="2529619409"/>
+                    <a16:rowId xmlns="" xmlns:a16="http://schemas.microsoft.com/office/drawing/2014/main" val="2529619409"/>
                   </a:ext>
                 </a:extLst>
               </a:tr>
@@ -9819,7 +9854,7 @@
                 </a:tc>
                 <a:extLst>
                   <a:ext uri="{0D108BD9-81ED-4DB2-BD59-A6C34878D82A}">
-                    <a16:rowId xmlns:a16="http://schemas.microsoft.com/office/drawing/2014/main" val="3291520734"/>
+                    <a16:rowId xmlns="" xmlns:a16="http://schemas.microsoft.com/office/drawing/2014/main" val="3291520734"/>
                   </a:ext>
                 </a:extLst>
               </a:tr>
@@ -9956,7 +9991,7 @@
                 </a:tc>
                 <a:extLst>
                   <a:ext uri="{0D108BD9-81ED-4DB2-BD59-A6C34878D82A}">
-                    <a16:rowId xmlns:a16="http://schemas.microsoft.com/office/drawing/2014/main" val="407616995"/>
+                    <a16:rowId xmlns="" xmlns:a16="http://schemas.microsoft.com/office/drawing/2014/main" val="407616995"/>
                   </a:ext>
                 </a:extLst>
               </a:tr>
@@ -9969,7 +10004,7 @@
           <p:cNvPr id="11" name="Textfeld 10">
             <a:extLst>
               <a:ext uri="{FF2B5EF4-FFF2-40B4-BE49-F238E27FC236}">
-                <a16:creationId xmlns:a16="http://schemas.microsoft.com/office/drawing/2014/main" id="{6F9BDBAD-6C85-5622-48BB-FD46F650F22D}"/>
+                <a16:creationId xmlns="" xmlns:a16="http://schemas.microsoft.com/office/drawing/2014/main" id="{6F9BDBAD-6C85-5622-48BB-FD46F650F22D}"/>
               </a:ext>
             </a:extLst>
           </p:cNvPr>
@@ -10008,7 +10043,7 @@
           <p:cNvPr id="12" name="Ellipse 11">
             <a:extLst>
               <a:ext uri="{FF2B5EF4-FFF2-40B4-BE49-F238E27FC236}">
-                <a16:creationId xmlns:a16="http://schemas.microsoft.com/office/drawing/2014/main" id="{1876B5DE-7F28-FBF5-8E65-0FF41851605F}"/>
+                <a16:creationId xmlns="" xmlns:a16="http://schemas.microsoft.com/office/drawing/2014/main" id="{1876B5DE-7F28-FBF5-8E65-0FF41851605F}"/>
               </a:ext>
             </a:extLst>
           </p:cNvPr>
@@ -10064,7 +10099,7 @@
           <p:cNvPr id="13" name="Ellipse 12">
             <a:extLst>
               <a:ext uri="{FF2B5EF4-FFF2-40B4-BE49-F238E27FC236}">
-                <a16:creationId xmlns:a16="http://schemas.microsoft.com/office/drawing/2014/main" id="{B7722868-73F4-79ED-453D-9557014FFB78}"/>
+                <a16:creationId xmlns="" xmlns:a16="http://schemas.microsoft.com/office/drawing/2014/main" id="{B7722868-73F4-79ED-453D-9557014FFB78}"/>
               </a:ext>
             </a:extLst>
           </p:cNvPr>
@@ -10120,7 +10155,7 @@
           <p:cNvPr id="14" name="Textfeld 13">
             <a:extLst>
               <a:ext uri="{FF2B5EF4-FFF2-40B4-BE49-F238E27FC236}">
-                <a16:creationId xmlns:a16="http://schemas.microsoft.com/office/drawing/2014/main" id="{D4775388-F8D0-3E5B-23AE-EDFC765482EC}"/>
+                <a16:creationId xmlns="" xmlns:a16="http://schemas.microsoft.com/office/drawing/2014/main" id="{D4775388-F8D0-3E5B-23AE-EDFC765482EC}"/>
               </a:ext>
             </a:extLst>
           </p:cNvPr>
@@ -10159,7 +10194,7 @@
           <p:cNvPr id="15" name="Textfeld 14">
             <a:extLst>
               <a:ext uri="{FF2B5EF4-FFF2-40B4-BE49-F238E27FC236}">
-                <a16:creationId xmlns:a16="http://schemas.microsoft.com/office/drawing/2014/main" id="{FDA1CA0C-83E0-2150-BE27-7FDC3117C3FD}"/>
+                <a16:creationId xmlns="" xmlns:a16="http://schemas.microsoft.com/office/drawing/2014/main" id="{FDA1CA0C-83E0-2150-BE27-7FDC3117C3FD}"/>
               </a:ext>
             </a:extLst>
           </p:cNvPr>
@@ -10203,6 +10238,13 @@
   <p:clrMapOvr>
     <a:masterClrMapping/>
   </p:clrMapOvr>
+  <p:timing>
+    <p:tnLst>
+      <p:par>
+        <p:cTn id="1" dur="indefinite" restart="never" nodeType="tmRoot"/>
+      </p:par>
+    </p:tnLst>
+  </p:timing>
 </p:sld>
 </file>
 
@@ -10228,7 +10270,7 @@
           <p:cNvPr id="9" name="Textfeld 8">
             <a:extLst>
               <a:ext uri="{FF2B5EF4-FFF2-40B4-BE49-F238E27FC236}">
-                <a16:creationId xmlns:a16="http://schemas.microsoft.com/office/drawing/2014/main" id="{99EF8AE6-2CAB-42B6-ADF7-989657C39A05}"/>
+                <a16:creationId xmlns="" xmlns:a16="http://schemas.microsoft.com/office/drawing/2014/main" id="{99EF8AE6-2CAB-42B6-ADF7-989657C39A05}"/>
               </a:ext>
             </a:extLst>
           </p:cNvPr>
@@ -10267,7 +10309,7 @@
           <p:cNvPr id="4" name="Datumsplatzhalter 3">
             <a:extLst>
               <a:ext uri="{FF2B5EF4-FFF2-40B4-BE49-F238E27FC236}">
-                <a16:creationId xmlns:a16="http://schemas.microsoft.com/office/drawing/2014/main" id="{B03F4F0B-76CC-7036-CBDC-DE797B9E484B}"/>
+                <a16:creationId xmlns="" xmlns:a16="http://schemas.microsoft.com/office/drawing/2014/main" id="{B03F4F0B-76CC-7036-CBDC-DE797B9E484B}"/>
               </a:ext>
             </a:extLst>
           </p:cNvPr>
@@ -10296,7 +10338,7 @@
           <p:cNvPr id="5" name="Foliennummernplatzhalter 4">
             <a:extLst>
               <a:ext uri="{FF2B5EF4-FFF2-40B4-BE49-F238E27FC236}">
-                <a16:creationId xmlns:a16="http://schemas.microsoft.com/office/drawing/2014/main" id="{EC529953-6FF0-0D94-DED8-0798B56DEF05}"/>
+                <a16:creationId xmlns="" xmlns:a16="http://schemas.microsoft.com/office/drawing/2014/main" id="{EC529953-6FF0-0D94-DED8-0798B56DEF05}"/>
               </a:ext>
             </a:extLst>
           </p:cNvPr>
@@ -10325,7 +10367,7 @@
           <p:cNvPr id="6" name="Tabelle 5">
             <a:extLst>
               <a:ext uri="{FF2B5EF4-FFF2-40B4-BE49-F238E27FC236}">
-                <a16:creationId xmlns:a16="http://schemas.microsoft.com/office/drawing/2014/main" id="{8DB72C67-E8D5-FDF2-60E3-A9C0733F643F}"/>
+                <a16:creationId xmlns="" xmlns:a16="http://schemas.microsoft.com/office/drawing/2014/main" id="{8DB72C67-E8D5-FDF2-60E3-A9C0733F643F}"/>
               </a:ext>
             </a:extLst>
           </p:cNvPr>
@@ -10348,14 +10390,14 @@
                 <a:gridCol w="1442146">
                   <a:extLst>
                     <a:ext uri="{9D8B030D-6E8A-4147-A177-3AD203B41FA5}">
-                      <a16:colId xmlns:a16="http://schemas.microsoft.com/office/drawing/2014/main" val="340557230"/>
+                      <a16:colId xmlns="" xmlns:a16="http://schemas.microsoft.com/office/drawing/2014/main" val="340557230"/>
                     </a:ext>
                   </a:extLst>
                 </a:gridCol>
                 <a:gridCol w="977298">
                   <a:extLst>
                     <a:ext uri="{9D8B030D-6E8A-4147-A177-3AD203B41FA5}">
-                      <a16:colId xmlns:a16="http://schemas.microsoft.com/office/drawing/2014/main" val="1167263557"/>
+                      <a16:colId xmlns="" xmlns:a16="http://schemas.microsoft.com/office/drawing/2014/main" val="1167263557"/>
                     </a:ext>
                   </a:extLst>
                 </a:gridCol>
@@ -10500,7 +10542,7 @@
                 </a:tc>
                 <a:extLst>
                   <a:ext uri="{0D108BD9-81ED-4DB2-BD59-A6C34878D82A}">
-                    <a16:rowId xmlns:a16="http://schemas.microsoft.com/office/drawing/2014/main" val="2529619409"/>
+                    <a16:rowId xmlns="" xmlns:a16="http://schemas.microsoft.com/office/drawing/2014/main" val="2529619409"/>
                   </a:ext>
                 </a:extLst>
               </a:tr>
@@ -10657,7 +10699,7 @@
                 </a:tc>
                 <a:extLst>
                   <a:ext uri="{0D108BD9-81ED-4DB2-BD59-A6C34878D82A}">
-                    <a16:rowId xmlns:a16="http://schemas.microsoft.com/office/drawing/2014/main" val="3291520734"/>
+                    <a16:rowId xmlns="" xmlns:a16="http://schemas.microsoft.com/office/drawing/2014/main" val="3291520734"/>
                   </a:ext>
                 </a:extLst>
               </a:tr>
@@ -10814,7 +10856,7 @@
                 </a:tc>
                 <a:extLst>
                   <a:ext uri="{0D108BD9-81ED-4DB2-BD59-A6C34878D82A}">
-                    <a16:rowId xmlns:a16="http://schemas.microsoft.com/office/drawing/2014/main" val="407616995"/>
+                    <a16:rowId xmlns="" xmlns:a16="http://schemas.microsoft.com/office/drawing/2014/main" val="407616995"/>
                   </a:ext>
                 </a:extLst>
               </a:tr>
@@ -10827,7 +10869,7 @@
           <p:cNvPr id="7" name="Tabelle 6">
             <a:extLst>
               <a:ext uri="{FF2B5EF4-FFF2-40B4-BE49-F238E27FC236}">
-                <a16:creationId xmlns:a16="http://schemas.microsoft.com/office/drawing/2014/main" id="{399EB00D-C509-2784-2141-958B10794E24}"/>
+                <a16:creationId xmlns="" xmlns:a16="http://schemas.microsoft.com/office/drawing/2014/main" id="{399EB00D-C509-2784-2141-958B10794E24}"/>
               </a:ext>
             </a:extLst>
           </p:cNvPr>
@@ -10850,14 +10892,14 @@
                 <a:gridCol w="1442146">
                   <a:extLst>
                     <a:ext uri="{9D8B030D-6E8A-4147-A177-3AD203B41FA5}">
-                      <a16:colId xmlns:a16="http://schemas.microsoft.com/office/drawing/2014/main" val="340557230"/>
+                      <a16:colId xmlns="" xmlns:a16="http://schemas.microsoft.com/office/drawing/2014/main" val="340557230"/>
                     </a:ext>
                   </a:extLst>
                 </a:gridCol>
                 <a:gridCol w="977298">
                   <a:extLst>
                     <a:ext uri="{9D8B030D-6E8A-4147-A177-3AD203B41FA5}">
-                      <a16:colId xmlns:a16="http://schemas.microsoft.com/office/drawing/2014/main" val="1167263557"/>
+                      <a16:colId xmlns="" xmlns:a16="http://schemas.microsoft.com/office/drawing/2014/main" val="1167263557"/>
                     </a:ext>
                   </a:extLst>
                 </a:gridCol>
@@ -11002,7 +11044,7 @@
                 </a:tc>
                 <a:extLst>
                   <a:ext uri="{0D108BD9-81ED-4DB2-BD59-A6C34878D82A}">
-                    <a16:rowId xmlns:a16="http://schemas.microsoft.com/office/drawing/2014/main" val="2529619409"/>
+                    <a16:rowId xmlns="" xmlns:a16="http://schemas.microsoft.com/office/drawing/2014/main" val="2529619409"/>
                   </a:ext>
                 </a:extLst>
               </a:tr>
@@ -11159,7 +11201,7 @@
                 </a:tc>
                 <a:extLst>
                   <a:ext uri="{0D108BD9-81ED-4DB2-BD59-A6C34878D82A}">
-                    <a16:rowId xmlns:a16="http://schemas.microsoft.com/office/drawing/2014/main" val="3291520734"/>
+                    <a16:rowId xmlns="" xmlns:a16="http://schemas.microsoft.com/office/drawing/2014/main" val="3291520734"/>
                   </a:ext>
                 </a:extLst>
               </a:tr>
@@ -11316,7 +11358,7 @@
                 </a:tc>
                 <a:extLst>
                   <a:ext uri="{0D108BD9-81ED-4DB2-BD59-A6C34878D82A}">
-                    <a16:rowId xmlns:a16="http://schemas.microsoft.com/office/drawing/2014/main" val="407616995"/>
+                    <a16:rowId xmlns="" xmlns:a16="http://schemas.microsoft.com/office/drawing/2014/main" val="407616995"/>
                   </a:ext>
                 </a:extLst>
               </a:tr>
@@ -11329,7 +11371,7 @@
           <p:cNvPr id="8" name="Tabelle 7">
             <a:extLst>
               <a:ext uri="{FF2B5EF4-FFF2-40B4-BE49-F238E27FC236}">
-                <a16:creationId xmlns:a16="http://schemas.microsoft.com/office/drawing/2014/main" id="{1D9887B5-EEB9-8773-ED06-F2BE5D060DCE}"/>
+                <a16:creationId xmlns="" xmlns:a16="http://schemas.microsoft.com/office/drawing/2014/main" id="{1D9887B5-EEB9-8773-ED06-F2BE5D060DCE}"/>
               </a:ext>
             </a:extLst>
           </p:cNvPr>
@@ -11358,14 +11400,14 @@
                 <a:gridCol w="1442146">
                   <a:extLst>
                     <a:ext uri="{9D8B030D-6E8A-4147-A177-3AD203B41FA5}">
-                      <a16:colId xmlns:a16="http://schemas.microsoft.com/office/drawing/2014/main" val="340557230"/>
+                      <a16:colId xmlns="" xmlns:a16="http://schemas.microsoft.com/office/drawing/2014/main" val="340557230"/>
                     </a:ext>
                   </a:extLst>
                 </a:gridCol>
                 <a:gridCol w="977298">
                   <a:extLst>
                     <a:ext uri="{9D8B030D-6E8A-4147-A177-3AD203B41FA5}">
-                      <a16:colId xmlns:a16="http://schemas.microsoft.com/office/drawing/2014/main" val="1167263557"/>
+                      <a16:colId xmlns="" xmlns:a16="http://schemas.microsoft.com/office/drawing/2014/main" val="1167263557"/>
                     </a:ext>
                   </a:extLst>
                 </a:gridCol>
@@ -11500,7 +11542,7 @@
                 </a:tc>
                 <a:extLst>
                   <a:ext uri="{0D108BD9-81ED-4DB2-BD59-A6C34878D82A}">
-                    <a16:rowId xmlns:a16="http://schemas.microsoft.com/office/drawing/2014/main" val="2529619409"/>
+                    <a16:rowId xmlns="" xmlns:a16="http://schemas.microsoft.com/office/drawing/2014/main" val="2529619409"/>
                   </a:ext>
                 </a:extLst>
               </a:tr>
@@ -11637,7 +11679,7 @@
                 </a:tc>
                 <a:extLst>
                   <a:ext uri="{0D108BD9-81ED-4DB2-BD59-A6C34878D82A}">
-                    <a16:rowId xmlns:a16="http://schemas.microsoft.com/office/drawing/2014/main" val="3291520734"/>
+                    <a16:rowId xmlns="" xmlns:a16="http://schemas.microsoft.com/office/drawing/2014/main" val="3291520734"/>
                   </a:ext>
                 </a:extLst>
               </a:tr>
@@ -11774,7 +11816,7 @@
                 </a:tc>
                 <a:extLst>
                   <a:ext uri="{0D108BD9-81ED-4DB2-BD59-A6C34878D82A}">
-                    <a16:rowId xmlns:a16="http://schemas.microsoft.com/office/drawing/2014/main" val="407616995"/>
+                    <a16:rowId xmlns="" xmlns:a16="http://schemas.microsoft.com/office/drawing/2014/main" val="407616995"/>
                   </a:ext>
                 </a:extLst>
               </a:tr>
@@ -11787,7 +11829,7 @@
           <p:cNvPr id="12" name="Ellipse 11">
             <a:extLst>
               <a:ext uri="{FF2B5EF4-FFF2-40B4-BE49-F238E27FC236}">
-                <a16:creationId xmlns:a16="http://schemas.microsoft.com/office/drawing/2014/main" id="{1876B5DE-7F28-FBF5-8E65-0FF41851605F}"/>
+                <a16:creationId xmlns="" xmlns:a16="http://schemas.microsoft.com/office/drawing/2014/main" id="{1876B5DE-7F28-FBF5-8E65-0FF41851605F}"/>
               </a:ext>
             </a:extLst>
           </p:cNvPr>
@@ -11843,7 +11885,7 @@
           <p:cNvPr id="13" name="Ellipse 12">
             <a:extLst>
               <a:ext uri="{FF2B5EF4-FFF2-40B4-BE49-F238E27FC236}">
-                <a16:creationId xmlns:a16="http://schemas.microsoft.com/office/drawing/2014/main" id="{B7722868-73F4-79ED-453D-9557014FFB78}"/>
+                <a16:creationId xmlns="" xmlns:a16="http://schemas.microsoft.com/office/drawing/2014/main" id="{B7722868-73F4-79ED-453D-9557014FFB78}"/>
               </a:ext>
             </a:extLst>
           </p:cNvPr>
@@ -11899,7 +11941,7 @@
           <p:cNvPr id="14" name="Textfeld 13">
             <a:extLst>
               <a:ext uri="{FF2B5EF4-FFF2-40B4-BE49-F238E27FC236}">
-                <a16:creationId xmlns:a16="http://schemas.microsoft.com/office/drawing/2014/main" id="{D4775388-F8D0-3E5B-23AE-EDFC765482EC}"/>
+                <a16:creationId xmlns="" xmlns:a16="http://schemas.microsoft.com/office/drawing/2014/main" id="{D4775388-F8D0-3E5B-23AE-EDFC765482EC}"/>
               </a:ext>
             </a:extLst>
           </p:cNvPr>
@@ -11938,7 +11980,7 @@
           <p:cNvPr id="15" name="Textfeld 14">
             <a:extLst>
               <a:ext uri="{FF2B5EF4-FFF2-40B4-BE49-F238E27FC236}">
-                <a16:creationId xmlns:a16="http://schemas.microsoft.com/office/drawing/2014/main" id="{FDA1CA0C-83E0-2150-BE27-7FDC3117C3FD}"/>
+                <a16:creationId xmlns="" xmlns:a16="http://schemas.microsoft.com/office/drawing/2014/main" id="{FDA1CA0C-83E0-2150-BE27-7FDC3117C3FD}"/>
               </a:ext>
             </a:extLst>
           </p:cNvPr>
@@ -11977,7 +12019,7 @@
           <p:cNvPr id="27" name="Tabelle 26">
             <a:extLst>
               <a:ext uri="{FF2B5EF4-FFF2-40B4-BE49-F238E27FC236}">
-                <a16:creationId xmlns:a16="http://schemas.microsoft.com/office/drawing/2014/main" id="{F15CBDC4-6840-C178-B2E2-B42ACFB30598}"/>
+                <a16:creationId xmlns="" xmlns:a16="http://schemas.microsoft.com/office/drawing/2014/main" id="{F15CBDC4-6840-C178-B2E2-B42ACFB30598}"/>
               </a:ext>
             </a:extLst>
           </p:cNvPr>
@@ -12006,14 +12048,14 @@
                 <a:gridCol w="5628426">
                   <a:extLst>
                     <a:ext uri="{9D8B030D-6E8A-4147-A177-3AD203B41FA5}">
-                      <a16:colId xmlns:a16="http://schemas.microsoft.com/office/drawing/2014/main" val="340557230"/>
+                      <a16:colId xmlns="" xmlns:a16="http://schemas.microsoft.com/office/drawing/2014/main" val="340557230"/>
                     </a:ext>
                   </a:extLst>
                 </a:gridCol>
                 <a:gridCol w="3814213">
                   <a:extLst>
                     <a:ext uri="{9D8B030D-6E8A-4147-A177-3AD203B41FA5}">
-                      <a16:colId xmlns:a16="http://schemas.microsoft.com/office/drawing/2014/main" val="1167263557"/>
+                      <a16:colId xmlns="" xmlns:a16="http://schemas.microsoft.com/office/drawing/2014/main" val="1167263557"/>
                     </a:ext>
                   </a:extLst>
                 </a:gridCol>
@@ -12148,7 +12190,7 @@
                 </a:tc>
                 <a:extLst>
                   <a:ext uri="{0D108BD9-81ED-4DB2-BD59-A6C34878D82A}">
-                    <a16:rowId xmlns:a16="http://schemas.microsoft.com/office/drawing/2014/main" val="2529619409"/>
+                    <a16:rowId xmlns="" xmlns:a16="http://schemas.microsoft.com/office/drawing/2014/main" val="2529619409"/>
                   </a:ext>
                 </a:extLst>
               </a:tr>
@@ -12282,7 +12324,7 @@
                 </a:tc>
                 <a:extLst>
                   <a:ext uri="{0D108BD9-81ED-4DB2-BD59-A6C34878D82A}">
-                    <a16:rowId xmlns:a16="http://schemas.microsoft.com/office/drawing/2014/main" val="3291520734"/>
+                    <a16:rowId xmlns="" xmlns:a16="http://schemas.microsoft.com/office/drawing/2014/main" val="3291520734"/>
                   </a:ext>
                 </a:extLst>
               </a:tr>
@@ -12416,7 +12458,7 @@
                 </a:tc>
                 <a:extLst>
                   <a:ext uri="{0D108BD9-81ED-4DB2-BD59-A6C34878D82A}">
-                    <a16:rowId xmlns:a16="http://schemas.microsoft.com/office/drawing/2014/main" val="407616995"/>
+                    <a16:rowId xmlns="" xmlns:a16="http://schemas.microsoft.com/office/drawing/2014/main" val="407616995"/>
                   </a:ext>
                 </a:extLst>
               </a:tr>
@@ -12429,7 +12471,7 @@
           <p:cNvPr id="28" name="Ellipse 27">
             <a:extLst>
               <a:ext uri="{FF2B5EF4-FFF2-40B4-BE49-F238E27FC236}">
-                <a16:creationId xmlns:a16="http://schemas.microsoft.com/office/drawing/2014/main" id="{589B70BB-D537-5BFE-9917-0A491943F838}"/>
+                <a16:creationId xmlns="" xmlns:a16="http://schemas.microsoft.com/office/drawing/2014/main" id="{589B70BB-D537-5BFE-9917-0A491943F838}"/>
               </a:ext>
             </a:extLst>
           </p:cNvPr>
@@ -12485,7 +12527,7 @@
           <p:cNvPr id="29" name="Ellipse 28">
             <a:extLst>
               <a:ext uri="{FF2B5EF4-FFF2-40B4-BE49-F238E27FC236}">
-                <a16:creationId xmlns:a16="http://schemas.microsoft.com/office/drawing/2014/main" id="{26ED80A4-B2E3-6170-2B05-645BEC948D61}"/>
+                <a16:creationId xmlns="" xmlns:a16="http://schemas.microsoft.com/office/drawing/2014/main" id="{26ED80A4-B2E3-6170-2B05-645BEC948D61}"/>
               </a:ext>
             </a:extLst>
           </p:cNvPr>
@@ -12541,7 +12583,7 @@
           <p:cNvPr id="30" name="Ellipse 29">
             <a:extLst>
               <a:ext uri="{FF2B5EF4-FFF2-40B4-BE49-F238E27FC236}">
-                <a16:creationId xmlns:a16="http://schemas.microsoft.com/office/drawing/2014/main" id="{86CB8788-6CB0-E076-124B-8AC9AA1F2FE9}"/>
+                <a16:creationId xmlns="" xmlns:a16="http://schemas.microsoft.com/office/drawing/2014/main" id="{86CB8788-6CB0-E076-124B-8AC9AA1F2FE9}"/>
               </a:ext>
             </a:extLst>
           </p:cNvPr>
@@ -12597,7 +12639,7 @@
           <p:cNvPr id="31" name="Ellipse 30">
             <a:extLst>
               <a:ext uri="{FF2B5EF4-FFF2-40B4-BE49-F238E27FC236}">
-                <a16:creationId xmlns:a16="http://schemas.microsoft.com/office/drawing/2014/main" id="{C908EC67-E7CB-AAC5-DEE4-B694A1E309C0}"/>
+                <a16:creationId xmlns="" xmlns:a16="http://schemas.microsoft.com/office/drawing/2014/main" id="{C908EC67-E7CB-AAC5-DEE4-B694A1E309C0}"/>
               </a:ext>
             </a:extLst>
           </p:cNvPr>
@@ -12653,7 +12695,7 @@
           <p:cNvPr id="32" name="Ellipse 31">
             <a:extLst>
               <a:ext uri="{FF2B5EF4-FFF2-40B4-BE49-F238E27FC236}">
-                <a16:creationId xmlns:a16="http://schemas.microsoft.com/office/drawing/2014/main" id="{A9A541A8-4327-1B51-D384-AA3DA0E881F2}"/>
+                <a16:creationId xmlns="" xmlns:a16="http://schemas.microsoft.com/office/drawing/2014/main" id="{A9A541A8-4327-1B51-D384-AA3DA0E881F2}"/>
               </a:ext>
             </a:extLst>
           </p:cNvPr>
@@ -12709,7 +12751,7 @@
           <p:cNvPr id="33" name="Ellipse 32">
             <a:extLst>
               <a:ext uri="{FF2B5EF4-FFF2-40B4-BE49-F238E27FC236}">
-                <a16:creationId xmlns:a16="http://schemas.microsoft.com/office/drawing/2014/main" id="{851C5D1C-59B8-79F1-A9E6-D913AC36AF88}"/>
+                <a16:creationId xmlns="" xmlns:a16="http://schemas.microsoft.com/office/drawing/2014/main" id="{851C5D1C-59B8-79F1-A9E6-D913AC36AF88}"/>
               </a:ext>
             </a:extLst>
           </p:cNvPr>
@@ -12765,7 +12807,7 @@
           <p:cNvPr id="34" name="Ellipse 33">
             <a:extLst>
               <a:ext uri="{FF2B5EF4-FFF2-40B4-BE49-F238E27FC236}">
-                <a16:creationId xmlns:a16="http://schemas.microsoft.com/office/drawing/2014/main" id="{34A13C0D-310E-46DA-6899-08DA0701F474}"/>
+                <a16:creationId xmlns="" xmlns:a16="http://schemas.microsoft.com/office/drawing/2014/main" id="{34A13C0D-310E-46DA-6899-08DA0701F474}"/>
               </a:ext>
             </a:extLst>
           </p:cNvPr>
@@ -12821,7 +12863,7 @@
           <p:cNvPr id="35" name="Ellipse 34">
             <a:extLst>
               <a:ext uri="{FF2B5EF4-FFF2-40B4-BE49-F238E27FC236}">
-                <a16:creationId xmlns:a16="http://schemas.microsoft.com/office/drawing/2014/main" id="{51B85E55-6469-17A6-2E36-588F2BDFD631}"/>
+                <a16:creationId xmlns="" xmlns:a16="http://schemas.microsoft.com/office/drawing/2014/main" id="{51B85E55-6469-17A6-2E36-588F2BDFD631}"/>
               </a:ext>
             </a:extLst>
           </p:cNvPr>
@@ -12877,7 +12919,7 @@
           <p:cNvPr id="36" name="Ellipse 35">
             <a:extLst>
               <a:ext uri="{FF2B5EF4-FFF2-40B4-BE49-F238E27FC236}">
-                <a16:creationId xmlns:a16="http://schemas.microsoft.com/office/drawing/2014/main" id="{63B79020-A78C-976A-D267-F6546148F286}"/>
+                <a16:creationId xmlns="" xmlns:a16="http://schemas.microsoft.com/office/drawing/2014/main" id="{63B79020-A78C-976A-D267-F6546148F286}"/>
               </a:ext>
             </a:extLst>
           </p:cNvPr>
@@ -12933,7 +12975,7 @@
           <p:cNvPr id="37" name="Ellipse 36">
             <a:extLst>
               <a:ext uri="{FF2B5EF4-FFF2-40B4-BE49-F238E27FC236}">
-                <a16:creationId xmlns:a16="http://schemas.microsoft.com/office/drawing/2014/main" id="{A84DA594-5434-ABCB-5361-31843954B8D8}"/>
+                <a16:creationId xmlns="" xmlns:a16="http://schemas.microsoft.com/office/drawing/2014/main" id="{A84DA594-5434-ABCB-5361-31843954B8D8}"/>
               </a:ext>
             </a:extLst>
           </p:cNvPr>
@@ -12989,7 +13031,7 @@
           <p:cNvPr id="38" name="Ellipse 37">
             <a:extLst>
               <a:ext uri="{FF2B5EF4-FFF2-40B4-BE49-F238E27FC236}">
-                <a16:creationId xmlns:a16="http://schemas.microsoft.com/office/drawing/2014/main" id="{0D613FE4-DF0C-57A4-BC18-7CDE9EC6B113}"/>
+                <a16:creationId xmlns="" xmlns:a16="http://schemas.microsoft.com/office/drawing/2014/main" id="{0D613FE4-DF0C-57A4-BC18-7CDE9EC6B113}"/>
               </a:ext>
             </a:extLst>
           </p:cNvPr>
@@ -13045,7 +13087,7 @@
           <p:cNvPr id="39" name="Ellipse 38">
             <a:extLst>
               <a:ext uri="{FF2B5EF4-FFF2-40B4-BE49-F238E27FC236}">
-                <a16:creationId xmlns:a16="http://schemas.microsoft.com/office/drawing/2014/main" id="{0898BE5B-5C48-B688-AAE3-C4A6416C1DFB}"/>
+                <a16:creationId xmlns="" xmlns:a16="http://schemas.microsoft.com/office/drawing/2014/main" id="{0898BE5B-5C48-B688-AAE3-C4A6416C1DFB}"/>
               </a:ext>
             </a:extLst>
           </p:cNvPr>
@@ -13101,7 +13143,7 @@
           <p:cNvPr id="40" name="Ellipse 39">
             <a:extLst>
               <a:ext uri="{FF2B5EF4-FFF2-40B4-BE49-F238E27FC236}">
-                <a16:creationId xmlns:a16="http://schemas.microsoft.com/office/drawing/2014/main" id="{795D3493-447B-CE30-F3F9-5064F01BF077}"/>
+                <a16:creationId xmlns="" xmlns:a16="http://schemas.microsoft.com/office/drawing/2014/main" id="{795D3493-447B-CE30-F3F9-5064F01BF077}"/>
               </a:ext>
             </a:extLst>
           </p:cNvPr>
@@ -13157,7 +13199,7 @@
           <p:cNvPr id="41" name="Ellipse 40">
             <a:extLst>
               <a:ext uri="{FF2B5EF4-FFF2-40B4-BE49-F238E27FC236}">
-                <a16:creationId xmlns:a16="http://schemas.microsoft.com/office/drawing/2014/main" id="{52BFF4F5-2A1B-70DA-EC48-0676624B1686}"/>
+                <a16:creationId xmlns="" xmlns:a16="http://schemas.microsoft.com/office/drawing/2014/main" id="{52BFF4F5-2A1B-70DA-EC48-0676624B1686}"/>
               </a:ext>
             </a:extLst>
           </p:cNvPr>
@@ -13213,7 +13255,7 @@
           <p:cNvPr id="42" name="Ellipse 41">
             <a:extLst>
               <a:ext uri="{FF2B5EF4-FFF2-40B4-BE49-F238E27FC236}">
-                <a16:creationId xmlns:a16="http://schemas.microsoft.com/office/drawing/2014/main" id="{F195C38A-4BA9-BE8C-5341-B59551DD9B2B}"/>
+                <a16:creationId xmlns="" xmlns:a16="http://schemas.microsoft.com/office/drawing/2014/main" id="{F195C38A-4BA9-BE8C-5341-B59551DD9B2B}"/>
               </a:ext>
             </a:extLst>
           </p:cNvPr>
@@ -13269,7 +13311,7 @@
           <p:cNvPr id="43" name="Ellipse 42">
             <a:extLst>
               <a:ext uri="{FF2B5EF4-FFF2-40B4-BE49-F238E27FC236}">
-                <a16:creationId xmlns:a16="http://schemas.microsoft.com/office/drawing/2014/main" id="{42D58094-FC88-FA44-905C-305EA27A2AF1}"/>
+                <a16:creationId xmlns="" xmlns:a16="http://schemas.microsoft.com/office/drawing/2014/main" id="{42D58094-FC88-FA44-905C-305EA27A2AF1}"/>
               </a:ext>
             </a:extLst>
           </p:cNvPr>
@@ -13325,7 +13367,7 @@
           <p:cNvPr id="44" name="Ellipse 43">
             <a:extLst>
               <a:ext uri="{FF2B5EF4-FFF2-40B4-BE49-F238E27FC236}">
-                <a16:creationId xmlns:a16="http://schemas.microsoft.com/office/drawing/2014/main" id="{0A30C2F8-403C-4AC5-CD1B-19A292DA57F4}"/>
+                <a16:creationId xmlns="" xmlns:a16="http://schemas.microsoft.com/office/drawing/2014/main" id="{0A30C2F8-403C-4AC5-CD1B-19A292DA57F4}"/>
               </a:ext>
             </a:extLst>
           </p:cNvPr>
@@ -13381,7 +13423,7 @@
           <p:cNvPr id="45" name="Ellipse 44">
             <a:extLst>
               <a:ext uri="{FF2B5EF4-FFF2-40B4-BE49-F238E27FC236}">
-                <a16:creationId xmlns:a16="http://schemas.microsoft.com/office/drawing/2014/main" id="{6A7F19D8-0975-9ECF-B2D0-78DAAE8DC068}"/>
+                <a16:creationId xmlns="" xmlns:a16="http://schemas.microsoft.com/office/drawing/2014/main" id="{6A7F19D8-0975-9ECF-B2D0-78DAAE8DC068}"/>
               </a:ext>
             </a:extLst>
           </p:cNvPr>
@@ -13437,7 +13479,7 @@
           <p:cNvPr id="46" name="Ellipse 45">
             <a:extLst>
               <a:ext uri="{FF2B5EF4-FFF2-40B4-BE49-F238E27FC236}">
-                <a16:creationId xmlns:a16="http://schemas.microsoft.com/office/drawing/2014/main" id="{C82C43A6-9978-5892-F1A4-EA2780DFE151}"/>
+                <a16:creationId xmlns="" xmlns:a16="http://schemas.microsoft.com/office/drawing/2014/main" id="{C82C43A6-9978-5892-F1A4-EA2780DFE151}"/>
               </a:ext>
             </a:extLst>
           </p:cNvPr>
@@ -13493,7 +13535,7 @@
           <p:cNvPr id="47" name="Ellipse 46">
             <a:extLst>
               <a:ext uri="{FF2B5EF4-FFF2-40B4-BE49-F238E27FC236}">
-                <a16:creationId xmlns:a16="http://schemas.microsoft.com/office/drawing/2014/main" id="{0C6ED9B2-66D3-8092-53BC-EA8594BD5C51}"/>
+                <a16:creationId xmlns="" xmlns:a16="http://schemas.microsoft.com/office/drawing/2014/main" id="{0C6ED9B2-66D3-8092-53BC-EA8594BD5C51}"/>
               </a:ext>
             </a:extLst>
           </p:cNvPr>
@@ -13549,7 +13591,7 @@
           <p:cNvPr id="48" name="Ellipse 47">
             <a:extLst>
               <a:ext uri="{FF2B5EF4-FFF2-40B4-BE49-F238E27FC236}">
-                <a16:creationId xmlns:a16="http://schemas.microsoft.com/office/drawing/2014/main" id="{8834930B-B843-F8FB-3980-1633F4B075BD}"/>
+                <a16:creationId xmlns="" xmlns:a16="http://schemas.microsoft.com/office/drawing/2014/main" id="{8834930B-B843-F8FB-3980-1633F4B075BD}"/>
               </a:ext>
             </a:extLst>
           </p:cNvPr>
@@ -13605,7 +13647,7 @@
           <p:cNvPr id="49" name="Ellipse 48">
             <a:extLst>
               <a:ext uri="{FF2B5EF4-FFF2-40B4-BE49-F238E27FC236}">
-                <a16:creationId xmlns:a16="http://schemas.microsoft.com/office/drawing/2014/main" id="{067B2D9A-59F9-5813-92B8-868E019C63DF}"/>
+                <a16:creationId xmlns="" xmlns:a16="http://schemas.microsoft.com/office/drawing/2014/main" id="{067B2D9A-59F9-5813-92B8-868E019C63DF}"/>
               </a:ext>
             </a:extLst>
           </p:cNvPr>
@@ -13661,7 +13703,7 @@
           <p:cNvPr id="50" name="Ellipse 49">
             <a:extLst>
               <a:ext uri="{FF2B5EF4-FFF2-40B4-BE49-F238E27FC236}">
-                <a16:creationId xmlns:a16="http://schemas.microsoft.com/office/drawing/2014/main" id="{C3340A5B-CDB4-4574-5D85-E311771E3E1B}"/>
+                <a16:creationId xmlns="" xmlns:a16="http://schemas.microsoft.com/office/drawing/2014/main" id="{C3340A5B-CDB4-4574-5D85-E311771E3E1B}"/>
               </a:ext>
             </a:extLst>
           </p:cNvPr>
@@ -13717,7 +13759,7 @@
           <p:cNvPr id="51" name="Ellipse 50">
             <a:extLst>
               <a:ext uri="{FF2B5EF4-FFF2-40B4-BE49-F238E27FC236}">
-                <a16:creationId xmlns:a16="http://schemas.microsoft.com/office/drawing/2014/main" id="{E5986CC6-18AA-C06B-818E-5AAB59B36FB2}"/>
+                <a16:creationId xmlns="" xmlns:a16="http://schemas.microsoft.com/office/drawing/2014/main" id="{E5986CC6-18AA-C06B-818E-5AAB59B36FB2}"/>
               </a:ext>
             </a:extLst>
           </p:cNvPr>
@@ -13778,6 +13820,13 @@
   <p:clrMapOvr>
     <a:masterClrMapping/>
   </p:clrMapOvr>
+  <p:timing>
+    <p:tnLst>
+      <p:par>
+        <p:cTn id="1" dur="indefinite" restart="never" nodeType="tmRoot"/>
+      </p:par>
+    </p:tnLst>
+  </p:timing>
 </p:sld>
 </file>
 
@@ -13803,7 +13852,7 @@
           <p:cNvPr id="9" name="Textfeld 8">
             <a:extLst>
               <a:ext uri="{FF2B5EF4-FFF2-40B4-BE49-F238E27FC236}">
-                <a16:creationId xmlns:a16="http://schemas.microsoft.com/office/drawing/2014/main" id="{99EF8AE6-2CAB-42B6-ADF7-989657C39A05}"/>
+                <a16:creationId xmlns="" xmlns:a16="http://schemas.microsoft.com/office/drawing/2014/main" id="{99EF8AE6-2CAB-42B6-ADF7-989657C39A05}"/>
               </a:ext>
             </a:extLst>
           </p:cNvPr>
@@ -13842,7 +13891,7 @@
           <p:cNvPr id="10" name="Textfeld 9">
             <a:extLst>
               <a:ext uri="{FF2B5EF4-FFF2-40B4-BE49-F238E27FC236}">
-                <a16:creationId xmlns:a16="http://schemas.microsoft.com/office/drawing/2014/main" id="{8FB7EB10-123C-4822-A7C3-B3A38E843864}"/>
+                <a16:creationId xmlns="" xmlns:a16="http://schemas.microsoft.com/office/drawing/2014/main" id="{8FB7EB10-123C-4822-A7C3-B3A38E843864}"/>
               </a:ext>
             </a:extLst>
           </p:cNvPr>
@@ -14008,7 +14057,7 @@
           <p:cNvPr id="4" name="Datumsplatzhalter 3">
             <a:extLst>
               <a:ext uri="{FF2B5EF4-FFF2-40B4-BE49-F238E27FC236}">
-                <a16:creationId xmlns:a16="http://schemas.microsoft.com/office/drawing/2014/main" id="{ED8D66D8-5335-815A-5BD0-44D95A6D6016}"/>
+                <a16:creationId xmlns="" xmlns:a16="http://schemas.microsoft.com/office/drawing/2014/main" id="{ED8D66D8-5335-815A-5BD0-44D95A6D6016}"/>
               </a:ext>
             </a:extLst>
           </p:cNvPr>
@@ -14037,7 +14086,7 @@
           <p:cNvPr id="5" name="Foliennummernplatzhalter 4">
             <a:extLst>
               <a:ext uri="{FF2B5EF4-FFF2-40B4-BE49-F238E27FC236}">
-                <a16:creationId xmlns:a16="http://schemas.microsoft.com/office/drawing/2014/main" id="{CB48BF37-4BF0-D12B-531A-3D02D72CA628}"/>
+                <a16:creationId xmlns="" xmlns:a16="http://schemas.microsoft.com/office/drawing/2014/main" id="{CB48BF37-4BF0-D12B-531A-3D02D72CA628}"/>
               </a:ext>
             </a:extLst>
           </p:cNvPr>
@@ -14071,6 +14120,13 @@
   <p:clrMapOvr>
     <a:masterClrMapping/>
   </p:clrMapOvr>
+  <p:timing>
+    <p:tnLst>
+      <p:par>
+        <p:cTn id="1" dur="indefinite" restart="never" nodeType="tmRoot"/>
+      </p:par>
+    </p:tnLst>
+  </p:timing>
 </p:sld>
 </file>
 
@@ -14096,7 +14152,7 @@
           <p:cNvPr id="4" name="Rechteck 3">
             <a:extLst>
               <a:ext uri="{FF2B5EF4-FFF2-40B4-BE49-F238E27FC236}">
-                <a16:creationId xmlns:a16="http://schemas.microsoft.com/office/drawing/2014/main" id="{25BC0F38-C5EA-4A88-B161-F0A7D0C230D8}"/>
+                <a16:creationId xmlns="" xmlns:a16="http://schemas.microsoft.com/office/drawing/2014/main" id="{25BC0F38-C5EA-4A88-B161-F0A7D0C230D8}"/>
               </a:ext>
             </a:extLst>
           </p:cNvPr>
@@ -14148,7 +14204,7 @@
           <p:cNvPr id="2" name="Textfeld 1">
             <a:extLst>
               <a:ext uri="{FF2B5EF4-FFF2-40B4-BE49-F238E27FC236}">
-                <a16:creationId xmlns:a16="http://schemas.microsoft.com/office/drawing/2014/main" id="{1017C281-9103-4001-B331-1945313A1AF6}"/>
+                <a16:creationId xmlns="" xmlns:a16="http://schemas.microsoft.com/office/drawing/2014/main" id="{1017C281-9103-4001-B331-1945313A1AF6}"/>
               </a:ext>
             </a:extLst>
           </p:cNvPr>
@@ -14193,6 +14249,13 @@
   <p:clrMapOvr>
     <a:masterClrMapping/>
   </p:clrMapOvr>
+  <p:timing>
+    <p:tnLst>
+      <p:par>
+        <p:cTn id="1" dur="indefinite" restart="never" nodeType="tmRoot"/>
+      </p:par>
+    </p:tnLst>
+  </p:timing>
 </p:sld>
 </file>
 
@@ -14218,7 +14281,7 @@
           <p:cNvPr id="4" name="Rechteck 3">
             <a:extLst>
               <a:ext uri="{FF2B5EF4-FFF2-40B4-BE49-F238E27FC236}">
-                <a16:creationId xmlns:a16="http://schemas.microsoft.com/office/drawing/2014/main" id="{25BC0F38-C5EA-4A88-B161-F0A7D0C230D8}"/>
+                <a16:creationId xmlns="" xmlns:a16="http://schemas.microsoft.com/office/drawing/2014/main" id="{25BC0F38-C5EA-4A88-B161-F0A7D0C230D8}"/>
               </a:ext>
             </a:extLst>
           </p:cNvPr>
@@ -14270,7 +14333,7 @@
           <p:cNvPr id="2" name="Textfeld 1">
             <a:extLst>
               <a:ext uri="{FF2B5EF4-FFF2-40B4-BE49-F238E27FC236}">
-                <a16:creationId xmlns:a16="http://schemas.microsoft.com/office/drawing/2014/main" id="{1017C281-9103-4001-B331-1945313A1AF6}"/>
+                <a16:creationId xmlns="" xmlns:a16="http://schemas.microsoft.com/office/drawing/2014/main" id="{1017C281-9103-4001-B331-1945313A1AF6}"/>
               </a:ext>
             </a:extLst>
           </p:cNvPr>
@@ -14309,7 +14372,7 @@
           <p:cNvPr id="6" name="Datumsplatzhalter 5">
             <a:extLst>
               <a:ext uri="{FF2B5EF4-FFF2-40B4-BE49-F238E27FC236}">
-                <a16:creationId xmlns:a16="http://schemas.microsoft.com/office/drawing/2014/main" id="{FDCCC8AF-1AAB-C0A1-31EF-8F84C928CCB9}"/>
+                <a16:creationId xmlns="" xmlns:a16="http://schemas.microsoft.com/office/drawing/2014/main" id="{FDCCC8AF-1AAB-C0A1-31EF-8F84C928CCB9}"/>
               </a:ext>
             </a:extLst>
           </p:cNvPr>
@@ -14338,7 +14401,7 @@
           <p:cNvPr id="7" name="Foliennummernplatzhalter 6">
             <a:extLst>
               <a:ext uri="{FF2B5EF4-FFF2-40B4-BE49-F238E27FC236}">
-                <a16:creationId xmlns:a16="http://schemas.microsoft.com/office/drawing/2014/main" id="{05E3FBCF-D950-F55D-4E1A-C539DFC85CCF}"/>
+                <a16:creationId xmlns="" xmlns:a16="http://schemas.microsoft.com/office/drawing/2014/main" id="{05E3FBCF-D950-F55D-4E1A-C539DFC85CCF}"/>
               </a:ext>
             </a:extLst>
           </p:cNvPr>
@@ -14372,6 +14435,13 @@
   <p:clrMapOvr>
     <a:masterClrMapping/>
   </p:clrMapOvr>
+  <p:timing>
+    <p:tnLst>
+      <p:par>
+        <p:cTn id="1" dur="indefinite" restart="never" nodeType="tmRoot"/>
+      </p:par>
+    </p:tnLst>
+  </p:timing>
 </p:sld>
 </file>
 
@@ -14397,7 +14467,7 @@
           <p:cNvPr id="4" name="Rechteck 3">
             <a:extLst>
               <a:ext uri="{FF2B5EF4-FFF2-40B4-BE49-F238E27FC236}">
-                <a16:creationId xmlns:a16="http://schemas.microsoft.com/office/drawing/2014/main" id="{25BC0F38-C5EA-4A88-B161-F0A7D0C230D8}"/>
+                <a16:creationId xmlns="" xmlns:a16="http://schemas.microsoft.com/office/drawing/2014/main" id="{25BC0F38-C5EA-4A88-B161-F0A7D0C230D8}"/>
               </a:ext>
             </a:extLst>
           </p:cNvPr>
@@ -14449,7 +14519,7 @@
           <p:cNvPr id="5" name="Textfeld 4">
             <a:extLst>
               <a:ext uri="{FF2B5EF4-FFF2-40B4-BE49-F238E27FC236}">
-                <a16:creationId xmlns:a16="http://schemas.microsoft.com/office/drawing/2014/main" id="{FFDCD26C-065F-4B06-AEE2-0FB369E2F149}"/>
+                <a16:creationId xmlns="" xmlns:a16="http://schemas.microsoft.com/office/drawing/2014/main" id="{FFDCD26C-065F-4B06-AEE2-0FB369E2F149}"/>
               </a:ext>
             </a:extLst>
           </p:cNvPr>
@@ -14488,7 +14558,7 @@
           <p:cNvPr id="6" name="Textfeld 5">
             <a:extLst>
               <a:ext uri="{FF2B5EF4-FFF2-40B4-BE49-F238E27FC236}">
-                <a16:creationId xmlns:a16="http://schemas.microsoft.com/office/drawing/2014/main" id="{C3E9FE2A-8055-4866-88C2-E268587CF0DB}"/>
+                <a16:creationId xmlns="" xmlns:a16="http://schemas.microsoft.com/office/drawing/2014/main" id="{C3E9FE2A-8055-4866-88C2-E268587CF0DB}"/>
               </a:ext>
             </a:extLst>
           </p:cNvPr>
@@ -14597,7 +14667,7 @@
           <p:cNvPr id="9" name="Textfeld 8">
             <a:extLst>
               <a:ext uri="{FF2B5EF4-FFF2-40B4-BE49-F238E27FC236}">
-                <a16:creationId xmlns:a16="http://schemas.microsoft.com/office/drawing/2014/main" id="{99EF8AE6-2CAB-42B6-ADF7-989657C39A05}"/>
+                <a16:creationId xmlns="" xmlns:a16="http://schemas.microsoft.com/office/drawing/2014/main" id="{99EF8AE6-2CAB-42B6-ADF7-989657C39A05}"/>
               </a:ext>
             </a:extLst>
           </p:cNvPr>
@@ -14636,7 +14706,7 @@
           <p:cNvPr id="10" name="Textfeld 9">
             <a:extLst>
               <a:ext uri="{FF2B5EF4-FFF2-40B4-BE49-F238E27FC236}">
-                <a16:creationId xmlns:a16="http://schemas.microsoft.com/office/drawing/2014/main" id="{8FB7EB10-123C-4822-A7C3-B3A38E843864}"/>
+                <a16:creationId xmlns="" xmlns:a16="http://schemas.microsoft.com/office/drawing/2014/main" id="{8FB7EB10-123C-4822-A7C3-B3A38E843864}"/>
               </a:ext>
             </a:extLst>
           </p:cNvPr>
@@ -14717,7 +14787,7 @@
           <p:cNvPr id="12" name="Textfeld 11">
             <a:extLst>
               <a:ext uri="{FF2B5EF4-FFF2-40B4-BE49-F238E27FC236}">
-                <a16:creationId xmlns:a16="http://schemas.microsoft.com/office/drawing/2014/main" id="{4907659D-DF1E-448F-B069-48B5B9D733B3}"/>
+                <a16:creationId xmlns="" xmlns:a16="http://schemas.microsoft.com/office/drawing/2014/main" id="{4907659D-DF1E-448F-B069-48B5B9D733B3}"/>
               </a:ext>
             </a:extLst>
           </p:cNvPr>
@@ -14771,7 +14841,7 @@
           <p:cNvPr id="13" name="Textfeld 12">
             <a:extLst>
               <a:ext uri="{FF2B5EF4-FFF2-40B4-BE49-F238E27FC236}">
-                <a16:creationId xmlns:a16="http://schemas.microsoft.com/office/drawing/2014/main" id="{097B6719-EBFA-44C9-BB27-793436F56366}"/>
+                <a16:creationId xmlns="" xmlns:a16="http://schemas.microsoft.com/office/drawing/2014/main" id="{097B6719-EBFA-44C9-BB27-793436F56366}"/>
               </a:ext>
             </a:extLst>
           </p:cNvPr>
@@ -14852,7 +14922,7 @@
           <p:cNvPr id="14" name="Textfeld 13">
             <a:extLst>
               <a:ext uri="{FF2B5EF4-FFF2-40B4-BE49-F238E27FC236}">
-                <a16:creationId xmlns:a16="http://schemas.microsoft.com/office/drawing/2014/main" id="{75B5C5F2-A917-414C-BC58-7F65955D58D8}"/>
+                <a16:creationId xmlns="" xmlns:a16="http://schemas.microsoft.com/office/drawing/2014/main" id="{75B5C5F2-A917-414C-BC58-7F65955D58D8}"/>
               </a:ext>
             </a:extLst>
           </p:cNvPr>
@@ -14891,7 +14961,7 @@
           <p:cNvPr id="15" name="Textfeld 14">
             <a:extLst>
               <a:ext uri="{FF2B5EF4-FFF2-40B4-BE49-F238E27FC236}">
-                <a16:creationId xmlns:a16="http://schemas.microsoft.com/office/drawing/2014/main" id="{03169573-0941-47E0-9AF2-3A852987D87F}"/>
+                <a16:creationId xmlns="" xmlns:a16="http://schemas.microsoft.com/office/drawing/2014/main" id="{03169573-0941-47E0-9AF2-3A852987D87F}"/>
               </a:ext>
             </a:extLst>
           </p:cNvPr>
@@ -14972,7 +15042,7 @@
           <p:cNvPr id="17" name="Gerader Verbinder 16">
             <a:extLst>
               <a:ext uri="{FF2B5EF4-FFF2-40B4-BE49-F238E27FC236}">
-                <a16:creationId xmlns:a16="http://schemas.microsoft.com/office/drawing/2014/main" id="{F7F1857A-6031-431E-86D9-719A9CA6020E}"/>
+                <a16:creationId xmlns="" xmlns:a16="http://schemas.microsoft.com/office/drawing/2014/main" id="{F7F1857A-6031-431E-86D9-719A9CA6020E}"/>
               </a:ext>
             </a:extLst>
           </p:cNvPr>
@@ -15015,7 +15085,7 @@
           <p:cNvPr id="19" name="Gerader Verbinder 18">
             <a:extLst>
               <a:ext uri="{FF2B5EF4-FFF2-40B4-BE49-F238E27FC236}">
-                <a16:creationId xmlns:a16="http://schemas.microsoft.com/office/drawing/2014/main" id="{636E7EBB-481B-4829-BACE-84DFAE5F0EF1}"/>
+                <a16:creationId xmlns="" xmlns:a16="http://schemas.microsoft.com/office/drawing/2014/main" id="{636E7EBB-481B-4829-BACE-84DFAE5F0EF1}"/>
               </a:ext>
             </a:extLst>
           </p:cNvPr>
@@ -15058,7 +15128,7 @@
           <p:cNvPr id="22" name="Grafik 21">
             <a:extLst>
               <a:ext uri="{FF2B5EF4-FFF2-40B4-BE49-F238E27FC236}">
-                <a16:creationId xmlns:a16="http://schemas.microsoft.com/office/drawing/2014/main" id="{ABAEAC0E-DD9E-42B5-8790-61634E456CD6}"/>
+                <a16:creationId xmlns="" xmlns:a16="http://schemas.microsoft.com/office/drawing/2014/main" id="{ABAEAC0E-DD9E-42B5-8790-61634E456CD6}"/>
               </a:ext>
             </a:extLst>
           </p:cNvPr>
@@ -15074,7 +15144,7 @@
                 <a14:useLocalDpi xmlns:a14="http://schemas.microsoft.com/office/drawing/2010/main" val="0"/>
               </a:ext>
               <a:ext uri="{96DAC541-7B7A-43D3-8B79-37D633B846F1}">
-                <asvg:svgBlip xmlns:asvg="http://schemas.microsoft.com/office/drawing/2016/SVG/main" r:embed="rId3"/>
+                <asvg:svgBlip xmlns="" xmlns:asvg="http://schemas.microsoft.com/office/drawing/2016/SVG/main" r:embed="rId3"/>
               </a:ext>
             </a:extLst>
           </a:blip>
@@ -15097,7 +15167,7 @@
           <p:cNvPr id="24" name="Grafik 23">
             <a:extLst>
               <a:ext uri="{FF2B5EF4-FFF2-40B4-BE49-F238E27FC236}">
-                <a16:creationId xmlns:a16="http://schemas.microsoft.com/office/drawing/2014/main" id="{6F7FC2FC-1255-4C0A-BC3C-C9F1DA4404F8}"/>
+                <a16:creationId xmlns="" xmlns:a16="http://schemas.microsoft.com/office/drawing/2014/main" id="{6F7FC2FC-1255-4C0A-BC3C-C9F1DA4404F8}"/>
               </a:ext>
             </a:extLst>
           </p:cNvPr>
@@ -15113,7 +15183,7 @@
                 <a14:useLocalDpi xmlns:a14="http://schemas.microsoft.com/office/drawing/2010/main" val="0"/>
               </a:ext>
               <a:ext uri="{96DAC541-7B7A-43D3-8B79-37D633B846F1}">
-                <asvg:svgBlip xmlns:asvg="http://schemas.microsoft.com/office/drawing/2016/SVG/main" r:embed="rId5"/>
+                <asvg:svgBlip xmlns="" xmlns:asvg="http://schemas.microsoft.com/office/drawing/2016/SVG/main" r:embed="rId5"/>
               </a:ext>
             </a:extLst>
           </a:blip>
@@ -15136,7 +15206,7 @@
           <p:cNvPr id="26" name="Grafik 25">
             <a:extLst>
               <a:ext uri="{FF2B5EF4-FFF2-40B4-BE49-F238E27FC236}">
-                <a16:creationId xmlns:a16="http://schemas.microsoft.com/office/drawing/2014/main" id="{555C8C49-97AC-4DF3-82EE-F6B130E4CD33}"/>
+                <a16:creationId xmlns="" xmlns:a16="http://schemas.microsoft.com/office/drawing/2014/main" id="{555C8C49-97AC-4DF3-82EE-F6B130E4CD33}"/>
               </a:ext>
             </a:extLst>
           </p:cNvPr>
@@ -15152,7 +15222,7 @@
                 <a14:useLocalDpi xmlns:a14="http://schemas.microsoft.com/office/drawing/2010/main" val="0"/>
               </a:ext>
               <a:ext uri="{96DAC541-7B7A-43D3-8B79-37D633B846F1}">
-                <asvg:svgBlip xmlns:asvg="http://schemas.microsoft.com/office/drawing/2016/SVG/main" r:embed="rId7"/>
+                <asvg:svgBlip xmlns="" xmlns:asvg="http://schemas.microsoft.com/office/drawing/2016/SVG/main" r:embed="rId7"/>
               </a:ext>
             </a:extLst>
           </a:blip>
@@ -15175,7 +15245,7 @@
           <p:cNvPr id="28" name="Grafik 27">
             <a:extLst>
               <a:ext uri="{FF2B5EF4-FFF2-40B4-BE49-F238E27FC236}">
-                <a16:creationId xmlns:a16="http://schemas.microsoft.com/office/drawing/2014/main" id="{E886D01A-8109-4AEB-AF72-0B656F4078A0}"/>
+                <a16:creationId xmlns="" xmlns:a16="http://schemas.microsoft.com/office/drawing/2014/main" id="{E886D01A-8109-4AEB-AF72-0B656F4078A0}"/>
               </a:ext>
             </a:extLst>
           </p:cNvPr>
@@ -15191,7 +15261,7 @@
                 <a14:useLocalDpi xmlns:a14="http://schemas.microsoft.com/office/drawing/2010/main" val="0"/>
               </a:ext>
               <a:ext uri="{96DAC541-7B7A-43D3-8B79-37D633B846F1}">
-                <asvg:svgBlip xmlns:asvg="http://schemas.microsoft.com/office/drawing/2016/SVG/main" r:embed="rId9"/>
+                <asvg:svgBlip xmlns="" xmlns:asvg="http://schemas.microsoft.com/office/drawing/2016/SVG/main" r:embed="rId9"/>
               </a:ext>
             </a:extLst>
           </a:blip>
@@ -15214,7 +15284,7 @@
           <p:cNvPr id="7" name="Datumsplatzhalter 6">
             <a:extLst>
               <a:ext uri="{FF2B5EF4-FFF2-40B4-BE49-F238E27FC236}">
-                <a16:creationId xmlns:a16="http://schemas.microsoft.com/office/drawing/2014/main" id="{13069506-E5E1-070B-AE1E-02560403E61E}"/>
+                <a16:creationId xmlns="" xmlns:a16="http://schemas.microsoft.com/office/drawing/2014/main" id="{13069506-E5E1-070B-AE1E-02560403E61E}"/>
               </a:ext>
             </a:extLst>
           </p:cNvPr>
@@ -15243,7 +15313,7 @@
           <p:cNvPr id="8" name="Foliennummernplatzhalter 7">
             <a:extLst>
               <a:ext uri="{FF2B5EF4-FFF2-40B4-BE49-F238E27FC236}">
-                <a16:creationId xmlns:a16="http://schemas.microsoft.com/office/drawing/2014/main" id="{3FA2E874-532F-F0A4-76B5-FC5C4ED4523A}"/>
+                <a16:creationId xmlns="" xmlns:a16="http://schemas.microsoft.com/office/drawing/2014/main" id="{3FA2E874-532F-F0A4-76B5-FC5C4ED4523A}"/>
               </a:ext>
             </a:extLst>
           </p:cNvPr>
@@ -15637,7 +15707,7 @@
           <p:cNvPr id="9" name="Textfeld 8">
             <a:extLst>
               <a:ext uri="{FF2B5EF4-FFF2-40B4-BE49-F238E27FC236}">
-                <a16:creationId xmlns:a16="http://schemas.microsoft.com/office/drawing/2014/main" id="{99EF8AE6-2CAB-42B6-ADF7-989657C39A05}"/>
+                <a16:creationId xmlns="" xmlns:a16="http://schemas.microsoft.com/office/drawing/2014/main" id="{99EF8AE6-2CAB-42B6-ADF7-989657C39A05}"/>
               </a:ext>
             </a:extLst>
           </p:cNvPr>
@@ -15676,7 +15746,7 @@
           <p:cNvPr id="10" name="Textfeld 9">
             <a:extLst>
               <a:ext uri="{FF2B5EF4-FFF2-40B4-BE49-F238E27FC236}">
-                <a16:creationId xmlns:a16="http://schemas.microsoft.com/office/drawing/2014/main" id="{8FB7EB10-123C-4822-A7C3-B3A38E843864}"/>
+                <a16:creationId xmlns="" xmlns:a16="http://schemas.microsoft.com/office/drawing/2014/main" id="{8FB7EB10-123C-4822-A7C3-B3A38E843864}"/>
               </a:ext>
             </a:extLst>
           </p:cNvPr>
@@ -15743,7 +15813,7 @@
           <p:cNvPr id="2" name="Ellipse 1">
             <a:extLst>
               <a:ext uri="{FF2B5EF4-FFF2-40B4-BE49-F238E27FC236}">
-                <a16:creationId xmlns:a16="http://schemas.microsoft.com/office/drawing/2014/main" id="{8A45771F-3D20-430F-8FB1-F3F019DD7B57}"/>
+                <a16:creationId xmlns="" xmlns:a16="http://schemas.microsoft.com/office/drawing/2014/main" id="{8A45771F-3D20-430F-8FB1-F3F019DD7B57}"/>
               </a:ext>
             </a:extLst>
           </p:cNvPr>
@@ -15797,7 +15867,7 @@
           <p:cNvPr id="16" name="Ellipse 15">
             <a:extLst>
               <a:ext uri="{FF2B5EF4-FFF2-40B4-BE49-F238E27FC236}">
-                <a16:creationId xmlns:a16="http://schemas.microsoft.com/office/drawing/2014/main" id="{9C4B0CB6-057D-4B0F-8462-CF74DA4DD80C}"/>
+                <a16:creationId xmlns="" xmlns:a16="http://schemas.microsoft.com/office/drawing/2014/main" id="{9C4B0CB6-057D-4B0F-8462-CF74DA4DD80C}"/>
               </a:ext>
             </a:extLst>
           </p:cNvPr>
@@ -15851,7 +15921,7 @@
           <p:cNvPr id="18" name="Ellipse 17">
             <a:extLst>
               <a:ext uri="{FF2B5EF4-FFF2-40B4-BE49-F238E27FC236}">
-                <a16:creationId xmlns:a16="http://schemas.microsoft.com/office/drawing/2014/main" id="{389AC558-0FE5-4380-8727-4925B5ECCE9A}"/>
+                <a16:creationId xmlns="" xmlns:a16="http://schemas.microsoft.com/office/drawing/2014/main" id="{389AC558-0FE5-4380-8727-4925B5ECCE9A}"/>
               </a:ext>
             </a:extLst>
           </p:cNvPr>
@@ -15905,7 +15975,7 @@
           <p:cNvPr id="21" name="Ellipse 20">
             <a:extLst>
               <a:ext uri="{FF2B5EF4-FFF2-40B4-BE49-F238E27FC236}">
-                <a16:creationId xmlns:a16="http://schemas.microsoft.com/office/drawing/2014/main" id="{8EA10649-1B6F-46D2-B977-E4444B464B6E}"/>
+                <a16:creationId xmlns="" xmlns:a16="http://schemas.microsoft.com/office/drawing/2014/main" id="{8EA10649-1B6F-46D2-B977-E4444B464B6E}"/>
               </a:ext>
             </a:extLst>
           </p:cNvPr>
@@ -15959,7 +16029,7 @@
           <p:cNvPr id="22" name="Textfeld 21">
             <a:extLst>
               <a:ext uri="{FF2B5EF4-FFF2-40B4-BE49-F238E27FC236}">
-                <a16:creationId xmlns:a16="http://schemas.microsoft.com/office/drawing/2014/main" id="{97652AFA-FA79-4F32-B5A1-EAFC34D48FF9}"/>
+                <a16:creationId xmlns="" xmlns:a16="http://schemas.microsoft.com/office/drawing/2014/main" id="{97652AFA-FA79-4F32-B5A1-EAFC34D48FF9}"/>
               </a:ext>
             </a:extLst>
           </p:cNvPr>
@@ -15998,7 +16068,7 @@
           <p:cNvPr id="7" name="Tabelle 10">
             <a:extLst>
               <a:ext uri="{FF2B5EF4-FFF2-40B4-BE49-F238E27FC236}">
-                <a16:creationId xmlns:a16="http://schemas.microsoft.com/office/drawing/2014/main" id="{6874177A-09C0-4FD5-8720-CBF60F31D139}"/>
+                <a16:creationId xmlns="" xmlns:a16="http://schemas.microsoft.com/office/drawing/2014/main" id="{6874177A-09C0-4FD5-8720-CBF60F31D139}"/>
               </a:ext>
             </a:extLst>
           </p:cNvPr>
@@ -16027,14 +16097,14 @@
                 <a:gridCol w="3550754">
                   <a:extLst>
                     <a:ext uri="{9D8B030D-6E8A-4147-A177-3AD203B41FA5}">
-                      <a16:colId xmlns:a16="http://schemas.microsoft.com/office/drawing/2014/main" val="3393285587"/>
+                      <a16:colId xmlns="" xmlns:a16="http://schemas.microsoft.com/office/drawing/2014/main" val="3393285587"/>
                     </a:ext>
                   </a:extLst>
                 </a:gridCol>
                 <a:gridCol w="1911518">
                   <a:extLst>
                     <a:ext uri="{9D8B030D-6E8A-4147-A177-3AD203B41FA5}">
-                      <a16:colId xmlns:a16="http://schemas.microsoft.com/office/drawing/2014/main" val="3054863938"/>
+                      <a16:colId xmlns="" xmlns:a16="http://schemas.microsoft.com/office/drawing/2014/main" val="3054863938"/>
                     </a:ext>
                   </a:extLst>
                 </a:gridCol>
@@ -16169,7 +16239,7 @@
                 </a:tc>
                 <a:extLst>
                   <a:ext uri="{0D108BD9-81ED-4DB2-BD59-A6C34878D82A}">
-                    <a16:rowId xmlns:a16="http://schemas.microsoft.com/office/drawing/2014/main" val="1649412758"/>
+                    <a16:rowId xmlns="" xmlns:a16="http://schemas.microsoft.com/office/drawing/2014/main" val="1649412758"/>
                   </a:ext>
                 </a:extLst>
               </a:tr>
@@ -16306,7 +16376,7 @@
                 </a:tc>
                 <a:extLst>
                   <a:ext uri="{0D108BD9-81ED-4DB2-BD59-A6C34878D82A}">
-                    <a16:rowId xmlns:a16="http://schemas.microsoft.com/office/drawing/2014/main" val="370508156"/>
+                    <a16:rowId xmlns="" xmlns:a16="http://schemas.microsoft.com/office/drawing/2014/main" val="370508156"/>
                   </a:ext>
                 </a:extLst>
               </a:tr>
@@ -16460,7 +16530,7 @@
                 </a:tc>
                 <a:extLst>
                   <a:ext uri="{0D108BD9-81ED-4DB2-BD59-A6C34878D82A}">
-                    <a16:rowId xmlns:a16="http://schemas.microsoft.com/office/drawing/2014/main" val="3500662163"/>
+                    <a16:rowId xmlns="" xmlns:a16="http://schemas.microsoft.com/office/drawing/2014/main" val="3500662163"/>
                   </a:ext>
                 </a:extLst>
               </a:tr>
@@ -16597,7 +16667,7 @@
                 </a:tc>
                 <a:extLst>
                   <a:ext uri="{0D108BD9-81ED-4DB2-BD59-A6C34878D82A}">
-                    <a16:rowId xmlns:a16="http://schemas.microsoft.com/office/drawing/2014/main" val="3564495311"/>
+                    <a16:rowId xmlns="" xmlns:a16="http://schemas.microsoft.com/office/drawing/2014/main" val="3564495311"/>
                   </a:ext>
                 </a:extLst>
               </a:tr>
@@ -16751,7 +16821,7 @@
                 </a:tc>
                 <a:extLst>
                   <a:ext uri="{0D108BD9-81ED-4DB2-BD59-A6C34878D82A}">
-                    <a16:rowId xmlns:a16="http://schemas.microsoft.com/office/drawing/2014/main" val="614680754"/>
+                    <a16:rowId xmlns="" xmlns:a16="http://schemas.microsoft.com/office/drawing/2014/main" val="614680754"/>
                   </a:ext>
                 </a:extLst>
               </a:tr>
@@ -16764,7 +16834,7 @@
           <p:cNvPr id="4" name="Grafik 3">
             <a:extLst>
               <a:ext uri="{FF2B5EF4-FFF2-40B4-BE49-F238E27FC236}">
-                <a16:creationId xmlns:a16="http://schemas.microsoft.com/office/drawing/2014/main" id="{6FAD345A-B56E-457E-85F2-1BDF509FE5D1}"/>
+                <a16:creationId xmlns="" xmlns:a16="http://schemas.microsoft.com/office/drawing/2014/main" id="{6FAD345A-B56E-457E-85F2-1BDF509FE5D1}"/>
               </a:ext>
             </a:extLst>
           </p:cNvPr>
@@ -16780,7 +16850,7 @@
                 <a14:useLocalDpi xmlns:a14="http://schemas.microsoft.com/office/drawing/2010/main" val="0"/>
               </a:ext>
               <a:ext uri="{96DAC541-7B7A-43D3-8B79-37D633B846F1}">
-                <asvg:svgBlip xmlns:asvg="http://schemas.microsoft.com/office/drawing/2016/SVG/main" r:embed="rId3"/>
+                <asvg:svgBlip xmlns="" xmlns:asvg="http://schemas.microsoft.com/office/drawing/2016/SVG/main" r:embed="rId3"/>
               </a:ext>
             </a:extLst>
           </a:blip>
@@ -16803,7 +16873,7 @@
           <p:cNvPr id="3" name="Gruppieren 2">
             <a:extLst>
               <a:ext uri="{FF2B5EF4-FFF2-40B4-BE49-F238E27FC236}">
-                <a16:creationId xmlns:a16="http://schemas.microsoft.com/office/drawing/2014/main" id="{F4B03400-0458-FB01-81FB-0B3FB3652DF1}"/>
+                <a16:creationId xmlns="" xmlns:a16="http://schemas.microsoft.com/office/drawing/2014/main" id="{F4B03400-0458-FB01-81FB-0B3FB3652DF1}"/>
               </a:ext>
             </a:extLst>
           </p:cNvPr>
@@ -16823,7 +16893,7 @@
             <p:cNvPr id="14" name="Rechteck 13">
               <a:extLst>
                 <a:ext uri="{FF2B5EF4-FFF2-40B4-BE49-F238E27FC236}">
-                  <a16:creationId xmlns:a16="http://schemas.microsoft.com/office/drawing/2014/main" id="{FC86805A-5391-440C-AD1F-A7B5455411A4}"/>
+                  <a16:creationId xmlns="" xmlns:a16="http://schemas.microsoft.com/office/drawing/2014/main" id="{FC86805A-5391-440C-AD1F-A7B5455411A4}"/>
                 </a:ext>
               </a:extLst>
             </p:cNvPr>
@@ -16884,7 +16954,7 @@
             <p:cNvPr id="15" name="Textfeld 14">
               <a:extLst>
                 <a:ext uri="{FF2B5EF4-FFF2-40B4-BE49-F238E27FC236}">
-                  <a16:creationId xmlns:a16="http://schemas.microsoft.com/office/drawing/2014/main" id="{79F85B2C-48BB-4FC9-9C3A-6C9A31D27CAC}"/>
+                  <a16:creationId xmlns="" xmlns:a16="http://schemas.microsoft.com/office/drawing/2014/main" id="{79F85B2C-48BB-4FC9-9C3A-6C9A31D27CAC}"/>
                 </a:ext>
               </a:extLst>
             </p:cNvPr>
@@ -16932,7 +17002,7 @@
             <p:cNvPr id="19" name="Textfeld 18">
               <a:extLst>
                 <a:ext uri="{FF2B5EF4-FFF2-40B4-BE49-F238E27FC236}">
-                  <a16:creationId xmlns:a16="http://schemas.microsoft.com/office/drawing/2014/main" id="{50C7AE7C-EE5C-48BD-878D-AE12B544A00F}"/>
+                  <a16:creationId xmlns="" xmlns:a16="http://schemas.microsoft.com/office/drawing/2014/main" id="{50C7AE7C-EE5C-48BD-878D-AE12B544A00F}"/>
                 </a:ext>
               </a:extLst>
             </p:cNvPr>
@@ -16977,7 +17047,7 @@
           <p:cNvPr id="5" name="Gruppieren 4">
             <a:extLst>
               <a:ext uri="{FF2B5EF4-FFF2-40B4-BE49-F238E27FC236}">
-                <a16:creationId xmlns:a16="http://schemas.microsoft.com/office/drawing/2014/main" id="{D7527508-93C3-FC40-CBA5-2FE50229DAD6}"/>
+                <a16:creationId xmlns="" xmlns:a16="http://schemas.microsoft.com/office/drawing/2014/main" id="{D7527508-93C3-FC40-CBA5-2FE50229DAD6}"/>
               </a:ext>
             </a:extLst>
           </p:cNvPr>
@@ -16997,7 +17067,7 @@
             <p:cNvPr id="24" name="Rechteck 23">
               <a:extLst>
                 <a:ext uri="{FF2B5EF4-FFF2-40B4-BE49-F238E27FC236}">
-                  <a16:creationId xmlns:a16="http://schemas.microsoft.com/office/drawing/2014/main" id="{6853DA0A-6B6C-4EF2-950A-6CAD9C612654}"/>
+                  <a16:creationId xmlns="" xmlns:a16="http://schemas.microsoft.com/office/drawing/2014/main" id="{6853DA0A-6B6C-4EF2-950A-6CAD9C612654}"/>
                 </a:ext>
               </a:extLst>
             </p:cNvPr>
@@ -17058,7 +17128,7 @@
             <p:cNvPr id="17" name="Textfeld 16">
               <a:extLst>
                 <a:ext uri="{FF2B5EF4-FFF2-40B4-BE49-F238E27FC236}">
-                  <a16:creationId xmlns:a16="http://schemas.microsoft.com/office/drawing/2014/main" id="{A7BB2FAE-34E4-4A43-94B6-591AC7E9E463}"/>
+                  <a16:creationId xmlns="" xmlns:a16="http://schemas.microsoft.com/office/drawing/2014/main" id="{A7BB2FAE-34E4-4A43-94B6-591AC7E9E463}"/>
                 </a:ext>
               </a:extLst>
             </p:cNvPr>
@@ -17106,7 +17176,7 @@
             <p:cNvPr id="20" name="Textfeld 19">
               <a:extLst>
                 <a:ext uri="{FF2B5EF4-FFF2-40B4-BE49-F238E27FC236}">
-                  <a16:creationId xmlns:a16="http://schemas.microsoft.com/office/drawing/2014/main" id="{E0DEA790-0C51-4C87-ADA7-6E35FD07F602}"/>
+                  <a16:creationId xmlns="" xmlns:a16="http://schemas.microsoft.com/office/drawing/2014/main" id="{E0DEA790-0C51-4C87-ADA7-6E35FD07F602}"/>
                 </a:ext>
               </a:extLst>
             </p:cNvPr>
@@ -17165,7 +17235,7 @@
           <p:cNvPr id="25" name="Textfeld 24">
             <a:extLst>
               <a:ext uri="{FF2B5EF4-FFF2-40B4-BE49-F238E27FC236}">
-                <a16:creationId xmlns:a16="http://schemas.microsoft.com/office/drawing/2014/main" id="{51794FFC-3D13-4D7D-B7D5-329CBA0853B5}"/>
+                <a16:creationId xmlns="" xmlns:a16="http://schemas.microsoft.com/office/drawing/2014/main" id="{51794FFC-3D13-4D7D-B7D5-329CBA0853B5}"/>
               </a:ext>
             </a:extLst>
           </p:cNvPr>
@@ -17204,7 +17274,7 @@
           <p:cNvPr id="27" name="Grafik 26">
             <a:extLst>
               <a:ext uri="{FF2B5EF4-FFF2-40B4-BE49-F238E27FC236}">
-                <a16:creationId xmlns:a16="http://schemas.microsoft.com/office/drawing/2014/main" id="{BB95599F-29D6-41E9-A547-137D066783A0}"/>
+                <a16:creationId xmlns="" xmlns:a16="http://schemas.microsoft.com/office/drawing/2014/main" id="{BB95599F-29D6-41E9-A547-137D066783A0}"/>
               </a:ext>
             </a:extLst>
           </p:cNvPr>
@@ -17214,13 +17284,13 @@
           <p:nvPr/>
         </p:nvPicPr>
         <p:blipFill>
-          <a:blip r:embed="rId4">
+          <a:blip r:embed="rId4" cstate="print">
             <a:extLst>
               <a:ext uri="{28A0092B-C50C-407E-A947-70E740481C1C}">
                 <a14:useLocalDpi xmlns:a14="http://schemas.microsoft.com/office/drawing/2010/main" val="0"/>
               </a:ext>
               <a:ext uri="{96DAC541-7B7A-43D3-8B79-37D633B846F1}">
-                <asvg:svgBlip xmlns:asvg="http://schemas.microsoft.com/office/drawing/2016/SVG/main" r:embed="rId5"/>
+                <asvg:svgBlip xmlns="" xmlns:asvg="http://schemas.microsoft.com/office/drawing/2016/SVG/main" r:embed="rId5"/>
               </a:ext>
             </a:extLst>
           </a:blip>
@@ -17243,7 +17313,7 @@
           <p:cNvPr id="29" name="Textfeld 28">
             <a:extLst>
               <a:ext uri="{FF2B5EF4-FFF2-40B4-BE49-F238E27FC236}">
-                <a16:creationId xmlns:a16="http://schemas.microsoft.com/office/drawing/2014/main" id="{3FDD82DC-E0C5-4E19-B413-D9DE35AFF2C4}"/>
+                <a16:creationId xmlns="" xmlns:a16="http://schemas.microsoft.com/office/drawing/2014/main" id="{3FDD82DC-E0C5-4E19-B413-D9DE35AFF2C4}"/>
               </a:ext>
             </a:extLst>
           </p:cNvPr>
@@ -17324,7 +17394,7 @@
           <p:cNvPr id="6" name="Datumsplatzhalter 5">
             <a:extLst>
               <a:ext uri="{FF2B5EF4-FFF2-40B4-BE49-F238E27FC236}">
-                <a16:creationId xmlns:a16="http://schemas.microsoft.com/office/drawing/2014/main" id="{48E9D077-55B2-E647-DBC0-A50E75AECD14}"/>
+                <a16:creationId xmlns="" xmlns:a16="http://schemas.microsoft.com/office/drawing/2014/main" id="{48E9D077-55B2-E647-DBC0-A50E75AECD14}"/>
               </a:ext>
             </a:extLst>
           </p:cNvPr>
@@ -17353,7 +17423,7 @@
           <p:cNvPr id="8" name="Foliennummernplatzhalter 7">
             <a:extLst>
               <a:ext uri="{FF2B5EF4-FFF2-40B4-BE49-F238E27FC236}">
-                <a16:creationId xmlns:a16="http://schemas.microsoft.com/office/drawing/2014/main" id="{3D89841E-9B6D-C73E-D67C-854130A63724}"/>
+                <a16:creationId xmlns="" xmlns:a16="http://schemas.microsoft.com/office/drawing/2014/main" id="{3D89841E-9B6D-C73E-D67C-854130A63724}"/>
               </a:ext>
             </a:extLst>
           </p:cNvPr>
@@ -17717,7 +17787,7 @@
           <p:cNvPr id="4" name="Rechteck 3">
             <a:extLst>
               <a:ext uri="{FF2B5EF4-FFF2-40B4-BE49-F238E27FC236}">
-                <a16:creationId xmlns:a16="http://schemas.microsoft.com/office/drawing/2014/main" id="{25BC0F38-C5EA-4A88-B161-F0A7D0C230D8}"/>
+                <a16:creationId xmlns="" xmlns:a16="http://schemas.microsoft.com/office/drawing/2014/main" id="{25BC0F38-C5EA-4A88-B161-F0A7D0C230D8}"/>
               </a:ext>
             </a:extLst>
           </p:cNvPr>
@@ -17769,7 +17839,7 @@
           <p:cNvPr id="2" name="Textfeld 1">
             <a:extLst>
               <a:ext uri="{FF2B5EF4-FFF2-40B4-BE49-F238E27FC236}">
-                <a16:creationId xmlns:a16="http://schemas.microsoft.com/office/drawing/2014/main" id="{1017C281-9103-4001-B331-1945313A1AF6}"/>
+                <a16:creationId xmlns="" xmlns:a16="http://schemas.microsoft.com/office/drawing/2014/main" id="{1017C281-9103-4001-B331-1945313A1AF6}"/>
               </a:ext>
             </a:extLst>
           </p:cNvPr>
@@ -17809,7 +17879,7 @@
           <p:cNvPr id="6" name="Datumsplatzhalter 5">
             <a:extLst>
               <a:ext uri="{FF2B5EF4-FFF2-40B4-BE49-F238E27FC236}">
-                <a16:creationId xmlns:a16="http://schemas.microsoft.com/office/drawing/2014/main" id="{FDCCC8AF-1AAB-C0A1-31EF-8F84C928CCB9}"/>
+                <a16:creationId xmlns="" xmlns:a16="http://schemas.microsoft.com/office/drawing/2014/main" id="{FDCCC8AF-1AAB-C0A1-31EF-8F84C928CCB9}"/>
               </a:ext>
             </a:extLst>
           </p:cNvPr>
@@ -17838,7 +17908,7 @@
           <p:cNvPr id="7" name="Foliennummernplatzhalter 6">
             <a:extLst>
               <a:ext uri="{FF2B5EF4-FFF2-40B4-BE49-F238E27FC236}">
-                <a16:creationId xmlns:a16="http://schemas.microsoft.com/office/drawing/2014/main" id="{05E3FBCF-D950-F55D-4E1A-C539DFC85CCF}"/>
+                <a16:creationId xmlns="" xmlns:a16="http://schemas.microsoft.com/office/drawing/2014/main" id="{05E3FBCF-D950-F55D-4E1A-C539DFC85CCF}"/>
               </a:ext>
             </a:extLst>
           </p:cNvPr>
@@ -17872,6 +17942,13 @@
   <p:clrMapOvr>
     <a:masterClrMapping/>
   </p:clrMapOvr>
+  <p:timing>
+    <p:tnLst>
+      <p:par>
+        <p:cTn id="1" dur="indefinite" restart="never" nodeType="tmRoot"/>
+      </p:par>
+    </p:tnLst>
+  </p:timing>
 </p:sld>
 </file>
 
@@ -17897,7 +17974,7 @@
           <p:cNvPr id="9" name="Textfeld 8">
             <a:extLst>
               <a:ext uri="{FF2B5EF4-FFF2-40B4-BE49-F238E27FC236}">
-                <a16:creationId xmlns:a16="http://schemas.microsoft.com/office/drawing/2014/main" id="{99EF8AE6-2CAB-42B6-ADF7-989657C39A05}"/>
+                <a16:creationId xmlns="" xmlns:a16="http://schemas.microsoft.com/office/drawing/2014/main" id="{99EF8AE6-2CAB-42B6-ADF7-989657C39A05}"/>
               </a:ext>
             </a:extLst>
           </p:cNvPr>
@@ -17936,7 +18013,7 @@
           <p:cNvPr id="10" name="Textfeld 9">
             <a:extLst>
               <a:ext uri="{FF2B5EF4-FFF2-40B4-BE49-F238E27FC236}">
-                <a16:creationId xmlns:a16="http://schemas.microsoft.com/office/drawing/2014/main" id="{8FB7EB10-123C-4822-A7C3-B3A38E843864}"/>
+                <a16:creationId xmlns="" xmlns:a16="http://schemas.microsoft.com/office/drawing/2014/main" id="{8FB7EB10-123C-4822-A7C3-B3A38E843864}"/>
               </a:ext>
             </a:extLst>
           </p:cNvPr>
@@ -17946,7 +18023,7 @@
         <p:spPr>
           <a:xfrm>
             <a:off x="411891" y="1154664"/>
-            <a:ext cx="6789009" cy="3046988"/>
+            <a:ext cx="6789009" cy="1938992"/>
           </a:xfrm>
           <a:prstGeom prst="rect">
             <a:avLst/>
@@ -18014,7 +18091,7 @@
           </a:p>
           <a:p>
             <a:r>
-              <a:rPr lang="de-DE" sz="2400" b="1" dirty="0">
+              <a:rPr lang="de-DE" sz="2400" b="1" dirty="0" smtClean="0">
                 <a:solidFill>
                   <a:srgbClr val="5C5D8D"/>
                 </a:solidFill>
@@ -18022,154 +18099,27 @@
               <a:t>Arten</a:t>
             </a:r>
             <a:r>
-              <a:rPr lang="de-DE" sz="2400" baseline="30000" dirty="0">
+              <a:rPr lang="de-DE" sz="2400" baseline="30000" dirty="0" smtClean="0">
                 <a:solidFill>
                   <a:srgbClr val="5C5D8D"/>
                 </a:solidFill>
               </a:rPr>
               <a:t>2</a:t>
             </a:r>
-          </a:p>
-          <a:p>
-            <a:pPr marL="457200" indent="-457200">
-              <a:buFont typeface="Arial" panose="020B0604020202020204" pitchFamily="34" charset="0"/>
-              <a:buChar char="•"/>
-            </a:pPr>
-            <a:r>
-              <a:rPr lang="de-DE" sz="2400" dirty="0">
-                <a:solidFill>
-                  <a:srgbClr val="5C5D8D"/>
-                </a:solidFill>
-              </a:rPr>
-              <a:t>Punktuelle Anomalien</a:t>
-            </a:r>
-          </a:p>
-          <a:p>
-            <a:pPr marL="457200" indent="-457200">
-              <a:buFont typeface="Arial" panose="020B0604020202020204" pitchFamily="34" charset="0"/>
-              <a:buChar char="•"/>
-            </a:pPr>
-            <a:r>
-              <a:rPr lang="de-DE" sz="2400" dirty="0">
-                <a:solidFill>
-                  <a:srgbClr val="5C5D8D"/>
-                </a:solidFill>
-              </a:rPr>
-              <a:t>Kontextuelle Anomalien</a:t>
-            </a:r>
-          </a:p>
-          <a:p>
-            <a:pPr marL="457200" indent="-457200">
-              <a:buFont typeface="Arial" panose="020B0604020202020204" pitchFamily="34" charset="0"/>
-              <a:buChar char="•"/>
-            </a:pPr>
-            <a:r>
-              <a:rPr lang="de-DE" sz="2400" dirty="0">
-                <a:solidFill>
-                  <a:srgbClr val="5C5D8D"/>
-                </a:solidFill>
-              </a:rPr>
-              <a:t>Kollektive Anomalien</a:t>
-            </a:r>
+            <a:endParaRPr lang="de-DE" sz="2400" baseline="30000" dirty="0">
+              <a:solidFill>
+                <a:srgbClr val="5C5D8D"/>
+              </a:solidFill>
+            </a:endParaRPr>
           </a:p>
         </p:txBody>
       </p:sp>
-      <p:pic>
-        <p:nvPicPr>
-          <p:cNvPr id="7" name="Grafik 6">
-            <a:extLst>
-              <a:ext uri="{FF2B5EF4-FFF2-40B4-BE49-F238E27FC236}">
-                <a16:creationId xmlns:a16="http://schemas.microsoft.com/office/drawing/2014/main" id="{32C00600-EC3A-4E02-8B73-CE90403E7630}"/>
-              </a:ext>
-            </a:extLst>
-          </p:cNvPr>
-          <p:cNvPicPr>
-            <a:picLocks noChangeAspect="1"/>
-          </p:cNvPicPr>
-          <p:nvPr/>
-        </p:nvPicPr>
-        <p:blipFill>
-          <a:blip r:embed="rId2"/>
-          <a:stretch>
-            <a:fillRect/>
-          </a:stretch>
-        </p:blipFill>
-        <p:spPr>
-          <a:xfrm>
-            <a:off x="5039361" y="2111779"/>
-            <a:ext cx="3159570" cy="2721382"/>
-          </a:xfrm>
-          <a:prstGeom prst="rect">
-            <a:avLst/>
-          </a:prstGeom>
-        </p:spPr>
-      </p:pic>
-      <p:pic>
-        <p:nvPicPr>
-          <p:cNvPr id="11" name="Grafik 10">
-            <a:extLst>
-              <a:ext uri="{FF2B5EF4-FFF2-40B4-BE49-F238E27FC236}">
-                <a16:creationId xmlns:a16="http://schemas.microsoft.com/office/drawing/2014/main" id="{F77A57BF-47AB-432D-BFC9-B60C27D8E499}"/>
-              </a:ext>
-            </a:extLst>
-          </p:cNvPr>
-          <p:cNvPicPr>
-            <a:picLocks noChangeAspect="1"/>
-          </p:cNvPicPr>
-          <p:nvPr/>
-        </p:nvPicPr>
-        <p:blipFill>
-          <a:blip r:embed="rId3"/>
-          <a:stretch>
-            <a:fillRect/>
-          </a:stretch>
-        </p:blipFill>
-        <p:spPr>
-          <a:xfrm>
-            <a:off x="5332058" y="4963917"/>
-            <a:ext cx="3441102" cy="1819986"/>
-          </a:xfrm>
-          <a:prstGeom prst="rect">
-            <a:avLst/>
-          </a:prstGeom>
-        </p:spPr>
-      </p:pic>
-      <p:pic>
-        <p:nvPicPr>
-          <p:cNvPr id="13" name="Grafik 12">
-            <a:extLst>
-              <a:ext uri="{FF2B5EF4-FFF2-40B4-BE49-F238E27FC236}">
-                <a16:creationId xmlns:a16="http://schemas.microsoft.com/office/drawing/2014/main" id="{AB24CBC0-C4C1-4C66-B700-B276EF64E7F8}"/>
-              </a:ext>
-            </a:extLst>
-          </p:cNvPr>
-          <p:cNvPicPr>
-            <a:picLocks noChangeAspect="1"/>
-          </p:cNvPicPr>
-          <p:nvPr/>
-        </p:nvPicPr>
-        <p:blipFill>
-          <a:blip r:embed="rId4"/>
-          <a:stretch>
-            <a:fillRect/>
-          </a:stretch>
-        </p:blipFill>
-        <p:spPr>
-          <a:xfrm>
-            <a:off x="8512074" y="2111779"/>
-            <a:ext cx="3105886" cy="2563162"/>
-          </a:xfrm>
-          <a:prstGeom prst="rect">
-            <a:avLst/>
-          </a:prstGeom>
-        </p:spPr>
-      </p:pic>
       <p:sp>
         <p:nvSpPr>
           <p:cNvPr id="4" name="Datumsplatzhalter 3">
             <a:extLst>
               <a:ext uri="{FF2B5EF4-FFF2-40B4-BE49-F238E27FC236}">
-                <a16:creationId xmlns:a16="http://schemas.microsoft.com/office/drawing/2014/main" id="{461410AC-3122-EBEE-9EDF-F11305982296}"/>
+                <a16:creationId xmlns="" xmlns:a16="http://schemas.microsoft.com/office/drawing/2014/main" id="{461410AC-3122-EBEE-9EDF-F11305982296}"/>
               </a:ext>
             </a:extLst>
           </p:cNvPr>
@@ -18198,7 +18148,7 @@
           <p:cNvPr id="5" name="Foliennummernplatzhalter 4">
             <a:extLst>
               <a:ext uri="{FF2B5EF4-FFF2-40B4-BE49-F238E27FC236}">
-                <a16:creationId xmlns:a16="http://schemas.microsoft.com/office/drawing/2014/main" id="{A100A582-A597-B979-80AA-6860DAD9DE03}"/>
+                <a16:creationId xmlns="" xmlns:a16="http://schemas.microsoft.com/office/drawing/2014/main" id="{A100A582-A597-B979-80AA-6860DAD9DE03}"/>
               </a:ext>
             </a:extLst>
           </p:cNvPr>
@@ -18222,6 +18172,233 @@
           </a:p>
         </p:txBody>
       </p:sp>
+      <p:pic>
+        <p:nvPicPr>
+          <p:cNvPr id="8" name="Picture 7"/>
+          <p:cNvPicPr>
+            <a:picLocks noChangeAspect="1"/>
+          </p:cNvPicPr>
+          <p:nvPr/>
+        </p:nvPicPr>
+        <p:blipFill>
+          <a:blip r:embed="rId2">
+            <a:extLst>
+              <a:ext uri="{28A0092B-C50C-407E-A947-70E740481C1C}">
+                <a14:useLocalDpi xmlns:a14="http://schemas.microsoft.com/office/drawing/2010/main" val="0"/>
+              </a:ext>
+            </a:extLst>
+          </a:blip>
+          <a:stretch>
+            <a:fillRect/>
+          </a:stretch>
+        </p:blipFill>
+        <p:spPr>
+          <a:xfrm>
+            <a:off x="8300330" y="3464496"/>
+            <a:ext cx="2903031" cy="1865197"/>
+          </a:xfrm>
+          <a:prstGeom prst="rect">
+            <a:avLst/>
+          </a:prstGeom>
+        </p:spPr>
+      </p:pic>
+      <p:pic>
+        <p:nvPicPr>
+          <p:cNvPr id="12" name="Picture 11"/>
+          <p:cNvPicPr>
+            <a:picLocks noChangeAspect="1"/>
+          </p:cNvPicPr>
+          <p:nvPr/>
+        </p:nvPicPr>
+        <p:blipFill>
+          <a:blip r:embed="rId3">
+            <a:extLst>
+              <a:ext uri="{28A0092B-C50C-407E-A947-70E740481C1C}">
+                <a14:useLocalDpi xmlns:a14="http://schemas.microsoft.com/office/drawing/2010/main" val="0"/>
+              </a:ext>
+            </a:extLst>
+          </a:blip>
+          <a:stretch>
+            <a:fillRect/>
+          </a:stretch>
+        </p:blipFill>
+        <p:spPr>
+          <a:xfrm>
+            <a:off x="4436077" y="3464496"/>
+            <a:ext cx="2971546" cy="2236088"/>
+          </a:xfrm>
+          <a:prstGeom prst="rect">
+            <a:avLst/>
+          </a:prstGeom>
+        </p:spPr>
+      </p:pic>
+      <p:pic>
+        <p:nvPicPr>
+          <p:cNvPr id="14" name="Picture 13"/>
+          <p:cNvPicPr>
+            <a:picLocks noChangeAspect="1"/>
+          </p:cNvPicPr>
+          <p:nvPr/>
+        </p:nvPicPr>
+        <p:blipFill>
+          <a:blip r:embed="rId4">
+            <a:extLst>
+              <a:ext uri="{28A0092B-C50C-407E-A947-70E740481C1C}">
+                <a14:useLocalDpi xmlns:a14="http://schemas.microsoft.com/office/drawing/2010/main" val="0"/>
+              </a:ext>
+            </a:extLst>
+          </a:blip>
+          <a:stretch>
+            <a:fillRect/>
+          </a:stretch>
+        </p:blipFill>
+        <p:spPr>
+          <a:xfrm>
+            <a:off x="733166" y="3470822"/>
+            <a:ext cx="2891482" cy="1973436"/>
+          </a:xfrm>
+          <a:prstGeom prst="rect">
+            <a:avLst/>
+          </a:prstGeom>
+        </p:spPr>
+      </p:pic>
+      <p:graphicFrame>
+        <p:nvGraphicFramePr>
+          <p:cNvPr id="15" name="Table 14"/>
+          <p:cNvGraphicFramePr>
+            <a:graphicFrameLocks noGrp="1"/>
+          </p:cNvGraphicFramePr>
+          <p:nvPr>
+            <p:extLst>
+              <p:ext uri="{D42A27DB-BD31-4B8C-83A1-F6EECF244321}">
+                <p14:modId xmlns:p14="http://schemas.microsoft.com/office/powerpoint/2010/main" val="2532545511"/>
+              </p:ext>
+            </p:extLst>
+          </p:nvPr>
+        </p:nvGraphicFramePr>
+        <p:xfrm>
+          <a:off x="411892" y="3093656"/>
+          <a:ext cx="11376453" cy="370840"/>
+        </p:xfrm>
+        <a:graphic>
+          <a:graphicData uri="http://schemas.openxmlformats.org/drawingml/2006/table">
+            <a:tbl>
+              <a:tblPr firstRow="1" bandRow="1">
+                <a:tableStyleId>{9D7B26C5-4107-4FEC-AEDC-1716B250A1EF}</a:tableStyleId>
+              </a:tblPr>
+              <a:tblGrid>
+                <a:gridCol w="3792151"/>
+                <a:gridCol w="3792151"/>
+                <a:gridCol w="3792151"/>
+              </a:tblGrid>
+              <a:tr h="370840">
+                <a:tc>
+                  <a:txBody>
+                    <a:bodyPr/>
+                    <a:lstStyle/>
+                    <a:p>
+                      <a:pPr marL="0" marR="0" lvl="0" indent="0" algn="ctr" defTabSz="914400" rtl="0" eaLnBrk="1" fontAlgn="auto" latinLnBrk="0" hangingPunct="1">
+                        <a:lnSpc>
+                          <a:spcPct val="100000"/>
+                        </a:lnSpc>
+                        <a:spcBef>
+                          <a:spcPts val="0"/>
+                        </a:spcBef>
+                        <a:spcAft>
+                          <a:spcPts val="0"/>
+                        </a:spcAft>
+                        <a:buClrTx/>
+                        <a:buSzTx/>
+                        <a:buFontTx/>
+                        <a:buNone/>
+                        <a:tabLst/>
+                        <a:defRPr/>
+                      </a:pPr>
+                      <a:r>
+                        <a:rPr lang="de-DE" dirty="0" smtClean="0">
+                          <a:solidFill>
+                            <a:srgbClr val="5C5D8D"/>
+                          </a:solidFill>
+                        </a:rPr>
+                        <a:t>Punktuelle Anomalien</a:t>
+                      </a:r>
+                    </a:p>
+                  </a:txBody>
+                  <a:tcPr/>
+                </a:tc>
+                <a:tc>
+                  <a:txBody>
+                    <a:bodyPr/>
+                    <a:lstStyle/>
+                    <a:p>
+                      <a:pPr marL="0" marR="0" lvl="0" indent="0" algn="ctr" defTabSz="914400" rtl="0" eaLnBrk="1" fontAlgn="auto" latinLnBrk="0" hangingPunct="1">
+                        <a:lnSpc>
+                          <a:spcPct val="100000"/>
+                        </a:lnSpc>
+                        <a:spcBef>
+                          <a:spcPts val="0"/>
+                        </a:spcBef>
+                        <a:spcAft>
+                          <a:spcPts val="0"/>
+                        </a:spcAft>
+                        <a:buClrTx/>
+                        <a:buSzTx/>
+                        <a:buFontTx/>
+                        <a:buNone/>
+                        <a:tabLst/>
+                        <a:defRPr/>
+                      </a:pPr>
+                      <a:r>
+                        <a:rPr lang="de-DE" dirty="0" smtClean="0">
+                          <a:solidFill>
+                            <a:srgbClr val="5C5D8D"/>
+                          </a:solidFill>
+                        </a:rPr>
+                        <a:t>Kontextuelle Anomalien</a:t>
+                      </a:r>
+                    </a:p>
+                  </a:txBody>
+                  <a:tcPr/>
+                </a:tc>
+                <a:tc>
+                  <a:txBody>
+                    <a:bodyPr/>
+                    <a:lstStyle/>
+                    <a:p>
+                      <a:pPr marL="0" marR="0" lvl="0" indent="0" algn="ctr" defTabSz="914400" rtl="0" eaLnBrk="1" fontAlgn="auto" latinLnBrk="0" hangingPunct="1">
+                        <a:lnSpc>
+                          <a:spcPct val="100000"/>
+                        </a:lnSpc>
+                        <a:spcBef>
+                          <a:spcPts val="0"/>
+                        </a:spcBef>
+                        <a:spcAft>
+                          <a:spcPts val="0"/>
+                        </a:spcAft>
+                        <a:buClrTx/>
+                        <a:buSzTx/>
+                        <a:buFontTx/>
+                        <a:buNone/>
+                        <a:tabLst/>
+                        <a:defRPr/>
+                      </a:pPr>
+                      <a:r>
+                        <a:rPr lang="de-DE" dirty="0" smtClean="0">
+                          <a:solidFill>
+                            <a:srgbClr val="5C5D8D"/>
+                          </a:solidFill>
+                        </a:rPr>
+                        <a:t>Kollektive Anomalien</a:t>
+                      </a:r>
+                    </a:p>
+                  </a:txBody>
+                  <a:tcPr/>
+                </a:tc>
+              </a:tr>
+            </a:tbl>
+          </a:graphicData>
+        </a:graphic>
+      </p:graphicFrame>
     </p:spTree>
     <p:extLst>
       <p:ext uri="{BB962C8B-B14F-4D97-AF65-F5344CB8AC3E}">
@@ -18244,6 +18421,9 @@
                     <p:cTn id="3" fill="hold">
                       <p:stCondLst>
                         <p:cond delay="indefinite"/>
+                        <p:cond evt="onBegin" delay="0">
+                          <p:tn val="2"/>
+                        </p:cond>
                       </p:stCondLst>
                       <p:childTnLst>
                         <p:par>
@@ -18253,7 +18433,7 @@
                             </p:stCondLst>
                             <p:childTnLst>
                               <p:par>
-                                <p:cTn id="5" presetID="1" presetClass="entr" presetSubtype="0" fill="hold" nodeType="clickEffect">
+                                <p:cTn id="5" presetID="1" presetClass="entr" presetSubtype="0" fill="hold" nodeType="withEffect">
                                   <p:stCondLst>
                                     <p:cond delay="0"/>
                                   </p:stCondLst>
@@ -18268,219 +18448,9 @@
                                         <p:tgtEl>
                                           <p:spTgt spid="10">
                                             <p:txEl>
-                                              <p:pRg st="5" end="5"/>
-                                            </p:txEl>
-                                          </p:spTgt>
-                                        </p:tgtEl>
-                                        <p:attrNameLst>
-                                          <p:attrName>style.visibility</p:attrName>
-                                        </p:attrNameLst>
-                                      </p:cBhvr>
-                                      <p:to>
-                                        <p:strVal val="visible"/>
-                                      </p:to>
-                                    </p:set>
-                                  </p:childTnLst>
-                                </p:cTn>
-                              </p:par>
-                              <p:par>
-                                <p:cTn id="7" presetID="1" presetClass="entr" presetSubtype="0" fill="hold" nodeType="withEffect">
-                                  <p:stCondLst>
-                                    <p:cond delay="0"/>
-                                  </p:stCondLst>
-                                  <p:childTnLst>
-                                    <p:set>
-                                      <p:cBhvr>
-                                        <p:cTn id="8" dur="1" fill="hold">
-                                          <p:stCondLst>
-                                            <p:cond delay="0"/>
-                                          </p:stCondLst>
-                                        </p:cTn>
-                                        <p:tgtEl>
-                                          <p:spTgt spid="10">
-                                            <p:txEl>
                                               <p:pRg st="4" end="4"/>
                                             </p:txEl>
                                           </p:spTgt>
-                                        </p:tgtEl>
-                                        <p:attrNameLst>
-                                          <p:attrName>style.visibility</p:attrName>
-                                        </p:attrNameLst>
-                                      </p:cBhvr>
-                                      <p:to>
-                                        <p:strVal val="visible"/>
-                                      </p:to>
-                                    </p:set>
-                                  </p:childTnLst>
-                                </p:cTn>
-                              </p:par>
-                              <p:par>
-                                <p:cTn id="9" presetID="1" presetClass="entr" presetSubtype="0" fill="hold" nodeType="withEffect">
-                                  <p:stCondLst>
-                                    <p:cond delay="0"/>
-                                  </p:stCondLst>
-                                  <p:childTnLst>
-                                    <p:set>
-                                      <p:cBhvr>
-                                        <p:cTn id="10" dur="1" fill="hold">
-                                          <p:stCondLst>
-                                            <p:cond delay="0"/>
-                                          </p:stCondLst>
-                                        </p:cTn>
-                                        <p:tgtEl>
-                                          <p:spTgt spid="7"/>
-                                        </p:tgtEl>
-                                        <p:attrNameLst>
-                                          <p:attrName>style.visibility</p:attrName>
-                                        </p:attrNameLst>
-                                      </p:cBhvr>
-                                      <p:to>
-                                        <p:strVal val="visible"/>
-                                      </p:to>
-                                    </p:set>
-                                  </p:childTnLst>
-                                </p:cTn>
-                              </p:par>
-                            </p:childTnLst>
-                          </p:cTn>
-                        </p:par>
-                      </p:childTnLst>
-                    </p:cTn>
-                  </p:par>
-                  <p:par>
-                    <p:cTn id="11" fill="hold">
-                      <p:stCondLst>
-                        <p:cond delay="indefinite"/>
-                      </p:stCondLst>
-                      <p:childTnLst>
-                        <p:par>
-                          <p:cTn id="12" fill="hold">
-                            <p:stCondLst>
-                              <p:cond delay="0"/>
-                            </p:stCondLst>
-                            <p:childTnLst>
-                              <p:par>
-                                <p:cTn id="13" presetID="1" presetClass="entr" presetSubtype="0" fill="hold" nodeType="clickEffect">
-                                  <p:stCondLst>
-                                    <p:cond delay="0"/>
-                                  </p:stCondLst>
-                                  <p:childTnLst>
-                                    <p:set>
-                                      <p:cBhvr>
-                                        <p:cTn id="14" dur="1" fill="hold">
-                                          <p:stCondLst>
-                                            <p:cond delay="0"/>
-                                          </p:stCondLst>
-                                        </p:cTn>
-                                        <p:tgtEl>
-                                          <p:spTgt spid="10">
-                                            <p:txEl>
-                                              <p:pRg st="6" end="6"/>
-                                            </p:txEl>
-                                          </p:spTgt>
-                                        </p:tgtEl>
-                                        <p:attrNameLst>
-                                          <p:attrName>style.visibility</p:attrName>
-                                        </p:attrNameLst>
-                                      </p:cBhvr>
-                                      <p:to>
-                                        <p:strVal val="visible"/>
-                                      </p:to>
-                                    </p:set>
-                                  </p:childTnLst>
-                                </p:cTn>
-                              </p:par>
-                              <p:par>
-                                <p:cTn id="15" presetID="1" presetClass="entr" presetSubtype="0" fill="hold" nodeType="withEffect">
-                                  <p:stCondLst>
-                                    <p:cond delay="0"/>
-                                  </p:stCondLst>
-                                  <p:childTnLst>
-                                    <p:set>
-                                      <p:cBhvr>
-                                        <p:cTn id="16" dur="1" fill="hold">
-                                          <p:stCondLst>
-                                            <p:cond delay="0"/>
-                                          </p:stCondLst>
-                                        </p:cTn>
-                                        <p:tgtEl>
-                                          <p:spTgt spid="11"/>
-                                        </p:tgtEl>
-                                        <p:attrNameLst>
-                                          <p:attrName>style.visibility</p:attrName>
-                                        </p:attrNameLst>
-                                      </p:cBhvr>
-                                      <p:to>
-                                        <p:strVal val="visible"/>
-                                      </p:to>
-                                    </p:set>
-                                  </p:childTnLst>
-                                </p:cTn>
-                              </p:par>
-                            </p:childTnLst>
-                          </p:cTn>
-                        </p:par>
-                      </p:childTnLst>
-                    </p:cTn>
-                  </p:par>
-                  <p:par>
-                    <p:cTn id="17" fill="hold">
-                      <p:stCondLst>
-                        <p:cond delay="indefinite"/>
-                      </p:stCondLst>
-                      <p:childTnLst>
-                        <p:par>
-                          <p:cTn id="18" fill="hold">
-                            <p:stCondLst>
-                              <p:cond delay="0"/>
-                            </p:stCondLst>
-                            <p:childTnLst>
-                              <p:par>
-                                <p:cTn id="19" presetID="1" presetClass="entr" presetSubtype="0" fill="hold" nodeType="clickEffect">
-                                  <p:stCondLst>
-                                    <p:cond delay="0"/>
-                                  </p:stCondLst>
-                                  <p:childTnLst>
-                                    <p:set>
-                                      <p:cBhvr>
-                                        <p:cTn id="20" dur="1" fill="hold">
-                                          <p:stCondLst>
-                                            <p:cond delay="0"/>
-                                          </p:stCondLst>
-                                        </p:cTn>
-                                        <p:tgtEl>
-                                          <p:spTgt spid="10">
-                                            <p:txEl>
-                                              <p:pRg st="7" end="7"/>
-                                            </p:txEl>
-                                          </p:spTgt>
-                                        </p:tgtEl>
-                                        <p:attrNameLst>
-                                          <p:attrName>style.visibility</p:attrName>
-                                        </p:attrNameLst>
-                                      </p:cBhvr>
-                                      <p:to>
-                                        <p:strVal val="visible"/>
-                                      </p:to>
-                                    </p:set>
-                                  </p:childTnLst>
-                                </p:cTn>
-                              </p:par>
-                              <p:par>
-                                <p:cTn id="21" presetID="1" presetClass="entr" presetSubtype="0" fill="hold" nodeType="withEffect">
-                                  <p:stCondLst>
-                                    <p:cond delay="0"/>
-                                  </p:stCondLst>
-                                  <p:childTnLst>
-                                    <p:set>
-                                      <p:cBhvr>
-                                        <p:cTn id="22" dur="1" fill="hold">
-                                          <p:stCondLst>
-                                            <p:cond delay="0"/>
-                                          </p:stCondLst>
-                                        </p:cTn>
-                                        <p:tgtEl>
-                                          <p:spTgt spid="13"/>
                                         </p:tgtEl>
                                         <p:attrNameLst>
                                           <p:attrName>style.visibility</p:attrName>
@@ -18546,7 +18516,7 @@
           <p:cNvPr id="9" name="Textfeld 8">
             <a:extLst>
               <a:ext uri="{FF2B5EF4-FFF2-40B4-BE49-F238E27FC236}">
-                <a16:creationId xmlns:a16="http://schemas.microsoft.com/office/drawing/2014/main" id="{99EF8AE6-2CAB-42B6-ADF7-989657C39A05}"/>
+                <a16:creationId xmlns="" xmlns:a16="http://schemas.microsoft.com/office/drawing/2014/main" id="{99EF8AE6-2CAB-42B6-ADF7-989657C39A05}"/>
               </a:ext>
             </a:extLst>
           </p:cNvPr>
@@ -18585,7 +18555,7 @@
           <p:cNvPr id="10" name="Textfeld 9">
             <a:extLst>
               <a:ext uri="{FF2B5EF4-FFF2-40B4-BE49-F238E27FC236}">
-                <a16:creationId xmlns:a16="http://schemas.microsoft.com/office/drawing/2014/main" id="{8FB7EB10-123C-4822-A7C3-B3A38E843864}"/>
+                <a16:creationId xmlns="" xmlns:a16="http://schemas.microsoft.com/office/drawing/2014/main" id="{8FB7EB10-123C-4822-A7C3-B3A38E843864}"/>
               </a:ext>
             </a:extLst>
           </p:cNvPr>
@@ -18651,7 +18621,7 @@
           <p:cNvPr id="4" name="Datumsplatzhalter 3">
             <a:extLst>
               <a:ext uri="{FF2B5EF4-FFF2-40B4-BE49-F238E27FC236}">
-                <a16:creationId xmlns:a16="http://schemas.microsoft.com/office/drawing/2014/main" id="{FF344A04-144B-16EB-5389-0D7BE659EC71}"/>
+                <a16:creationId xmlns="" xmlns:a16="http://schemas.microsoft.com/office/drawing/2014/main" id="{FF344A04-144B-16EB-5389-0D7BE659EC71}"/>
               </a:ext>
             </a:extLst>
           </p:cNvPr>
@@ -18680,7 +18650,7 @@
           <p:cNvPr id="5" name="Foliennummernplatzhalter 4">
             <a:extLst>
               <a:ext uri="{FF2B5EF4-FFF2-40B4-BE49-F238E27FC236}">
-                <a16:creationId xmlns:a16="http://schemas.microsoft.com/office/drawing/2014/main" id="{27896B1A-1E0E-A8D3-52A5-D39E9687B4F0}"/>
+                <a16:creationId xmlns="" xmlns:a16="http://schemas.microsoft.com/office/drawing/2014/main" id="{27896B1A-1E0E-A8D3-52A5-D39E9687B4F0}"/>
               </a:ext>
             </a:extLst>
           </p:cNvPr>
@@ -18709,7 +18679,7 @@
           <p:cNvPr id="7" name="Grafik 6" descr="Ein Bild, das drinnen, Decke, mehrere enthält.&#10;&#10;Automatisch generierte Beschreibung">
             <a:extLst>
               <a:ext uri="{FF2B5EF4-FFF2-40B4-BE49-F238E27FC236}">
-                <a16:creationId xmlns:a16="http://schemas.microsoft.com/office/drawing/2014/main" id="{BD0ECEA2-4D95-D46B-AF06-B946A51F110D}"/>
+                <a16:creationId xmlns="" xmlns:a16="http://schemas.microsoft.com/office/drawing/2014/main" id="{BD0ECEA2-4D95-D46B-AF06-B946A51F110D}"/>
               </a:ext>
             </a:extLst>
           </p:cNvPr>
@@ -18750,6 +18720,13 @@
   <p:clrMapOvr>
     <a:masterClrMapping/>
   </p:clrMapOvr>
+  <p:timing>
+    <p:tnLst>
+      <p:par>
+        <p:cTn id="1" dur="indefinite" restart="never" nodeType="tmRoot"/>
+      </p:par>
+    </p:tnLst>
+  </p:timing>
 </p:sld>
 </file>
 
@@ -18775,7 +18752,7 @@
           <p:cNvPr id="4" name="Grafik 3">
             <a:extLst>
               <a:ext uri="{FF2B5EF4-FFF2-40B4-BE49-F238E27FC236}">
-                <a16:creationId xmlns:a16="http://schemas.microsoft.com/office/drawing/2014/main" id="{3AAE3454-A893-4BE2-9BD4-A571073DAD2B}"/>
+                <a16:creationId xmlns="" xmlns:a16="http://schemas.microsoft.com/office/drawing/2014/main" id="{3AAE3454-A893-4BE2-9BD4-A571073DAD2B}"/>
               </a:ext>
             </a:extLst>
           </p:cNvPr>
@@ -18804,7 +18781,7 @@
           <p:cNvPr id="2" name="Rechteck 1">
             <a:extLst>
               <a:ext uri="{FF2B5EF4-FFF2-40B4-BE49-F238E27FC236}">
-                <a16:creationId xmlns:a16="http://schemas.microsoft.com/office/drawing/2014/main" id="{45D43E9F-DF0F-4878-A90A-DC37CE7ED552}"/>
+                <a16:creationId xmlns="" xmlns:a16="http://schemas.microsoft.com/office/drawing/2014/main" id="{45D43E9F-DF0F-4878-A90A-DC37CE7ED552}"/>
               </a:ext>
             </a:extLst>
           </p:cNvPr>
@@ -18856,7 +18833,7 @@
           <p:cNvPr id="5" name="Rechteck 4">
             <a:extLst>
               <a:ext uri="{FF2B5EF4-FFF2-40B4-BE49-F238E27FC236}">
-                <a16:creationId xmlns:a16="http://schemas.microsoft.com/office/drawing/2014/main" id="{B9EC7890-7B92-4B24-A661-E71A4ECF9B05}"/>
+                <a16:creationId xmlns="" xmlns:a16="http://schemas.microsoft.com/office/drawing/2014/main" id="{B9EC7890-7B92-4B24-A661-E71A4ECF9B05}"/>
               </a:ext>
             </a:extLst>
           </p:cNvPr>
@@ -18908,7 +18885,7 @@
           <p:cNvPr id="3" name="Textfeld 2">
             <a:extLst>
               <a:ext uri="{FF2B5EF4-FFF2-40B4-BE49-F238E27FC236}">
-                <a16:creationId xmlns:a16="http://schemas.microsoft.com/office/drawing/2014/main" id="{812B54DB-CEDB-49B7-A873-6682FF935F0D}"/>
+                <a16:creationId xmlns="" xmlns:a16="http://schemas.microsoft.com/office/drawing/2014/main" id="{812B54DB-CEDB-49B7-A873-6682FF935F0D}"/>
               </a:ext>
             </a:extLst>
           </p:cNvPr>
@@ -18947,7 +18924,7 @@
           <p:cNvPr id="8" name="Textfeld 7">
             <a:extLst>
               <a:ext uri="{FF2B5EF4-FFF2-40B4-BE49-F238E27FC236}">
-                <a16:creationId xmlns:a16="http://schemas.microsoft.com/office/drawing/2014/main" id="{950B26D0-5612-4693-8055-8A15591675C1}"/>
+                <a16:creationId xmlns="" xmlns:a16="http://schemas.microsoft.com/office/drawing/2014/main" id="{950B26D0-5612-4693-8055-8A15591675C1}"/>
               </a:ext>
             </a:extLst>
           </p:cNvPr>
@@ -18986,7 +18963,7 @@
           <p:cNvPr id="10" name="Textfeld 9">
             <a:extLst>
               <a:ext uri="{FF2B5EF4-FFF2-40B4-BE49-F238E27FC236}">
-                <a16:creationId xmlns:a16="http://schemas.microsoft.com/office/drawing/2014/main" id="{2AA783B8-F43E-47DD-A997-00FD73AA254C}"/>
+                <a16:creationId xmlns="" xmlns:a16="http://schemas.microsoft.com/office/drawing/2014/main" id="{2AA783B8-F43E-47DD-A997-00FD73AA254C}"/>
               </a:ext>
             </a:extLst>
           </p:cNvPr>
@@ -19025,7 +19002,7 @@
           <p:cNvPr id="11" name="Rechteck 10">
             <a:extLst>
               <a:ext uri="{FF2B5EF4-FFF2-40B4-BE49-F238E27FC236}">
-                <a16:creationId xmlns:a16="http://schemas.microsoft.com/office/drawing/2014/main" id="{30C39903-ED40-467E-B5B8-DA462BA3FF5B}"/>
+                <a16:creationId xmlns="" xmlns:a16="http://schemas.microsoft.com/office/drawing/2014/main" id="{30C39903-ED40-467E-B5B8-DA462BA3FF5B}"/>
               </a:ext>
             </a:extLst>
           </p:cNvPr>
@@ -19077,7 +19054,7 @@
           <p:cNvPr id="12" name="Rechteck 11">
             <a:extLst>
               <a:ext uri="{FF2B5EF4-FFF2-40B4-BE49-F238E27FC236}">
-                <a16:creationId xmlns:a16="http://schemas.microsoft.com/office/drawing/2014/main" id="{F2C04D2B-AF58-4D54-86C5-2988C79349D2}"/>
+                <a16:creationId xmlns="" xmlns:a16="http://schemas.microsoft.com/office/drawing/2014/main" id="{F2C04D2B-AF58-4D54-86C5-2988C79349D2}"/>
               </a:ext>
             </a:extLst>
           </p:cNvPr>
@@ -19129,7 +19106,7 @@
           <p:cNvPr id="14" name="Textfeld 13">
             <a:extLst>
               <a:ext uri="{FF2B5EF4-FFF2-40B4-BE49-F238E27FC236}">
-                <a16:creationId xmlns:a16="http://schemas.microsoft.com/office/drawing/2014/main" id="{14724C72-D685-42FB-B184-DF454F0FE030}"/>
+                <a16:creationId xmlns="" xmlns:a16="http://schemas.microsoft.com/office/drawing/2014/main" id="{14724C72-D685-42FB-B184-DF454F0FE030}"/>
               </a:ext>
             </a:extLst>
           </p:cNvPr>
@@ -19276,7 +19253,7 @@
           <p:cNvPr id="9" name="Datumsplatzhalter 8">
             <a:extLst>
               <a:ext uri="{FF2B5EF4-FFF2-40B4-BE49-F238E27FC236}">
-                <a16:creationId xmlns:a16="http://schemas.microsoft.com/office/drawing/2014/main" id="{E46D793B-DDFF-1A9F-A76A-4D609246D325}"/>
+                <a16:creationId xmlns="" xmlns:a16="http://schemas.microsoft.com/office/drawing/2014/main" id="{E46D793B-DDFF-1A9F-A76A-4D609246D325}"/>
               </a:ext>
             </a:extLst>
           </p:cNvPr>
@@ -19305,7 +19282,7 @@
           <p:cNvPr id="13" name="Foliennummernplatzhalter 12">
             <a:extLst>
               <a:ext uri="{FF2B5EF4-FFF2-40B4-BE49-F238E27FC236}">
-                <a16:creationId xmlns:a16="http://schemas.microsoft.com/office/drawing/2014/main" id="{B5A82303-6BC5-89F3-7004-4E63847E0E2F}"/>
+                <a16:creationId xmlns="" xmlns:a16="http://schemas.microsoft.com/office/drawing/2014/main" id="{B5A82303-6BC5-89F3-7004-4E63847E0E2F}"/>
               </a:ext>
             </a:extLst>
           </p:cNvPr>
@@ -19835,7 +19812,7 @@
           <p:cNvPr id="9" name="Textfeld 8">
             <a:extLst>
               <a:ext uri="{FF2B5EF4-FFF2-40B4-BE49-F238E27FC236}">
-                <a16:creationId xmlns:a16="http://schemas.microsoft.com/office/drawing/2014/main" id="{99EF8AE6-2CAB-42B6-ADF7-989657C39A05}"/>
+                <a16:creationId xmlns="" xmlns:a16="http://schemas.microsoft.com/office/drawing/2014/main" id="{99EF8AE6-2CAB-42B6-ADF7-989657C39A05}"/>
               </a:ext>
             </a:extLst>
           </p:cNvPr>
@@ -19874,7 +19851,7 @@
           <p:cNvPr id="10" name="Textfeld 9">
             <a:extLst>
               <a:ext uri="{FF2B5EF4-FFF2-40B4-BE49-F238E27FC236}">
-                <a16:creationId xmlns:a16="http://schemas.microsoft.com/office/drawing/2014/main" id="{8FB7EB10-123C-4822-A7C3-B3A38E843864}"/>
+                <a16:creationId xmlns="" xmlns:a16="http://schemas.microsoft.com/office/drawing/2014/main" id="{8FB7EB10-123C-4822-A7C3-B3A38E843864}"/>
               </a:ext>
             </a:extLst>
           </p:cNvPr>
@@ -20004,7 +19981,7 @@
           <p:cNvPr id="4" name="Datumsplatzhalter 3">
             <a:extLst>
               <a:ext uri="{FF2B5EF4-FFF2-40B4-BE49-F238E27FC236}">
-                <a16:creationId xmlns:a16="http://schemas.microsoft.com/office/drawing/2014/main" id="{45F5B4B0-E7A0-2CCF-7696-097D31055219}"/>
+                <a16:creationId xmlns="" xmlns:a16="http://schemas.microsoft.com/office/drawing/2014/main" id="{45F5B4B0-E7A0-2CCF-7696-097D31055219}"/>
               </a:ext>
             </a:extLst>
           </p:cNvPr>
@@ -20033,7 +20010,7 @@
           <p:cNvPr id="5" name="Foliennummernplatzhalter 4">
             <a:extLst>
               <a:ext uri="{FF2B5EF4-FFF2-40B4-BE49-F238E27FC236}">
-                <a16:creationId xmlns:a16="http://schemas.microsoft.com/office/drawing/2014/main" id="{81561876-B91E-658B-BF4D-52297C2D361C}"/>
+                <a16:creationId xmlns="" xmlns:a16="http://schemas.microsoft.com/office/drawing/2014/main" id="{81561876-B91E-658B-BF4D-52297C2D361C}"/>
               </a:ext>
             </a:extLst>
           </p:cNvPr>

--- a/Documents/Produktpraesentation_Bierweiler.pptx
+++ b/Documents/Produktpraesentation_Bierweiler.pptx
@@ -413,7 +413,7 @@
           <a:p>
             <a:fld id="{764284CA-2FFE-42F8-B655-6B9C440A42C0}" type="datetimeFigureOut">
               <a:rPr lang="de-DE" smtClean="0"/>
-              <a:t>03.07.2022</a:t>
+              <a:t>04.07.2022</a:t>
             </a:fld>
             <a:endParaRPr lang="de-DE"/>
           </a:p>
@@ -571,7 +571,7 @@
           <a:p>
             <a:fld id="{A20A9311-5F6B-4CCE-8112-6B0C08440ACD}" type="slidenum">
               <a:rPr lang="de-DE" smtClean="0"/>
-              <a:t>‹#›</a:t>
+              <a:t>‹Nr.›</a:t>
             </a:fld>
             <a:endParaRPr lang="de-DE"/>
           </a:p>
@@ -702,7 +702,7 @@
           <p:cNvPr id="2" name="Titel 1">
             <a:extLst>
               <a:ext uri="{FF2B5EF4-FFF2-40B4-BE49-F238E27FC236}">
-                <a16:creationId xmlns="" xmlns:a16="http://schemas.microsoft.com/office/drawing/2014/main" id="{DCC9C744-82B2-42F8-A02B-CF92B2508543}"/>
+                <a16:creationId xmlns:a16="http://schemas.microsoft.com/office/drawing/2014/main" id="{DCC9C744-82B2-42F8-A02B-CF92B2508543}"/>
               </a:ext>
             </a:extLst>
           </p:cNvPr>
@@ -739,7 +739,7 @@
           <p:cNvPr id="3" name="Untertitel 2">
             <a:extLst>
               <a:ext uri="{FF2B5EF4-FFF2-40B4-BE49-F238E27FC236}">
-                <a16:creationId xmlns="" xmlns:a16="http://schemas.microsoft.com/office/drawing/2014/main" id="{9B4CC61D-133E-42AD-8357-049D6177B4A8}"/>
+                <a16:creationId xmlns:a16="http://schemas.microsoft.com/office/drawing/2014/main" id="{9B4CC61D-133E-42AD-8357-049D6177B4A8}"/>
               </a:ext>
             </a:extLst>
           </p:cNvPr>
@@ -809,7 +809,7 @@
           <p:cNvPr id="4" name="Datumsplatzhalter 3">
             <a:extLst>
               <a:ext uri="{FF2B5EF4-FFF2-40B4-BE49-F238E27FC236}">
-                <a16:creationId xmlns="" xmlns:a16="http://schemas.microsoft.com/office/drawing/2014/main" id="{7A7F5985-2CA3-4AC2-8021-B2367716BC8E}"/>
+                <a16:creationId xmlns:a16="http://schemas.microsoft.com/office/drawing/2014/main" id="{7A7F5985-2CA3-4AC2-8021-B2367716BC8E}"/>
               </a:ext>
             </a:extLst>
           </p:cNvPr>
@@ -842,7 +842,7 @@
           <a:p>
             <a:fld id="{7C1D7B5E-0C64-44F6-9E4E-08B6EB51C12E}" type="datetime1">
               <a:rPr lang="de-DE" smtClean="0"/>
-              <a:t>03.07.2022</a:t>
+              <a:t>04.07.2022</a:t>
             </a:fld>
             <a:endParaRPr lang="de-DE"/>
           </a:p>
@@ -853,7 +853,7 @@
           <p:cNvPr id="5" name="Fußzeilenplatzhalter 4">
             <a:extLst>
               <a:ext uri="{FF2B5EF4-FFF2-40B4-BE49-F238E27FC236}">
-                <a16:creationId xmlns="" xmlns:a16="http://schemas.microsoft.com/office/drawing/2014/main" id="{1D4C0ED9-7F16-4F3A-AD18-131E2CD4F7A0}"/>
+                <a16:creationId xmlns:a16="http://schemas.microsoft.com/office/drawing/2014/main" id="{1D4C0ED9-7F16-4F3A-AD18-131E2CD4F7A0}"/>
               </a:ext>
             </a:extLst>
           </p:cNvPr>
@@ -893,7 +893,7 @@
           <p:cNvPr id="6" name="Foliennummernplatzhalter 5">
             <a:extLst>
               <a:ext uri="{FF2B5EF4-FFF2-40B4-BE49-F238E27FC236}">
-                <a16:creationId xmlns="" xmlns:a16="http://schemas.microsoft.com/office/drawing/2014/main" id="{318CAAA8-E4D4-4D12-9568-212F6422E730}"/>
+                <a16:creationId xmlns:a16="http://schemas.microsoft.com/office/drawing/2014/main" id="{318CAAA8-E4D4-4D12-9568-212F6422E730}"/>
               </a:ext>
             </a:extLst>
           </p:cNvPr>
@@ -927,7 +927,7 @@
             <a:fld id="{DF58FA25-156B-428B-A75B-54B738B0BEF7}" type="slidenum">
               <a:rPr lang="de-DE" smtClean="0"/>
               <a:pPr/>
-              <a:t>‹#›</a:t>
+              <a:t>‹Nr.›</a:t>
             </a:fld>
             <a:endParaRPr lang="de-DE"/>
           </a:p>
@@ -968,7 +968,7 @@
           <p:cNvPr id="2" name="Titel 1">
             <a:extLst>
               <a:ext uri="{FF2B5EF4-FFF2-40B4-BE49-F238E27FC236}">
-                <a16:creationId xmlns="" xmlns:a16="http://schemas.microsoft.com/office/drawing/2014/main" id="{A2EA0F22-1D31-4AA9-BD75-EB28E830F2A9}"/>
+                <a16:creationId xmlns:a16="http://schemas.microsoft.com/office/drawing/2014/main" id="{A2EA0F22-1D31-4AA9-BD75-EB28E830F2A9}"/>
               </a:ext>
             </a:extLst>
           </p:cNvPr>
@@ -996,7 +996,7 @@
           <p:cNvPr id="3" name="Vertikaler Textplatzhalter 2">
             <a:extLst>
               <a:ext uri="{FF2B5EF4-FFF2-40B4-BE49-F238E27FC236}">
-                <a16:creationId xmlns="" xmlns:a16="http://schemas.microsoft.com/office/drawing/2014/main" id="{5136D1C1-DB65-4FFF-97F4-2D8E97140238}"/>
+                <a16:creationId xmlns:a16="http://schemas.microsoft.com/office/drawing/2014/main" id="{5136D1C1-DB65-4FFF-97F4-2D8E97140238}"/>
               </a:ext>
             </a:extLst>
           </p:cNvPr>
@@ -1053,7 +1053,7 @@
           <p:cNvPr id="4" name="Datumsplatzhalter 3">
             <a:extLst>
               <a:ext uri="{FF2B5EF4-FFF2-40B4-BE49-F238E27FC236}">
-                <a16:creationId xmlns="" xmlns:a16="http://schemas.microsoft.com/office/drawing/2014/main" id="{E78CC44B-ACE4-4D51-85E1-B0688BE6DCE6}"/>
+                <a16:creationId xmlns:a16="http://schemas.microsoft.com/office/drawing/2014/main" id="{E78CC44B-ACE4-4D51-85E1-B0688BE6DCE6}"/>
               </a:ext>
             </a:extLst>
           </p:cNvPr>
@@ -1071,7 +1071,7 @@
           <a:p>
             <a:fld id="{AA216687-67D2-4799-83E7-848D0A3012AB}" type="datetime1">
               <a:rPr lang="de-DE" smtClean="0"/>
-              <a:t>03.07.2022</a:t>
+              <a:t>04.07.2022</a:t>
             </a:fld>
             <a:endParaRPr lang="de-DE"/>
           </a:p>
@@ -1082,7 +1082,7 @@
           <p:cNvPr id="5" name="Fußzeilenplatzhalter 4">
             <a:extLst>
               <a:ext uri="{FF2B5EF4-FFF2-40B4-BE49-F238E27FC236}">
-                <a16:creationId xmlns="" xmlns:a16="http://schemas.microsoft.com/office/drawing/2014/main" id="{BF3B2DA5-85FB-463C-8EE8-1C65BC73E2A4}"/>
+                <a16:creationId xmlns:a16="http://schemas.microsoft.com/office/drawing/2014/main" id="{BF3B2DA5-85FB-463C-8EE8-1C65BC73E2A4}"/>
               </a:ext>
             </a:extLst>
           </p:cNvPr>
@@ -1107,7 +1107,7 @@
           <p:cNvPr id="6" name="Foliennummernplatzhalter 5">
             <a:extLst>
               <a:ext uri="{FF2B5EF4-FFF2-40B4-BE49-F238E27FC236}">
-                <a16:creationId xmlns="" xmlns:a16="http://schemas.microsoft.com/office/drawing/2014/main" id="{F9F869DC-7A3E-42EE-B741-3426582D96BC}"/>
+                <a16:creationId xmlns:a16="http://schemas.microsoft.com/office/drawing/2014/main" id="{F9F869DC-7A3E-42EE-B741-3426582D96BC}"/>
               </a:ext>
             </a:extLst>
           </p:cNvPr>
@@ -1125,7 +1125,7 @@
           <a:p>
             <a:fld id="{DF58FA25-156B-428B-A75B-54B738B0BEF7}" type="slidenum">
               <a:rPr lang="de-DE" smtClean="0"/>
-              <a:t>‹#›</a:t>
+              <a:t>‹Nr.›</a:t>
             </a:fld>
             <a:endParaRPr lang="de-DE"/>
           </a:p>
@@ -1166,7 +1166,7 @@
           <p:cNvPr id="2" name="Vertikaler Titel 1">
             <a:extLst>
               <a:ext uri="{FF2B5EF4-FFF2-40B4-BE49-F238E27FC236}">
-                <a16:creationId xmlns="" xmlns:a16="http://schemas.microsoft.com/office/drawing/2014/main" id="{9515E025-27CA-43FD-AC27-E7A9DA4A216B}"/>
+                <a16:creationId xmlns:a16="http://schemas.microsoft.com/office/drawing/2014/main" id="{9515E025-27CA-43FD-AC27-E7A9DA4A216B}"/>
               </a:ext>
             </a:extLst>
           </p:cNvPr>
@@ -1199,7 +1199,7 @@
           <p:cNvPr id="3" name="Vertikaler Textplatzhalter 2">
             <a:extLst>
               <a:ext uri="{FF2B5EF4-FFF2-40B4-BE49-F238E27FC236}">
-                <a16:creationId xmlns="" xmlns:a16="http://schemas.microsoft.com/office/drawing/2014/main" id="{DBB4A698-5133-4C8C-AEE1-C10A187D7B7D}"/>
+                <a16:creationId xmlns:a16="http://schemas.microsoft.com/office/drawing/2014/main" id="{DBB4A698-5133-4C8C-AEE1-C10A187D7B7D}"/>
               </a:ext>
             </a:extLst>
           </p:cNvPr>
@@ -1261,7 +1261,7 @@
           <p:cNvPr id="4" name="Datumsplatzhalter 3">
             <a:extLst>
               <a:ext uri="{FF2B5EF4-FFF2-40B4-BE49-F238E27FC236}">
-                <a16:creationId xmlns="" xmlns:a16="http://schemas.microsoft.com/office/drawing/2014/main" id="{28EACA0A-6819-4C12-840E-422A50CDFF0D}"/>
+                <a16:creationId xmlns:a16="http://schemas.microsoft.com/office/drawing/2014/main" id="{28EACA0A-6819-4C12-840E-422A50CDFF0D}"/>
               </a:ext>
             </a:extLst>
           </p:cNvPr>
@@ -1279,7 +1279,7 @@
           <a:p>
             <a:fld id="{C9981B56-1CC0-446B-992A-C3319D92BE7F}" type="datetime1">
               <a:rPr lang="de-DE" smtClean="0"/>
-              <a:t>03.07.2022</a:t>
+              <a:t>04.07.2022</a:t>
             </a:fld>
             <a:endParaRPr lang="de-DE"/>
           </a:p>
@@ -1290,7 +1290,7 @@
           <p:cNvPr id="5" name="Fußzeilenplatzhalter 4">
             <a:extLst>
               <a:ext uri="{FF2B5EF4-FFF2-40B4-BE49-F238E27FC236}">
-                <a16:creationId xmlns="" xmlns:a16="http://schemas.microsoft.com/office/drawing/2014/main" id="{B9EC4817-8859-44DB-BAF7-9F7625EBD8EB}"/>
+                <a16:creationId xmlns:a16="http://schemas.microsoft.com/office/drawing/2014/main" id="{B9EC4817-8859-44DB-BAF7-9F7625EBD8EB}"/>
               </a:ext>
             </a:extLst>
           </p:cNvPr>
@@ -1315,7 +1315,7 @@
           <p:cNvPr id="6" name="Foliennummernplatzhalter 5">
             <a:extLst>
               <a:ext uri="{FF2B5EF4-FFF2-40B4-BE49-F238E27FC236}">
-                <a16:creationId xmlns="" xmlns:a16="http://schemas.microsoft.com/office/drawing/2014/main" id="{1AF6ACDB-ECE6-470F-BD49-F9C1833C563A}"/>
+                <a16:creationId xmlns:a16="http://schemas.microsoft.com/office/drawing/2014/main" id="{1AF6ACDB-ECE6-470F-BD49-F9C1833C563A}"/>
               </a:ext>
             </a:extLst>
           </p:cNvPr>
@@ -1333,7 +1333,7 @@
           <a:p>
             <a:fld id="{DF58FA25-156B-428B-A75B-54B738B0BEF7}" type="slidenum">
               <a:rPr lang="de-DE" smtClean="0"/>
-              <a:t>‹#›</a:t>
+              <a:t>‹Nr.›</a:t>
             </a:fld>
             <a:endParaRPr lang="de-DE"/>
           </a:p>
@@ -1374,7 +1374,7 @@
           <p:cNvPr id="2" name="Titel 1">
             <a:extLst>
               <a:ext uri="{FF2B5EF4-FFF2-40B4-BE49-F238E27FC236}">
-                <a16:creationId xmlns="" xmlns:a16="http://schemas.microsoft.com/office/drawing/2014/main" id="{AAFCD4B1-86FE-47B2-A759-87BECC604986}"/>
+                <a16:creationId xmlns:a16="http://schemas.microsoft.com/office/drawing/2014/main" id="{AAFCD4B1-86FE-47B2-A759-87BECC604986}"/>
               </a:ext>
             </a:extLst>
           </p:cNvPr>
@@ -1402,7 +1402,7 @@
           <p:cNvPr id="3" name="Inhaltsplatzhalter 2">
             <a:extLst>
               <a:ext uri="{FF2B5EF4-FFF2-40B4-BE49-F238E27FC236}">
-                <a16:creationId xmlns="" xmlns:a16="http://schemas.microsoft.com/office/drawing/2014/main" id="{AB838476-875C-4AC6-A6CE-F3FC796AC692}"/>
+                <a16:creationId xmlns:a16="http://schemas.microsoft.com/office/drawing/2014/main" id="{AB838476-875C-4AC6-A6CE-F3FC796AC692}"/>
               </a:ext>
             </a:extLst>
           </p:cNvPr>
@@ -1459,7 +1459,7 @@
           <p:cNvPr id="4" name="Datumsplatzhalter 3">
             <a:extLst>
               <a:ext uri="{FF2B5EF4-FFF2-40B4-BE49-F238E27FC236}">
-                <a16:creationId xmlns="" xmlns:a16="http://schemas.microsoft.com/office/drawing/2014/main" id="{B1E774BC-E251-44C1-B5AD-39CA29F7609C}"/>
+                <a16:creationId xmlns:a16="http://schemas.microsoft.com/office/drawing/2014/main" id="{B1E774BC-E251-44C1-B5AD-39CA29F7609C}"/>
               </a:ext>
             </a:extLst>
           </p:cNvPr>
@@ -1477,7 +1477,7 @@
           <a:p>
             <a:fld id="{DA0D6257-76B1-4D99-928B-8118749BCCE4}" type="datetime1">
               <a:rPr lang="de-DE" smtClean="0"/>
-              <a:t>03.07.2022</a:t>
+              <a:t>04.07.2022</a:t>
             </a:fld>
             <a:endParaRPr lang="de-DE"/>
           </a:p>
@@ -1488,7 +1488,7 @@
           <p:cNvPr id="5" name="Fußzeilenplatzhalter 4">
             <a:extLst>
               <a:ext uri="{FF2B5EF4-FFF2-40B4-BE49-F238E27FC236}">
-                <a16:creationId xmlns="" xmlns:a16="http://schemas.microsoft.com/office/drawing/2014/main" id="{15761258-9BE6-4449-BC61-F8830D04118E}"/>
+                <a16:creationId xmlns:a16="http://schemas.microsoft.com/office/drawing/2014/main" id="{15761258-9BE6-4449-BC61-F8830D04118E}"/>
               </a:ext>
             </a:extLst>
           </p:cNvPr>
@@ -1513,7 +1513,7 @@
           <p:cNvPr id="6" name="Foliennummernplatzhalter 5">
             <a:extLst>
               <a:ext uri="{FF2B5EF4-FFF2-40B4-BE49-F238E27FC236}">
-                <a16:creationId xmlns="" xmlns:a16="http://schemas.microsoft.com/office/drawing/2014/main" id="{031D3F51-9B2D-48E5-87C3-DCAB964C6E22}"/>
+                <a16:creationId xmlns:a16="http://schemas.microsoft.com/office/drawing/2014/main" id="{031D3F51-9B2D-48E5-87C3-DCAB964C6E22}"/>
               </a:ext>
             </a:extLst>
           </p:cNvPr>
@@ -1531,7 +1531,7 @@
           <a:p>
             <a:fld id="{DF58FA25-156B-428B-A75B-54B738B0BEF7}" type="slidenum">
               <a:rPr lang="de-DE" smtClean="0"/>
-              <a:t>‹#›</a:t>
+              <a:t>‹Nr.›</a:t>
             </a:fld>
             <a:endParaRPr lang="de-DE"/>
           </a:p>
@@ -1572,7 +1572,7 @@
           <p:cNvPr id="2" name="Titel 1">
             <a:extLst>
               <a:ext uri="{FF2B5EF4-FFF2-40B4-BE49-F238E27FC236}">
-                <a16:creationId xmlns="" xmlns:a16="http://schemas.microsoft.com/office/drawing/2014/main" id="{49E51F41-61B0-451E-960A-6C32E83F6C75}"/>
+                <a16:creationId xmlns:a16="http://schemas.microsoft.com/office/drawing/2014/main" id="{49E51F41-61B0-451E-960A-6C32E83F6C75}"/>
               </a:ext>
             </a:extLst>
           </p:cNvPr>
@@ -1609,7 +1609,7 @@
           <p:cNvPr id="3" name="Textplatzhalter 2">
             <a:extLst>
               <a:ext uri="{FF2B5EF4-FFF2-40B4-BE49-F238E27FC236}">
-                <a16:creationId xmlns="" xmlns:a16="http://schemas.microsoft.com/office/drawing/2014/main" id="{AFB83402-A7DA-42CA-AABA-970A5B2B1FDE}"/>
+                <a16:creationId xmlns:a16="http://schemas.microsoft.com/office/drawing/2014/main" id="{AFB83402-A7DA-42CA-AABA-970A5B2B1FDE}"/>
               </a:ext>
             </a:extLst>
           </p:cNvPr>
@@ -1734,7 +1734,7 @@
           <p:cNvPr id="4" name="Datumsplatzhalter 3">
             <a:extLst>
               <a:ext uri="{FF2B5EF4-FFF2-40B4-BE49-F238E27FC236}">
-                <a16:creationId xmlns="" xmlns:a16="http://schemas.microsoft.com/office/drawing/2014/main" id="{5643E0C1-AF3B-41F0-86E4-B43FD9DF46DE}"/>
+                <a16:creationId xmlns:a16="http://schemas.microsoft.com/office/drawing/2014/main" id="{5643E0C1-AF3B-41F0-86E4-B43FD9DF46DE}"/>
               </a:ext>
             </a:extLst>
           </p:cNvPr>
@@ -1752,7 +1752,7 @@
           <a:p>
             <a:fld id="{26E24262-B3BF-4B02-8D39-940B2DE5F8CB}" type="datetime1">
               <a:rPr lang="de-DE" smtClean="0"/>
-              <a:t>03.07.2022</a:t>
+              <a:t>04.07.2022</a:t>
             </a:fld>
             <a:endParaRPr lang="de-DE"/>
           </a:p>
@@ -1763,7 +1763,7 @@
           <p:cNvPr id="5" name="Fußzeilenplatzhalter 4">
             <a:extLst>
               <a:ext uri="{FF2B5EF4-FFF2-40B4-BE49-F238E27FC236}">
-                <a16:creationId xmlns="" xmlns:a16="http://schemas.microsoft.com/office/drawing/2014/main" id="{D508BE33-C6D1-4B66-9653-ECCC2CB381BF}"/>
+                <a16:creationId xmlns:a16="http://schemas.microsoft.com/office/drawing/2014/main" id="{D508BE33-C6D1-4B66-9653-ECCC2CB381BF}"/>
               </a:ext>
             </a:extLst>
           </p:cNvPr>
@@ -1788,7 +1788,7 @@
           <p:cNvPr id="6" name="Foliennummernplatzhalter 5">
             <a:extLst>
               <a:ext uri="{FF2B5EF4-FFF2-40B4-BE49-F238E27FC236}">
-                <a16:creationId xmlns="" xmlns:a16="http://schemas.microsoft.com/office/drawing/2014/main" id="{4CE33A14-E48E-4992-BA7D-CB2773A3BE9F}"/>
+                <a16:creationId xmlns:a16="http://schemas.microsoft.com/office/drawing/2014/main" id="{4CE33A14-E48E-4992-BA7D-CB2773A3BE9F}"/>
               </a:ext>
             </a:extLst>
           </p:cNvPr>
@@ -1806,7 +1806,7 @@
           <a:p>
             <a:fld id="{DF58FA25-156B-428B-A75B-54B738B0BEF7}" type="slidenum">
               <a:rPr lang="de-DE" smtClean="0"/>
-              <a:t>‹#›</a:t>
+              <a:t>‹Nr.›</a:t>
             </a:fld>
             <a:endParaRPr lang="de-DE"/>
           </a:p>
@@ -1847,7 +1847,7 @@
           <p:cNvPr id="2" name="Titel 1">
             <a:extLst>
               <a:ext uri="{FF2B5EF4-FFF2-40B4-BE49-F238E27FC236}">
-                <a16:creationId xmlns="" xmlns:a16="http://schemas.microsoft.com/office/drawing/2014/main" id="{D7DBBDC9-42AA-474B-B6B3-3C890A6135E2}"/>
+                <a16:creationId xmlns:a16="http://schemas.microsoft.com/office/drawing/2014/main" id="{D7DBBDC9-42AA-474B-B6B3-3C890A6135E2}"/>
               </a:ext>
             </a:extLst>
           </p:cNvPr>
@@ -1875,7 +1875,7 @@
           <p:cNvPr id="3" name="Inhaltsplatzhalter 2">
             <a:extLst>
               <a:ext uri="{FF2B5EF4-FFF2-40B4-BE49-F238E27FC236}">
-                <a16:creationId xmlns="" xmlns:a16="http://schemas.microsoft.com/office/drawing/2014/main" id="{EF08E45F-643F-4A9C-88B1-3752D2C9603A}"/>
+                <a16:creationId xmlns:a16="http://schemas.microsoft.com/office/drawing/2014/main" id="{EF08E45F-643F-4A9C-88B1-3752D2C9603A}"/>
               </a:ext>
             </a:extLst>
           </p:cNvPr>
@@ -1937,7 +1937,7 @@
           <p:cNvPr id="4" name="Inhaltsplatzhalter 3">
             <a:extLst>
               <a:ext uri="{FF2B5EF4-FFF2-40B4-BE49-F238E27FC236}">
-                <a16:creationId xmlns="" xmlns:a16="http://schemas.microsoft.com/office/drawing/2014/main" id="{E6469A33-F7F7-49D2-B900-C0E14888DD8E}"/>
+                <a16:creationId xmlns:a16="http://schemas.microsoft.com/office/drawing/2014/main" id="{E6469A33-F7F7-49D2-B900-C0E14888DD8E}"/>
               </a:ext>
             </a:extLst>
           </p:cNvPr>
@@ -1999,7 +1999,7 @@
           <p:cNvPr id="5" name="Datumsplatzhalter 4">
             <a:extLst>
               <a:ext uri="{FF2B5EF4-FFF2-40B4-BE49-F238E27FC236}">
-                <a16:creationId xmlns="" xmlns:a16="http://schemas.microsoft.com/office/drawing/2014/main" id="{1748587A-73B9-470E-B66E-A0FCE3015F3F}"/>
+                <a16:creationId xmlns:a16="http://schemas.microsoft.com/office/drawing/2014/main" id="{1748587A-73B9-470E-B66E-A0FCE3015F3F}"/>
               </a:ext>
             </a:extLst>
           </p:cNvPr>
@@ -2017,7 +2017,7 @@
           <a:p>
             <a:fld id="{F08DB7BF-EDE1-461B-953F-946DC4A14CE4}" type="datetime1">
               <a:rPr lang="de-DE" smtClean="0"/>
-              <a:t>03.07.2022</a:t>
+              <a:t>04.07.2022</a:t>
             </a:fld>
             <a:endParaRPr lang="de-DE"/>
           </a:p>
@@ -2028,7 +2028,7 @@
           <p:cNvPr id="6" name="Fußzeilenplatzhalter 5">
             <a:extLst>
               <a:ext uri="{FF2B5EF4-FFF2-40B4-BE49-F238E27FC236}">
-                <a16:creationId xmlns="" xmlns:a16="http://schemas.microsoft.com/office/drawing/2014/main" id="{E0E94689-19F0-4FA4-BA5A-85EBDEE1781C}"/>
+                <a16:creationId xmlns:a16="http://schemas.microsoft.com/office/drawing/2014/main" id="{E0E94689-19F0-4FA4-BA5A-85EBDEE1781C}"/>
               </a:ext>
             </a:extLst>
           </p:cNvPr>
@@ -2053,7 +2053,7 @@
           <p:cNvPr id="7" name="Foliennummernplatzhalter 6">
             <a:extLst>
               <a:ext uri="{FF2B5EF4-FFF2-40B4-BE49-F238E27FC236}">
-                <a16:creationId xmlns="" xmlns:a16="http://schemas.microsoft.com/office/drawing/2014/main" id="{641C32F0-AF46-4B77-B5CB-C27DC36CC5F9}"/>
+                <a16:creationId xmlns:a16="http://schemas.microsoft.com/office/drawing/2014/main" id="{641C32F0-AF46-4B77-B5CB-C27DC36CC5F9}"/>
               </a:ext>
             </a:extLst>
           </p:cNvPr>
@@ -2071,7 +2071,7 @@
           <a:p>
             <a:fld id="{DF58FA25-156B-428B-A75B-54B738B0BEF7}" type="slidenum">
               <a:rPr lang="de-DE" smtClean="0"/>
-              <a:t>‹#›</a:t>
+              <a:t>‹Nr.›</a:t>
             </a:fld>
             <a:endParaRPr lang="de-DE"/>
           </a:p>
@@ -2112,7 +2112,7 @@
           <p:cNvPr id="2" name="Titel 1">
             <a:extLst>
               <a:ext uri="{FF2B5EF4-FFF2-40B4-BE49-F238E27FC236}">
-                <a16:creationId xmlns="" xmlns:a16="http://schemas.microsoft.com/office/drawing/2014/main" id="{36F698C0-4DD3-4DA0-A09E-F4570D7CCB71}"/>
+                <a16:creationId xmlns:a16="http://schemas.microsoft.com/office/drawing/2014/main" id="{36F698C0-4DD3-4DA0-A09E-F4570D7CCB71}"/>
               </a:ext>
             </a:extLst>
           </p:cNvPr>
@@ -2145,7 +2145,7 @@
           <p:cNvPr id="3" name="Textplatzhalter 2">
             <a:extLst>
               <a:ext uri="{FF2B5EF4-FFF2-40B4-BE49-F238E27FC236}">
-                <a16:creationId xmlns="" xmlns:a16="http://schemas.microsoft.com/office/drawing/2014/main" id="{6B7B2AAD-95B1-469D-B743-AA699451CE0D}"/>
+                <a16:creationId xmlns:a16="http://schemas.microsoft.com/office/drawing/2014/main" id="{6B7B2AAD-95B1-469D-B743-AA699451CE0D}"/>
               </a:ext>
             </a:extLst>
           </p:cNvPr>
@@ -2216,7 +2216,7 @@
           <p:cNvPr id="4" name="Inhaltsplatzhalter 3">
             <a:extLst>
               <a:ext uri="{FF2B5EF4-FFF2-40B4-BE49-F238E27FC236}">
-                <a16:creationId xmlns="" xmlns:a16="http://schemas.microsoft.com/office/drawing/2014/main" id="{9F747742-71CB-4D7D-98A0-D773250A7C75}"/>
+                <a16:creationId xmlns:a16="http://schemas.microsoft.com/office/drawing/2014/main" id="{9F747742-71CB-4D7D-98A0-D773250A7C75}"/>
               </a:ext>
             </a:extLst>
           </p:cNvPr>
@@ -2278,7 +2278,7 @@
           <p:cNvPr id="5" name="Textplatzhalter 4">
             <a:extLst>
               <a:ext uri="{FF2B5EF4-FFF2-40B4-BE49-F238E27FC236}">
-                <a16:creationId xmlns="" xmlns:a16="http://schemas.microsoft.com/office/drawing/2014/main" id="{F467DBD8-BBDC-4991-9253-900ED8E5C68A}"/>
+                <a16:creationId xmlns:a16="http://schemas.microsoft.com/office/drawing/2014/main" id="{F467DBD8-BBDC-4991-9253-900ED8E5C68A}"/>
               </a:ext>
             </a:extLst>
           </p:cNvPr>
@@ -2349,7 +2349,7 @@
           <p:cNvPr id="6" name="Inhaltsplatzhalter 5">
             <a:extLst>
               <a:ext uri="{FF2B5EF4-FFF2-40B4-BE49-F238E27FC236}">
-                <a16:creationId xmlns="" xmlns:a16="http://schemas.microsoft.com/office/drawing/2014/main" id="{ECA8D78F-6AB1-47EA-921C-C4BB11427A0B}"/>
+                <a16:creationId xmlns:a16="http://schemas.microsoft.com/office/drawing/2014/main" id="{ECA8D78F-6AB1-47EA-921C-C4BB11427A0B}"/>
               </a:ext>
             </a:extLst>
           </p:cNvPr>
@@ -2411,7 +2411,7 @@
           <p:cNvPr id="7" name="Datumsplatzhalter 6">
             <a:extLst>
               <a:ext uri="{FF2B5EF4-FFF2-40B4-BE49-F238E27FC236}">
-                <a16:creationId xmlns="" xmlns:a16="http://schemas.microsoft.com/office/drawing/2014/main" id="{24BF8C95-FA9F-4F10-9505-77E26F4E45DD}"/>
+                <a16:creationId xmlns:a16="http://schemas.microsoft.com/office/drawing/2014/main" id="{24BF8C95-FA9F-4F10-9505-77E26F4E45DD}"/>
               </a:ext>
             </a:extLst>
           </p:cNvPr>
@@ -2429,7 +2429,7 @@
           <a:p>
             <a:fld id="{F6672DED-E9DC-4DB0-8B7D-C6668A7AD1BB}" type="datetime1">
               <a:rPr lang="de-DE" smtClean="0"/>
-              <a:t>03.07.2022</a:t>
+              <a:t>04.07.2022</a:t>
             </a:fld>
             <a:endParaRPr lang="de-DE"/>
           </a:p>
@@ -2440,7 +2440,7 @@
           <p:cNvPr id="8" name="Fußzeilenplatzhalter 7">
             <a:extLst>
               <a:ext uri="{FF2B5EF4-FFF2-40B4-BE49-F238E27FC236}">
-                <a16:creationId xmlns="" xmlns:a16="http://schemas.microsoft.com/office/drawing/2014/main" id="{D1613883-66DC-496D-A6AB-69332EA2384C}"/>
+                <a16:creationId xmlns:a16="http://schemas.microsoft.com/office/drawing/2014/main" id="{D1613883-66DC-496D-A6AB-69332EA2384C}"/>
               </a:ext>
             </a:extLst>
           </p:cNvPr>
@@ -2465,7 +2465,7 @@
           <p:cNvPr id="9" name="Foliennummernplatzhalter 8">
             <a:extLst>
               <a:ext uri="{FF2B5EF4-FFF2-40B4-BE49-F238E27FC236}">
-                <a16:creationId xmlns="" xmlns:a16="http://schemas.microsoft.com/office/drawing/2014/main" id="{4263F17A-12E9-4863-99B8-AD8698361FF0}"/>
+                <a16:creationId xmlns:a16="http://schemas.microsoft.com/office/drawing/2014/main" id="{4263F17A-12E9-4863-99B8-AD8698361FF0}"/>
               </a:ext>
             </a:extLst>
           </p:cNvPr>
@@ -2483,7 +2483,7 @@
           <a:p>
             <a:fld id="{DF58FA25-156B-428B-A75B-54B738B0BEF7}" type="slidenum">
               <a:rPr lang="de-DE" smtClean="0"/>
-              <a:t>‹#›</a:t>
+              <a:t>‹Nr.›</a:t>
             </a:fld>
             <a:endParaRPr lang="de-DE"/>
           </a:p>
@@ -2524,7 +2524,7 @@
           <p:cNvPr id="2" name="Titel 1">
             <a:extLst>
               <a:ext uri="{FF2B5EF4-FFF2-40B4-BE49-F238E27FC236}">
-                <a16:creationId xmlns="" xmlns:a16="http://schemas.microsoft.com/office/drawing/2014/main" id="{61037CA4-FD16-44CA-83E3-9F65E55005FD}"/>
+                <a16:creationId xmlns:a16="http://schemas.microsoft.com/office/drawing/2014/main" id="{61037CA4-FD16-44CA-83E3-9F65E55005FD}"/>
               </a:ext>
             </a:extLst>
           </p:cNvPr>
@@ -2552,7 +2552,7 @@
           <p:cNvPr id="3" name="Datumsplatzhalter 2">
             <a:extLst>
               <a:ext uri="{FF2B5EF4-FFF2-40B4-BE49-F238E27FC236}">
-                <a16:creationId xmlns="" xmlns:a16="http://schemas.microsoft.com/office/drawing/2014/main" id="{1E855BCA-26AF-4EB0-86F8-2EAE94C77307}"/>
+                <a16:creationId xmlns:a16="http://schemas.microsoft.com/office/drawing/2014/main" id="{1E855BCA-26AF-4EB0-86F8-2EAE94C77307}"/>
               </a:ext>
             </a:extLst>
           </p:cNvPr>
@@ -2570,7 +2570,7 @@
           <a:p>
             <a:fld id="{151529D1-9679-47C1-AB78-8399A20BA7A8}" type="datetime1">
               <a:rPr lang="de-DE" smtClean="0"/>
-              <a:t>03.07.2022</a:t>
+              <a:t>04.07.2022</a:t>
             </a:fld>
             <a:endParaRPr lang="de-DE"/>
           </a:p>
@@ -2581,7 +2581,7 @@
           <p:cNvPr id="4" name="Fußzeilenplatzhalter 3">
             <a:extLst>
               <a:ext uri="{FF2B5EF4-FFF2-40B4-BE49-F238E27FC236}">
-                <a16:creationId xmlns="" xmlns:a16="http://schemas.microsoft.com/office/drawing/2014/main" id="{E745CC5C-2A0B-4FCE-872A-460FACF081B2}"/>
+                <a16:creationId xmlns:a16="http://schemas.microsoft.com/office/drawing/2014/main" id="{E745CC5C-2A0B-4FCE-872A-460FACF081B2}"/>
               </a:ext>
             </a:extLst>
           </p:cNvPr>
@@ -2606,7 +2606,7 @@
           <p:cNvPr id="5" name="Foliennummernplatzhalter 4">
             <a:extLst>
               <a:ext uri="{FF2B5EF4-FFF2-40B4-BE49-F238E27FC236}">
-                <a16:creationId xmlns="" xmlns:a16="http://schemas.microsoft.com/office/drawing/2014/main" id="{4B6EC8E2-3787-4E12-8A21-EB50393F15B1}"/>
+                <a16:creationId xmlns:a16="http://schemas.microsoft.com/office/drawing/2014/main" id="{4B6EC8E2-3787-4E12-8A21-EB50393F15B1}"/>
               </a:ext>
             </a:extLst>
           </p:cNvPr>
@@ -2624,7 +2624,7 @@
           <a:p>
             <a:fld id="{DF58FA25-156B-428B-A75B-54B738B0BEF7}" type="slidenum">
               <a:rPr lang="de-DE" smtClean="0"/>
-              <a:t>‹#›</a:t>
+              <a:t>‹Nr.›</a:t>
             </a:fld>
             <a:endParaRPr lang="de-DE"/>
           </a:p>
@@ -2665,7 +2665,7 @@
           <p:cNvPr id="2" name="Datumsplatzhalter 1">
             <a:extLst>
               <a:ext uri="{FF2B5EF4-FFF2-40B4-BE49-F238E27FC236}">
-                <a16:creationId xmlns="" xmlns:a16="http://schemas.microsoft.com/office/drawing/2014/main" id="{472E1E55-5540-483A-938C-ECD6FE033A6B}"/>
+                <a16:creationId xmlns:a16="http://schemas.microsoft.com/office/drawing/2014/main" id="{472E1E55-5540-483A-938C-ECD6FE033A6B}"/>
               </a:ext>
             </a:extLst>
           </p:cNvPr>
@@ -2683,7 +2683,7 @@
           <a:p>
             <a:fld id="{B0C8CB00-37F1-459E-B13E-53FD80F908E4}" type="datetime1">
               <a:rPr lang="de-DE" smtClean="0"/>
-              <a:t>03.07.2022</a:t>
+              <a:t>04.07.2022</a:t>
             </a:fld>
             <a:endParaRPr lang="de-DE"/>
           </a:p>
@@ -2694,7 +2694,7 @@
           <p:cNvPr id="3" name="Fußzeilenplatzhalter 2">
             <a:extLst>
               <a:ext uri="{FF2B5EF4-FFF2-40B4-BE49-F238E27FC236}">
-                <a16:creationId xmlns="" xmlns:a16="http://schemas.microsoft.com/office/drawing/2014/main" id="{A2374A5B-5D91-4425-90EB-883AD09250A8}"/>
+                <a16:creationId xmlns:a16="http://schemas.microsoft.com/office/drawing/2014/main" id="{A2374A5B-5D91-4425-90EB-883AD09250A8}"/>
               </a:ext>
             </a:extLst>
           </p:cNvPr>
@@ -2719,7 +2719,7 @@
           <p:cNvPr id="4" name="Foliennummernplatzhalter 3">
             <a:extLst>
               <a:ext uri="{FF2B5EF4-FFF2-40B4-BE49-F238E27FC236}">
-                <a16:creationId xmlns="" xmlns:a16="http://schemas.microsoft.com/office/drawing/2014/main" id="{1813B27D-8AC3-4D1A-8989-DDA1070C5FA9}"/>
+                <a16:creationId xmlns:a16="http://schemas.microsoft.com/office/drawing/2014/main" id="{1813B27D-8AC3-4D1A-8989-DDA1070C5FA9}"/>
               </a:ext>
             </a:extLst>
           </p:cNvPr>
@@ -2737,7 +2737,7 @@
           <a:p>
             <a:fld id="{DF58FA25-156B-428B-A75B-54B738B0BEF7}" type="slidenum">
               <a:rPr lang="de-DE" smtClean="0"/>
-              <a:t>‹#›</a:t>
+              <a:t>‹Nr.›</a:t>
             </a:fld>
             <a:endParaRPr lang="de-DE"/>
           </a:p>
@@ -2778,7 +2778,7 @@
           <p:cNvPr id="2" name="Titel 1">
             <a:extLst>
               <a:ext uri="{FF2B5EF4-FFF2-40B4-BE49-F238E27FC236}">
-                <a16:creationId xmlns="" xmlns:a16="http://schemas.microsoft.com/office/drawing/2014/main" id="{BB6FE1C0-6DAA-4195-86AC-E81B73B39FD4}"/>
+                <a16:creationId xmlns:a16="http://schemas.microsoft.com/office/drawing/2014/main" id="{BB6FE1C0-6DAA-4195-86AC-E81B73B39FD4}"/>
               </a:ext>
             </a:extLst>
           </p:cNvPr>
@@ -2815,7 +2815,7 @@
           <p:cNvPr id="3" name="Inhaltsplatzhalter 2">
             <a:extLst>
               <a:ext uri="{FF2B5EF4-FFF2-40B4-BE49-F238E27FC236}">
-                <a16:creationId xmlns="" xmlns:a16="http://schemas.microsoft.com/office/drawing/2014/main" id="{D5901990-3BC2-4BFA-87A6-564A82D80A58}"/>
+                <a16:creationId xmlns:a16="http://schemas.microsoft.com/office/drawing/2014/main" id="{D5901990-3BC2-4BFA-87A6-564A82D80A58}"/>
               </a:ext>
             </a:extLst>
           </p:cNvPr>
@@ -2905,7 +2905,7 @@
           <p:cNvPr id="4" name="Textplatzhalter 3">
             <a:extLst>
               <a:ext uri="{FF2B5EF4-FFF2-40B4-BE49-F238E27FC236}">
-                <a16:creationId xmlns="" xmlns:a16="http://schemas.microsoft.com/office/drawing/2014/main" id="{3C854EBF-DE89-4702-A606-DF4841C7642F}"/>
+                <a16:creationId xmlns:a16="http://schemas.microsoft.com/office/drawing/2014/main" id="{3C854EBF-DE89-4702-A606-DF4841C7642F}"/>
               </a:ext>
             </a:extLst>
           </p:cNvPr>
@@ -2976,7 +2976,7 @@
           <p:cNvPr id="5" name="Datumsplatzhalter 4">
             <a:extLst>
               <a:ext uri="{FF2B5EF4-FFF2-40B4-BE49-F238E27FC236}">
-                <a16:creationId xmlns="" xmlns:a16="http://schemas.microsoft.com/office/drawing/2014/main" id="{7B85E189-8F72-4095-94F7-50B979C11103}"/>
+                <a16:creationId xmlns:a16="http://schemas.microsoft.com/office/drawing/2014/main" id="{7B85E189-8F72-4095-94F7-50B979C11103}"/>
               </a:ext>
             </a:extLst>
           </p:cNvPr>
@@ -2994,7 +2994,7 @@
           <a:p>
             <a:fld id="{962656E5-2165-46AD-8872-F250B3890984}" type="datetime1">
               <a:rPr lang="de-DE" smtClean="0"/>
-              <a:t>03.07.2022</a:t>
+              <a:t>04.07.2022</a:t>
             </a:fld>
             <a:endParaRPr lang="de-DE"/>
           </a:p>
@@ -3005,7 +3005,7 @@
           <p:cNvPr id="6" name="Fußzeilenplatzhalter 5">
             <a:extLst>
               <a:ext uri="{FF2B5EF4-FFF2-40B4-BE49-F238E27FC236}">
-                <a16:creationId xmlns="" xmlns:a16="http://schemas.microsoft.com/office/drawing/2014/main" id="{46DB5BFF-199A-4111-A41D-2FA661F084AF}"/>
+                <a16:creationId xmlns:a16="http://schemas.microsoft.com/office/drawing/2014/main" id="{46DB5BFF-199A-4111-A41D-2FA661F084AF}"/>
               </a:ext>
             </a:extLst>
           </p:cNvPr>
@@ -3030,7 +3030,7 @@
           <p:cNvPr id="7" name="Foliennummernplatzhalter 6">
             <a:extLst>
               <a:ext uri="{FF2B5EF4-FFF2-40B4-BE49-F238E27FC236}">
-                <a16:creationId xmlns="" xmlns:a16="http://schemas.microsoft.com/office/drawing/2014/main" id="{877741B2-26DB-4168-BDF3-ABBFC73DB850}"/>
+                <a16:creationId xmlns:a16="http://schemas.microsoft.com/office/drawing/2014/main" id="{877741B2-26DB-4168-BDF3-ABBFC73DB850}"/>
               </a:ext>
             </a:extLst>
           </p:cNvPr>
@@ -3048,7 +3048,7 @@
           <a:p>
             <a:fld id="{DF58FA25-156B-428B-A75B-54B738B0BEF7}" type="slidenum">
               <a:rPr lang="de-DE" smtClean="0"/>
-              <a:t>‹#›</a:t>
+              <a:t>‹Nr.›</a:t>
             </a:fld>
             <a:endParaRPr lang="de-DE"/>
           </a:p>
@@ -3089,7 +3089,7 @@
           <p:cNvPr id="2" name="Titel 1">
             <a:extLst>
               <a:ext uri="{FF2B5EF4-FFF2-40B4-BE49-F238E27FC236}">
-                <a16:creationId xmlns="" xmlns:a16="http://schemas.microsoft.com/office/drawing/2014/main" id="{73B18BB1-316D-4570-8A70-DD5CBCBC9B2B}"/>
+                <a16:creationId xmlns:a16="http://schemas.microsoft.com/office/drawing/2014/main" id="{73B18BB1-316D-4570-8A70-DD5CBCBC9B2B}"/>
               </a:ext>
             </a:extLst>
           </p:cNvPr>
@@ -3126,7 +3126,7 @@
           <p:cNvPr id="3" name="Bildplatzhalter 2">
             <a:extLst>
               <a:ext uri="{FF2B5EF4-FFF2-40B4-BE49-F238E27FC236}">
-                <a16:creationId xmlns="" xmlns:a16="http://schemas.microsoft.com/office/drawing/2014/main" id="{539063D0-9ACD-4E08-9218-F923BB042C8C}"/>
+                <a16:creationId xmlns:a16="http://schemas.microsoft.com/office/drawing/2014/main" id="{539063D0-9ACD-4E08-9218-F923BB042C8C}"/>
               </a:ext>
             </a:extLst>
           </p:cNvPr>
@@ -3193,7 +3193,7 @@
           <p:cNvPr id="4" name="Textplatzhalter 3">
             <a:extLst>
               <a:ext uri="{FF2B5EF4-FFF2-40B4-BE49-F238E27FC236}">
-                <a16:creationId xmlns="" xmlns:a16="http://schemas.microsoft.com/office/drawing/2014/main" id="{44BB36CC-7A6E-42B0-8177-3E0A40867205}"/>
+                <a16:creationId xmlns:a16="http://schemas.microsoft.com/office/drawing/2014/main" id="{44BB36CC-7A6E-42B0-8177-3E0A40867205}"/>
               </a:ext>
             </a:extLst>
           </p:cNvPr>
@@ -3264,7 +3264,7 @@
           <p:cNvPr id="5" name="Datumsplatzhalter 4">
             <a:extLst>
               <a:ext uri="{FF2B5EF4-FFF2-40B4-BE49-F238E27FC236}">
-                <a16:creationId xmlns="" xmlns:a16="http://schemas.microsoft.com/office/drawing/2014/main" id="{69BF362F-EBFB-4B35-AD09-B26DBEBF6EAD}"/>
+                <a16:creationId xmlns:a16="http://schemas.microsoft.com/office/drawing/2014/main" id="{69BF362F-EBFB-4B35-AD09-B26DBEBF6EAD}"/>
               </a:ext>
             </a:extLst>
           </p:cNvPr>
@@ -3282,7 +3282,7 @@
           <a:p>
             <a:fld id="{7F06984E-DD2E-4AE1-9495-8CCA503E945E}" type="datetime1">
               <a:rPr lang="de-DE" smtClean="0"/>
-              <a:t>03.07.2022</a:t>
+              <a:t>04.07.2022</a:t>
             </a:fld>
             <a:endParaRPr lang="de-DE"/>
           </a:p>
@@ -3293,7 +3293,7 @@
           <p:cNvPr id="6" name="Fußzeilenplatzhalter 5">
             <a:extLst>
               <a:ext uri="{FF2B5EF4-FFF2-40B4-BE49-F238E27FC236}">
-                <a16:creationId xmlns="" xmlns:a16="http://schemas.microsoft.com/office/drawing/2014/main" id="{2E219966-BC0F-4125-8697-1F877365151E}"/>
+                <a16:creationId xmlns:a16="http://schemas.microsoft.com/office/drawing/2014/main" id="{2E219966-BC0F-4125-8697-1F877365151E}"/>
               </a:ext>
             </a:extLst>
           </p:cNvPr>
@@ -3318,7 +3318,7 @@
           <p:cNvPr id="7" name="Foliennummernplatzhalter 6">
             <a:extLst>
               <a:ext uri="{FF2B5EF4-FFF2-40B4-BE49-F238E27FC236}">
-                <a16:creationId xmlns="" xmlns:a16="http://schemas.microsoft.com/office/drawing/2014/main" id="{533B2F53-265E-4BAB-A9C0-9C9FF9B2CD18}"/>
+                <a16:creationId xmlns:a16="http://schemas.microsoft.com/office/drawing/2014/main" id="{533B2F53-265E-4BAB-A9C0-9C9FF9B2CD18}"/>
               </a:ext>
             </a:extLst>
           </p:cNvPr>
@@ -3336,7 +3336,7 @@
           <a:p>
             <a:fld id="{DF58FA25-156B-428B-A75B-54B738B0BEF7}" type="slidenum">
               <a:rPr lang="de-DE" smtClean="0"/>
-              <a:t>‹#›</a:t>
+              <a:t>‹Nr.›</a:t>
             </a:fld>
             <a:endParaRPr lang="de-DE"/>
           </a:p>
@@ -3382,7 +3382,7 @@
           <p:cNvPr id="2" name="Titelplatzhalter 1">
             <a:extLst>
               <a:ext uri="{FF2B5EF4-FFF2-40B4-BE49-F238E27FC236}">
-                <a16:creationId xmlns="" xmlns:a16="http://schemas.microsoft.com/office/drawing/2014/main" id="{A3F29CDB-879D-41C3-8CF9-6B783AC27AE8}"/>
+                <a16:creationId xmlns:a16="http://schemas.microsoft.com/office/drawing/2014/main" id="{A3F29CDB-879D-41C3-8CF9-6B783AC27AE8}"/>
               </a:ext>
             </a:extLst>
           </p:cNvPr>
@@ -3420,7 +3420,7 @@
           <p:cNvPr id="3" name="Textplatzhalter 2">
             <a:extLst>
               <a:ext uri="{FF2B5EF4-FFF2-40B4-BE49-F238E27FC236}">
-                <a16:creationId xmlns="" xmlns:a16="http://schemas.microsoft.com/office/drawing/2014/main" id="{07C3F747-4553-441D-9A59-A179A6C8C72B}"/>
+                <a16:creationId xmlns:a16="http://schemas.microsoft.com/office/drawing/2014/main" id="{07C3F747-4553-441D-9A59-A179A6C8C72B}"/>
               </a:ext>
             </a:extLst>
           </p:cNvPr>
@@ -3487,7 +3487,7 @@
           <p:cNvPr id="4" name="Datumsplatzhalter 3">
             <a:extLst>
               <a:ext uri="{FF2B5EF4-FFF2-40B4-BE49-F238E27FC236}">
-                <a16:creationId xmlns="" xmlns:a16="http://schemas.microsoft.com/office/drawing/2014/main" id="{83470060-353B-434A-B7CC-33FBD49828AA}"/>
+                <a16:creationId xmlns:a16="http://schemas.microsoft.com/office/drawing/2014/main" id="{83470060-353B-434A-B7CC-33FBD49828AA}"/>
               </a:ext>
             </a:extLst>
           </p:cNvPr>
@@ -3524,7 +3524,7 @@
             <a:fld id="{F53A2B2D-7944-41FB-9249-083B5889C651}" type="datetime1">
               <a:rPr lang="de-DE" smtClean="0"/>
               <a:pPr/>
-              <a:t>03.07.2022</a:t>
+              <a:t>04.07.2022</a:t>
             </a:fld>
             <a:endParaRPr lang="de-DE"/>
           </a:p>
@@ -3535,7 +3535,7 @@
           <p:cNvPr id="5" name="Fußzeilenplatzhalter 4">
             <a:extLst>
               <a:ext uri="{FF2B5EF4-FFF2-40B4-BE49-F238E27FC236}">
-                <a16:creationId xmlns="" xmlns:a16="http://schemas.microsoft.com/office/drawing/2014/main" id="{793047DD-B4DA-48AE-9813-BA5BB26F6BD8}"/>
+                <a16:creationId xmlns:a16="http://schemas.microsoft.com/office/drawing/2014/main" id="{793047DD-B4DA-48AE-9813-BA5BB26F6BD8}"/>
               </a:ext>
             </a:extLst>
           </p:cNvPr>
@@ -3578,7 +3578,7 @@
           <p:cNvPr id="6" name="Foliennummernplatzhalter 5">
             <a:extLst>
               <a:ext uri="{FF2B5EF4-FFF2-40B4-BE49-F238E27FC236}">
-                <a16:creationId xmlns="" xmlns:a16="http://schemas.microsoft.com/office/drawing/2014/main" id="{1FB4E430-5754-4B82-BF95-E52C81F03426}"/>
+                <a16:creationId xmlns:a16="http://schemas.microsoft.com/office/drawing/2014/main" id="{1FB4E430-5754-4B82-BF95-E52C81F03426}"/>
               </a:ext>
             </a:extLst>
           </p:cNvPr>
@@ -3615,7 +3615,7 @@
             <a:fld id="{DF58FA25-156B-428B-A75B-54B738B0BEF7}" type="slidenum">
               <a:rPr lang="de-DE" smtClean="0"/>
               <a:pPr/>
-              <a:t>‹#›</a:t>
+              <a:t>‹Nr.›</a:t>
             </a:fld>
             <a:endParaRPr lang="de-DE"/>
           </a:p>
@@ -3948,7 +3948,7 @@
           <p:cNvPr id="4" name="Rechteck 3">
             <a:extLst>
               <a:ext uri="{FF2B5EF4-FFF2-40B4-BE49-F238E27FC236}">
-                <a16:creationId xmlns="" xmlns:a16="http://schemas.microsoft.com/office/drawing/2014/main" id="{25BC0F38-C5EA-4A88-B161-F0A7D0C230D8}"/>
+                <a16:creationId xmlns:a16="http://schemas.microsoft.com/office/drawing/2014/main" id="{25BC0F38-C5EA-4A88-B161-F0A7D0C230D8}"/>
               </a:ext>
             </a:extLst>
           </p:cNvPr>
@@ -4000,7 +4000,7 @@
           <p:cNvPr id="5" name="Grafik 4">
             <a:extLst>
               <a:ext uri="{FF2B5EF4-FFF2-40B4-BE49-F238E27FC236}">
-                <a16:creationId xmlns="" xmlns:a16="http://schemas.microsoft.com/office/drawing/2014/main" id="{773A27E1-0806-4EA0-BBF4-2C172635DF88}"/>
+                <a16:creationId xmlns:a16="http://schemas.microsoft.com/office/drawing/2014/main" id="{773A27E1-0806-4EA0-BBF4-2C172635DF88}"/>
               </a:ext>
             </a:extLst>
           </p:cNvPr>
@@ -4016,7 +4016,7 @@
                 <a14:useLocalDpi xmlns:a14="http://schemas.microsoft.com/office/drawing/2010/main" val="0"/>
               </a:ext>
               <a:ext uri="{96DAC541-7B7A-43D3-8B79-37D633B846F1}">
-                <asvg:svgBlip xmlns="" xmlns:asvg="http://schemas.microsoft.com/office/drawing/2016/SVG/main" r:embed="rId4"/>
+                <asvg:svgBlip xmlns:asvg="http://schemas.microsoft.com/office/drawing/2016/SVG/main" r:embed="rId4"/>
               </a:ext>
             </a:extLst>
           </a:blip>
@@ -4039,7 +4039,7 @@
           <p:cNvPr id="7" name="Textfeld 6">
             <a:extLst>
               <a:ext uri="{FF2B5EF4-FFF2-40B4-BE49-F238E27FC236}">
-                <a16:creationId xmlns="" xmlns:a16="http://schemas.microsoft.com/office/drawing/2014/main" id="{AD6E233A-4514-19B4-DE7D-EA9E6B89272B}"/>
+                <a16:creationId xmlns:a16="http://schemas.microsoft.com/office/drawing/2014/main" id="{AD6E233A-4514-19B4-DE7D-EA9E6B89272B}"/>
               </a:ext>
             </a:extLst>
           </p:cNvPr>
@@ -4102,21 +4102,6 @@
   <p:clrMapOvr>
     <a:masterClrMapping/>
   </p:clrMapOvr>
-  <mc:AlternateContent xmlns:mc="http://schemas.openxmlformats.org/markup-compatibility/2006" xmlns:p14="http://schemas.microsoft.com/office/powerpoint/2010/main">
-    <mc:Choice Requires="p14">
-      <p:transition spd="slow" p14:dur="2000" advTm="5595"/>
-    </mc:Choice>
-    <mc:Fallback xmlns="">
-      <p:transition spd="slow" advTm="5595"/>
-    </mc:Fallback>
-  </mc:AlternateContent>
-  <p:timing>
-    <p:tnLst>
-      <p:par>
-        <p:cTn id="1" dur="indefinite" restart="never" nodeType="tmRoot"/>
-      </p:par>
-    </p:tnLst>
-  </p:timing>
 </p:sld>
 </file>
 
@@ -4142,7 +4127,7 @@
           <p:cNvPr id="9" name="Textfeld 8">
             <a:extLst>
               <a:ext uri="{FF2B5EF4-FFF2-40B4-BE49-F238E27FC236}">
-                <a16:creationId xmlns="" xmlns:a16="http://schemas.microsoft.com/office/drawing/2014/main" id="{99EF8AE6-2CAB-42B6-ADF7-989657C39A05}"/>
+                <a16:creationId xmlns:a16="http://schemas.microsoft.com/office/drawing/2014/main" id="{99EF8AE6-2CAB-42B6-ADF7-989657C39A05}"/>
               </a:ext>
             </a:extLst>
           </p:cNvPr>
@@ -4181,7 +4166,7 @@
           <p:cNvPr id="10" name="Textfeld 9">
             <a:extLst>
               <a:ext uri="{FF2B5EF4-FFF2-40B4-BE49-F238E27FC236}">
-                <a16:creationId xmlns="" xmlns:a16="http://schemas.microsoft.com/office/drawing/2014/main" id="{8FB7EB10-123C-4822-A7C3-B3A38E843864}"/>
+                <a16:creationId xmlns:a16="http://schemas.microsoft.com/office/drawing/2014/main" id="{8FB7EB10-123C-4822-A7C3-B3A38E843864}"/>
               </a:ext>
             </a:extLst>
           </p:cNvPr>
@@ -4318,7 +4303,7 @@
           <p:cNvPr id="4" name="Datumsplatzhalter 3">
             <a:extLst>
               <a:ext uri="{FF2B5EF4-FFF2-40B4-BE49-F238E27FC236}">
-                <a16:creationId xmlns="" xmlns:a16="http://schemas.microsoft.com/office/drawing/2014/main" id="{B03F4F0B-76CC-7036-CBDC-DE797B9E484B}"/>
+                <a16:creationId xmlns:a16="http://schemas.microsoft.com/office/drawing/2014/main" id="{B03F4F0B-76CC-7036-CBDC-DE797B9E484B}"/>
               </a:ext>
             </a:extLst>
           </p:cNvPr>
@@ -4336,7 +4321,7 @@
           <a:p>
             <a:fld id="{12E52158-1BC2-4E16-ADAE-392D6956A53D}" type="datetime1">
               <a:rPr lang="de-DE" smtClean="0"/>
-              <a:t>03.07.2022</a:t>
+              <a:t>04.07.2022</a:t>
             </a:fld>
             <a:endParaRPr lang="de-DE"/>
           </a:p>
@@ -4347,7 +4332,7 @@
           <p:cNvPr id="5" name="Foliennummernplatzhalter 4">
             <a:extLst>
               <a:ext uri="{FF2B5EF4-FFF2-40B4-BE49-F238E27FC236}">
-                <a16:creationId xmlns="" xmlns:a16="http://schemas.microsoft.com/office/drawing/2014/main" id="{EC529953-6FF0-0D94-DED8-0798B56DEF05}"/>
+                <a16:creationId xmlns:a16="http://schemas.microsoft.com/office/drawing/2014/main" id="{EC529953-6FF0-0D94-DED8-0798B56DEF05}"/>
               </a:ext>
             </a:extLst>
           </p:cNvPr>
@@ -4658,7 +4643,7 @@
           <p:cNvPr id="9" name="Textfeld 8">
             <a:extLst>
               <a:ext uri="{FF2B5EF4-FFF2-40B4-BE49-F238E27FC236}">
-                <a16:creationId xmlns="" xmlns:a16="http://schemas.microsoft.com/office/drawing/2014/main" id="{99EF8AE6-2CAB-42B6-ADF7-989657C39A05}"/>
+                <a16:creationId xmlns:a16="http://schemas.microsoft.com/office/drawing/2014/main" id="{99EF8AE6-2CAB-42B6-ADF7-989657C39A05}"/>
               </a:ext>
             </a:extLst>
           </p:cNvPr>
@@ -4697,7 +4682,7 @@
           <p:cNvPr id="10" name="Textfeld 9">
             <a:extLst>
               <a:ext uri="{FF2B5EF4-FFF2-40B4-BE49-F238E27FC236}">
-                <a16:creationId xmlns="" xmlns:a16="http://schemas.microsoft.com/office/drawing/2014/main" id="{8FB7EB10-123C-4822-A7C3-B3A38E843864}"/>
+                <a16:creationId xmlns:a16="http://schemas.microsoft.com/office/drawing/2014/main" id="{8FB7EB10-123C-4822-A7C3-B3A38E843864}"/>
               </a:ext>
             </a:extLst>
           </p:cNvPr>
@@ -4754,7 +4739,7 @@
           <p:cNvPr id="4" name="Datumsplatzhalter 3">
             <a:extLst>
               <a:ext uri="{FF2B5EF4-FFF2-40B4-BE49-F238E27FC236}">
-                <a16:creationId xmlns="" xmlns:a16="http://schemas.microsoft.com/office/drawing/2014/main" id="{F14152DC-9020-42C9-D7AF-7FA1DE352A13}"/>
+                <a16:creationId xmlns:a16="http://schemas.microsoft.com/office/drawing/2014/main" id="{F14152DC-9020-42C9-D7AF-7FA1DE352A13}"/>
               </a:ext>
             </a:extLst>
           </p:cNvPr>
@@ -4772,7 +4757,7 @@
           <a:p>
             <a:fld id="{1BC6A623-6444-4DC1-9B9E-1E8B1093C97E}" type="datetime1">
               <a:rPr lang="de-DE" smtClean="0"/>
-              <a:t>03.07.2022</a:t>
+              <a:t>04.07.2022</a:t>
             </a:fld>
             <a:endParaRPr lang="de-DE"/>
           </a:p>
@@ -4783,7 +4768,7 @@
           <p:cNvPr id="5" name="Foliennummernplatzhalter 4">
             <a:extLst>
               <a:ext uri="{FF2B5EF4-FFF2-40B4-BE49-F238E27FC236}">
-                <a16:creationId xmlns="" xmlns:a16="http://schemas.microsoft.com/office/drawing/2014/main" id="{A27C3CD9-97EB-7652-4331-A495017D1D0F}"/>
+                <a16:creationId xmlns:a16="http://schemas.microsoft.com/office/drawing/2014/main" id="{A27C3CD9-97EB-7652-4331-A495017D1D0F}"/>
               </a:ext>
             </a:extLst>
           </p:cNvPr>
@@ -4817,13 +4802,6 @@
   <p:clrMapOvr>
     <a:masterClrMapping/>
   </p:clrMapOvr>
-  <p:timing>
-    <p:tnLst>
-      <p:par>
-        <p:cTn id="1" dur="indefinite" restart="never" nodeType="tmRoot"/>
-      </p:par>
-    </p:tnLst>
-  </p:timing>
 </p:sld>
 </file>
 
@@ -4849,7 +4827,7 @@
           <p:cNvPr id="4" name="Rechteck 3">
             <a:extLst>
               <a:ext uri="{FF2B5EF4-FFF2-40B4-BE49-F238E27FC236}">
-                <a16:creationId xmlns="" xmlns:a16="http://schemas.microsoft.com/office/drawing/2014/main" id="{25BC0F38-C5EA-4A88-B161-F0A7D0C230D8}"/>
+                <a16:creationId xmlns:a16="http://schemas.microsoft.com/office/drawing/2014/main" id="{25BC0F38-C5EA-4A88-B161-F0A7D0C230D8}"/>
               </a:ext>
             </a:extLst>
           </p:cNvPr>
@@ -4901,7 +4879,7 @@
           <p:cNvPr id="2" name="Textfeld 1">
             <a:extLst>
               <a:ext uri="{FF2B5EF4-FFF2-40B4-BE49-F238E27FC236}">
-                <a16:creationId xmlns="" xmlns:a16="http://schemas.microsoft.com/office/drawing/2014/main" id="{1017C281-9103-4001-B331-1945313A1AF6}"/>
+                <a16:creationId xmlns:a16="http://schemas.microsoft.com/office/drawing/2014/main" id="{1017C281-9103-4001-B331-1945313A1AF6}"/>
               </a:ext>
             </a:extLst>
           </p:cNvPr>
@@ -4941,7 +4919,7 @@
           <p:cNvPr id="6" name="Datumsplatzhalter 5">
             <a:extLst>
               <a:ext uri="{FF2B5EF4-FFF2-40B4-BE49-F238E27FC236}">
-                <a16:creationId xmlns="" xmlns:a16="http://schemas.microsoft.com/office/drawing/2014/main" id="{FDCCC8AF-1AAB-C0A1-31EF-8F84C928CCB9}"/>
+                <a16:creationId xmlns:a16="http://schemas.microsoft.com/office/drawing/2014/main" id="{FDCCC8AF-1AAB-C0A1-31EF-8F84C928CCB9}"/>
               </a:ext>
             </a:extLst>
           </p:cNvPr>
@@ -4959,7 +4937,7 @@
           <a:p>
             <a:fld id="{4BEA33E4-8E85-499A-BD28-A802FFFCDA60}" type="datetime1">
               <a:rPr lang="de-DE" smtClean="0"/>
-              <a:t>03.07.2022</a:t>
+              <a:t>04.07.2022</a:t>
             </a:fld>
             <a:endParaRPr lang="de-DE" dirty="0"/>
           </a:p>
@@ -4970,7 +4948,7 @@
           <p:cNvPr id="7" name="Foliennummernplatzhalter 6">
             <a:extLst>
               <a:ext uri="{FF2B5EF4-FFF2-40B4-BE49-F238E27FC236}">
-                <a16:creationId xmlns="" xmlns:a16="http://schemas.microsoft.com/office/drawing/2014/main" id="{05E3FBCF-D950-F55D-4E1A-C539DFC85CCF}"/>
+                <a16:creationId xmlns:a16="http://schemas.microsoft.com/office/drawing/2014/main" id="{05E3FBCF-D950-F55D-4E1A-C539DFC85CCF}"/>
               </a:ext>
             </a:extLst>
           </p:cNvPr>
@@ -5004,13 +4982,6 @@
   <p:clrMapOvr>
     <a:masterClrMapping/>
   </p:clrMapOvr>
-  <p:timing>
-    <p:tnLst>
-      <p:par>
-        <p:cTn id="1" dur="indefinite" restart="never" nodeType="tmRoot"/>
-      </p:par>
-    </p:tnLst>
-  </p:timing>
 </p:sld>
 </file>
 
@@ -5036,7 +5007,7 @@
           <p:cNvPr id="9" name="Textfeld 8">
             <a:extLst>
               <a:ext uri="{FF2B5EF4-FFF2-40B4-BE49-F238E27FC236}">
-                <a16:creationId xmlns="" xmlns:a16="http://schemas.microsoft.com/office/drawing/2014/main" id="{99EF8AE6-2CAB-42B6-ADF7-989657C39A05}"/>
+                <a16:creationId xmlns:a16="http://schemas.microsoft.com/office/drawing/2014/main" id="{99EF8AE6-2CAB-42B6-ADF7-989657C39A05}"/>
               </a:ext>
             </a:extLst>
           </p:cNvPr>
@@ -5075,7 +5046,7 @@
           <p:cNvPr id="4" name="Datumsplatzhalter 3">
             <a:extLst>
               <a:ext uri="{FF2B5EF4-FFF2-40B4-BE49-F238E27FC236}">
-                <a16:creationId xmlns="" xmlns:a16="http://schemas.microsoft.com/office/drawing/2014/main" id="{B03F4F0B-76CC-7036-CBDC-DE797B9E484B}"/>
+                <a16:creationId xmlns:a16="http://schemas.microsoft.com/office/drawing/2014/main" id="{B03F4F0B-76CC-7036-CBDC-DE797B9E484B}"/>
               </a:ext>
             </a:extLst>
           </p:cNvPr>
@@ -5093,7 +5064,7 @@
           <a:p>
             <a:fld id="{12E52158-1BC2-4E16-ADAE-392D6956A53D}" type="datetime1">
               <a:rPr lang="de-DE" smtClean="0"/>
-              <a:t>03.07.2022</a:t>
+              <a:t>04.07.2022</a:t>
             </a:fld>
             <a:endParaRPr lang="de-DE"/>
           </a:p>
@@ -5104,7 +5075,7 @@
           <p:cNvPr id="5" name="Foliennummernplatzhalter 4">
             <a:extLst>
               <a:ext uri="{FF2B5EF4-FFF2-40B4-BE49-F238E27FC236}">
-                <a16:creationId xmlns="" xmlns:a16="http://schemas.microsoft.com/office/drawing/2014/main" id="{EC529953-6FF0-0D94-DED8-0798B56DEF05}"/>
+                <a16:creationId xmlns:a16="http://schemas.microsoft.com/office/drawing/2014/main" id="{EC529953-6FF0-0D94-DED8-0798B56DEF05}"/>
               </a:ext>
             </a:extLst>
           </p:cNvPr>
@@ -5133,7 +5104,7 @@
           <p:cNvPr id="6" name="Tabelle 5">
             <a:extLst>
               <a:ext uri="{FF2B5EF4-FFF2-40B4-BE49-F238E27FC236}">
-                <a16:creationId xmlns="" xmlns:a16="http://schemas.microsoft.com/office/drawing/2014/main" id="{8DB72C67-E8D5-FDF2-60E3-A9C0733F643F}"/>
+                <a16:creationId xmlns:a16="http://schemas.microsoft.com/office/drawing/2014/main" id="{8DB72C67-E8D5-FDF2-60E3-A9C0733F643F}"/>
               </a:ext>
             </a:extLst>
           </p:cNvPr>
@@ -5162,14 +5133,14 @@
                 <a:gridCol w="1442146">
                   <a:extLst>
                     <a:ext uri="{9D8B030D-6E8A-4147-A177-3AD203B41FA5}">
-                      <a16:colId xmlns="" xmlns:a16="http://schemas.microsoft.com/office/drawing/2014/main" val="340557230"/>
+                      <a16:colId xmlns:a16="http://schemas.microsoft.com/office/drawing/2014/main" val="340557230"/>
                     </a:ext>
                   </a:extLst>
                 </a:gridCol>
                 <a:gridCol w="977298">
                   <a:extLst>
                     <a:ext uri="{9D8B030D-6E8A-4147-A177-3AD203B41FA5}">
-                      <a16:colId xmlns="" xmlns:a16="http://schemas.microsoft.com/office/drawing/2014/main" val="1167263557"/>
+                      <a16:colId xmlns:a16="http://schemas.microsoft.com/office/drawing/2014/main" val="1167263557"/>
                     </a:ext>
                   </a:extLst>
                 </a:gridCol>
@@ -5304,7 +5275,7 @@
                 </a:tc>
                 <a:extLst>
                   <a:ext uri="{0D108BD9-81ED-4DB2-BD59-A6C34878D82A}">
-                    <a16:rowId xmlns="" xmlns:a16="http://schemas.microsoft.com/office/drawing/2014/main" val="2529619409"/>
+                    <a16:rowId xmlns:a16="http://schemas.microsoft.com/office/drawing/2014/main" val="2529619409"/>
                   </a:ext>
                 </a:extLst>
               </a:tr>
@@ -5441,7 +5412,7 @@
                 </a:tc>
                 <a:extLst>
                   <a:ext uri="{0D108BD9-81ED-4DB2-BD59-A6C34878D82A}">
-                    <a16:rowId xmlns="" xmlns:a16="http://schemas.microsoft.com/office/drawing/2014/main" val="3291520734"/>
+                    <a16:rowId xmlns:a16="http://schemas.microsoft.com/office/drawing/2014/main" val="3291520734"/>
                   </a:ext>
                 </a:extLst>
               </a:tr>
@@ -5578,7 +5549,7 @@
                 </a:tc>
                 <a:extLst>
                   <a:ext uri="{0D108BD9-81ED-4DB2-BD59-A6C34878D82A}">
-                    <a16:rowId xmlns="" xmlns:a16="http://schemas.microsoft.com/office/drawing/2014/main" val="407616995"/>
+                    <a16:rowId xmlns:a16="http://schemas.microsoft.com/office/drawing/2014/main" val="407616995"/>
                   </a:ext>
                 </a:extLst>
               </a:tr>
@@ -5591,7 +5562,7 @@
           <p:cNvPr id="7" name="Tabelle 6">
             <a:extLst>
               <a:ext uri="{FF2B5EF4-FFF2-40B4-BE49-F238E27FC236}">
-                <a16:creationId xmlns="" xmlns:a16="http://schemas.microsoft.com/office/drawing/2014/main" id="{399EB00D-C509-2784-2141-958B10794E24}"/>
+                <a16:creationId xmlns:a16="http://schemas.microsoft.com/office/drawing/2014/main" id="{399EB00D-C509-2784-2141-958B10794E24}"/>
               </a:ext>
             </a:extLst>
           </p:cNvPr>
@@ -5620,14 +5591,14 @@
                 <a:gridCol w="1442146">
                   <a:extLst>
                     <a:ext uri="{9D8B030D-6E8A-4147-A177-3AD203B41FA5}">
-                      <a16:colId xmlns="" xmlns:a16="http://schemas.microsoft.com/office/drawing/2014/main" val="340557230"/>
+                      <a16:colId xmlns:a16="http://schemas.microsoft.com/office/drawing/2014/main" val="340557230"/>
                     </a:ext>
                   </a:extLst>
                 </a:gridCol>
                 <a:gridCol w="977298">
                   <a:extLst>
                     <a:ext uri="{9D8B030D-6E8A-4147-A177-3AD203B41FA5}">
-                      <a16:colId xmlns="" xmlns:a16="http://schemas.microsoft.com/office/drawing/2014/main" val="1167263557"/>
+                      <a16:colId xmlns:a16="http://schemas.microsoft.com/office/drawing/2014/main" val="1167263557"/>
                     </a:ext>
                   </a:extLst>
                 </a:gridCol>
@@ -5762,7 +5733,7 @@
                 </a:tc>
                 <a:extLst>
                   <a:ext uri="{0D108BD9-81ED-4DB2-BD59-A6C34878D82A}">
-                    <a16:rowId xmlns="" xmlns:a16="http://schemas.microsoft.com/office/drawing/2014/main" val="2529619409"/>
+                    <a16:rowId xmlns:a16="http://schemas.microsoft.com/office/drawing/2014/main" val="2529619409"/>
                   </a:ext>
                 </a:extLst>
               </a:tr>
@@ -5899,7 +5870,7 @@
                 </a:tc>
                 <a:extLst>
                   <a:ext uri="{0D108BD9-81ED-4DB2-BD59-A6C34878D82A}">
-                    <a16:rowId xmlns="" xmlns:a16="http://schemas.microsoft.com/office/drawing/2014/main" val="3291520734"/>
+                    <a16:rowId xmlns:a16="http://schemas.microsoft.com/office/drawing/2014/main" val="3291520734"/>
                   </a:ext>
                 </a:extLst>
               </a:tr>
@@ -6036,7 +6007,7 @@
                 </a:tc>
                 <a:extLst>
                   <a:ext uri="{0D108BD9-81ED-4DB2-BD59-A6C34878D82A}">
-                    <a16:rowId xmlns="" xmlns:a16="http://schemas.microsoft.com/office/drawing/2014/main" val="407616995"/>
+                    <a16:rowId xmlns:a16="http://schemas.microsoft.com/office/drawing/2014/main" val="407616995"/>
                   </a:ext>
                 </a:extLst>
               </a:tr>
@@ -6049,7 +6020,7 @@
           <p:cNvPr id="8" name="Tabelle 7">
             <a:extLst>
               <a:ext uri="{FF2B5EF4-FFF2-40B4-BE49-F238E27FC236}">
-                <a16:creationId xmlns="" xmlns:a16="http://schemas.microsoft.com/office/drawing/2014/main" id="{1D9887B5-EEB9-8773-ED06-F2BE5D060DCE}"/>
+                <a16:creationId xmlns:a16="http://schemas.microsoft.com/office/drawing/2014/main" id="{1D9887B5-EEB9-8773-ED06-F2BE5D060DCE}"/>
               </a:ext>
             </a:extLst>
           </p:cNvPr>
@@ -6078,14 +6049,14 @@
                 <a:gridCol w="1442146">
                   <a:extLst>
                     <a:ext uri="{9D8B030D-6E8A-4147-A177-3AD203B41FA5}">
-                      <a16:colId xmlns="" xmlns:a16="http://schemas.microsoft.com/office/drawing/2014/main" val="340557230"/>
+                      <a16:colId xmlns:a16="http://schemas.microsoft.com/office/drawing/2014/main" val="340557230"/>
                     </a:ext>
                   </a:extLst>
                 </a:gridCol>
                 <a:gridCol w="977298">
                   <a:extLst>
                     <a:ext uri="{9D8B030D-6E8A-4147-A177-3AD203B41FA5}">
-                      <a16:colId xmlns="" xmlns:a16="http://schemas.microsoft.com/office/drawing/2014/main" val="1167263557"/>
+                      <a16:colId xmlns:a16="http://schemas.microsoft.com/office/drawing/2014/main" val="1167263557"/>
                     </a:ext>
                   </a:extLst>
                 </a:gridCol>
@@ -6220,7 +6191,7 @@
                 </a:tc>
                 <a:extLst>
                   <a:ext uri="{0D108BD9-81ED-4DB2-BD59-A6C34878D82A}">
-                    <a16:rowId xmlns="" xmlns:a16="http://schemas.microsoft.com/office/drawing/2014/main" val="2529619409"/>
+                    <a16:rowId xmlns:a16="http://schemas.microsoft.com/office/drawing/2014/main" val="2529619409"/>
                   </a:ext>
                 </a:extLst>
               </a:tr>
@@ -6357,7 +6328,7 @@
                 </a:tc>
                 <a:extLst>
                   <a:ext uri="{0D108BD9-81ED-4DB2-BD59-A6C34878D82A}">
-                    <a16:rowId xmlns="" xmlns:a16="http://schemas.microsoft.com/office/drawing/2014/main" val="3291520734"/>
+                    <a16:rowId xmlns:a16="http://schemas.microsoft.com/office/drawing/2014/main" val="3291520734"/>
                   </a:ext>
                 </a:extLst>
               </a:tr>
@@ -6494,7 +6465,7 @@
                 </a:tc>
                 <a:extLst>
                   <a:ext uri="{0D108BD9-81ED-4DB2-BD59-A6C34878D82A}">
-                    <a16:rowId xmlns="" xmlns:a16="http://schemas.microsoft.com/office/drawing/2014/main" val="407616995"/>
+                    <a16:rowId xmlns:a16="http://schemas.microsoft.com/office/drawing/2014/main" val="407616995"/>
                   </a:ext>
                 </a:extLst>
               </a:tr>
@@ -6512,13 +6483,6 @@
   <p:clrMapOvr>
     <a:masterClrMapping/>
   </p:clrMapOvr>
-  <p:timing>
-    <p:tnLst>
-      <p:par>
-        <p:cTn id="1" dur="indefinite" restart="never" nodeType="tmRoot"/>
-      </p:par>
-    </p:tnLst>
-  </p:timing>
 </p:sld>
 </file>
 
@@ -6544,7 +6508,7 @@
           <p:cNvPr id="9" name="Textfeld 8">
             <a:extLst>
               <a:ext uri="{FF2B5EF4-FFF2-40B4-BE49-F238E27FC236}">
-                <a16:creationId xmlns="" xmlns:a16="http://schemas.microsoft.com/office/drawing/2014/main" id="{99EF8AE6-2CAB-42B6-ADF7-989657C39A05}"/>
+                <a16:creationId xmlns:a16="http://schemas.microsoft.com/office/drawing/2014/main" id="{99EF8AE6-2CAB-42B6-ADF7-989657C39A05}"/>
               </a:ext>
             </a:extLst>
           </p:cNvPr>
@@ -6583,7 +6547,7 @@
           <p:cNvPr id="4" name="Datumsplatzhalter 3">
             <a:extLst>
               <a:ext uri="{FF2B5EF4-FFF2-40B4-BE49-F238E27FC236}">
-                <a16:creationId xmlns="" xmlns:a16="http://schemas.microsoft.com/office/drawing/2014/main" id="{B03F4F0B-76CC-7036-CBDC-DE797B9E484B}"/>
+                <a16:creationId xmlns:a16="http://schemas.microsoft.com/office/drawing/2014/main" id="{B03F4F0B-76CC-7036-CBDC-DE797B9E484B}"/>
               </a:ext>
             </a:extLst>
           </p:cNvPr>
@@ -6601,7 +6565,7 @@
           <a:p>
             <a:fld id="{12E52158-1BC2-4E16-ADAE-392D6956A53D}" type="datetime1">
               <a:rPr lang="de-DE" smtClean="0"/>
-              <a:t>03.07.2022</a:t>
+              <a:t>04.07.2022</a:t>
             </a:fld>
             <a:endParaRPr lang="de-DE"/>
           </a:p>
@@ -6612,7 +6576,7 @@
           <p:cNvPr id="5" name="Foliennummernplatzhalter 4">
             <a:extLst>
               <a:ext uri="{FF2B5EF4-FFF2-40B4-BE49-F238E27FC236}">
-                <a16:creationId xmlns="" xmlns:a16="http://schemas.microsoft.com/office/drawing/2014/main" id="{EC529953-6FF0-0D94-DED8-0798B56DEF05}"/>
+                <a16:creationId xmlns:a16="http://schemas.microsoft.com/office/drawing/2014/main" id="{EC529953-6FF0-0D94-DED8-0798B56DEF05}"/>
               </a:ext>
             </a:extLst>
           </p:cNvPr>
@@ -6641,7 +6605,7 @@
           <p:cNvPr id="6" name="Tabelle 5">
             <a:extLst>
               <a:ext uri="{FF2B5EF4-FFF2-40B4-BE49-F238E27FC236}">
-                <a16:creationId xmlns="" xmlns:a16="http://schemas.microsoft.com/office/drawing/2014/main" id="{8DB72C67-E8D5-FDF2-60E3-A9C0733F643F}"/>
+                <a16:creationId xmlns:a16="http://schemas.microsoft.com/office/drawing/2014/main" id="{8DB72C67-E8D5-FDF2-60E3-A9C0733F643F}"/>
               </a:ext>
             </a:extLst>
           </p:cNvPr>
@@ -6670,14 +6634,14 @@
                 <a:gridCol w="1442146">
                   <a:extLst>
                     <a:ext uri="{9D8B030D-6E8A-4147-A177-3AD203B41FA5}">
-                      <a16:colId xmlns="" xmlns:a16="http://schemas.microsoft.com/office/drawing/2014/main" val="340557230"/>
+                      <a16:colId xmlns:a16="http://schemas.microsoft.com/office/drawing/2014/main" val="340557230"/>
                     </a:ext>
                   </a:extLst>
                 </a:gridCol>
                 <a:gridCol w="977298">
                   <a:extLst>
                     <a:ext uri="{9D8B030D-6E8A-4147-A177-3AD203B41FA5}">
-                      <a16:colId xmlns="" xmlns:a16="http://schemas.microsoft.com/office/drawing/2014/main" val="1167263557"/>
+                      <a16:colId xmlns:a16="http://schemas.microsoft.com/office/drawing/2014/main" val="1167263557"/>
                     </a:ext>
                   </a:extLst>
                 </a:gridCol>
@@ -6822,7 +6786,7 @@
                 </a:tc>
                 <a:extLst>
                   <a:ext uri="{0D108BD9-81ED-4DB2-BD59-A6C34878D82A}">
-                    <a16:rowId xmlns="" xmlns:a16="http://schemas.microsoft.com/office/drawing/2014/main" val="2529619409"/>
+                    <a16:rowId xmlns:a16="http://schemas.microsoft.com/office/drawing/2014/main" val="2529619409"/>
                   </a:ext>
                 </a:extLst>
               </a:tr>
@@ -6979,7 +6943,7 @@
                 </a:tc>
                 <a:extLst>
                   <a:ext uri="{0D108BD9-81ED-4DB2-BD59-A6C34878D82A}">
-                    <a16:rowId xmlns="" xmlns:a16="http://schemas.microsoft.com/office/drawing/2014/main" val="3291520734"/>
+                    <a16:rowId xmlns:a16="http://schemas.microsoft.com/office/drawing/2014/main" val="3291520734"/>
                   </a:ext>
                 </a:extLst>
               </a:tr>
@@ -7136,7 +7100,7 @@
                 </a:tc>
                 <a:extLst>
                   <a:ext uri="{0D108BD9-81ED-4DB2-BD59-A6C34878D82A}">
-                    <a16:rowId xmlns="" xmlns:a16="http://schemas.microsoft.com/office/drawing/2014/main" val="407616995"/>
+                    <a16:rowId xmlns:a16="http://schemas.microsoft.com/office/drawing/2014/main" val="407616995"/>
                   </a:ext>
                 </a:extLst>
               </a:tr>
@@ -7149,7 +7113,7 @@
           <p:cNvPr id="7" name="Tabelle 6">
             <a:extLst>
               <a:ext uri="{FF2B5EF4-FFF2-40B4-BE49-F238E27FC236}">
-                <a16:creationId xmlns="" xmlns:a16="http://schemas.microsoft.com/office/drawing/2014/main" id="{399EB00D-C509-2784-2141-958B10794E24}"/>
+                <a16:creationId xmlns:a16="http://schemas.microsoft.com/office/drawing/2014/main" id="{399EB00D-C509-2784-2141-958B10794E24}"/>
               </a:ext>
             </a:extLst>
           </p:cNvPr>
@@ -7178,14 +7142,14 @@
                 <a:gridCol w="1442146">
                   <a:extLst>
                     <a:ext uri="{9D8B030D-6E8A-4147-A177-3AD203B41FA5}">
-                      <a16:colId xmlns="" xmlns:a16="http://schemas.microsoft.com/office/drawing/2014/main" val="340557230"/>
+                      <a16:colId xmlns:a16="http://schemas.microsoft.com/office/drawing/2014/main" val="340557230"/>
                     </a:ext>
                   </a:extLst>
                 </a:gridCol>
                 <a:gridCol w="977298">
                   <a:extLst>
                     <a:ext uri="{9D8B030D-6E8A-4147-A177-3AD203B41FA5}">
-                      <a16:colId xmlns="" xmlns:a16="http://schemas.microsoft.com/office/drawing/2014/main" val="1167263557"/>
+                      <a16:colId xmlns:a16="http://schemas.microsoft.com/office/drawing/2014/main" val="1167263557"/>
                     </a:ext>
                   </a:extLst>
                 </a:gridCol>
@@ -7330,7 +7294,7 @@
                 </a:tc>
                 <a:extLst>
                   <a:ext uri="{0D108BD9-81ED-4DB2-BD59-A6C34878D82A}">
-                    <a16:rowId xmlns="" xmlns:a16="http://schemas.microsoft.com/office/drawing/2014/main" val="2529619409"/>
+                    <a16:rowId xmlns:a16="http://schemas.microsoft.com/office/drawing/2014/main" val="2529619409"/>
                   </a:ext>
                 </a:extLst>
               </a:tr>
@@ -7487,7 +7451,7 @@
                 </a:tc>
                 <a:extLst>
                   <a:ext uri="{0D108BD9-81ED-4DB2-BD59-A6C34878D82A}">
-                    <a16:rowId xmlns="" xmlns:a16="http://schemas.microsoft.com/office/drawing/2014/main" val="3291520734"/>
+                    <a16:rowId xmlns:a16="http://schemas.microsoft.com/office/drawing/2014/main" val="3291520734"/>
                   </a:ext>
                 </a:extLst>
               </a:tr>
@@ -7644,7 +7608,7 @@
                 </a:tc>
                 <a:extLst>
                   <a:ext uri="{0D108BD9-81ED-4DB2-BD59-A6C34878D82A}">
-                    <a16:rowId xmlns="" xmlns:a16="http://schemas.microsoft.com/office/drawing/2014/main" val="407616995"/>
+                    <a16:rowId xmlns:a16="http://schemas.microsoft.com/office/drawing/2014/main" val="407616995"/>
                   </a:ext>
                 </a:extLst>
               </a:tr>
@@ -7657,7 +7621,7 @@
           <p:cNvPr id="8" name="Tabelle 7">
             <a:extLst>
               <a:ext uri="{FF2B5EF4-FFF2-40B4-BE49-F238E27FC236}">
-                <a16:creationId xmlns="" xmlns:a16="http://schemas.microsoft.com/office/drawing/2014/main" id="{1D9887B5-EEB9-8773-ED06-F2BE5D060DCE}"/>
+                <a16:creationId xmlns:a16="http://schemas.microsoft.com/office/drawing/2014/main" id="{1D9887B5-EEB9-8773-ED06-F2BE5D060DCE}"/>
               </a:ext>
             </a:extLst>
           </p:cNvPr>
@@ -7686,14 +7650,14 @@
                 <a:gridCol w="1442146">
                   <a:extLst>
                     <a:ext uri="{9D8B030D-6E8A-4147-A177-3AD203B41FA5}">
-                      <a16:colId xmlns="" xmlns:a16="http://schemas.microsoft.com/office/drawing/2014/main" val="340557230"/>
+                      <a16:colId xmlns:a16="http://schemas.microsoft.com/office/drawing/2014/main" val="340557230"/>
                     </a:ext>
                   </a:extLst>
                 </a:gridCol>
                 <a:gridCol w="977298">
                   <a:extLst>
                     <a:ext uri="{9D8B030D-6E8A-4147-A177-3AD203B41FA5}">
-                      <a16:colId xmlns="" xmlns:a16="http://schemas.microsoft.com/office/drawing/2014/main" val="1167263557"/>
+                      <a16:colId xmlns:a16="http://schemas.microsoft.com/office/drawing/2014/main" val="1167263557"/>
                     </a:ext>
                   </a:extLst>
                 </a:gridCol>
@@ -7828,7 +7792,7 @@
                 </a:tc>
                 <a:extLst>
                   <a:ext uri="{0D108BD9-81ED-4DB2-BD59-A6C34878D82A}">
-                    <a16:rowId xmlns="" xmlns:a16="http://schemas.microsoft.com/office/drawing/2014/main" val="2529619409"/>
+                    <a16:rowId xmlns:a16="http://schemas.microsoft.com/office/drawing/2014/main" val="2529619409"/>
                   </a:ext>
                 </a:extLst>
               </a:tr>
@@ -7965,7 +7929,7 @@
                 </a:tc>
                 <a:extLst>
                   <a:ext uri="{0D108BD9-81ED-4DB2-BD59-A6C34878D82A}">
-                    <a16:rowId xmlns="" xmlns:a16="http://schemas.microsoft.com/office/drawing/2014/main" val="3291520734"/>
+                    <a16:rowId xmlns:a16="http://schemas.microsoft.com/office/drawing/2014/main" val="3291520734"/>
                   </a:ext>
                 </a:extLst>
               </a:tr>
@@ -8102,7 +8066,7 @@
                 </a:tc>
                 <a:extLst>
                   <a:ext uri="{0D108BD9-81ED-4DB2-BD59-A6C34878D82A}">
-                    <a16:rowId xmlns="" xmlns:a16="http://schemas.microsoft.com/office/drawing/2014/main" val="407616995"/>
+                    <a16:rowId xmlns:a16="http://schemas.microsoft.com/office/drawing/2014/main" val="407616995"/>
                   </a:ext>
                 </a:extLst>
               </a:tr>
@@ -8115,7 +8079,7 @@
           <p:cNvPr id="10" name="Grafik 9">
             <a:extLst>
               <a:ext uri="{FF2B5EF4-FFF2-40B4-BE49-F238E27FC236}">
-                <a16:creationId xmlns="" xmlns:a16="http://schemas.microsoft.com/office/drawing/2014/main" id="{8C3C4D67-F4F2-1FCD-B5A4-B64D79F4C1BA}"/>
+                <a16:creationId xmlns:a16="http://schemas.microsoft.com/office/drawing/2014/main" id="{8C3C4D67-F4F2-1FCD-B5A4-B64D79F4C1BA}"/>
               </a:ext>
             </a:extLst>
           </p:cNvPr>
@@ -8150,7 +8114,7 @@
           <p:cNvPr id="11" name="Textfeld 10">
             <a:extLst>
               <a:ext uri="{FF2B5EF4-FFF2-40B4-BE49-F238E27FC236}">
-                <a16:creationId xmlns="" xmlns:a16="http://schemas.microsoft.com/office/drawing/2014/main" id="{6F9BDBAD-6C85-5622-48BB-FD46F650F22D}"/>
+                <a16:creationId xmlns:a16="http://schemas.microsoft.com/office/drawing/2014/main" id="{6F9BDBAD-6C85-5622-48BB-FD46F650F22D}"/>
               </a:ext>
             </a:extLst>
           </p:cNvPr>
@@ -8189,7 +8153,7 @@
           <p:cNvPr id="12" name="Ellipse 11">
             <a:extLst>
               <a:ext uri="{FF2B5EF4-FFF2-40B4-BE49-F238E27FC236}">
-                <a16:creationId xmlns="" xmlns:a16="http://schemas.microsoft.com/office/drawing/2014/main" id="{1876B5DE-7F28-FBF5-8E65-0FF41851605F}"/>
+                <a16:creationId xmlns:a16="http://schemas.microsoft.com/office/drawing/2014/main" id="{1876B5DE-7F28-FBF5-8E65-0FF41851605F}"/>
               </a:ext>
             </a:extLst>
           </p:cNvPr>
@@ -8245,7 +8209,7 @@
           <p:cNvPr id="13" name="Ellipse 12">
             <a:extLst>
               <a:ext uri="{FF2B5EF4-FFF2-40B4-BE49-F238E27FC236}">
-                <a16:creationId xmlns="" xmlns:a16="http://schemas.microsoft.com/office/drawing/2014/main" id="{B7722868-73F4-79ED-453D-9557014FFB78}"/>
+                <a16:creationId xmlns:a16="http://schemas.microsoft.com/office/drawing/2014/main" id="{B7722868-73F4-79ED-453D-9557014FFB78}"/>
               </a:ext>
             </a:extLst>
           </p:cNvPr>
@@ -8301,7 +8265,7 @@
           <p:cNvPr id="14" name="Textfeld 13">
             <a:extLst>
               <a:ext uri="{FF2B5EF4-FFF2-40B4-BE49-F238E27FC236}">
-                <a16:creationId xmlns="" xmlns:a16="http://schemas.microsoft.com/office/drawing/2014/main" id="{D4775388-F8D0-3E5B-23AE-EDFC765482EC}"/>
+                <a16:creationId xmlns:a16="http://schemas.microsoft.com/office/drawing/2014/main" id="{D4775388-F8D0-3E5B-23AE-EDFC765482EC}"/>
               </a:ext>
             </a:extLst>
           </p:cNvPr>
@@ -8340,7 +8304,7 @@
           <p:cNvPr id="15" name="Textfeld 14">
             <a:extLst>
               <a:ext uri="{FF2B5EF4-FFF2-40B4-BE49-F238E27FC236}">
-                <a16:creationId xmlns="" xmlns:a16="http://schemas.microsoft.com/office/drawing/2014/main" id="{FDA1CA0C-83E0-2150-BE27-7FDC3117C3FD}"/>
+                <a16:creationId xmlns:a16="http://schemas.microsoft.com/office/drawing/2014/main" id="{FDA1CA0C-83E0-2150-BE27-7FDC3117C3FD}"/>
               </a:ext>
             </a:extLst>
           </p:cNvPr>
@@ -8384,13 +8348,6 @@
   <p:clrMapOvr>
     <a:masterClrMapping/>
   </p:clrMapOvr>
-  <p:timing>
-    <p:tnLst>
-      <p:par>
-        <p:cTn id="1" dur="indefinite" restart="never" nodeType="tmRoot"/>
-      </p:par>
-    </p:tnLst>
-  </p:timing>
 </p:sld>
 </file>
 
@@ -8416,7 +8373,7 @@
           <p:cNvPr id="3" name="Grafik 2" descr="Ein Bild, das Tisch enthält.&#10;&#10;Automatisch generierte Beschreibung">
             <a:extLst>
               <a:ext uri="{FF2B5EF4-FFF2-40B4-BE49-F238E27FC236}">
-                <a16:creationId xmlns="" xmlns:a16="http://schemas.microsoft.com/office/drawing/2014/main" id="{CBC263AC-D3E8-3BB8-DCA2-AB77D2C05426}"/>
+                <a16:creationId xmlns:a16="http://schemas.microsoft.com/office/drawing/2014/main" id="{CBC263AC-D3E8-3BB8-DCA2-AB77D2C05426}"/>
               </a:ext>
             </a:extLst>
           </p:cNvPr>
@@ -8451,7 +8408,7 @@
           <p:cNvPr id="9" name="Textfeld 8">
             <a:extLst>
               <a:ext uri="{FF2B5EF4-FFF2-40B4-BE49-F238E27FC236}">
-                <a16:creationId xmlns="" xmlns:a16="http://schemas.microsoft.com/office/drawing/2014/main" id="{99EF8AE6-2CAB-42B6-ADF7-989657C39A05}"/>
+                <a16:creationId xmlns:a16="http://schemas.microsoft.com/office/drawing/2014/main" id="{99EF8AE6-2CAB-42B6-ADF7-989657C39A05}"/>
               </a:ext>
             </a:extLst>
           </p:cNvPr>
@@ -8490,7 +8447,7 @@
           <p:cNvPr id="4" name="Datumsplatzhalter 3">
             <a:extLst>
               <a:ext uri="{FF2B5EF4-FFF2-40B4-BE49-F238E27FC236}">
-                <a16:creationId xmlns="" xmlns:a16="http://schemas.microsoft.com/office/drawing/2014/main" id="{B03F4F0B-76CC-7036-CBDC-DE797B9E484B}"/>
+                <a16:creationId xmlns:a16="http://schemas.microsoft.com/office/drawing/2014/main" id="{B03F4F0B-76CC-7036-CBDC-DE797B9E484B}"/>
               </a:ext>
             </a:extLst>
           </p:cNvPr>
@@ -8508,7 +8465,7 @@
           <a:p>
             <a:fld id="{12E52158-1BC2-4E16-ADAE-392D6956A53D}" type="datetime1">
               <a:rPr lang="de-DE" smtClean="0"/>
-              <a:t>03.07.2022</a:t>
+              <a:t>04.07.2022</a:t>
             </a:fld>
             <a:endParaRPr lang="de-DE"/>
           </a:p>
@@ -8519,7 +8476,7 @@
           <p:cNvPr id="5" name="Foliennummernplatzhalter 4">
             <a:extLst>
               <a:ext uri="{FF2B5EF4-FFF2-40B4-BE49-F238E27FC236}">
-                <a16:creationId xmlns="" xmlns:a16="http://schemas.microsoft.com/office/drawing/2014/main" id="{EC529953-6FF0-0D94-DED8-0798B56DEF05}"/>
+                <a16:creationId xmlns:a16="http://schemas.microsoft.com/office/drawing/2014/main" id="{EC529953-6FF0-0D94-DED8-0798B56DEF05}"/>
               </a:ext>
             </a:extLst>
           </p:cNvPr>
@@ -8548,7 +8505,7 @@
           <p:cNvPr id="6" name="Tabelle 5">
             <a:extLst>
               <a:ext uri="{FF2B5EF4-FFF2-40B4-BE49-F238E27FC236}">
-                <a16:creationId xmlns="" xmlns:a16="http://schemas.microsoft.com/office/drawing/2014/main" id="{8DB72C67-E8D5-FDF2-60E3-A9C0733F643F}"/>
+                <a16:creationId xmlns:a16="http://schemas.microsoft.com/office/drawing/2014/main" id="{8DB72C67-E8D5-FDF2-60E3-A9C0733F643F}"/>
               </a:ext>
             </a:extLst>
           </p:cNvPr>
@@ -8571,14 +8528,14 @@
                 <a:gridCol w="1442146">
                   <a:extLst>
                     <a:ext uri="{9D8B030D-6E8A-4147-A177-3AD203B41FA5}">
-                      <a16:colId xmlns="" xmlns:a16="http://schemas.microsoft.com/office/drawing/2014/main" val="340557230"/>
+                      <a16:colId xmlns:a16="http://schemas.microsoft.com/office/drawing/2014/main" val="340557230"/>
                     </a:ext>
                   </a:extLst>
                 </a:gridCol>
                 <a:gridCol w="977298">
                   <a:extLst>
                     <a:ext uri="{9D8B030D-6E8A-4147-A177-3AD203B41FA5}">
-                      <a16:colId xmlns="" xmlns:a16="http://schemas.microsoft.com/office/drawing/2014/main" val="1167263557"/>
+                      <a16:colId xmlns:a16="http://schemas.microsoft.com/office/drawing/2014/main" val="1167263557"/>
                     </a:ext>
                   </a:extLst>
                 </a:gridCol>
@@ -8723,7 +8680,7 @@
                 </a:tc>
                 <a:extLst>
                   <a:ext uri="{0D108BD9-81ED-4DB2-BD59-A6C34878D82A}">
-                    <a16:rowId xmlns="" xmlns:a16="http://schemas.microsoft.com/office/drawing/2014/main" val="2529619409"/>
+                    <a16:rowId xmlns:a16="http://schemas.microsoft.com/office/drawing/2014/main" val="2529619409"/>
                   </a:ext>
                 </a:extLst>
               </a:tr>
@@ -8880,7 +8837,7 @@
                 </a:tc>
                 <a:extLst>
                   <a:ext uri="{0D108BD9-81ED-4DB2-BD59-A6C34878D82A}">
-                    <a16:rowId xmlns="" xmlns:a16="http://schemas.microsoft.com/office/drawing/2014/main" val="3291520734"/>
+                    <a16:rowId xmlns:a16="http://schemas.microsoft.com/office/drawing/2014/main" val="3291520734"/>
                   </a:ext>
                 </a:extLst>
               </a:tr>
@@ -9037,7 +8994,7 @@
                 </a:tc>
                 <a:extLst>
                   <a:ext uri="{0D108BD9-81ED-4DB2-BD59-A6C34878D82A}">
-                    <a16:rowId xmlns="" xmlns:a16="http://schemas.microsoft.com/office/drawing/2014/main" val="407616995"/>
+                    <a16:rowId xmlns:a16="http://schemas.microsoft.com/office/drawing/2014/main" val="407616995"/>
                   </a:ext>
                 </a:extLst>
               </a:tr>
@@ -9050,7 +9007,7 @@
           <p:cNvPr id="7" name="Tabelle 6">
             <a:extLst>
               <a:ext uri="{FF2B5EF4-FFF2-40B4-BE49-F238E27FC236}">
-                <a16:creationId xmlns="" xmlns:a16="http://schemas.microsoft.com/office/drawing/2014/main" id="{399EB00D-C509-2784-2141-958B10794E24}"/>
+                <a16:creationId xmlns:a16="http://schemas.microsoft.com/office/drawing/2014/main" id="{399EB00D-C509-2784-2141-958B10794E24}"/>
               </a:ext>
             </a:extLst>
           </p:cNvPr>
@@ -9073,14 +9030,14 @@
                 <a:gridCol w="1442146">
                   <a:extLst>
                     <a:ext uri="{9D8B030D-6E8A-4147-A177-3AD203B41FA5}">
-                      <a16:colId xmlns="" xmlns:a16="http://schemas.microsoft.com/office/drawing/2014/main" val="340557230"/>
+                      <a16:colId xmlns:a16="http://schemas.microsoft.com/office/drawing/2014/main" val="340557230"/>
                     </a:ext>
                   </a:extLst>
                 </a:gridCol>
                 <a:gridCol w="977298">
                   <a:extLst>
                     <a:ext uri="{9D8B030D-6E8A-4147-A177-3AD203B41FA5}">
-                      <a16:colId xmlns="" xmlns:a16="http://schemas.microsoft.com/office/drawing/2014/main" val="1167263557"/>
+                      <a16:colId xmlns:a16="http://schemas.microsoft.com/office/drawing/2014/main" val="1167263557"/>
                     </a:ext>
                   </a:extLst>
                 </a:gridCol>
@@ -9225,7 +9182,7 @@
                 </a:tc>
                 <a:extLst>
                   <a:ext uri="{0D108BD9-81ED-4DB2-BD59-A6C34878D82A}">
-                    <a16:rowId xmlns="" xmlns:a16="http://schemas.microsoft.com/office/drawing/2014/main" val="2529619409"/>
+                    <a16:rowId xmlns:a16="http://schemas.microsoft.com/office/drawing/2014/main" val="2529619409"/>
                   </a:ext>
                 </a:extLst>
               </a:tr>
@@ -9382,7 +9339,7 @@
                 </a:tc>
                 <a:extLst>
                   <a:ext uri="{0D108BD9-81ED-4DB2-BD59-A6C34878D82A}">
-                    <a16:rowId xmlns="" xmlns:a16="http://schemas.microsoft.com/office/drawing/2014/main" val="3291520734"/>
+                    <a16:rowId xmlns:a16="http://schemas.microsoft.com/office/drawing/2014/main" val="3291520734"/>
                   </a:ext>
                 </a:extLst>
               </a:tr>
@@ -9539,7 +9496,7 @@
                 </a:tc>
                 <a:extLst>
                   <a:ext uri="{0D108BD9-81ED-4DB2-BD59-A6C34878D82A}">
-                    <a16:rowId xmlns="" xmlns:a16="http://schemas.microsoft.com/office/drawing/2014/main" val="407616995"/>
+                    <a16:rowId xmlns:a16="http://schemas.microsoft.com/office/drawing/2014/main" val="407616995"/>
                   </a:ext>
                 </a:extLst>
               </a:tr>
@@ -9552,7 +9509,7 @@
           <p:cNvPr id="8" name="Tabelle 7">
             <a:extLst>
               <a:ext uri="{FF2B5EF4-FFF2-40B4-BE49-F238E27FC236}">
-                <a16:creationId xmlns="" xmlns:a16="http://schemas.microsoft.com/office/drawing/2014/main" id="{1D9887B5-EEB9-8773-ED06-F2BE5D060DCE}"/>
+                <a16:creationId xmlns:a16="http://schemas.microsoft.com/office/drawing/2014/main" id="{1D9887B5-EEB9-8773-ED06-F2BE5D060DCE}"/>
               </a:ext>
             </a:extLst>
           </p:cNvPr>
@@ -9575,14 +9532,14 @@
                 <a:gridCol w="1442146">
                   <a:extLst>
                     <a:ext uri="{9D8B030D-6E8A-4147-A177-3AD203B41FA5}">
-                      <a16:colId xmlns="" xmlns:a16="http://schemas.microsoft.com/office/drawing/2014/main" val="340557230"/>
+                      <a16:colId xmlns:a16="http://schemas.microsoft.com/office/drawing/2014/main" val="340557230"/>
                     </a:ext>
                   </a:extLst>
                 </a:gridCol>
                 <a:gridCol w="977298">
                   <a:extLst>
                     <a:ext uri="{9D8B030D-6E8A-4147-A177-3AD203B41FA5}">
-                      <a16:colId xmlns="" xmlns:a16="http://schemas.microsoft.com/office/drawing/2014/main" val="1167263557"/>
+                      <a16:colId xmlns:a16="http://schemas.microsoft.com/office/drawing/2014/main" val="1167263557"/>
                     </a:ext>
                   </a:extLst>
                 </a:gridCol>
@@ -9717,7 +9674,7 @@
                 </a:tc>
                 <a:extLst>
                   <a:ext uri="{0D108BD9-81ED-4DB2-BD59-A6C34878D82A}">
-                    <a16:rowId xmlns="" xmlns:a16="http://schemas.microsoft.com/office/drawing/2014/main" val="2529619409"/>
+                    <a16:rowId xmlns:a16="http://schemas.microsoft.com/office/drawing/2014/main" val="2529619409"/>
                   </a:ext>
                 </a:extLst>
               </a:tr>
@@ -9854,7 +9811,7 @@
                 </a:tc>
                 <a:extLst>
                   <a:ext uri="{0D108BD9-81ED-4DB2-BD59-A6C34878D82A}">
-                    <a16:rowId xmlns="" xmlns:a16="http://schemas.microsoft.com/office/drawing/2014/main" val="3291520734"/>
+                    <a16:rowId xmlns:a16="http://schemas.microsoft.com/office/drawing/2014/main" val="3291520734"/>
                   </a:ext>
                 </a:extLst>
               </a:tr>
@@ -9991,7 +9948,7 @@
                 </a:tc>
                 <a:extLst>
                   <a:ext uri="{0D108BD9-81ED-4DB2-BD59-A6C34878D82A}">
-                    <a16:rowId xmlns="" xmlns:a16="http://schemas.microsoft.com/office/drawing/2014/main" val="407616995"/>
+                    <a16:rowId xmlns:a16="http://schemas.microsoft.com/office/drawing/2014/main" val="407616995"/>
                   </a:ext>
                 </a:extLst>
               </a:tr>
@@ -10004,7 +9961,7 @@
           <p:cNvPr id="11" name="Textfeld 10">
             <a:extLst>
               <a:ext uri="{FF2B5EF4-FFF2-40B4-BE49-F238E27FC236}">
-                <a16:creationId xmlns="" xmlns:a16="http://schemas.microsoft.com/office/drawing/2014/main" id="{6F9BDBAD-6C85-5622-48BB-FD46F650F22D}"/>
+                <a16:creationId xmlns:a16="http://schemas.microsoft.com/office/drawing/2014/main" id="{6F9BDBAD-6C85-5622-48BB-FD46F650F22D}"/>
               </a:ext>
             </a:extLst>
           </p:cNvPr>
@@ -10043,7 +10000,7 @@
           <p:cNvPr id="12" name="Ellipse 11">
             <a:extLst>
               <a:ext uri="{FF2B5EF4-FFF2-40B4-BE49-F238E27FC236}">
-                <a16:creationId xmlns="" xmlns:a16="http://schemas.microsoft.com/office/drawing/2014/main" id="{1876B5DE-7F28-FBF5-8E65-0FF41851605F}"/>
+                <a16:creationId xmlns:a16="http://schemas.microsoft.com/office/drawing/2014/main" id="{1876B5DE-7F28-FBF5-8E65-0FF41851605F}"/>
               </a:ext>
             </a:extLst>
           </p:cNvPr>
@@ -10099,7 +10056,7 @@
           <p:cNvPr id="13" name="Ellipse 12">
             <a:extLst>
               <a:ext uri="{FF2B5EF4-FFF2-40B4-BE49-F238E27FC236}">
-                <a16:creationId xmlns="" xmlns:a16="http://schemas.microsoft.com/office/drawing/2014/main" id="{B7722868-73F4-79ED-453D-9557014FFB78}"/>
+                <a16:creationId xmlns:a16="http://schemas.microsoft.com/office/drawing/2014/main" id="{B7722868-73F4-79ED-453D-9557014FFB78}"/>
               </a:ext>
             </a:extLst>
           </p:cNvPr>
@@ -10155,7 +10112,7 @@
           <p:cNvPr id="14" name="Textfeld 13">
             <a:extLst>
               <a:ext uri="{FF2B5EF4-FFF2-40B4-BE49-F238E27FC236}">
-                <a16:creationId xmlns="" xmlns:a16="http://schemas.microsoft.com/office/drawing/2014/main" id="{D4775388-F8D0-3E5B-23AE-EDFC765482EC}"/>
+                <a16:creationId xmlns:a16="http://schemas.microsoft.com/office/drawing/2014/main" id="{D4775388-F8D0-3E5B-23AE-EDFC765482EC}"/>
               </a:ext>
             </a:extLst>
           </p:cNvPr>
@@ -10194,7 +10151,7 @@
           <p:cNvPr id="15" name="Textfeld 14">
             <a:extLst>
               <a:ext uri="{FF2B5EF4-FFF2-40B4-BE49-F238E27FC236}">
-                <a16:creationId xmlns="" xmlns:a16="http://schemas.microsoft.com/office/drawing/2014/main" id="{FDA1CA0C-83E0-2150-BE27-7FDC3117C3FD}"/>
+                <a16:creationId xmlns:a16="http://schemas.microsoft.com/office/drawing/2014/main" id="{FDA1CA0C-83E0-2150-BE27-7FDC3117C3FD}"/>
               </a:ext>
             </a:extLst>
           </p:cNvPr>
@@ -10238,13 +10195,6 @@
   <p:clrMapOvr>
     <a:masterClrMapping/>
   </p:clrMapOvr>
-  <p:timing>
-    <p:tnLst>
-      <p:par>
-        <p:cTn id="1" dur="indefinite" restart="never" nodeType="tmRoot"/>
-      </p:par>
-    </p:tnLst>
-  </p:timing>
 </p:sld>
 </file>
 
@@ -10270,7 +10220,7 @@
           <p:cNvPr id="9" name="Textfeld 8">
             <a:extLst>
               <a:ext uri="{FF2B5EF4-FFF2-40B4-BE49-F238E27FC236}">
-                <a16:creationId xmlns="" xmlns:a16="http://schemas.microsoft.com/office/drawing/2014/main" id="{99EF8AE6-2CAB-42B6-ADF7-989657C39A05}"/>
+                <a16:creationId xmlns:a16="http://schemas.microsoft.com/office/drawing/2014/main" id="{99EF8AE6-2CAB-42B6-ADF7-989657C39A05}"/>
               </a:ext>
             </a:extLst>
           </p:cNvPr>
@@ -10309,7 +10259,7 @@
           <p:cNvPr id="4" name="Datumsplatzhalter 3">
             <a:extLst>
               <a:ext uri="{FF2B5EF4-FFF2-40B4-BE49-F238E27FC236}">
-                <a16:creationId xmlns="" xmlns:a16="http://schemas.microsoft.com/office/drawing/2014/main" id="{B03F4F0B-76CC-7036-CBDC-DE797B9E484B}"/>
+                <a16:creationId xmlns:a16="http://schemas.microsoft.com/office/drawing/2014/main" id="{B03F4F0B-76CC-7036-CBDC-DE797B9E484B}"/>
               </a:ext>
             </a:extLst>
           </p:cNvPr>
@@ -10327,7 +10277,7 @@
           <a:p>
             <a:fld id="{12E52158-1BC2-4E16-ADAE-392D6956A53D}" type="datetime1">
               <a:rPr lang="de-DE" smtClean="0"/>
-              <a:t>03.07.2022</a:t>
+              <a:t>04.07.2022</a:t>
             </a:fld>
             <a:endParaRPr lang="de-DE"/>
           </a:p>
@@ -10338,7 +10288,7 @@
           <p:cNvPr id="5" name="Foliennummernplatzhalter 4">
             <a:extLst>
               <a:ext uri="{FF2B5EF4-FFF2-40B4-BE49-F238E27FC236}">
-                <a16:creationId xmlns="" xmlns:a16="http://schemas.microsoft.com/office/drawing/2014/main" id="{EC529953-6FF0-0D94-DED8-0798B56DEF05}"/>
+                <a16:creationId xmlns:a16="http://schemas.microsoft.com/office/drawing/2014/main" id="{EC529953-6FF0-0D94-DED8-0798B56DEF05}"/>
               </a:ext>
             </a:extLst>
           </p:cNvPr>
@@ -10367,7 +10317,7 @@
           <p:cNvPr id="6" name="Tabelle 5">
             <a:extLst>
               <a:ext uri="{FF2B5EF4-FFF2-40B4-BE49-F238E27FC236}">
-                <a16:creationId xmlns="" xmlns:a16="http://schemas.microsoft.com/office/drawing/2014/main" id="{8DB72C67-E8D5-FDF2-60E3-A9C0733F643F}"/>
+                <a16:creationId xmlns:a16="http://schemas.microsoft.com/office/drawing/2014/main" id="{8DB72C67-E8D5-FDF2-60E3-A9C0733F643F}"/>
               </a:ext>
             </a:extLst>
           </p:cNvPr>
@@ -10390,14 +10340,14 @@
                 <a:gridCol w="1442146">
                   <a:extLst>
                     <a:ext uri="{9D8B030D-6E8A-4147-A177-3AD203B41FA5}">
-                      <a16:colId xmlns="" xmlns:a16="http://schemas.microsoft.com/office/drawing/2014/main" val="340557230"/>
+                      <a16:colId xmlns:a16="http://schemas.microsoft.com/office/drawing/2014/main" val="340557230"/>
                     </a:ext>
                   </a:extLst>
                 </a:gridCol>
                 <a:gridCol w="977298">
                   <a:extLst>
                     <a:ext uri="{9D8B030D-6E8A-4147-A177-3AD203B41FA5}">
-                      <a16:colId xmlns="" xmlns:a16="http://schemas.microsoft.com/office/drawing/2014/main" val="1167263557"/>
+                      <a16:colId xmlns:a16="http://schemas.microsoft.com/office/drawing/2014/main" val="1167263557"/>
                     </a:ext>
                   </a:extLst>
                 </a:gridCol>
@@ -10542,7 +10492,7 @@
                 </a:tc>
                 <a:extLst>
                   <a:ext uri="{0D108BD9-81ED-4DB2-BD59-A6C34878D82A}">
-                    <a16:rowId xmlns="" xmlns:a16="http://schemas.microsoft.com/office/drawing/2014/main" val="2529619409"/>
+                    <a16:rowId xmlns:a16="http://schemas.microsoft.com/office/drawing/2014/main" val="2529619409"/>
                   </a:ext>
                 </a:extLst>
               </a:tr>
@@ -10699,7 +10649,7 @@
                 </a:tc>
                 <a:extLst>
                   <a:ext uri="{0D108BD9-81ED-4DB2-BD59-A6C34878D82A}">
-                    <a16:rowId xmlns="" xmlns:a16="http://schemas.microsoft.com/office/drawing/2014/main" val="3291520734"/>
+                    <a16:rowId xmlns:a16="http://schemas.microsoft.com/office/drawing/2014/main" val="3291520734"/>
                   </a:ext>
                 </a:extLst>
               </a:tr>
@@ -10856,7 +10806,7 @@
                 </a:tc>
                 <a:extLst>
                   <a:ext uri="{0D108BD9-81ED-4DB2-BD59-A6C34878D82A}">
-                    <a16:rowId xmlns="" xmlns:a16="http://schemas.microsoft.com/office/drawing/2014/main" val="407616995"/>
+                    <a16:rowId xmlns:a16="http://schemas.microsoft.com/office/drawing/2014/main" val="407616995"/>
                   </a:ext>
                 </a:extLst>
               </a:tr>
@@ -10869,7 +10819,7 @@
           <p:cNvPr id="7" name="Tabelle 6">
             <a:extLst>
               <a:ext uri="{FF2B5EF4-FFF2-40B4-BE49-F238E27FC236}">
-                <a16:creationId xmlns="" xmlns:a16="http://schemas.microsoft.com/office/drawing/2014/main" id="{399EB00D-C509-2784-2141-958B10794E24}"/>
+                <a16:creationId xmlns:a16="http://schemas.microsoft.com/office/drawing/2014/main" id="{399EB00D-C509-2784-2141-958B10794E24}"/>
               </a:ext>
             </a:extLst>
           </p:cNvPr>
@@ -10892,14 +10842,14 @@
                 <a:gridCol w="1442146">
                   <a:extLst>
                     <a:ext uri="{9D8B030D-6E8A-4147-A177-3AD203B41FA5}">
-                      <a16:colId xmlns="" xmlns:a16="http://schemas.microsoft.com/office/drawing/2014/main" val="340557230"/>
+                      <a16:colId xmlns:a16="http://schemas.microsoft.com/office/drawing/2014/main" val="340557230"/>
                     </a:ext>
                   </a:extLst>
                 </a:gridCol>
                 <a:gridCol w="977298">
                   <a:extLst>
                     <a:ext uri="{9D8B030D-6E8A-4147-A177-3AD203B41FA5}">
-                      <a16:colId xmlns="" xmlns:a16="http://schemas.microsoft.com/office/drawing/2014/main" val="1167263557"/>
+                      <a16:colId xmlns:a16="http://schemas.microsoft.com/office/drawing/2014/main" val="1167263557"/>
                     </a:ext>
                   </a:extLst>
                 </a:gridCol>
@@ -11044,7 +10994,7 @@
                 </a:tc>
                 <a:extLst>
                   <a:ext uri="{0D108BD9-81ED-4DB2-BD59-A6C34878D82A}">
-                    <a16:rowId xmlns="" xmlns:a16="http://schemas.microsoft.com/office/drawing/2014/main" val="2529619409"/>
+                    <a16:rowId xmlns:a16="http://schemas.microsoft.com/office/drawing/2014/main" val="2529619409"/>
                   </a:ext>
                 </a:extLst>
               </a:tr>
@@ -11201,7 +11151,7 @@
                 </a:tc>
                 <a:extLst>
                   <a:ext uri="{0D108BD9-81ED-4DB2-BD59-A6C34878D82A}">
-                    <a16:rowId xmlns="" xmlns:a16="http://schemas.microsoft.com/office/drawing/2014/main" val="3291520734"/>
+                    <a16:rowId xmlns:a16="http://schemas.microsoft.com/office/drawing/2014/main" val="3291520734"/>
                   </a:ext>
                 </a:extLst>
               </a:tr>
@@ -11358,7 +11308,7 @@
                 </a:tc>
                 <a:extLst>
                   <a:ext uri="{0D108BD9-81ED-4DB2-BD59-A6C34878D82A}">
-                    <a16:rowId xmlns="" xmlns:a16="http://schemas.microsoft.com/office/drawing/2014/main" val="407616995"/>
+                    <a16:rowId xmlns:a16="http://schemas.microsoft.com/office/drawing/2014/main" val="407616995"/>
                   </a:ext>
                 </a:extLst>
               </a:tr>
@@ -11371,7 +11321,7 @@
           <p:cNvPr id="8" name="Tabelle 7">
             <a:extLst>
               <a:ext uri="{FF2B5EF4-FFF2-40B4-BE49-F238E27FC236}">
-                <a16:creationId xmlns="" xmlns:a16="http://schemas.microsoft.com/office/drawing/2014/main" id="{1D9887B5-EEB9-8773-ED06-F2BE5D060DCE}"/>
+                <a16:creationId xmlns:a16="http://schemas.microsoft.com/office/drawing/2014/main" id="{1D9887B5-EEB9-8773-ED06-F2BE5D060DCE}"/>
               </a:ext>
             </a:extLst>
           </p:cNvPr>
@@ -11400,14 +11350,14 @@
                 <a:gridCol w="1442146">
                   <a:extLst>
                     <a:ext uri="{9D8B030D-6E8A-4147-A177-3AD203B41FA5}">
-                      <a16:colId xmlns="" xmlns:a16="http://schemas.microsoft.com/office/drawing/2014/main" val="340557230"/>
+                      <a16:colId xmlns:a16="http://schemas.microsoft.com/office/drawing/2014/main" val="340557230"/>
                     </a:ext>
                   </a:extLst>
                 </a:gridCol>
                 <a:gridCol w="977298">
                   <a:extLst>
                     <a:ext uri="{9D8B030D-6E8A-4147-A177-3AD203B41FA5}">
-                      <a16:colId xmlns="" xmlns:a16="http://schemas.microsoft.com/office/drawing/2014/main" val="1167263557"/>
+                      <a16:colId xmlns:a16="http://schemas.microsoft.com/office/drawing/2014/main" val="1167263557"/>
                     </a:ext>
                   </a:extLst>
                 </a:gridCol>
@@ -11542,7 +11492,7 @@
                 </a:tc>
                 <a:extLst>
                   <a:ext uri="{0D108BD9-81ED-4DB2-BD59-A6C34878D82A}">
-                    <a16:rowId xmlns="" xmlns:a16="http://schemas.microsoft.com/office/drawing/2014/main" val="2529619409"/>
+                    <a16:rowId xmlns:a16="http://schemas.microsoft.com/office/drawing/2014/main" val="2529619409"/>
                   </a:ext>
                 </a:extLst>
               </a:tr>
@@ -11679,7 +11629,7 @@
                 </a:tc>
                 <a:extLst>
                   <a:ext uri="{0D108BD9-81ED-4DB2-BD59-A6C34878D82A}">
-                    <a16:rowId xmlns="" xmlns:a16="http://schemas.microsoft.com/office/drawing/2014/main" val="3291520734"/>
+                    <a16:rowId xmlns:a16="http://schemas.microsoft.com/office/drawing/2014/main" val="3291520734"/>
                   </a:ext>
                 </a:extLst>
               </a:tr>
@@ -11816,7 +11766,7 @@
                 </a:tc>
                 <a:extLst>
                   <a:ext uri="{0D108BD9-81ED-4DB2-BD59-A6C34878D82A}">
-                    <a16:rowId xmlns="" xmlns:a16="http://schemas.microsoft.com/office/drawing/2014/main" val="407616995"/>
+                    <a16:rowId xmlns:a16="http://schemas.microsoft.com/office/drawing/2014/main" val="407616995"/>
                   </a:ext>
                 </a:extLst>
               </a:tr>
@@ -11829,7 +11779,7 @@
           <p:cNvPr id="12" name="Ellipse 11">
             <a:extLst>
               <a:ext uri="{FF2B5EF4-FFF2-40B4-BE49-F238E27FC236}">
-                <a16:creationId xmlns="" xmlns:a16="http://schemas.microsoft.com/office/drawing/2014/main" id="{1876B5DE-7F28-FBF5-8E65-0FF41851605F}"/>
+                <a16:creationId xmlns:a16="http://schemas.microsoft.com/office/drawing/2014/main" id="{1876B5DE-7F28-FBF5-8E65-0FF41851605F}"/>
               </a:ext>
             </a:extLst>
           </p:cNvPr>
@@ -11885,7 +11835,7 @@
           <p:cNvPr id="13" name="Ellipse 12">
             <a:extLst>
               <a:ext uri="{FF2B5EF4-FFF2-40B4-BE49-F238E27FC236}">
-                <a16:creationId xmlns="" xmlns:a16="http://schemas.microsoft.com/office/drawing/2014/main" id="{B7722868-73F4-79ED-453D-9557014FFB78}"/>
+                <a16:creationId xmlns:a16="http://schemas.microsoft.com/office/drawing/2014/main" id="{B7722868-73F4-79ED-453D-9557014FFB78}"/>
               </a:ext>
             </a:extLst>
           </p:cNvPr>
@@ -11941,7 +11891,7 @@
           <p:cNvPr id="14" name="Textfeld 13">
             <a:extLst>
               <a:ext uri="{FF2B5EF4-FFF2-40B4-BE49-F238E27FC236}">
-                <a16:creationId xmlns="" xmlns:a16="http://schemas.microsoft.com/office/drawing/2014/main" id="{D4775388-F8D0-3E5B-23AE-EDFC765482EC}"/>
+                <a16:creationId xmlns:a16="http://schemas.microsoft.com/office/drawing/2014/main" id="{D4775388-F8D0-3E5B-23AE-EDFC765482EC}"/>
               </a:ext>
             </a:extLst>
           </p:cNvPr>
@@ -11980,7 +11930,7 @@
           <p:cNvPr id="15" name="Textfeld 14">
             <a:extLst>
               <a:ext uri="{FF2B5EF4-FFF2-40B4-BE49-F238E27FC236}">
-                <a16:creationId xmlns="" xmlns:a16="http://schemas.microsoft.com/office/drawing/2014/main" id="{FDA1CA0C-83E0-2150-BE27-7FDC3117C3FD}"/>
+                <a16:creationId xmlns:a16="http://schemas.microsoft.com/office/drawing/2014/main" id="{FDA1CA0C-83E0-2150-BE27-7FDC3117C3FD}"/>
               </a:ext>
             </a:extLst>
           </p:cNvPr>
@@ -12019,7 +11969,7 @@
           <p:cNvPr id="27" name="Tabelle 26">
             <a:extLst>
               <a:ext uri="{FF2B5EF4-FFF2-40B4-BE49-F238E27FC236}">
-                <a16:creationId xmlns="" xmlns:a16="http://schemas.microsoft.com/office/drawing/2014/main" id="{F15CBDC4-6840-C178-B2E2-B42ACFB30598}"/>
+                <a16:creationId xmlns:a16="http://schemas.microsoft.com/office/drawing/2014/main" id="{F15CBDC4-6840-C178-B2E2-B42ACFB30598}"/>
               </a:ext>
             </a:extLst>
           </p:cNvPr>
@@ -12048,14 +11998,14 @@
                 <a:gridCol w="5628426">
                   <a:extLst>
                     <a:ext uri="{9D8B030D-6E8A-4147-A177-3AD203B41FA5}">
-                      <a16:colId xmlns="" xmlns:a16="http://schemas.microsoft.com/office/drawing/2014/main" val="340557230"/>
+                      <a16:colId xmlns:a16="http://schemas.microsoft.com/office/drawing/2014/main" val="340557230"/>
                     </a:ext>
                   </a:extLst>
                 </a:gridCol>
                 <a:gridCol w="3814213">
                   <a:extLst>
                     <a:ext uri="{9D8B030D-6E8A-4147-A177-3AD203B41FA5}">
-                      <a16:colId xmlns="" xmlns:a16="http://schemas.microsoft.com/office/drawing/2014/main" val="1167263557"/>
+                      <a16:colId xmlns:a16="http://schemas.microsoft.com/office/drawing/2014/main" val="1167263557"/>
                     </a:ext>
                   </a:extLst>
                 </a:gridCol>
@@ -12190,7 +12140,7 @@
                 </a:tc>
                 <a:extLst>
                   <a:ext uri="{0D108BD9-81ED-4DB2-BD59-A6C34878D82A}">
-                    <a16:rowId xmlns="" xmlns:a16="http://schemas.microsoft.com/office/drawing/2014/main" val="2529619409"/>
+                    <a16:rowId xmlns:a16="http://schemas.microsoft.com/office/drawing/2014/main" val="2529619409"/>
                   </a:ext>
                 </a:extLst>
               </a:tr>
@@ -12324,7 +12274,7 @@
                 </a:tc>
                 <a:extLst>
                   <a:ext uri="{0D108BD9-81ED-4DB2-BD59-A6C34878D82A}">
-                    <a16:rowId xmlns="" xmlns:a16="http://schemas.microsoft.com/office/drawing/2014/main" val="3291520734"/>
+                    <a16:rowId xmlns:a16="http://schemas.microsoft.com/office/drawing/2014/main" val="3291520734"/>
                   </a:ext>
                 </a:extLst>
               </a:tr>
@@ -12458,7 +12408,7 @@
                 </a:tc>
                 <a:extLst>
                   <a:ext uri="{0D108BD9-81ED-4DB2-BD59-A6C34878D82A}">
-                    <a16:rowId xmlns="" xmlns:a16="http://schemas.microsoft.com/office/drawing/2014/main" val="407616995"/>
+                    <a16:rowId xmlns:a16="http://schemas.microsoft.com/office/drawing/2014/main" val="407616995"/>
                   </a:ext>
                 </a:extLst>
               </a:tr>
@@ -12471,7 +12421,7 @@
           <p:cNvPr id="28" name="Ellipse 27">
             <a:extLst>
               <a:ext uri="{FF2B5EF4-FFF2-40B4-BE49-F238E27FC236}">
-                <a16:creationId xmlns="" xmlns:a16="http://schemas.microsoft.com/office/drawing/2014/main" id="{589B70BB-D537-5BFE-9917-0A491943F838}"/>
+                <a16:creationId xmlns:a16="http://schemas.microsoft.com/office/drawing/2014/main" id="{589B70BB-D537-5BFE-9917-0A491943F838}"/>
               </a:ext>
             </a:extLst>
           </p:cNvPr>
@@ -12527,7 +12477,7 @@
           <p:cNvPr id="29" name="Ellipse 28">
             <a:extLst>
               <a:ext uri="{FF2B5EF4-FFF2-40B4-BE49-F238E27FC236}">
-                <a16:creationId xmlns="" xmlns:a16="http://schemas.microsoft.com/office/drawing/2014/main" id="{26ED80A4-B2E3-6170-2B05-645BEC948D61}"/>
+                <a16:creationId xmlns:a16="http://schemas.microsoft.com/office/drawing/2014/main" id="{26ED80A4-B2E3-6170-2B05-645BEC948D61}"/>
               </a:ext>
             </a:extLst>
           </p:cNvPr>
@@ -12583,7 +12533,7 @@
           <p:cNvPr id="30" name="Ellipse 29">
             <a:extLst>
               <a:ext uri="{FF2B5EF4-FFF2-40B4-BE49-F238E27FC236}">
-                <a16:creationId xmlns="" xmlns:a16="http://schemas.microsoft.com/office/drawing/2014/main" id="{86CB8788-6CB0-E076-124B-8AC9AA1F2FE9}"/>
+                <a16:creationId xmlns:a16="http://schemas.microsoft.com/office/drawing/2014/main" id="{86CB8788-6CB0-E076-124B-8AC9AA1F2FE9}"/>
               </a:ext>
             </a:extLst>
           </p:cNvPr>
@@ -12639,7 +12589,7 @@
           <p:cNvPr id="31" name="Ellipse 30">
             <a:extLst>
               <a:ext uri="{FF2B5EF4-FFF2-40B4-BE49-F238E27FC236}">
-                <a16:creationId xmlns="" xmlns:a16="http://schemas.microsoft.com/office/drawing/2014/main" id="{C908EC67-E7CB-AAC5-DEE4-B694A1E309C0}"/>
+                <a16:creationId xmlns:a16="http://schemas.microsoft.com/office/drawing/2014/main" id="{C908EC67-E7CB-AAC5-DEE4-B694A1E309C0}"/>
               </a:ext>
             </a:extLst>
           </p:cNvPr>
@@ -12695,7 +12645,7 @@
           <p:cNvPr id="32" name="Ellipse 31">
             <a:extLst>
               <a:ext uri="{FF2B5EF4-FFF2-40B4-BE49-F238E27FC236}">
-                <a16:creationId xmlns="" xmlns:a16="http://schemas.microsoft.com/office/drawing/2014/main" id="{A9A541A8-4327-1B51-D384-AA3DA0E881F2}"/>
+                <a16:creationId xmlns:a16="http://schemas.microsoft.com/office/drawing/2014/main" id="{A9A541A8-4327-1B51-D384-AA3DA0E881F2}"/>
               </a:ext>
             </a:extLst>
           </p:cNvPr>
@@ -12751,7 +12701,7 @@
           <p:cNvPr id="33" name="Ellipse 32">
             <a:extLst>
               <a:ext uri="{FF2B5EF4-FFF2-40B4-BE49-F238E27FC236}">
-                <a16:creationId xmlns="" xmlns:a16="http://schemas.microsoft.com/office/drawing/2014/main" id="{851C5D1C-59B8-79F1-A9E6-D913AC36AF88}"/>
+                <a16:creationId xmlns:a16="http://schemas.microsoft.com/office/drawing/2014/main" id="{851C5D1C-59B8-79F1-A9E6-D913AC36AF88}"/>
               </a:ext>
             </a:extLst>
           </p:cNvPr>
@@ -12807,7 +12757,7 @@
           <p:cNvPr id="34" name="Ellipse 33">
             <a:extLst>
               <a:ext uri="{FF2B5EF4-FFF2-40B4-BE49-F238E27FC236}">
-                <a16:creationId xmlns="" xmlns:a16="http://schemas.microsoft.com/office/drawing/2014/main" id="{34A13C0D-310E-46DA-6899-08DA0701F474}"/>
+                <a16:creationId xmlns:a16="http://schemas.microsoft.com/office/drawing/2014/main" id="{34A13C0D-310E-46DA-6899-08DA0701F474}"/>
               </a:ext>
             </a:extLst>
           </p:cNvPr>
@@ -12863,7 +12813,7 @@
           <p:cNvPr id="35" name="Ellipse 34">
             <a:extLst>
               <a:ext uri="{FF2B5EF4-FFF2-40B4-BE49-F238E27FC236}">
-                <a16:creationId xmlns="" xmlns:a16="http://schemas.microsoft.com/office/drawing/2014/main" id="{51B85E55-6469-17A6-2E36-588F2BDFD631}"/>
+                <a16:creationId xmlns:a16="http://schemas.microsoft.com/office/drawing/2014/main" id="{51B85E55-6469-17A6-2E36-588F2BDFD631}"/>
               </a:ext>
             </a:extLst>
           </p:cNvPr>
@@ -12919,7 +12869,7 @@
           <p:cNvPr id="36" name="Ellipse 35">
             <a:extLst>
               <a:ext uri="{FF2B5EF4-FFF2-40B4-BE49-F238E27FC236}">
-                <a16:creationId xmlns="" xmlns:a16="http://schemas.microsoft.com/office/drawing/2014/main" id="{63B79020-A78C-976A-D267-F6546148F286}"/>
+                <a16:creationId xmlns:a16="http://schemas.microsoft.com/office/drawing/2014/main" id="{63B79020-A78C-976A-D267-F6546148F286}"/>
               </a:ext>
             </a:extLst>
           </p:cNvPr>
@@ -12975,7 +12925,7 @@
           <p:cNvPr id="37" name="Ellipse 36">
             <a:extLst>
               <a:ext uri="{FF2B5EF4-FFF2-40B4-BE49-F238E27FC236}">
-                <a16:creationId xmlns="" xmlns:a16="http://schemas.microsoft.com/office/drawing/2014/main" id="{A84DA594-5434-ABCB-5361-31843954B8D8}"/>
+                <a16:creationId xmlns:a16="http://schemas.microsoft.com/office/drawing/2014/main" id="{A84DA594-5434-ABCB-5361-31843954B8D8}"/>
               </a:ext>
             </a:extLst>
           </p:cNvPr>
@@ -13031,7 +12981,7 @@
           <p:cNvPr id="38" name="Ellipse 37">
             <a:extLst>
               <a:ext uri="{FF2B5EF4-FFF2-40B4-BE49-F238E27FC236}">
-                <a16:creationId xmlns="" xmlns:a16="http://schemas.microsoft.com/office/drawing/2014/main" id="{0D613FE4-DF0C-57A4-BC18-7CDE9EC6B113}"/>
+                <a16:creationId xmlns:a16="http://schemas.microsoft.com/office/drawing/2014/main" id="{0D613FE4-DF0C-57A4-BC18-7CDE9EC6B113}"/>
               </a:ext>
             </a:extLst>
           </p:cNvPr>
@@ -13087,7 +13037,7 @@
           <p:cNvPr id="39" name="Ellipse 38">
             <a:extLst>
               <a:ext uri="{FF2B5EF4-FFF2-40B4-BE49-F238E27FC236}">
-                <a16:creationId xmlns="" xmlns:a16="http://schemas.microsoft.com/office/drawing/2014/main" id="{0898BE5B-5C48-B688-AAE3-C4A6416C1DFB}"/>
+                <a16:creationId xmlns:a16="http://schemas.microsoft.com/office/drawing/2014/main" id="{0898BE5B-5C48-B688-AAE3-C4A6416C1DFB}"/>
               </a:ext>
             </a:extLst>
           </p:cNvPr>
@@ -13143,7 +13093,7 @@
           <p:cNvPr id="40" name="Ellipse 39">
             <a:extLst>
               <a:ext uri="{FF2B5EF4-FFF2-40B4-BE49-F238E27FC236}">
-                <a16:creationId xmlns="" xmlns:a16="http://schemas.microsoft.com/office/drawing/2014/main" id="{795D3493-447B-CE30-F3F9-5064F01BF077}"/>
+                <a16:creationId xmlns:a16="http://schemas.microsoft.com/office/drawing/2014/main" id="{795D3493-447B-CE30-F3F9-5064F01BF077}"/>
               </a:ext>
             </a:extLst>
           </p:cNvPr>
@@ -13199,7 +13149,7 @@
           <p:cNvPr id="41" name="Ellipse 40">
             <a:extLst>
               <a:ext uri="{FF2B5EF4-FFF2-40B4-BE49-F238E27FC236}">
-                <a16:creationId xmlns="" xmlns:a16="http://schemas.microsoft.com/office/drawing/2014/main" id="{52BFF4F5-2A1B-70DA-EC48-0676624B1686}"/>
+                <a16:creationId xmlns:a16="http://schemas.microsoft.com/office/drawing/2014/main" id="{52BFF4F5-2A1B-70DA-EC48-0676624B1686}"/>
               </a:ext>
             </a:extLst>
           </p:cNvPr>
@@ -13255,7 +13205,7 @@
           <p:cNvPr id="42" name="Ellipse 41">
             <a:extLst>
               <a:ext uri="{FF2B5EF4-FFF2-40B4-BE49-F238E27FC236}">
-                <a16:creationId xmlns="" xmlns:a16="http://schemas.microsoft.com/office/drawing/2014/main" id="{F195C38A-4BA9-BE8C-5341-B59551DD9B2B}"/>
+                <a16:creationId xmlns:a16="http://schemas.microsoft.com/office/drawing/2014/main" id="{F195C38A-4BA9-BE8C-5341-B59551DD9B2B}"/>
               </a:ext>
             </a:extLst>
           </p:cNvPr>
@@ -13311,7 +13261,7 @@
           <p:cNvPr id="43" name="Ellipse 42">
             <a:extLst>
               <a:ext uri="{FF2B5EF4-FFF2-40B4-BE49-F238E27FC236}">
-                <a16:creationId xmlns="" xmlns:a16="http://schemas.microsoft.com/office/drawing/2014/main" id="{42D58094-FC88-FA44-905C-305EA27A2AF1}"/>
+                <a16:creationId xmlns:a16="http://schemas.microsoft.com/office/drawing/2014/main" id="{42D58094-FC88-FA44-905C-305EA27A2AF1}"/>
               </a:ext>
             </a:extLst>
           </p:cNvPr>
@@ -13367,7 +13317,7 @@
           <p:cNvPr id="44" name="Ellipse 43">
             <a:extLst>
               <a:ext uri="{FF2B5EF4-FFF2-40B4-BE49-F238E27FC236}">
-                <a16:creationId xmlns="" xmlns:a16="http://schemas.microsoft.com/office/drawing/2014/main" id="{0A30C2F8-403C-4AC5-CD1B-19A292DA57F4}"/>
+                <a16:creationId xmlns:a16="http://schemas.microsoft.com/office/drawing/2014/main" id="{0A30C2F8-403C-4AC5-CD1B-19A292DA57F4}"/>
               </a:ext>
             </a:extLst>
           </p:cNvPr>
@@ -13423,7 +13373,7 @@
           <p:cNvPr id="45" name="Ellipse 44">
             <a:extLst>
               <a:ext uri="{FF2B5EF4-FFF2-40B4-BE49-F238E27FC236}">
-                <a16:creationId xmlns="" xmlns:a16="http://schemas.microsoft.com/office/drawing/2014/main" id="{6A7F19D8-0975-9ECF-B2D0-78DAAE8DC068}"/>
+                <a16:creationId xmlns:a16="http://schemas.microsoft.com/office/drawing/2014/main" id="{6A7F19D8-0975-9ECF-B2D0-78DAAE8DC068}"/>
               </a:ext>
             </a:extLst>
           </p:cNvPr>
@@ -13479,7 +13429,7 @@
           <p:cNvPr id="46" name="Ellipse 45">
             <a:extLst>
               <a:ext uri="{FF2B5EF4-FFF2-40B4-BE49-F238E27FC236}">
-                <a16:creationId xmlns="" xmlns:a16="http://schemas.microsoft.com/office/drawing/2014/main" id="{C82C43A6-9978-5892-F1A4-EA2780DFE151}"/>
+                <a16:creationId xmlns:a16="http://schemas.microsoft.com/office/drawing/2014/main" id="{C82C43A6-9978-5892-F1A4-EA2780DFE151}"/>
               </a:ext>
             </a:extLst>
           </p:cNvPr>
@@ -13535,7 +13485,7 @@
           <p:cNvPr id="47" name="Ellipse 46">
             <a:extLst>
               <a:ext uri="{FF2B5EF4-FFF2-40B4-BE49-F238E27FC236}">
-                <a16:creationId xmlns="" xmlns:a16="http://schemas.microsoft.com/office/drawing/2014/main" id="{0C6ED9B2-66D3-8092-53BC-EA8594BD5C51}"/>
+                <a16:creationId xmlns:a16="http://schemas.microsoft.com/office/drawing/2014/main" id="{0C6ED9B2-66D3-8092-53BC-EA8594BD5C51}"/>
               </a:ext>
             </a:extLst>
           </p:cNvPr>
@@ -13591,7 +13541,7 @@
           <p:cNvPr id="48" name="Ellipse 47">
             <a:extLst>
               <a:ext uri="{FF2B5EF4-FFF2-40B4-BE49-F238E27FC236}">
-                <a16:creationId xmlns="" xmlns:a16="http://schemas.microsoft.com/office/drawing/2014/main" id="{8834930B-B843-F8FB-3980-1633F4B075BD}"/>
+                <a16:creationId xmlns:a16="http://schemas.microsoft.com/office/drawing/2014/main" id="{8834930B-B843-F8FB-3980-1633F4B075BD}"/>
               </a:ext>
             </a:extLst>
           </p:cNvPr>
@@ -13647,7 +13597,7 @@
           <p:cNvPr id="49" name="Ellipse 48">
             <a:extLst>
               <a:ext uri="{FF2B5EF4-FFF2-40B4-BE49-F238E27FC236}">
-                <a16:creationId xmlns="" xmlns:a16="http://schemas.microsoft.com/office/drawing/2014/main" id="{067B2D9A-59F9-5813-92B8-868E019C63DF}"/>
+                <a16:creationId xmlns:a16="http://schemas.microsoft.com/office/drawing/2014/main" id="{067B2D9A-59F9-5813-92B8-868E019C63DF}"/>
               </a:ext>
             </a:extLst>
           </p:cNvPr>
@@ -13703,7 +13653,7 @@
           <p:cNvPr id="50" name="Ellipse 49">
             <a:extLst>
               <a:ext uri="{FF2B5EF4-FFF2-40B4-BE49-F238E27FC236}">
-                <a16:creationId xmlns="" xmlns:a16="http://schemas.microsoft.com/office/drawing/2014/main" id="{C3340A5B-CDB4-4574-5D85-E311771E3E1B}"/>
+                <a16:creationId xmlns:a16="http://schemas.microsoft.com/office/drawing/2014/main" id="{C3340A5B-CDB4-4574-5D85-E311771E3E1B}"/>
               </a:ext>
             </a:extLst>
           </p:cNvPr>
@@ -13759,7 +13709,7 @@
           <p:cNvPr id="51" name="Ellipse 50">
             <a:extLst>
               <a:ext uri="{FF2B5EF4-FFF2-40B4-BE49-F238E27FC236}">
-                <a16:creationId xmlns="" xmlns:a16="http://schemas.microsoft.com/office/drawing/2014/main" id="{E5986CC6-18AA-C06B-818E-5AAB59B36FB2}"/>
+                <a16:creationId xmlns:a16="http://schemas.microsoft.com/office/drawing/2014/main" id="{E5986CC6-18AA-C06B-818E-5AAB59B36FB2}"/>
               </a:ext>
             </a:extLst>
           </p:cNvPr>
@@ -13820,13 +13770,6 @@
   <p:clrMapOvr>
     <a:masterClrMapping/>
   </p:clrMapOvr>
-  <p:timing>
-    <p:tnLst>
-      <p:par>
-        <p:cTn id="1" dur="indefinite" restart="never" nodeType="tmRoot"/>
-      </p:par>
-    </p:tnLst>
-  </p:timing>
 </p:sld>
 </file>
 
@@ -13852,7 +13795,7 @@
           <p:cNvPr id="9" name="Textfeld 8">
             <a:extLst>
               <a:ext uri="{FF2B5EF4-FFF2-40B4-BE49-F238E27FC236}">
-                <a16:creationId xmlns="" xmlns:a16="http://schemas.microsoft.com/office/drawing/2014/main" id="{99EF8AE6-2CAB-42B6-ADF7-989657C39A05}"/>
+                <a16:creationId xmlns:a16="http://schemas.microsoft.com/office/drawing/2014/main" id="{99EF8AE6-2CAB-42B6-ADF7-989657C39A05}"/>
               </a:ext>
             </a:extLst>
           </p:cNvPr>
@@ -13891,7 +13834,7 @@
           <p:cNvPr id="10" name="Textfeld 9">
             <a:extLst>
               <a:ext uri="{FF2B5EF4-FFF2-40B4-BE49-F238E27FC236}">
-                <a16:creationId xmlns="" xmlns:a16="http://schemas.microsoft.com/office/drawing/2014/main" id="{8FB7EB10-123C-4822-A7C3-B3A38E843864}"/>
+                <a16:creationId xmlns:a16="http://schemas.microsoft.com/office/drawing/2014/main" id="{8FB7EB10-123C-4822-A7C3-B3A38E843864}"/>
               </a:ext>
             </a:extLst>
           </p:cNvPr>
@@ -14057,7 +14000,7 @@
           <p:cNvPr id="4" name="Datumsplatzhalter 3">
             <a:extLst>
               <a:ext uri="{FF2B5EF4-FFF2-40B4-BE49-F238E27FC236}">
-                <a16:creationId xmlns="" xmlns:a16="http://schemas.microsoft.com/office/drawing/2014/main" id="{ED8D66D8-5335-815A-5BD0-44D95A6D6016}"/>
+                <a16:creationId xmlns:a16="http://schemas.microsoft.com/office/drawing/2014/main" id="{ED8D66D8-5335-815A-5BD0-44D95A6D6016}"/>
               </a:ext>
             </a:extLst>
           </p:cNvPr>
@@ -14075,7 +14018,7 @@
           <a:p>
             <a:fld id="{B37BF634-7F31-4357-A4C8-625362F20494}" type="datetime1">
               <a:rPr lang="de-DE" smtClean="0"/>
-              <a:t>03.07.2022</a:t>
+              <a:t>04.07.2022</a:t>
             </a:fld>
             <a:endParaRPr lang="de-DE"/>
           </a:p>
@@ -14086,7 +14029,7 @@
           <p:cNvPr id="5" name="Foliennummernplatzhalter 4">
             <a:extLst>
               <a:ext uri="{FF2B5EF4-FFF2-40B4-BE49-F238E27FC236}">
-                <a16:creationId xmlns="" xmlns:a16="http://schemas.microsoft.com/office/drawing/2014/main" id="{CB48BF37-4BF0-D12B-531A-3D02D72CA628}"/>
+                <a16:creationId xmlns:a16="http://schemas.microsoft.com/office/drawing/2014/main" id="{CB48BF37-4BF0-D12B-531A-3D02D72CA628}"/>
               </a:ext>
             </a:extLst>
           </p:cNvPr>
@@ -14120,13 +14063,6 @@
   <p:clrMapOvr>
     <a:masterClrMapping/>
   </p:clrMapOvr>
-  <p:timing>
-    <p:tnLst>
-      <p:par>
-        <p:cTn id="1" dur="indefinite" restart="never" nodeType="tmRoot"/>
-      </p:par>
-    </p:tnLst>
-  </p:timing>
 </p:sld>
 </file>
 
@@ -14152,7 +14088,7 @@
           <p:cNvPr id="4" name="Rechteck 3">
             <a:extLst>
               <a:ext uri="{FF2B5EF4-FFF2-40B4-BE49-F238E27FC236}">
-                <a16:creationId xmlns="" xmlns:a16="http://schemas.microsoft.com/office/drawing/2014/main" id="{25BC0F38-C5EA-4A88-B161-F0A7D0C230D8}"/>
+                <a16:creationId xmlns:a16="http://schemas.microsoft.com/office/drawing/2014/main" id="{25BC0F38-C5EA-4A88-B161-F0A7D0C230D8}"/>
               </a:ext>
             </a:extLst>
           </p:cNvPr>
@@ -14204,7 +14140,7 @@
           <p:cNvPr id="2" name="Textfeld 1">
             <a:extLst>
               <a:ext uri="{FF2B5EF4-FFF2-40B4-BE49-F238E27FC236}">
-                <a16:creationId xmlns="" xmlns:a16="http://schemas.microsoft.com/office/drawing/2014/main" id="{1017C281-9103-4001-B331-1945313A1AF6}"/>
+                <a16:creationId xmlns:a16="http://schemas.microsoft.com/office/drawing/2014/main" id="{1017C281-9103-4001-B331-1945313A1AF6}"/>
               </a:ext>
             </a:extLst>
           </p:cNvPr>
@@ -14249,13 +14185,6 @@
   <p:clrMapOvr>
     <a:masterClrMapping/>
   </p:clrMapOvr>
-  <p:timing>
-    <p:tnLst>
-      <p:par>
-        <p:cTn id="1" dur="indefinite" restart="never" nodeType="tmRoot"/>
-      </p:par>
-    </p:tnLst>
-  </p:timing>
 </p:sld>
 </file>
 
@@ -14281,7 +14210,7 @@
           <p:cNvPr id="4" name="Rechteck 3">
             <a:extLst>
               <a:ext uri="{FF2B5EF4-FFF2-40B4-BE49-F238E27FC236}">
-                <a16:creationId xmlns="" xmlns:a16="http://schemas.microsoft.com/office/drawing/2014/main" id="{25BC0F38-C5EA-4A88-B161-F0A7D0C230D8}"/>
+                <a16:creationId xmlns:a16="http://schemas.microsoft.com/office/drawing/2014/main" id="{25BC0F38-C5EA-4A88-B161-F0A7D0C230D8}"/>
               </a:ext>
             </a:extLst>
           </p:cNvPr>
@@ -14333,7 +14262,7 @@
           <p:cNvPr id="2" name="Textfeld 1">
             <a:extLst>
               <a:ext uri="{FF2B5EF4-FFF2-40B4-BE49-F238E27FC236}">
-                <a16:creationId xmlns="" xmlns:a16="http://schemas.microsoft.com/office/drawing/2014/main" id="{1017C281-9103-4001-B331-1945313A1AF6}"/>
+                <a16:creationId xmlns:a16="http://schemas.microsoft.com/office/drawing/2014/main" id="{1017C281-9103-4001-B331-1945313A1AF6}"/>
               </a:ext>
             </a:extLst>
           </p:cNvPr>
@@ -14372,7 +14301,7 @@
           <p:cNvPr id="6" name="Datumsplatzhalter 5">
             <a:extLst>
               <a:ext uri="{FF2B5EF4-FFF2-40B4-BE49-F238E27FC236}">
-                <a16:creationId xmlns="" xmlns:a16="http://schemas.microsoft.com/office/drawing/2014/main" id="{FDCCC8AF-1AAB-C0A1-31EF-8F84C928CCB9}"/>
+                <a16:creationId xmlns:a16="http://schemas.microsoft.com/office/drawing/2014/main" id="{FDCCC8AF-1AAB-C0A1-31EF-8F84C928CCB9}"/>
               </a:ext>
             </a:extLst>
           </p:cNvPr>
@@ -14390,7 +14319,7 @@
           <a:p>
             <a:fld id="{4BEA33E4-8E85-499A-BD28-A802FFFCDA60}" type="datetime1">
               <a:rPr lang="de-DE" smtClean="0"/>
-              <a:t>03.07.2022</a:t>
+              <a:t>04.07.2022</a:t>
             </a:fld>
             <a:endParaRPr lang="de-DE" dirty="0"/>
           </a:p>
@@ -14401,7 +14330,7 @@
           <p:cNvPr id="7" name="Foliennummernplatzhalter 6">
             <a:extLst>
               <a:ext uri="{FF2B5EF4-FFF2-40B4-BE49-F238E27FC236}">
-                <a16:creationId xmlns="" xmlns:a16="http://schemas.microsoft.com/office/drawing/2014/main" id="{05E3FBCF-D950-F55D-4E1A-C539DFC85CCF}"/>
+                <a16:creationId xmlns:a16="http://schemas.microsoft.com/office/drawing/2014/main" id="{05E3FBCF-D950-F55D-4E1A-C539DFC85CCF}"/>
               </a:ext>
             </a:extLst>
           </p:cNvPr>
@@ -14435,13 +14364,6 @@
   <p:clrMapOvr>
     <a:masterClrMapping/>
   </p:clrMapOvr>
-  <p:timing>
-    <p:tnLst>
-      <p:par>
-        <p:cTn id="1" dur="indefinite" restart="never" nodeType="tmRoot"/>
-      </p:par>
-    </p:tnLst>
-  </p:timing>
 </p:sld>
 </file>
 
@@ -14467,7 +14389,7 @@
           <p:cNvPr id="4" name="Rechteck 3">
             <a:extLst>
               <a:ext uri="{FF2B5EF4-FFF2-40B4-BE49-F238E27FC236}">
-                <a16:creationId xmlns="" xmlns:a16="http://schemas.microsoft.com/office/drawing/2014/main" id="{25BC0F38-C5EA-4A88-B161-F0A7D0C230D8}"/>
+                <a16:creationId xmlns:a16="http://schemas.microsoft.com/office/drawing/2014/main" id="{25BC0F38-C5EA-4A88-B161-F0A7D0C230D8}"/>
               </a:ext>
             </a:extLst>
           </p:cNvPr>
@@ -14519,7 +14441,7 @@
           <p:cNvPr id="5" name="Textfeld 4">
             <a:extLst>
               <a:ext uri="{FF2B5EF4-FFF2-40B4-BE49-F238E27FC236}">
-                <a16:creationId xmlns="" xmlns:a16="http://schemas.microsoft.com/office/drawing/2014/main" id="{FFDCD26C-065F-4B06-AEE2-0FB369E2F149}"/>
+                <a16:creationId xmlns:a16="http://schemas.microsoft.com/office/drawing/2014/main" id="{FFDCD26C-065F-4B06-AEE2-0FB369E2F149}"/>
               </a:ext>
             </a:extLst>
           </p:cNvPr>
@@ -14558,7 +14480,7 @@
           <p:cNvPr id="6" name="Textfeld 5">
             <a:extLst>
               <a:ext uri="{FF2B5EF4-FFF2-40B4-BE49-F238E27FC236}">
-                <a16:creationId xmlns="" xmlns:a16="http://schemas.microsoft.com/office/drawing/2014/main" id="{C3E9FE2A-8055-4866-88C2-E268587CF0DB}"/>
+                <a16:creationId xmlns:a16="http://schemas.microsoft.com/office/drawing/2014/main" id="{C3E9FE2A-8055-4866-88C2-E268587CF0DB}"/>
               </a:ext>
             </a:extLst>
           </p:cNvPr>
@@ -14667,7 +14589,7 @@
           <p:cNvPr id="9" name="Textfeld 8">
             <a:extLst>
               <a:ext uri="{FF2B5EF4-FFF2-40B4-BE49-F238E27FC236}">
-                <a16:creationId xmlns="" xmlns:a16="http://schemas.microsoft.com/office/drawing/2014/main" id="{99EF8AE6-2CAB-42B6-ADF7-989657C39A05}"/>
+                <a16:creationId xmlns:a16="http://schemas.microsoft.com/office/drawing/2014/main" id="{99EF8AE6-2CAB-42B6-ADF7-989657C39A05}"/>
               </a:ext>
             </a:extLst>
           </p:cNvPr>
@@ -14706,7 +14628,7 @@
           <p:cNvPr id="10" name="Textfeld 9">
             <a:extLst>
               <a:ext uri="{FF2B5EF4-FFF2-40B4-BE49-F238E27FC236}">
-                <a16:creationId xmlns="" xmlns:a16="http://schemas.microsoft.com/office/drawing/2014/main" id="{8FB7EB10-123C-4822-A7C3-B3A38E843864}"/>
+                <a16:creationId xmlns:a16="http://schemas.microsoft.com/office/drawing/2014/main" id="{8FB7EB10-123C-4822-A7C3-B3A38E843864}"/>
               </a:ext>
             </a:extLst>
           </p:cNvPr>
@@ -14787,7 +14709,7 @@
           <p:cNvPr id="12" name="Textfeld 11">
             <a:extLst>
               <a:ext uri="{FF2B5EF4-FFF2-40B4-BE49-F238E27FC236}">
-                <a16:creationId xmlns="" xmlns:a16="http://schemas.microsoft.com/office/drawing/2014/main" id="{4907659D-DF1E-448F-B069-48B5B9D733B3}"/>
+                <a16:creationId xmlns:a16="http://schemas.microsoft.com/office/drawing/2014/main" id="{4907659D-DF1E-448F-B069-48B5B9D733B3}"/>
               </a:ext>
             </a:extLst>
           </p:cNvPr>
@@ -14841,7 +14763,7 @@
           <p:cNvPr id="13" name="Textfeld 12">
             <a:extLst>
               <a:ext uri="{FF2B5EF4-FFF2-40B4-BE49-F238E27FC236}">
-                <a16:creationId xmlns="" xmlns:a16="http://schemas.microsoft.com/office/drawing/2014/main" id="{097B6719-EBFA-44C9-BB27-793436F56366}"/>
+                <a16:creationId xmlns:a16="http://schemas.microsoft.com/office/drawing/2014/main" id="{097B6719-EBFA-44C9-BB27-793436F56366}"/>
               </a:ext>
             </a:extLst>
           </p:cNvPr>
@@ -14922,7 +14844,7 @@
           <p:cNvPr id="14" name="Textfeld 13">
             <a:extLst>
               <a:ext uri="{FF2B5EF4-FFF2-40B4-BE49-F238E27FC236}">
-                <a16:creationId xmlns="" xmlns:a16="http://schemas.microsoft.com/office/drawing/2014/main" id="{75B5C5F2-A917-414C-BC58-7F65955D58D8}"/>
+                <a16:creationId xmlns:a16="http://schemas.microsoft.com/office/drawing/2014/main" id="{75B5C5F2-A917-414C-BC58-7F65955D58D8}"/>
               </a:ext>
             </a:extLst>
           </p:cNvPr>
@@ -14961,7 +14883,7 @@
           <p:cNvPr id="15" name="Textfeld 14">
             <a:extLst>
               <a:ext uri="{FF2B5EF4-FFF2-40B4-BE49-F238E27FC236}">
-                <a16:creationId xmlns="" xmlns:a16="http://schemas.microsoft.com/office/drawing/2014/main" id="{03169573-0941-47E0-9AF2-3A852987D87F}"/>
+                <a16:creationId xmlns:a16="http://schemas.microsoft.com/office/drawing/2014/main" id="{03169573-0941-47E0-9AF2-3A852987D87F}"/>
               </a:ext>
             </a:extLst>
           </p:cNvPr>
@@ -15042,7 +14964,7 @@
           <p:cNvPr id="17" name="Gerader Verbinder 16">
             <a:extLst>
               <a:ext uri="{FF2B5EF4-FFF2-40B4-BE49-F238E27FC236}">
-                <a16:creationId xmlns="" xmlns:a16="http://schemas.microsoft.com/office/drawing/2014/main" id="{F7F1857A-6031-431E-86D9-719A9CA6020E}"/>
+                <a16:creationId xmlns:a16="http://schemas.microsoft.com/office/drawing/2014/main" id="{F7F1857A-6031-431E-86D9-719A9CA6020E}"/>
               </a:ext>
             </a:extLst>
           </p:cNvPr>
@@ -15085,7 +15007,7 @@
           <p:cNvPr id="19" name="Gerader Verbinder 18">
             <a:extLst>
               <a:ext uri="{FF2B5EF4-FFF2-40B4-BE49-F238E27FC236}">
-                <a16:creationId xmlns="" xmlns:a16="http://schemas.microsoft.com/office/drawing/2014/main" id="{636E7EBB-481B-4829-BACE-84DFAE5F0EF1}"/>
+                <a16:creationId xmlns:a16="http://schemas.microsoft.com/office/drawing/2014/main" id="{636E7EBB-481B-4829-BACE-84DFAE5F0EF1}"/>
               </a:ext>
             </a:extLst>
           </p:cNvPr>
@@ -15128,7 +15050,7 @@
           <p:cNvPr id="22" name="Grafik 21">
             <a:extLst>
               <a:ext uri="{FF2B5EF4-FFF2-40B4-BE49-F238E27FC236}">
-                <a16:creationId xmlns="" xmlns:a16="http://schemas.microsoft.com/office/drawing/2014/main" id="{ABAEAC0E-DD9E-42B5-8790-61634E456CD6}"/>
+                <a16:creationId xmlns:a16="http://schemas.microsoft.com/office/drawing/2014/main" id="{ABAEAC0E-DD9E-42B5-8790-61634E456CD6}"/>
               </a:ext>
             </a:extLst>
           </p:cNvPr>
@@ -15144,7 +15066,7 @@
                 <a14:useLocalDpi xmlns:a14="http://schemas.microsoft.com/office/drawing/2010/main" val="0"/>
               </a:ext>
               <a:ext uri="{96DAC541-7B7A-43D3-8B79-37D633B846F1}">
-                <asvg:svgBlip xmlns="" xmlns:asvg="http://schemas.microsoft.com/office/drawing/2016/SVG/main" r:embed="rId3"/>
+                <asvg:svgBlip xmlns:asvg="http://schemas.microsoft.com/office/drawing/2016/SVG/main" r:embed="rId3"/>
               </a:ext>
             </a:extLst>
           </a:blip>
@@ -15167,7 +15089,7 @@
           <p:cNvPr id="24" name="Grafik 23">
             <a:extLst>
               <a:ext uri="{FF2B5EF4-FFF2-40B4-BE49-F238E27FC236}">
-                <a16:creationId xmlns="" xmlns:a16="http://schemas.microsoft.com/office/drawing/2014/main" id="{6F7FC2FC-1255-4C0A-BC3C-C9F1DA4404F8}"/>
+                <a16:creationId xmlns:a16="http://schemas.microsoft.com/office/drawing/2014/main" id="{6F7FC2FC-1255-4C0A-BC3C-C9F1DA4404F8}"/>
               </a:ext>
             </a:extLst>
           </p:cNvPr>
@@ -15183,7 +15105,7 @@
                 <a14:useLocalDpi xmlns:a14="http://schemas.microsoft.com/office/drawing/2010/main" val="0"/>
               </a:ext>
               <a:ext uri="{96DAC541-7B7A-43D3-8B79-37D633B846F1}">
-                <asvg:svgBlip xmlns="" xmlns:asvg="http://schemas.microsoft.com/office/drawing/2016/SVG/main" r:embed="rId5"/>
+                <asvg:svgBlip xmlns:asvg="http://schemas.microsoft.com/office/drawing/2016/SVG/main" r:embed="rId5"/>
               </a:ext>
             </a:extLst>
           </a:blip>
@@ -15206,7 +15128,7 @@
           <p:cNvPr id="26" name="Grafik 25">
             <a:extLst>
               <a:ext uri="{FF2B5EF4-FFF2-40B4-BE49-F238E27FC236}">
-                <a16:creationId xmlns="" xmlns:a16="http://schemas.microsoft.com/office/drawing/2014/main" id="{555C8C49-97AC-4DF3-82EE-F6B130E4CD33}"/>
+                <a16:creationId xmlns:a16="http://schemas.microsoft.com/office/drawing/2014/main" id="{555C8C49-97AC-4DF3-82EE-F6B130E4CD33}"/>
               </a:ext>
             </a:extLst>
           </p:cNvPr>
@@ -15222,7 +15144,7 @@
                 <a14:useLocalDpi xmlns:a14="http://schemas.microsoft.com/office/drawing/2010/main" val="0"/>
               </a:ext>
               <a:ext uri="{96DAC541-7B7A-43D3-8B79-37D633B846F1}">
-                <asvg:svgBlip xmlns="" xmlns:asvg="http://schemas.microsoft.com/office/drawing/2016/SVG/main" r:embed="rId7"/>
+                <asvg:svgBlip xmlns:asvg="http://schemas.microsoft.com/office/drawing/2016/SVG/main" r:embed="rId7"/>
               </a:ext>
             </a:extLst>
           </a:blip>
@@ -15245,7 +15167,7 @@
           <p:cNvPr id="28" name="Grafik 27">
             <a:extLst>
               <a:ext uri="{FF2B5EF4-FFF2-40B4-BE49-F238E27FC236}">
-                <a16:creationId xmlns="" xmlns:a16="http://schemas.microsoft.com/office/drawing/2014/main" id="{E886D01A-8109-4AEB-AF72-0B656F4078A0}"/>
+                <a16:creationId xmlns:a16="http://schemas.microsoft.com/office/drawing/2014/main" id="{E886D01A-8109-4AEB-AF72-0B656F4078A0}"/>
               </a:ext>
             </a:extLst>
           </p:cNvPr>
@@ -15261,7 +15183,7 @@
                 <a14:useLocalDpi xmlns:a14="http://schemas.microsoft.com/office/drawing/2010/main" val="0"/>
               </a:ext>
               <a:ext uri="{96DAC541-7B7A-43D3-8B79-37D633B846F1}">
-                <asvg:svgBlip xmlns="" xmlns:asvg="http://schemas.microsoft.com/office/drawing/2016/SVG/main" r:embed="rId9"/>
+                <asvg:svgBlip xmlns:asvg="http://schemas.microsoft.com/office/drawing/2016/SVG/main" r:embed="rId9"/>
               </a:ext>
             </a:extLst>
           </a:blip>
@@ -15284,7 +15206,7 @@
           <p:cNvPr id="7" name="Datumsplatzhalter 6">
             <a:extLst>
               <a:ext uri="{FF2B5EF4-FFF2-40B4-BE49-F238E27FC236}">
-                <a16:creationId xmlns="" xmlns:a16="http://schemas.microsoft.com/office/drawing/2014/main" id="{13069506-E5E1-070B-AE1E-02560403E61E}"/>
+                <a16:creationId xmlns:a16="http://schemas.microsoft.com/office/drawing/2014/main" id="{13069506-E5E1-070B-AE1E-02560403E61E}"/>
               </a:ext>
             </a:extLst>
           </p:cNvPr>
@@ -15302,7 +15224,7 @@
           <a:p>
             <a:fld id="{1C792087-D197-4E6A-8FEC-877B541704AD}" type="datetime1">
               <a:rPr lang="de-DE" smtClean="0"/>
-              <a:t>03.07.2022</a:t>
+              <a:t>04.07.2022</a:t>
             </a:fld>
             <a:endParaRPr lang="de-DE"/>
           </a:p>
@@ -15313,7 +15235,7 @@
           <p:cNvPr id="8" name="Foliennummernplatzhalter 7">
             <a:extLst>
               <a:ext uri="{FF2B5EF4-FFF2-40B4-BE49-F238E27FC236}">
-                <a16:creationId xmlns="" xmlns:a16="http://schemas.microsoft.com/office/drawing/2014/main" id="{3FA2E874-532F-F0A4-76B5-FC5C4ED4523A}"/>
+                <a16:creationId xmlns:a16="http://schemas.microsoft.com/office/drawing/2014/main" id="{3FA2E874-532F-F0A4-76B5-FC5C4ED4523A}"/>
               </a:ext>
             </a:extLst>
           </p:cNvPr>
@@ -15707,7 +15629,7 @@
           <p:cNvPr id="9" name="Textfeld 8">
             <a:extLst>
               <a:ext uri="{FF2B5EF4-FFF2-40B4-BE49-F238E27FC236}">
-                <a16:creationId xmlns="" xmlns:a16="http://schemas.microsoft.com/office/drawing/2014/main" id="{99EF8AE6-2CAB-42B6-ADF7-989657C39A05}"/>
+                <a16:creationId xmlns:a16="http://schemas.microsoft.com/office/drawing/2014/main" id="{99EF8AE6-2CAB-42B6-ADF7-989657C39A05}"/>
               </a:ext>
             </a:extLst>
           </p:cNvPr>
@@ -15746,7 +15668,7 @@
           <p:cNvPr id="10" name="Textfeld 9">
             <a:extLst>
               <a:ext uri="{FF2B5EF4-FFF2-40B4-BE49-F238E27FC236}">
-                <a16:creationId xmlns="" xmlns:a16="http://schemas.microsoft.com/office/drawing/2014/main" id="{8FB7EB10-123C-4822-A7C3-B3A38E843864}"/>
+                <a16:creationId xmlns:a16="http://schemas.microsoft.com/office/drawing/2014/main" id="{8FB7EB10-123C-4822-A7C3-B3A38E843864}"/>
               </a:ext>
             </a:extLst>
           </p:cNvPr>
@@ -15813,7 +15735,7 @@
           <p:cNvPr id="2" name="Ellipse 1">
             <a:extLst>
               <a:ext uri="{FF2B5EF4-FFF2-40B4-BE49-F238E27FC236}">
-                <a16:creationId xmlns="" xmlns:a16="http://schemas.microsoft.com/office/drawing/2014/main" id="{8A45771F-3D20-430F-8FB1-F3F019DD7B57}"/>
+                <a16:creationId xmlns:a16="http://schemas.microsoft.com/office/drawing/2014/main" id="{8A45771F-3D20-430F-8FB1-F3F019DD7B57}"/>
               </a:ext>
             </a:extLst>
           </p:cNvPr>
@@ -15867,7 +15789,7 @@
           <p:cNvPr id="16" name="Ellipse 15">
             <a:extLst>
               <a:ext uri="{FF2B5EF4-FFF2-40B4-BE49-F238E27FC236}">
-                <a16:creationId xmlns="" xmlns:a16="http://schemas.microsoft.com/office/drawing/2014/main" id="{9C4B0CB6-057D-4B0F-8462-CF74DA4DD80C}"/>
+                <a16:creationId xmlns:a16="http://schemas.microsoft.com/office/drawing/2014/main" id="{9C4B0CB6-057D-4B0F-8462-CF74DA4DD80C}"/>
               </a:ext>
             </a:extLst>
           </p:cNvPr>
@@ -15921,7 +15843,7 @@
           <p:cNvPr id="18" name="Ellipse 17">
             <a:extLst>
               <a:ext uri="{FF2B5EF4-FFF2-40B4-BE49-F238E27FC236}">
-                <a16:creationId xmlns="" xmlns:a16="http://schemas.microsoft.com/office/drawing/2014/main" id="{389AC558-0FE5-4380-8727-4925B5ECCE9A}"/>
+                <a16:creationId xmlns:a16="http://schemas.microsoft.com/office/drawing/2014/main" id="{389AC558-0FE5-4380-8727-4925B5ECCE9A}"/>
               </a:ext>
             </a:extLst>
           </p:cNvPr>
@@ -15975,7 +15897,7 @@
           <p:cNvPr id="21" name="Ellipse 20">
             <a:extLst>
               <a:ext uri="{FF2B5EF4-FFF2-40B4-BE49-F238E27FC236}">
-                <a16:creationId xmlns="" xmlns:a16="http://schemas.microsoft.com/office/drawing/2014/main" id="{8EA10649-1B6F-46D2-B977-E4444B464B6E}"/>
+                <a16:creationId xmlns:a16="http://schemas.microsoft.com/office/drawing/2014/main" id="{8EA10649-1B6F-46D2-B977-E4444B464B6E}"/>
               </a:ext>
             </a:extLst>
           </p:cNvPr>
@@ -16029,7 +15951,7 @@
           <p:cNvPr id="22" name="Textfeld 21">
             <a:extLst>
               <a:ext uri="{FF2B5EF4-FFF2-40B4-BE49-F238E27FC236}">
-                <a16:creationId xmlns="" xmlns:a16="http://schemas.microsoft.com/office/drawing/2014/main" id="{97652AFA-FA79-4F32-B5A1-EAFC34D48FF9}"/>
+                <a16:creationId xmlns:a16="http://schemas.microsoft.com/office/drawing/2014/main" id="{97652AFA-FA79-4F32-B5A1-EAFC34D48FF9}"/>
               </a:ext>
             </a:extLst>
           </p:cNvPr>
@@ -16068,7 +15990,7 @@
           <p:cNvPr id="7" name="Tabelle 10">
             <a:extLst>
               <a:ext uri="{FF2B5EF4-FFF2-40B4-BE49-F238E27FC236}">
-                <a16:creationId xmlns="" xmlns:a16="http://schemas.microsoft.com/office/drawing/2014/main" id="{6874177A-09C0-4FD5-8720-CBF60F31D139}"/>
+                <a16:creationId xmlns:a16="http://schemas.microsoft.com/office/drawing/2014/main" id="{6874177A-09C0-4FD5-8720-CBF60F31D139}"/>
               </a:ext>
             </a:extLst>
           </p:cNvPr>
@@ -16097,14 +16019,14 @@
                 <a:gridCol w="3550754">
                   <a:extLst>
                     <a:ext uri="{9D8B030D-6E8A-4147-A177-3AD203B41FA5}">
-                      <a16:colId xmlns="" xmlns:a16="http://schemas.microsoft.com/office/drawing/2014/main" val="3393285587"/>
+                      <a16:colId xmlns:a16="http://schemas.microsoft.com/office/drawing/2014/main" val="3393285587"/>
                     </a:ext>
                   </a:extLst>
                 </a:gridCol>
                 <a:gridCol w="1911518">
                   <a:extLst>
                     <a:ext uri="{9D8B030D-6E8A-4147-A177-3AD203B41FA5}">
-                      <a16:colId xmlns="" xmlns:a16="http://schemas.microsoft.com/office/drawing/2014/main" val="3054863938"/>
+                      <a16:colId xmlns:a16="http://schemas.microsoft.com/office/drawing/2014/main" val="3054863938"/>
                     </a:ext>
                   </a:extLst>
                 </a:gridCol>
@@ -16239,7 +16161,7 @@
                 </a:tc>
                 <a:extLst>
                   <a:ext uri="{0D108BD9-81ED-4DB2-BD59-A6C34878D82A}">
-                    <a16:rowId xmlns="" xmlns:a16="http://schemas.microsoft.com/office/drawing/2014/main" val="1649412758"/>
+                    <a16:rowId xmlns:a16="http://schemas.microsoft.com/office/drawing/2014/main" val="1649412758"/>
                   </a:ext>
                 </a:extLst>
               </a:tr>
@@ -16376,7 +16298,7 @@
                 </a:tc>
                 <a:extLst>
                   <a:ext uri="{0D108BD9-81ED-4DB2-BD59-A6C34878D82A}">
-                    <a16:rowId xmlns="" xmlns:a16="http://schemas.microsoft.com/office/drawing/2014/main" val="370508156"/>
+                    <a16:rowId xmlns:a16="http://schemas.microsoft.com/office/drawing/2014/main" val="370508156"/>
                   </a:ext>
                 </a:extLst>
               </a:tr>
@@ -16530,7 +16452,7 @@
                 </a:tc>
                 <a:extLst>
                   <a:ext uri="{0D108BD9-81ED-4DB2-BD59-A6C34878D82A}">
-                    <a16:rowId xmlns="" xmlns:a16="http://schemas.microsoft.com/office/drawing/2014/main" val="3500662163"/>
+                    <a16:rowId xmlns:a16="http://schemas.microsoft.com/office/drawing/2014/main" val="3500662163"/>
                   </a:ext>
                 </a:extLst>
               </a:tr>
@@ -16667,7 +16589,7 @@
                 </a:tc>
                 <a:extLst>
                   <a:ext uri="{0D108BD9-81ED-4DB2-BD59-A6C34878D82A}">
-                    <a16:rowId xmlns="" xmlns:a16="http://schemas.microsoft.com/office/drawing/2014/main" val="3564495311"/>
+                    <a16:rowId xmlns:a16="http://schemas.microsoft.com/office/drawing/2014/main" val="3564495311"/>
                   </a:ext>
                 </a:extLst>
               </a:tr>
@@ -16821,7 +16743,7 @@
                 </a:tc>
                 <a:extLst>
                   <a:ext uri="{0D108BD9-81ED-4DB2-BD59-A6C34878D82A}">
-                    <a16:rowId xmlns="" xmlns:a16="http://schemas.microsoft.com/office/drawing/2014/main" val="614680754"/>
+                    <a16:rowId xmlns:a16="http://schemas.microsoft.com/office/drawing/2014/main" val="614680754"/>
                   </a:ext>
                 </a:extLst>
               </a:tr>
@@ -16834,7 +16756,7 @@
           <p:cNvPr id="4" name="Grafik 3">
             <a:extLst>
               <a:ext uri="{FF2B5EF4-FFF2-40B4-BE49-F238E27FC236}">
-                <a16:creationId xmlns="" xmlns:a16="http://schemas.microsoft.com/office/drawing/2014/main" id="{6FAD345A-B56E-457E-85F2-1BDF509FE5D1}"/>
+                <a16:creationId xmlns:a16="http://schemas.microsoft.com/office/drawing/2014/main" id="{6FAD345A-B56E-457E-85F2-1BDF509FE5D1}"/>
               </a:ext>
             </a:extLst>
           </p:cNvPr>
@@ -16850,7 +16772,7 @@
                 <a14:useLocalDpi xmlns:a14="http://schemas.microsoft.com/office/drawing/2010/main" val="0"/>
               </a:ext>
               <a:ext uri="{96DAC541-7B7A-43D3-8B79-37D633B846F1}">
-                <asvg:svgBlip xmlns="" xmlns:asvg="http://schemas.microsoft.com/office/drawing/2016/SVG/main" r:embed="rId3"/>
+                <asvg:svgBlip xmlns:asvg="http://schemas.microsoft.com/office/drawing/2016/SVG/main" r:embed="rId3"/>
               </a:ext>
             </a:extLst>
           </a:blip>
@@ -16873,7 +16795,7 @@
           <p:cNvPr id="3" name="Gruppieren 2">
             <a:extLst>
               <a:ext uri="{FF2B5EF4-FFF2-40B4-BE49-F238E27FC236}">
-                <a16:creationId xmlns="" xmlns:a16="http://schemas.microsoft.com/office/drawing/2014/main" id="{F4B03400-0458-FB01-81FB-0B3FB3652DF1}"/>
+                <a16:creationId xmlns:a16="http://schemas.microsoft.com/office/drawing/2014/main" id="{F4B03400-0458-FB01-81FB-0B3FB3652DF1}"/>
               </a:ext>
             </a:extLst>
           </p:cNvPr>
@@ -16893,7 +16815,7 @@
             <p:cNvPr id="14" name="Rechteck 13">
               <a:extLst>
                 <a:ext uri="{FF2B5EF4-FFF2-40B4-BE49-F238E27FC236}">
-                  <a16:creationId xmlns="" xmlns:a16="http://schemas.microsoft.com/office/drawing/2014/main" id="{FC86805A-5391-440C-AD1F-A7B5455411A4}"/>
+                  <a16:creationId xmlns:a16="http://schemas.microsoft.com/office/drawing/2014/main" id="{FC86805A-5391-440C-AD1F-A7B5455411A4}"/>
                 </a:ext>
               </a:extLst>
             </p:cNvPr>
@@ -16954,7 +16876,7 @@
             <p:cNvPr id="15" name="Textfeld 14">
               <a:extLst>
                 <a:ext uri="{FF2B5EF4-FFF2-40B4-BE49-F238E27FC236}">
-                  <a16:creationId xmlns="" xmlns:a16="http://schemas.microsoft.com/office/drawing/2014/main" id="{79F85B2C-48BB-4FC9-9C3A-6C9A31D27CAC}"/>
+                  <a16:creationId xmlns:a16="http://schemas.microsoft.com/office/drawing/2014/main" id="{79F85B2C-48BB-4FC9-9C3A-6C9A31D27CAC}"/>
                 </a:ext>
               </a:extLst>
             </p:cNvPr>
@@ -17002,7 +16924,7 @@
             <p:cNvPr id="19" name="Textfeld 18">
               <a:extLst>
                 <a:ext uri="{FF2B5EF4-FFF2-40B4-BE49-F238E27FC236}">
-                  <a16:creationId xmlns="" xmlns:a16="http://schemas.microsoft.com/office/drawing/2014/main" id="{50C7AE7C-EE5C-48BD-878D-AE12B544A00F}"/>
+                  <a16:creationId xmlns:a16="http://schemas.microsoft.com/office/drawing/2014/main" id="{50C7AE7C-EE5C-48BD-878D-AE12B544A00F}"/>
                 </a:ext>
               </a:extLst>
             </p:cNvPr>
@@ -17047,7 +16969,7 @@
           <p:cNvPr id="5" name="Gruppieren 4">
             <a:extLst>
               <a:ext uri="{FF2B5EF4-FFF2-40B4-BE49-F238E27FC236}">
-                <a16:creationId xmlns="" xmlns:a16="http://schemas.microsoft.com/office/drawing/2014/main" id="{D7527508-93C3-FC40-CBA5-2FE50229DAD6}"/>
+                <a16:creationId xmlns:a16="http://schemas.microsoft.com/office/drawing/2014/main" id="{D7527508-93C3-FC40-CBA5-2FE50229DAD6}"/>
               </a:ext>
             </a:extLst>
           </p:cNvPr>
@@ -17067,7 +16989,7 @@
             <p:cNvPr id="24" name="Rechteck 23">
               <a:extLst>
                 <a:ext uri="{FF2B5EF4-FFF2-40B4-BE49-F238E27FC236}">
-                  <a16:creationId xmlns="" xmlns:a16="http://schemas.microsoft.com/office/drawing/2014/main" id="{6853DA0A-6B6C-4EF2-950A-6CAD9C612654}"/>
+                  <a16:creationId xmlns:a16="http://schemas.microsoft.com/office/drawing/2014/main" id="{6853DA0A-6B6C-4EF2-950A-6CAD9C612654}"/>
                 </a:ext>
               </a:extLst>
             </p:cNvPr>
@@ -17128,7 +17050,7 @@
             <p:cNvPr id="17" name="Textfeld 16">
               <a:extLst>
                 <a:ext uri="{FF2B5EF4-FFF2-40B4-BE49-F238E27FC236}">
-                  <a16:creationId xmlns="" xmlns:a16="http://schemas.microsoft.com/office/drawing/2014/main" id="{A7BB2FAE-34E4-4A43-94B6-591AC7E9E463}"/>
+                  <a16:creationId xmlns:a16="http://schemas.microsoft.com/office/drawing/2014/main" id="{A7BB2FAE-34E4-4A43-94B6-591AC7E9E463}"/>
                 </a:ext>
               </a:extLst>
             </p:cNvPr>
@@ -17176,7 +17098,7 @@
             <p:cNvPr id="20" name="Textfeld 19">
               <a:extLst>
                 <a:ext uri="{FF2B5EF4-FFF2-40B4-BE49-F238E27FC236}">
-                  <a16:creationId xmlns="" xmlns:a16="http://schemas.microsoft.com/office/drawing/2014/main" id="{E0DEA790-0C51-4C87-ADA7-6E35FD07F602}"/>
+                  <a16:creationId xmlns:a16="http://schemas.microsoft.com/office/drawing/2014/main" id="{E0DEA790-0C51-4C87-ADA7-6E35FD07F602}"/>
                 </a:ext>
               </a:extLst>
             </p:cNvPr>
@@ -17235,7 +17157,7 @@
           <p:cNvPr id="25" name="Textfeld 24">
             <a:extLst>
               <a:ext uri="{FF2B5EF4-FFF2-40B4-BE49-F238E27FC236}">
-                <a16:creationId xmlns="" xmlns:a16="http://schemas.microsoft.com/office/drawing/2014/main" id="{51794FFC-3D13-4D7D-B7D5-329CBA0853B5}"/>
+                <a16:creationId xmlns:a16="http://schemas.microsoft.com/office/drawing/2014/main" id="{51794FFC-3D13-4D7D-B7D5-329CBA0853B5}"/>
               </a:ext>
             </a:extLst>
           </p:cNvPr>
@@ -17274,7 +17196,7 @@
           <p:cNvPr id="27" name="Grafik 26">
             <a:extLst>
               <a:ext uri="{FF2B5EF4-FFF2-40B4-BE49-F238E27FC236}">
-                <a16:creationId xmlns="" xmlns:a16="http://schemas.microsoft.com/office/drawing/2014/main" id="{BB95599F-29D6-41E9-A547-137D066783A0}"/>
+                <a16:creationId xmlns:a16="http://schemas.microsoft.com/office/drawing/2014/main" id="{BB95599F-29D6-41E9-A547-137D066783A0}"/>
               </a:ext>
             </a:extLst>
           </p:cNvPr>
@@ -17290,7 +17212,7 @@
                 <a14:useLocalDpi xmlns:a14="http://schemas.microsoft.com/office/drawing/2010/main" val="0"/>
               </a:ext>
               <a:ext uri="{96DAC541-7B7A-43D3-8B79-37D633B846F1}">
-                <asvg:svgBlip xmlns="" xmlns:asvg="http://schemas.microsoft.com/office/drawing/2016/SVG/main" r:embed="rId5"/>
+                <asvg:svgBlip xmlns:asvg="http://schemas.microsoft.com/office/drawing/2016/SVG/main" r:embed="rId5"/>
               </a:ext>
             </a:extLst>
           </a:blip>
@@ -17313,7 +17235,7 @@
           <p:cNvPr id="29" name="Textfeld 28">
             <a:extLst>
               <a:ext uri="{FF2B5EF4-FFF2-40B4-BE49-F238E27FC236}">
-                <a16:creationId xmlns="" xmlns:a16="http://schemas.microsoft.com/office/drawing/2014/main" id="{3FDD82DC-E0C5-4E19-B413-D9DE35AFF2C4}"/>
+                <a16:creationId xmlns:a16="http://schemas.microsoft.com/office/drawing/2014/main" id="{3FDD82DC-E0C5-4E19-B413-D9DE35AFF2C4}"/>
               </a:ext>
             </a:extLst>
           </p:cNvPr>
@@ -17394,7 +17316,7 @@
           <p:cNvPr id="6" name="Datumsplatzhalter 5">
             <a:extLst>
               <a:ext uri="{FF2B5EF4-FFF2-40B4-BE49-F238E27FC236}">
-                <a16:creationId xmlns="" xmlns:a16="http://schemas.microsoft.com/office/drawing/2014/main" id="{48E9D077-55B2-E647-DBC0-A50E75AECD14}"/>
+                <a16:creationId xmlns:a16="http://schemas.microsoft.com/office/drawing/2014/main" id="{48E9D077-55B2-E647-DBC0-A50E75AECD14}"/>
               </a:ext>
             </a:extLst>
           </p:cNvPr>
@@ -17412,7 +17334,7 @@
           <a:p>
             <a:fld id="{4F0E9D1D-345F-4EE0-8A6C-79738B73EA47}" type="datetime1">
               <a:rPr lang="de-DE" smtClean="0"/>
-              <a:t>03.07.2022</a:t>
+              <a:t>04.07.2022</a:t>
             </a:fld>
             <a:endParaRPr lang="de-DE"/>
           </a:p>
@@ -17423,7 +17345,7 @@
           <p:cNvPr id="8" name="Foliennummernplatzhalter 7">
             <a:extLst>
               <a:ext uri="{FF2B5EF4-FFF2-40B4-BE49-F238E27FC236}">
-                <a16:creationId xmlns="" xmlns:a16="http://schemas.microsoft.com/office/drawing/2014/main" id="{3D89841E-9B6D-C73E-D67C-854130A63724}"/>
+                <a16:creationId xmlns:a16="http://schemas.microsoft.com/office/drawing/2014/main" id="{3D89841E-9B6D-C73E-D67C-854130A63724}"/>
               </a:ext>
             </a:extLst>
           </p:cNvPr>
@@ -17787,7 +17709,7 @@
           <p:cNvPr id="4" name="Rechteck 3">
             <a:extLst>
               <a:ext uri="{FF2B5EF4-FFF2-40B4-BE49-F238E27FC236}">
-                <a16:creationId xmlns="" xmlns:a16="http://schemas.microsoft.com/office/drawing/2014/main" id="{25BC0F38-C5EA-4A88-B161-F0A7D0C230D8}"/>
+                <a16:creationId xmlns:a16="http://schemas.microsoft.com/office/drawing/2014/main" id="{25BC0F38-C5EA-4A88-B161-F0A7D0C230D8}"/>
               </a:ext>
             </a:extLst>
           </p:cNvPr>
@@ -17839,7 +17761,7 @@
           <p:cNvPr id="2" name="Textfeld 1">
             <a:extLst>
               <a:ext uri="{FF2B5EF4-FFF2-40B4-BE49-F238E27FC236}">
-                <a16:creationId xmlns="" xmlns:a16="http://schemas.microsoft.com/office/drawing/2014/main" id="{1017C281-9103-4001-B331-1945313A1AF6}"/>
+                <a16:creationId xmlns:a16="http://schemas.microsoft.com/office/drawing/2014/main" id="{1017C281-9103-4001-B331-1945313A1AF6}"/>
               </a:ext>
             </a:extLst>
           </p:cNvPr>
@@ -17879,7 +17801,7 @@
           <p:cNvPr id="6" name="Datumsplatzhalter 5">
             <a:extLst>
               <a:ext uri="{FF2B5EF4-FFF2-40B4-BE49-F238E27FC236}">
-                <a16:creationId xmlns="" xmlns:a16="http://schemas.microsoft.com/office/drawing/2014/main" id="{FDCCC8AF-1AAB-C0A1-31EF-8F84C928CCB9}"/>
+                <a16:creationId xmlns:a16="http://schemas.microsoft.com/office/drawing/2014/main" id="{FDCCC8AF-1AAB-C0A1-31EF-8F84C928CCB9}"/>
               </a:ext>
             </a:extLst>
           </p:cNvPr>
@@ -17897,7 +17819,7 @@
           <a:p>
             <a:fld id="{4BEA33E4-8E85-499A-BD28-A802FFFCDA60}" type="datetime1">
               <a:rPr lang="de-DE" smtClean="0"/>
-              <a:t>03.07.2022</a:t>
+              <a:t>04.07.2022</a:t>
             </a:fld>
             <a:endParaRPr lang="de-DE" dirty="0"/>
           </a:p>
@@ -17908,7 +17830,7 @@
           <p:cNvPr id="7" name="Foliennummernplatzhalter 6">
             <a:extLst>
               <a:ext uri="{FF2B5EF4-FFF2-40B4-BE49-F238E27FC236}">
-                <a16:creationId xmlns="" xmlns:a16="http://schemas.microsoft.com/office/drawing/2014/main" id="{05E3FBCF-D950-F55D-4E1A-C539DFC85CCF}"/>
+                <a16:creationId xmlns:a16="http://schemas.microsoft.com/office/drawing/2014/main" id="{05E3FBCF-D950-F55D-4E1A-C539DFC85CCF}"/>
               </a:ext>
             </a:extLst>
           </p:cNvPr>
@@ -17942,13 +17864,6 @@
   <p:clrMapOvr>
     <a:masterClrMapping/>
   </p:clrMapOvr>
-  <p:timing>
-    <p:tnLst>
-      <p:par>
-        <p:cTn id="1" dur="indefinite" restart="never" nodeType="tmRoot"/>
-      </p:par>
-    </p:tnLst>
-  </p:timing>
 </p:sld>
 </file>
 
@@ -17974,7 +17889,7 @@
           <p:cNvPr id="9" name="Textfeld 8">
             <a:extLst>
               <a:ext uri="{FF2B5EF4-FFF2-40B4-BE49-F238E27FC236}">
-                <a16:creationId xmlns="" xmlns:a16="http://schemas.microsoft.com/office/drawing/2014/main" id="{99EF8AE6-2CAB-42B6-ADF7-989657C39A05}"/>
+                <a16:creationId xmlns:a16="http://schemas.microsoft.com/office/drawing/2014/main" id="{99EF8AE6-2CAB-42B6-ADF7-989657C39A05}"/>
               </a:ext>
             </a:extLst>
           </p:cNvPr>
@@ -18013,7 +17928,7 @@
           <p:cNvPr id="10" name="Textfeld 9">
             <a:extLst>
               <a:ext uri="{FF2B5EF4-FFF2-40B4-BE49-F238E27FC236}">
-                <a16:creationId xmlns="" xmlns:a16="http://schemas.microsoft.com/office/drawing/2014/main" id="{8FB7EB10-123C-4822-A7C3-B3A38E843864}"/>
+                <a16:creationId xmlns:a16="http://schemas.microsoft.com/office/drawing/2014/main" id="{8FB7EB10-123C-4822-A7C3-B3A38E843864}"/>
               </a:ext>
             </a:extLst>
           </p:cNvPr>
@@ -18091,7 +18006,7 @@
           </a:p>
           <a:p>
             <a:r>
-              <a:rPr lang="de-DE" sz="2400" b="1" dirty="0" smtClean="0">
+              <a:rPr lang="de-DE" sz="2400" b="1" dirty="0">
                 <a:solidFill>
                   <a:srgbClr val="5C5D8D"/>
                 </a:solidFill>
@@ -18099,18 +18014,13 @@
               <a:t>Arten</a:t>
             </a:r>
             <a:r>
-              <a:rPr lang="de-DE" sz="2400" baseline="30000" dirty="0" smtClean="0">
+              <a:rPr lang="de-DE" sz="2400" baseline="30000" dirty="0">
                 <a:solidFill>
                   <a:srgbClr val="5C5D8D"/>
                 </a:solidFill>
               </a:rPr>
               <a:t>2</a:t>
             </a:r>
-            <a:endParaRPr lang="de-DE" sz="2400" baseline="30000" dirty="0">
-              <a:solidFill>
-                <a:srgbClr val="5C5D8D"/>
-              </a:solidFill>
-            </a:endParaRPr>
           </a:p>
         </p:txBody>
       </p:sp>
@@ -18119,7 +18029,7 @@
           <p:cNvPr id="4" name="Datumsplatzhalter 3">
             <a:extLst>
               <a:ext uri="{FF2B5EF4-FFF2-40B4-BE49-F238E27FC236}">
-                <a16:creationId xmlns="" xmlns:a16="http://schemas.microsoft.com/office/drawing/2014/main" id="{461410AC-3122-EBEE-9EDF-F11305982296}"/>
+                <a16:creationId xmlns:a16="http://schemas.microsoft.com/office/drawing/2014/main" id="{461410AC-3122-EBEE-9EDF-F11305982296}"/>
               </a:ext>
             </a:extLst>
           </p:cNvPr>
@@ -18137,7 +18047,7 @@
           <a:p>
             <a:fld id="{394B1463-2EC4-4D9F-9EC9-BA4E146364C5}" type="datetime1">
               <a:rPr lang="de-DE" smtClean="0"/>
-              <a:t>03.07.2022</a:t>
+              <a:t>04.07.2022</a:t>
             </a:fld>
             <a:endParaRPr lang="de-DE"/>
           </a:p>
@@ -18148,7 +18058,7 @@
           <p:cNvPr id="5" name="Foliennummernplatzhalter 4">
             <a:extLst>
               <a:ext uri="{FF2B5EF4-FFF2-40B4-BE49-F238E27FC236}">
-                <a16:creationId xmlns="" xmlns:a16="http://schemas.microsoft.com/office/drawing/2014/main" id="{A100A582-A597-B979-80AA-6860DAD9DE03}"/>
+                <a16:creationId xmlns:a16="http://schemas.microsoft.com/office/drawing/2014/main" id="{A100A582-A597-B979-80AA-6860DAD9DE03}"/>
               </a:ext>
             </a:extLst>
           </p:cNvPr>
@@ -18262,143 +18172,174 @@
           </a:prstGeom>
         </p:spPr>
       </p:pic>
-      <p:graphicFrame>
-        <p:nvGraphicFramePr>
-          <p:cNvPr id="15" name="Table 14"/>
-          <p:cNvGraphicFramePr>
-            <a:graphicFrameLocks noGrp="1"/>
-          </p:cNvGraphicFramePr>
-          <p:nvPr>
-            <p:extLst>
-              <p:ext uri="{D42A27DB-BD31-4B8C-83A1-F6EECF244321}">
-                <p14:modId xmlns:p14="http://schemas.microsoft.com/office/powerpoint/2010/main" val="2532545511"/>
-              </p:ext>
-            </p:extLst>
-          </p:nvPr>
-        </p:nvGraphicFramePr>
-        <p:xfrm>
-          <a:off x="411892" y="3093656"/>
-          <a:ext cx="11376453" cy="370840"/>
-        </p:xfrm>
-        <a:graphic>
-          <a:graphicData uri="http://schemas.openxmlformats.org/drawingml/2006/table">
-            <a:tbl>
-              <a:tblPr firstRow="1" bandRow="1">
-                <a:tableStyleId>{9D7B26C5-4107-4FEC-AEDC-1716B250A1EF}</a:tableStyleId>
-              </a:tblPr>
-              <a:tblGrid>
-                <a:gridCol w="3792151"/>
-                <a:gridCol w="3792151"/>
-                <a:gridCol w="3792151"/>
-              </a:tblGrid>
-              <a:tr h="370840">
-                <a:tc>
-                  <a:txBody>
-                    <a:bodyPr/>
-                    <a:lstStyle/>
-                    <a:p>
-                      <a:pPr marL="0" marR="0" lvl="0" indent="0" algn="ctr" defTabSz="914400" rtl="0" eaLnBrk="1" fontAlgn="auto" latinLnBrk="0" hangingPunct="1">
-                        <a:lnSpc>
-                          <a:spcPct val="100000"/>
-                        </a:lnSpc>
-                        <a:spcBef>
-                          <a:spcPts val="0"/>
-                        </a:spcBef>
-                        <a:spcAft>
-                          <a:spcPts val="0"/>
-                        </a:spcAft>
-                        <a:buClrTx/>
-                        <a:buSzTx/>
-                        <a:buFontTx/>
-                        <a:buNone/>
-                        <a:tabLst/>
-                        <a:defRPr/>
-                      </a:pPr>
-                      <a:r>
-                        <a:rPr lang="de-DE" dirty="0" smtClean="0">
-                          <a:solidFill>
-                            <a:srgbClr val="5C5D8D"/>
-                          </a:solidFill>
-                        </a:rPr>
-                        <a:t>Punktuelle Anomalien</a:t>
-                      </a:r>
-                    </a:p>
-                  </a:txBody>
-                  <a:tcPr/>
-                </a:tc>
-                <a:tc>
-                  <a:txBody>
-                    <a:bodyPr/>
-                    <a:lstStyle/>
-                    <a:p>
-                      <a:pPr marL="0" marR="0" lvl="0" indent="0" algn="ctr" defTabSz="914400" rtl="0" eaLnBrk="1" fontAlgn="auto" latinLnBrk="0" hangingPunct="1">
-                        <a:lnSpc>
-                          <a:spcPct val="100000"/>
-                        </a:lnSpc>
-                        <a:spcBef>
-                          <a:spcPts val="0"/>
-                        </a:spcBef>
-                        <a:spcAft>
-                          <a:spcPts val="0"/>
-                        </a:spcAft>
-                        <a:buClrTx/>
-                        <a:buSzTx/>
-                        <a:buFontTx/>
-                        <a:buNone/>
-                        <a:tabLst/>
-                        <a:defRPr/>
-                      </a:pPr>
-                      <a:r>
-                        <a:rPr lang="de-DE" dirty="0" smtClean="0">
-                          <a:solidFill>
-                            <a:srgbClr val="5C5D8D"/>
-                          </a:solidFill>
-                        </a:rPr>
-                        <a:t>Kontextuelle Anomalien</a:t>
-                      </a:r>
-                    </a:p>
-                  </a:txBody>
-                  <a:tcPr/>
-                </a:tc>
-                <a:tc>
-                  <a:txBody>
-                    <a:bodyPr/>
-                    <a:lstStyle/>
-                    <a:p>
-                      <a:pPr marL="0" marR="0" lvl="0" indent="0" algn="ctr" defTabSz="914400" rtl="0" eaLnBrk="1" fontAlgn="auto" latinLnBrk="0" hangingPunct="1">
-                        <a:lnSpc>
-                          <a:spcPct val="100000"/>
-                        </a:lnSpc>
-                        <a:spcBef>
-                          <a:spcPts val="0"/>
-                        </a:spcBef>
-                        <a:spcAft>
-                          <a:spcPts val="0"/>
-                        </a:spcAft>
-                        <a:buClrTx/>
-                        <a:buSzTx/>
-                        <a:buFontTx/>
-                        <a:buNone/>
-                        <a:tabLst/>
-                        <a:defRPr/>
-                      </a:pPr>
-                      <a:r>
-                        <a:rPr lang="de-DE" dirty="0" smtClean="0">
-                          <a:solidFill>
-                            <a:srgbClr val="5C5D8D"/>
-                          </a:solidFill>
-                        </a:rPr>
-                        <a:t>Kollektive Anomalien</a:t>
-                      </a:r>
-                    </a:p>
-                  </a:txBody>
-                  <a:tcPr/>
-                </a:tc>
-              </a:tr>
-            </a:tbl>
-          </a:graphicData>
-        </a:graphic>
-      </p:graphicFrame>
+      <p:sp>
+        <p:nvSpPr>
+          <p:cNvPr id="11" name="Textfeld 10">
+            <a:extLst>
+              <a:ext uri="{FF2B5EF4-FFF2-40B4-BE49-F238E27FC236}">
+                <a16:creationId xmlns:a16="http://schemas.microsoft.com/office/drawing/2014/main" id="{72D4D5FD-3A1C-628A-D959-68E09D277D9A}"/>
+              </a:ext>
+            </a:extLst>
+          </p:cNvPr>
+          <p:cNvSpPr txBox="1"/>
+          <p:nvPr/>
+        </p:nvSpPr>
+        <p:spPr>
+          <a:xfrm>
+            <a:off x="982822" y="3119549"/>
+            <a:ext cx="2560548" cy="369332"/>
+          </a:xfrm>
+          <a:prstGeom prst="rect">
+            <a:avLst/>
+          </a:prstGeom>
+          <a:noFill/>
+        </p:spPr>
+        <p:txBody>
+          <a:bodyPr wrap="square">
+            <a:spAutoFit/>
+          </a:bodyPr>
+          <a:lstStyle/>
+          <a:p>
+            <a:pPr marL="0" marR="0" lvl="0" indent="0" defTabSz="914400" rtl="0" eaLnBrk="1" fontAlgn="auto" latinLnBrk="0" hangingPunct="1">
+              <a:lnSpc>
+                <a:spcPct val="100000"/>
+              </a:lnSpc>
+              <a:spcBef>
+                <a:spcPts val="0"/>
+              </a:spcBef>
+              <a:spcAft>
+                <a:spcPts val="0"/>
+              </a:spcAft>
+              <a:buClrTx/>
+              <a:buSzTx/>
+              <a:buFontTx/>
+              <a:buNone/>
+              <a:tabLst/>
+              <a:defRPr/>
+            </a:pPr>
+            <a:r>
+              <a:rPr lang="de-DE" b="1" dirty="0">
+                <a:solidFill>
+                  <a:srgbClr val="5C5D8D"/>
+                </a:solidFill>
+              </a:rPr>
+              <a:t>Punktuelle Anomalien</a:t>
+            </a:r>
+          </a:p>
+        </p:txBody>
+      </p:sp>
+      <p:sp>
+        <p:nvSpPr>
+          <p:cNvPr id="13" name="Textfeld 12">
+            <a:extLst>
+              <a:ext uri="{FF2B5EF4-FFF2-40B4-BE49-F238E27FC236}">
+                <a16:creationId xmlns:a16="http://schemas.microsoft.com/office/drawing/2014/main" id="{9C5DADE3-BE5C-E355-17CD-17F3F489AB9D}"/>
+              </a:ext>
+            </a:extLst>
+          </p:cNvPr>
+          <p:cNvSpPr txBox="1"/>
+          <p:nvPr/>
+        </p:nvSpPr>
+        <p:spPr>
+          <a:xfrm>
+            <a:off x="4722854" y="3114818"/>
+            <a:ext cx="2560548" cy="369332"/>
+          </a:xfrm>
+          <a:prstGeom prst="rect">
+            <a:avLst/>
+          </a:prstGeom>
+          <a:noFill/>
+        </p:spPr>
+        <p:txBody>
+          <a:bodyPr wrap="square">
+            <a:spAutoFit/>
+          </a:bodyPr>
+          <a:lstStyle/>
+          <a:p>
+            <a:pPr marL="0" marR="0" lvl="0" indent="0" defTabSz="914400" rtl="0" eaLnBrk="1" fontAlgn="auto" latinLnBrk="0" hangingPunct="1">
+              <a:lnSpc>
+                <a:spcPct val="100000"/>
+              </a:lnSpc>
+              <a:spcBef>
+                <a:spcPts val="0"/>
+              </a:spcBef>
+              <a:spcAft>
+                <a:spcPts val="0"/>
+              </a:spcAft>
+              <a:buClrTx/>
+              <a:buSzTx/>
+              <a:buFontTx/>
+              <a:buNone/>
+              <a:tabLst/>
+              <a:defRPr/>
+            </a:pPr>
+            <a:r>
+              <a:rPr lang="de-DE" b="1" dirty="0">
+                <a:solidFill>
+                  <a:srgbClr val="5C5D8D"/>
+                </a:solidFill>
+              </a:rPr>
+              <a:t>Kontextuelle Anomalien</a:t>
+            </a:r>
+          </a:p>
+        </p:txBody>
+      </p:sp>
+      <p:sp>
+        <p:nvSpPr>
+          <p:cNvPr id="16" name="Textfeld 15">
+            <a:extLst>
+              <a:ext uri="{FF2B5EF4-FFF2-40B4-BE49-F238E27FC236}">
+                <a16:creationId xmlns:a16="http://schemas.microsoft.com/office/drawing/2014/main" id="{140429B2-E71C-99D6-E9AC-84D4C92F2819}"/>
+              </a:ext>
+            </a:extLst>
+          </p:cNvPr>
+          <p:cNvSpPr txBox="1"/>
+          <p:nvPr/>
+        </p:nvSpPr>
+        <p:spPr>
+          <a:xfrm>
+            <a:off x="8547395" y="3114818"/>
+            <a:ext cx="2560548" cy="369332"/>
+          </a:xfrm>
+          <a:prstGeom prst="rect">
+            <a:avLst/>
+          </a:prstGeom>
+          <a:noFill/>
+        </p:spPr>
+        <p:txBody>
+          <a:bodyPr wrap="square">
+            <a:spAutoFit/>
+          </a:bodyPr>
+          <a:lstStyle/>
+          <a:p>
+            <a:pPr marL="0" marR="0" lvl="0" indent="0" defTabSz="914400" rtl="0" eaLnBrk="1" fontAlgn="auto" latinLnBrk="0" hangingPunct="1">
+              <a:lnSpc>
+                <a:spcPct val="100000"/>
+              </a:lnSpc>
+              <a:spcBef>
+                <a:spcPts val="0"/>
+              </a:spcBef>
+              <a:spcAft>
+                <a:spcPts val="0"/>
+              </a:spcAft>
+              <a:buClrTx/>
+              <a:buSzTx/>
+              <a:buFontTx/>
+              <a:buNone/>
+              <a:tabLst/>
+              <a:defRPr/>
+            </a:pPr>
+            <a:r>
+              <a:rPr lang="de-DE" b="1" dirty="0">
+                <a:solidFill>
+                  <a:srgbClr val="5C5D8D"/>
+                </a:solidFill>
+              </a:rPr>
+              <a:t>Kollektive Anomalien</a:t>
+            </a:r>
+          </a:p>
+        </p:txBody>
+      </p:sp>
     </p:spTree>
     <p:extLst>
       <p:ext uri="{BB962C8B-B14F-4D97-AF65-F5344CB8AC3E}">
@@ -18421,9 +18362,6 @@
                     <p:cTn id="3" fill="hold">
                       <p:stCondLst>
                         <p:cond delay="indefinite"/>
-                        <p:cond evt="onBegin" delay="0">
-                          <p:tn val="2"/>
-                        </p:cond>
                       </p:stCondLst>
                       <p:childTnLst>
                         <p:par>
@@ -18433,7 +18371,7 @@
                             </p:stCondLst>
                             <p:childTnLst>
                               <p:par>
-                                <p:cTn id="5" presetID="1" presetClass="entr" presetSubtype="0" fill="hold" nodeType="withEffect">
+                                <p:cTn id="5" presetID="1" presetClass="entr" presetSubtype="0" fill="hold" grpId="0" nodeType="clickEffect">
                                   <p:stCondLst>
                                     <p:cond delay="0"/>
                                   </p:stCondLst>
@@ -18446,11 +18384,209 @@
                                           </p:stCondLst>
                                         </p:cTn>
                                         <p:tgtEl>
+                                          <p:spTgt spid="11"/>
+                                        </p:tgtEl>
+                                        <p:attrNameLst>
+                                          <p:attrName>style.visibility</p:attrName>
+                                        </p:attrNameLst>
+                                      </p:cBhvr>
+                                      <p:to>
+                                        <p:strVal val="visible"/>
+                                      </p:to>
+                                    </p:set>
+                                  </p:childTnLst>
+                                </p:cTn>
+                              </p:par>
+                              <p:par>
+                                <p:cTn id="7" presetID="1" presetClass="entr" presetSubtype="0" fill="hold" nodeType="withEffect">
+                                  <p:stCondLst>
+                                    <p:cond delay="0"/>
+                                  </p:stCondLst>
+                                  <p:childTnLst>
+                                    <p:set>
+                                      <p:cBhvr>
+                                        <p:cTn id="8" dur="1" fill="hold">
+                                          <p:stCondLst>
+                                            <p:cond delay="0"/>
+                                          </p:stCondLst>
+                                        </p:cTn>
+                                        <p:tgtEl>
                                           <p:spTgt spid="10">
                                             <p:txEl>
                                               <p:pRg st="4" end="4"/>
                                             </p:txEl>
                                           </p:spTgt>
+                                        </p:tgtEl>
+                                        <p:attrNameLst>
+                                          <p:attrName>style.visibility</p:attrName>
+                                        </p:attrNameLst>
+                                      </p:cBhvr>
+                                      <p:to>
+                                        <p:strVal val="visible"/>
+                                      </p:to>
+                                    </p:set>
+                                  </p:childTnLst>
+                                </p:cTn>
+                              </p:par>
+                              <p:par>
+                                <p:cTn id="9" presetID="1" presetClass="entr" presetSubtype="0" fill="hold" nodeType="withEffect">
+                                  <p:stCondLst>
+                                    <p:cond delay="0"/>
+                                  </p:stCondLst>
+                                  <p:childTnLst>
+                                    <p:set>
+                                      <p:cBhvr>
+                                        <p:cTn id="10" dur="1" fill="hold">
+                                          <p:stCondLst>
+                                            <p:cond delay="0"/>
+                                          </p:stCondLst>
+                                        </p:cTn>
+                                        <p:tgtEl>
+                                          <p:spTgt spid="14"/>
+                                        </p:tgtEl>
+                                        <p:attrNameLst>
+                                          <p:attrName>style.visibility</p:attrName>
+                                        </p:attrNameLst>
+                                      </p:cBhvr>
+                                      <p:to>
+                                        <p:strVal val="visible"/>
+                                      </p:to>
+                                    </p:set>
+                                  </p:childTnLst>
+                                </p:cTn>
+                              </p:par>
+                            </p:childTnLst>
+                          </p:cTn>
+                        </p:par>
+                      </p:childTnLst>
+                    </p:cTn>
+                  </p:par>
+                  <p:par>
+                    <p:cTn id="11" fill="hold">
+                      <p:stCondLst>
+                        <p:cond delay="indefinite"/>
+                      </p:stCondLst>
+                      <p:childTnLst>
+                        <p:par>
+                          <p:cTn id="12" fill="hold">
+                            <p:stCondLst>
+                              <p:cond delay="0"/>
+                            </p:stCondLst>
+                            <p:childTnLst>
+                              <p:par>
+                                <p:cTn id="13" presetID="1" presetClass="entr" presetSubtype="0" fill="hold" grpId="0" nodeType="clickEffect">
+                                  <p:stCondLst>
+                                    <p:cond delay="0"/>
+                                  </p:stCondLst>
+                                  <p:childTnLst>
+                                    <p:set>
+                                      <p:cBhvr>
+                                        <p:cTn id="14" dur="1" fill="hold">
+                                          <p:stCondLst>
+                                            <p:cond delay="0"/>
+                                          </p:stCondLst>
+                                        </p:cTn>
+                                        <p:tgtEl>
+                                          <p:spTgt spid="13"/>
+                                        </p:tgtEl>
+                                        <p:attrNameLst>
+                                          <p:attrName>style.visibility</p:attrName>
+                                        </p:attrNameLst>
+                                      </p:cBhvr>
+                                      <p:to>
+                                        <p:strVal val="visible"/>
+                                      </p:to>
+                                    </p:set>
+                                  </p:childTnLst>
+                                </p:cTn>
+                              </p:par>
+                              <p:par>
+                                <p:cTn id="15" presetID="1" presetClass="entr" presetSubtype="0" fill="hold" nodeType="withEffect">
+                                  <p:stCondLst>
+                                    <p:cond delay="0"/>
+                                  </p:stCondLst>
+                                  <p:childTnLst>
+                                    <p:set>
+                                      <p:cBhvr>
+                                        <p:cTn id="16" dur="1" fill="hold">
+                                          <p:stCondLst>
+                                            <p:cond delay="0"/>
+                                          </p:stCondLst>
+                                        </p:cTn>
+                                        <p:tgtEl>
+                                          <p:spTgt spid="12"/>
+                                        </p:tgtEl>
+                                        <p:attrNameLst>
+                                          <p:attrName>style.visibility</p:attrName>
+                                        </p:attrNameLst>
+                                      </p:cBhvr>
+                                      <p:to>
+                                        <p:strVal val="visible"/>
+                                      </p:to>
+                                    </p:set>
+                                  </p:childTnLst>
+                                </p:cTn>
+                              </p:par>
+                            </p:childTnLst>
+                          </p:cTn>
+                        </p:par>
+                      </p:childTnLst>
+                    </p:cTn>
+                  </p:par>
+                  <p:par>
+                    <p:cTn id="17" fill="hold">
+                      <p:stCondLst>
+                        <p:cond delay="indefinite"/>
+                      </p:stCondLst>
+                      <p:childTnLst>
+                        <p:par>
+                          <p:cTn id="18" fill="hold">
+                            <p:stCondLst>
+                              <p:cond delay="0"/>
+                            </p:stCondLst>
+                            <p:childTnLst>
+                              <p:par>
+                                <p:cTn id="19" presetID="1" presetClass="entr" presetSubtype="0" fill="hold" nodeType="clickEffect">
+                                  <p:stCondLst>
+                                    <p:cond delay="0"/>
+                                  </p:stCondLst>
+                                  <p:childTnLst>
+                                    <p:set>
+                                      <p:cBhvr>
+                                        <p:cTn id="20" dur="1" fill="hold">
+                                          <p:stCondLst>
+                                            <p:cond delay="0"/>
+                                          </p:stCondLst>
+                                        </p:cTn>
+                                        <p:tgtEl>
+                                          <p:spTgt spid="8"/>
+                                        </p:tgtEl>
+                                        <p:attrNameLst>
+                                          <p:attrName>style.visibility</p:attrName>
+                                        </p:attrNameLst>
+                                      </p:cBhvr>
+                                      <p:to>
+                                        <p:strVal val="visible"/>
+                                      </p:to>
+                                    </p:set>
+                                  </p:childTnLst>
+                                </p:cTn>
+                              </p:par>
+                              <p:par>
+                                <p:cTn id="21" presetID="1" presetClass="entr" presetSubtype="0" fill="hold" grpId="0" nodeType="withEffect">
+                                  <p:stCondLst>
+                                    <p:cond delay="0"/>
+                                  </p:stCondLst>
+                                  <p:childTnLst>
+                                    <p:set>
+                                      <p:cBhvr>
+                                        <p:cTn id="22" dur="1" fill="hold">
+                                          <p:stCondLst>
+                                            <p:cond delay="0"/>
+                                          </p:stCondLst>
+                                        </p:cTn>
+                                        <p:tgtEl>
+                                          <p:spTgt spid="16"/>
                                         </p:tgtEl>
                                         <p:attrNameLst>
                                           <p:attrName>style.visibility</p:attrName>
@@ -18490,6 +18626,11 @@
         </p:cTn>
       </p:par>
     </p:tnLst>
+    <p:bldLst>
+      <p:bldP spid="11" grpId="0"/>
+      <p:bldP spid="13" grpId="0"/>
+      <p:bldP spid="16" grpId="0"/>
+    </p:bldLst>
   </p:timing>
 </p:sld>
 </file>
@@ -18516,7 +18657,7 @@
           <p:cNvPr id="9" name="Textfeld 8">
             <a:extLst>
               <a:ext uri="{FF2B5EF4-FFF2-40B4-BE49-F238E27FC236}">
-                <a16:creationId xmlns="" xmlns:a16="http://schemas.microsoft.com/office/drawing/2014/main" id="{99EF8AE6-2CAB-42B6-ADF7-989657C39A05}"/>
+                <a16:creationId xmlns:a16="http://schemas.microsoft.com/office/drawing/2014/main" id="{99EF8AE6-2CAB-42B6-ADF7-989657C39A05}"/>
               </a:ext>
             </a:extLst>
           </p:cNvPr>
@@ -18555,7 +18696,7 @@
           <p:cNvPr id="10" name="Textfeld 9">
             <a:extLst>
               <a:ext uri="{FF2B5EF4-FFF2-40B4-BE49-F238E27FC236}">
-                <a16:creationId xmlns="" xmlns:a16="http://schemas.microsoft.com/office/drawing/2014/main" id="{8FB7EB10-123C-4822-A7C3-B3A38E843864}"/>
+                <a16:creationId xmlns:a16="http://schemas.microsoft.com/office/drawing/2014/main" id="{8FB7EB10-123C-4822-A7C3-B3A38E843864}"/>
               </a:ext>
             </a:extLst>
           </p:cNvPr>
@@ -18621,7 +18762,7 @@
           <p:cNvPr id="4" name="Datumsplatzhalter 3">
             <a:extLst>
               <a:ext uri="{FF2B5EF4-FFF2-40B4-BE49-F238E27FC236}">
-                <a16:creationId xmlns="" xmlns:a16="http://schemas.microsoft.com/office/drawing/2014/main" id="{FF344A04-144B-16EB-5389-0D7BE659EC71}"/>
+                <a16:creationId xmlns:a16="http://schemas.microsoft.com/office/drawing/2014/main" id="{FF344A04-144B-16EB-5389-0D7BE659EC71}"/>
               </a:ext>
             </a:extLst>
           </p:cNvPr>
@@ -18639,7 +18780,7 @@
           <a:p>
             <a:fld id="{002FA19D-C9C7-4BBB-AD2A-E19D71AED798}" type="datetime1">
               <a:rPr lang="de-DE" smtClean="0"/>
-              <a:t>03.07.2022</a:t>
+              <a:t>04.07.2022</a:t>
             </a:fld>
             <a:endParaRPr lang="de-DE"/>
           </a:p>
@@ -18650,7 +18791,7 @@
           <p:cNvPr id="5" name="Foliennummernplatzhalter 4">
             <a:extLst>
               <a:ext uri="{FF2B5EF4-FFF2-40B4-BE49-F238E27FC236}">
-                <a16:creationId xmlns="" xmlns:a16="http://schemas.microsoft.com/office/drawing/2014/main" id="{27896B1A-1E0E-A8D3-52A5-D39E9687B4F0}"/>
+                <a16:creationId xmlns:a16="http://schemas.microsoft.com/office/drawing/2014/main" id="{27896B1A-1E0E-A8D3-52A5-D39E9687B4F0}"/>
               </a:ext>
             </a:extLst>
           </p:cNvPr>
@@ -18679,7 +18820,7 @@
           <p:cNvPr id="7" name="Grafik 6" descr="Ein Bild, das drinnen, Decke, mehrere enthält.&#10;&#10;Automatisch generierte Beschreibung">
             <a:extLst>
               <a:ext uri="{FF2B5EF4-FFF2-40B4-BE49-F238E27FC236}">
-                <a16:creationId xmlns="" xmlns:a16="http://schemas.microsoft.com/office/drawing/2014/main" id="{BD0ECEA2-4D95-D46B-AF06-B946A51F110D}"/>
+                <a16:creationId xmlns:a16="http://schemas.microsoft.com/office/drawing/2014/main" id="{BD0ECEA2-4D95-D46B-AF06-B946A51F110D}"/>
               </a:ext>
             </a:extLst>
           </p:cNvPr>
@@ -18720,13 +18861,6 @@
   <p:clrMapOvr>
     <a:masterClrMapping/>
   </p:clrMapOvr>
-  <p:timing>
-    <p:tnLst>
-      <p:par>
-        <p:cTn id="1" dur="indefinite" restart="never" nodeType="tmRoot"/>
-      </p:par>
-    </p:tnLst>
-  </p:timing>
 </p:sld>
 </file>
 
@@ -18752,7 +18886,7 @@
           <p:cNvPr id="4" name="Grafik 3">
             <a:extLst>
               <a:ext uri="{FF2B5EF4-FFF2-40B4-BE49-F238E27FC236}">
-                <a16:creationId xmlns="" xmlns:a16="http://schemas.microsoft.com/office/drawing/2014/main" id="{3AAE3454-A893-4BE2-9BD4-A571073DAD2B}"/>
+                <a16:creationId xmlns:a16="http://schemas.microsoft.com/office/drawing/2014/main" id="{3AAE3454-A893-4BE2-9BD4-A571073DAD2B}"/>
               </a:ext>
             </a:extLst>
           </p:cNvPr>
@@ -18781,7 +18915,7 @@
           <p:cNvPr id="2" name="Rechteck 1">
             <a:extLst>
               <a:ext uri="{FF2B5EF4-FFF2-40B4-BE49-F238E27FC236}">
-                <a16:creationId xmlns="" xmlns:a16="http://schemas.microsoft.com/office/drawing/2014/main" id="{45D43E9F-DF0F-4878-A90A-DC37CE7ED552}"/>
+                <a16:creationId xmlns:a16="http://schemas.microsoft.com/office/drawing/2014/main" id="{45D43E9F-DF0F-4878-A90A-DC37CE7ED552}"/>
               </a:ext>
             </a:extLst>
           </p:cNvPr>
@@ -18833,7 +18967,7 @@
           <p:cNvPr id="5" name="Rechteck 4">
             <a:extLst>
               <a:ext uri="{FF2B5EF4-FFF2-40B4-BE49-F238E27FC236}">
-                <a16:creationId xmlns="" xmlns:a16="http://schemas.microsoft.com/office/drawing/2014/main" id="{B9EC7890-7B92-4B24-A661-E71A4ECF9B05}"/>
+                <a16:creationId xmlns:a16="http://schemas.microsoft.com/office/drawing/2014/main" id="{B9EC7890-7B92-4B24-A661-E71A4ECF9B05}"/>
               </a:ext>
             </a:extLst>
           </p:cNvPr>
@@ -18885,7 +19019,7 @@
           <p:cNvPr id="3" name="Textfeld 2">
             <a:extLst>
               <a:ext uri="{FF2B5EF4-FFF2-40B4-BE49-F238E27FC236}">
-                <a16:creationId xmlns="" xmlns:a16="http://schemas.microsoft.com/office/drawing/2014/main" id="{812B54DB-CEDB-49B7-A873-6682FF935F0D}"/>
+                <a16:creationId xmlns:a16="http://schemas.microsoft.com/office/drawing/2014/main" id="{812B54DB-CEDB-49B7-A873-6682FF935F0D}"/>
               </a:ext>
             </a:extLst>
           </p:cNvPr>
@@ -18924,7 +19058,7 @@
           <p:cNvPr id="8" name="Textfeld 7">
             <a:extLst>
               <a:ext uri="{FF2B5EF4-FFF2-40B4-BE49-F238E27FC236}">
-                <a16:creationId xmlns="" xmlns:a16="http://schemas.microsoft.com/office/drawing/2014/main" id="{950B26D0-5612-4693-8055-8A15591675C1}"/>
+                <a16:creationId xmlns:a16="http://schemas.microsoft.com/office/drawing/2014/main" id="{950B26D0-5612-4693-8055-8A15591675C1}"/>
               </a:ext>
             </a:extLst>
           </p:cNvPr>
@@ -18963,7 +19097,7 @@
           <p:cNvPr id="10" name="Textfeld 9">
             <a:extLst>
               <a:ext uri="{FF2B5EF4-FFF2-40B4-BE49-F238E27FC236}">
-                <a16:creationId xmlns="" xmlns:a16="http://schemas.microsoft.com/office/drawing/2014/main" id="{2AA783B8-F43E-47DD-A997-00FD73AA254C}"/>
+                <a16:creationId xmlns:a16="http://schemas.microsoft.com/office/drawing/2014/main" id="{2AA783B8-F43E-47DD-A997-00FD73AA254C}"/>
               </a:ext>
             </a:extLst>
           </p:cNvPr>
@@ -19002,7 +19136,7 @@
           <p:cNvPr id="11" name="Rechteck 10">
             <a:extLst>
               <a:ext uri="{FF2B5EF4-FFF2-40B4-BE49-F238E27FC236}">
-                <a16:creationId xmlns="" xmlns:a16="http://schemas.microsoft.com/office/drawing/2014/main" id="{30C39903-ED40-467E-B5B8-DA462BA3FF5B}"/>
+                <a16:creationId xmlns:a16="http://schemas.microsoft.com/office/drawing/2014/main" id="{30C39903-ED40-467E-B5B8-DA462BA3FF5B}"/>
               </a:ext>
             </a:extLst>
           </p:cNvPr>
@@ -19054,7 +19188,7 @@
           <p:cNvPr id="12" name="Rechteck 11">
             <a:extLst>
               <a:ext uri="{FF2B5EF4-FFF2-40B4-BE49-F238E27FC236}">
-                <a16:creationId xmlns="" xmlns:a16="http://schemas.microsoft.com/office/drawing/2014/main" id="{F2C04D2B-AF58-4D54-86C5-2988C79349D2}"/>
+                <a16:creationId xmlns:a16="http://schemas.microsoft.com/office/drawing/2014/main" id="{F2C04D2B-AF58-4D54-86C5-2988C79349D2}"/>
               </a:ext>
             </a:extLst>
           </p:cNvPr>
@@ -19106,7 +19240,7 @@
           <p:cNvPr id="14" name="Textfeld 13">
             <a:extLst>
               <a:ext uri="{FF2B5EF4-FFF2-40B4-BE49-F238E27FC236}">
-                <a16:creationId xmlns="" xmlns:a16="http://schemas.microsoft.com/office/drawing/2014/main" id="{14724C72-D685-42FB-B184-DF454F0FE030}"/>
+                <a16:creationId xmlns:a16="http://schemas.microsoft.com/office/drawing/2014/main" id="{14724C72-D685-42FB-B184-DF454F0FE030}"/>
               </a:ext>
             </a:extLst>
           </p:cNvPr>
@@ -19253,7 +19387,7 @@
           <p:cNvPr id="9" name="Datumsplatzhalter 8">
             <a:extLst>
               <a:ext uri="{FF2B5EF4-FFF2-40B4-BE49-F238E27FC236}">
-                <a16:creationId xmlns="" xmlns:a16="http://schemas.microsoft.com/office/drawing/2014/main" id="{E46D793B-DDFF-1A9F-A76A-4D609246D325}"/>
+                <a16:creationId xmlns:a16="http://schemas.microsoft.com/office/drawing/2014/main" id="{E46D793B-DDFF-1A9F-A76A-4D609246D325}"/>
               </a:ext>
             </a:extLst>
           </p:cNvPr>
@@ -19271,7 +19405,7 @@
           <a:p>
             <a:fld id="{09B59DFE-4DD8-4B8F-9BB6-E6C37C25BA74}" type="datetime1">
               <a:rPr lang="de-DE" smtClean="0"/>
-              <a:t>03.07.2022</a:t>
+              <a:t>04.07.2022</a:t>
             </a:fld>
             <a:endParaRPr lang="de-DE"/>
           </a:p>
@@ -19282,7 +19416,7 @@
           <p:cNvPr id="13" name="Foliennummernplatzhalter 12">
             <a:extLst>
               <a:ext uri="{FF2B5EF4-FFF2-40B4-BE49-F238E27FC236}">
-                <a16:creationId xmlns="" xmlns:a16="http://schemas.microsoft.com/office/drawing/2014/main" id="{B5A82303-6BC5-89F3-7004-4E63847E0E2F}"/>
+                <a16:creationId xmlns:a16="http://schemas.microsoft.com/office/drawing/2014/main" id="{B5A82303-6BC5-89F3-7004-4E63847E0E2F}"/>
               </a:ext>
             </a:extLst>
           </p:cNvPr>
@@ -19812,7 +19946,7 @@
           <p:cNvPr id="9" name="Textfeld 8">
             <a:extLst>
               <a:ext uri="{FF2B5EF4-FFF2-40B4-BE49-F238E27FC236}">
-                <a16:creationId xmlns="" xmlns:a16="http://schemas.microsoft.com/office/drawing/2014/main" id="{99EF8AE6-2CAB-42B6-ADF7-989657C39A05}"/>
+                <a16:creationId xmlns:a16="http://schemas.microsoft.com/office/drawing/2014/main" id="{99EF8AE6-2CAB-42B6-ADF7-989657C39A05}"/>
               </a:ext>
             </a:extLst>
           </p:cNvPr>
@@ -19851,7 +19985,7 @@
           <p:cNvPr id="10" name="Textfeld 9">
             <a:extLst>
               <a:ext uri="{FF2B5EF4-FFF2-40B4-BE49-F238E27FC236}">
-                <a16:creationId xmlns="" xmlns:a16="http://schemas.microsoft.com/office/drawing/2014/main" id="{8FB7EB10-123C-4822-A7C3-B3A38E843864}"/>
+                <a16:creationId xmlns:a16="http://schemas.microsoft.com/office/drawing/2014/main" id="{8FB7EB10-123C-4822-A7C3-B3A38E843864}"/>
               </a:ext>
             </a:extLst>
           </p:cNvPr>
@@ -19981,7 +20115,7 @@
           <p:cNvPr id="4" name="Datumsplatzhalter 3">
             <a:extLst>
               <a:ext uri="{FF2B5EF4-FFF2-40B4-BE49-F238E27FC236}">
-                <a16:creationId xmlns="" xmlns:a16="http://schemas.microsoft.com/office/drawing/2014/main" id="{45F5B4B0-E7A0-2CCF-7696-097D31055219}"/>
+                <a16:creationId xmlns:a16="http://schemas.microsoft.com/office/drawing/2014/main" id="{45F5B4B0-E7A0-2CCF-7696-097D31055219}"/>
               </a:ext>
             </a:extLst>
           </p:cNvPr>
@@ -19999,7 +20133,7 @@
           <a:p>
             <a:fld id="{91BAA01D-511A-4BD2-BC56-01E7F3B811B7}" type="datetime1">
               <a:rPr lang="de-DE" smtClean="0"/>
-              <a:t>03.07.2022</a:t>
+              <a:t>04.07.2022</a:t>
             </a:fld>
             <a:endParaRPr lang="de-DE"/>
           </a:p>
@@ -20010,7 +20144,7 @@
           <p:cNvPr id="5" name="Foliennummernplatzhalter 4">
             <a:extLst>
               <a:ext uri="{FF2B5EF4-FFF2-40B4-BE49-F238E27FC236}">
-                <a16:creationId xmlns="" xmlns:a16="http://schemas.microsoft.com/office/drawing/2014/main" id="{81561876-B91E-658B-BF4D-52297C2D361C}"/>
+                <a16:creationId xmlns:a16="http://schemas.microsoft.com/office/drawing/2014/main" id="{81561876-B91E-658B-BF4D-52297C2D361C}"/>
               </a:ext>
             </a:extLst>
           </p:cNvPr>
